--- a/base/certificado_template.pptx
+++ b/base/certificado_template.pptx
@@ -1,29 +1,129 @@
 
 <file path=ppt/presentation.xml><?xml version="1.0" encoding="utf-8"?>
-<p:presentation xmlns:a="http://schemas.openxmlformats.org/drawingml/2006/main" xmlns:p="http://schemas.openxmlformats.org/presentationml/2006/main" xmlns:r="http://schemas.openxmlformats.org/officeDocument/2006/relationships" xmlns:p14="http://schemas.microsoft.com/office/powerpoint/2010/main" xmlns:p15="http://schemas.microsoft.com/office/powerpoint/2012/main" xmlns:mc="http://schemas.openxmlformats.org/markup-compatibility/2006">
+<p:presentation xmlns:a="http://schemas.openxmlformats.org/drawingml/2006/main" xmlns:r="http://schemas.openxmlformats.org/officeDocument/2006/relationships" xmlns:p="http://schemas.openxmlformats.org/presentationml/2006/main">
   <p:sldMasterIdLst>
-    <p:sldMasterId id="2147483648" r:id="rId2"/>
-    <p:sldMasterId id="2147483650" r:id="rId3"/>
-    <p:sldMasterId id="2147483652" r:id="rId4"/>
-    <p:sldMasterId id="2147483654" r:id="rId5"/>
-    <p:sldMasterId id="2147483656" r:id="rId6"/>
-    <p:sldMasterId id="2147483658" r:id="rId7"/>
-    <p:sldMasterId id="2147483660" r:id="rId8"/>
-    <p:sldMasterId id="2147483662" r:id="rId9"/>
-    <p:sldMasterId id="2147483664" r:id="rId10"/>
-    <p:sldMasterId id="2147483666" r:id="rId11"/>
-    <p:sldMasterId id="2147483668" r:id="rId12"/>
+    <p:sldMasterId id="2147483648" r:id="rId1"/>
+    <p:sldMasterId id="2147483650" r:id="rId2"/>
+    <p:sldMasterId id="2147483652" r:id="rId3"/>
+    <p:sldMasterId id="2147483654" r:id="rId4"/>
+    <p:sldMasterId id="2147483656" r:id="rId5"/>
+    <p:sldMasterId id="2147483658" r:id="rId6"/>
+    <p:sldMasterId id="2147483660" r:id="rId7"/>
+    <p:sldMasterId id="2147483662" r:id="rId8"/>
+    <p:sldMasterId id="2147483664" r:id="rId9"/>
+    <p:sldMasterId id="2147483666" r:id="rId10"/>
+    <p:sldMasterId id="2147483668" r:id="rId11"/>
   </p:sldMasterIdLst>
   <p:sldIdLst>
-    <p:sldId id="256" r:id="rId13"/>
+    <p:sldId id="256" r:id="rId12"/>
   </p:sldIdLst>
   <p:sldSz cx="10693400" cy="7556500"/>
   <p:notesSz cx="7559675" cy="10691813"/>
+  <p:defaultTextStyle>
+    <a:defPPr>
+      <a:defRPr lang="pt-BR"/>
+    </a:defPPr>
+    <a:lvl1pPr marL="0" algn="l" defTabSz="914400" rtl="0" eaLnBrk="1" latinLnBrk="0" hangingPunct="1">
+      <a:defRPr sz="1800" kern="1200">
+        <a:solidFill>
+          <a:schemeClr val="tx1"/>
+        </a:solidFill>
+        <a:latin typeface="+mn-lt"/>
+        <a:ea typeface="+mn-ea"/>
+        <a:cs typeface="+mn-cs"/>
+      </a:defRPr>
+    </a:lvl1pPr>
+    <a:lvl2pPr marL="457200" algn="l" defTabSz="914400" rtl="0" eaLnBrk="1" latinLnBrk="0" hangingPunct="1">
+      <a:defRPr sz="1800" kern="1200">
+        <a:solidFill>
+          <a:schemeClr val="tx1"/>
+        </a:solidFill>
+        <a:latin typeface="+mn-lt"/>
+        <a:ea typeface="+mn-ea"/>
+        <a:cs typeface="+mn-cs"/>
+      </a:defRPr>
+    </a:lvl2pPr>
+    <a:lvl3pPr marL="914400" algn="l" defTabSz="914400" rtl="0" eaLnBrk="1" latinLnBrk="0" hangingPunct="1">
+      <a:defRPr sz="1800" kern="1200">
+        <a:solidFill>
+          <a:schemeClr val="tx1"/>
+        </a:solidFill>
+        <a:latin typeface="+mn-lt"/>
+        <a:ea typeface="+mn-ea"/>
+        <a:cs typeface="+mn-cs"/>
+      </a:defRPr>
+    </a:lvl3pPr>
+    <a:lvl4pPr marL="1371600" algn="l" defTabSz="914400" rtl="0" eaLnBrk="1" latinLnBrk="0" hangingPunct="1">
+      <a:defRPr sz="1800" kern="1200">
+        <a:solidFill>
+          <a:schemeClr val="tx1"/>
+        </a:solidFill>
+        <a:latin typeface="+mn-lt"/>
+        <a:ea typeface="+mn-ea"/>
+        <a:cs typeface="+mn-cs"/>
+      </a:defRPr>
+    </a:lvl4pPr>
+    <a:lvl5pPr marL="1828800" algn="l" defTabSz="914400" rtl="0" eaLnBrk="1" latinLnBrk="0" hangingPunct="1">
+      <a:defRPr sz="1800" kern="1200">
+        <a:solidFill>
+          <a:schemeClr val="tx1"/>
+        </a:solidFill>
+        <a:latin typeface="+mn-lt"/>
+        <a:ea typeface="+mn-ea"/>
+        <a:cs typeface="+mn-cs"/>
+      </a:defRPr>
+    </a:lvl5pPr>
+    <a:lvl6pPr marL="2286000" algn="l" defTabSz="914400" rtl="0" eaLnBrk="1" latinLnBrk="0" hangingPunct="1">
+      <a:defRPr sz="1800" kern="1200">
+        <a:solidFill>
+          <a:schemeClr val="tx1"/>
+        </a:solidFill>
+        <a:latin typeface="+mn-lt"/>
+        <a:ea typeface="+mn-ea"/>
+        <a:cs typeface="+mn-cs"/>
+      </a:defRPr>
+    </a:lvl6pPr>
+    <a:lvl7pPr marL="2743200" algn="l" defTabSz="914400" rtl="0" eaLnBrk="1" latinLnBrk="0" hangingPunct="1">
+      <a:defRPr sz="1800" kern="1200">
+        <a:solidFill>
+          <a:schemeClr val="tx1"/>
+        </a:solidFill>
+        <a:latin typeface="+mn-lt"/>
+        <a:ea typeface="+mn-ea"/>
+        <a:cs typeface="+mn-cs"/>
+      </a:defRPr>
+    </a:lvl7pPr>
+    <a:lvl8pPr marL="3200400" algn="l" defTabSz="914400" rtl="0" eaLnBrk="1" latinLnBrk="0" hangingPunct="1">
+      <a:defRPr sz="1800" kern="1200">
+        <a:solidFill>
+          <a:schemeClr val="tx1"/>
+        </a:solidFill>
+        <a:latin typeface="+mn-lt"/>
+        <a:ea typeface="+mn-ea"/>
+        <a:cs typeface="+mn-cs"/>
+      </a:defRPr>
+    </a:lvl8pPr>
+    <a:lvl9pPr marL="3657600" algn="l" defTabSz="914400" rtl="0" eaLnBrk="1" latinLnBrk="0" hangingPunct="1">
+      <a:defRPr sz="1800" kern="1200">
+        <a:solidFill>
+          <a:schemeClr val="tx1"/>
+        </a:solidFill>
+        <a:latin typeface="+mn-lt"/>
+        <a:ea typeface="+mn-ea"/>
+        <a:cs typeface="+mn-cs"/>
+      </a:defRPr>
+    </a:lvl9pPr>
+  </p:defaultTextStyle>
+  <p:extLst>
+    <p:ext uri="{EFAFB233-063F-42B5-8137-9DF3F51BA10A}">
+      <p15:sldGuideLst xmlns:p15="http://schemas.microsoft.com/office/powerpoint/2012/main"/>
+    </p:ext>
+  </p:extLst>
 </p:presentation>
 </file>
 
 <file path=ppt/slideLayouts/slideLayout1.xml><?xml version="1.0" encoding="utf-8"?>
-<p:sldLayout xmlns:a="http://schemas.openxmlformats.org/drawingml/2006/main" xmlns:p="http://schemas.openxmlformats.org/presentationml/2006/main" xmlns:r="http://schemas.openxmlformats.org/officeDocument/2006/relationships" xmlns:p14="http://schemas.microsoft.com/office/powerpoint/2010/main" xmlns:p15="http://schemas.microsoft.com/office/powerpoint/2012/main" xmlns:mc="http://schemas.openxmlformats.org/markup-compatibility/2006" type="title" preserve="1">
+<p:sldLayout xmlns:a="http://schemas.openxmlformats.org/drawingml/2006/main" xmlns:r="http://schemas.openxmlformats.org/officeDocument/2006/relationships" xmlns:p="http://schemas.openxmlformats.org/presentationml/2006/main" type="title" preserve="1">
   <p:cSld name="Title Slide">
     <p:spTree>
       <p:nvGrpSpPr>
@@ -63,14 +163,15 @@
           </a:ln>
         </p:spPr>
         <p:txBody>
-          <a:bodyPr lIns="0" rIns="0" tIns="0" bIns="0" anchor="ctr">
+          <a:bodyPr lIns="0" tIns="0" rIns="0" bIns="0" anchor="ctr">
             <a:noAutofit/>
           </a:bodyPr>
+          <a:lstStyle/>
           <a:p>
             <a:pPr indent="0">
               <a:buNone/>
             </a:pPr>
-            <a:endParaRPr b="0" lang="en-US" sz="1800" spc="-1" strike="noStrike">
+            <a:endParaRPr lang="en-US" sz="1800" b="0" strike="noStrike" spc="-1">
               <a:solidFill>
                 <a:schemeClr val="dk1"/>
               </a:solidFill>
@@ -103,14 +204,15 @@
           </a:ln>
         </p:spPr>
         <p:txBody>
-          <a:bodyPr lIns="0" rIns="0" tIns="0" bIns="0" anchor="ctr">
+          <a:bodyPr lIns="0" tIns="0" rIns="0" bIns="0" anchor="ctr">
             <a:noAutofit/>
           </a:bodyPr>
+          <a:lstStyle/>
           <a:p>
             <a:pPr indent="0" algn="ctr">
               <a:buNone/>
             </a:pPr>
-            <a:endParaRPr b="0" lang="pt-BR" sz="3200" spc="-1" strike="noStrike">
+            <a:endParaRPr lang="pt-BR" sz="3200" b="0" strike="noStrike" spc="-1">
               <a:solidFill>
                 <a:srgbClr val="000000"/>
               </a:solidFill>
@@ -121,7 +223,7 @@
       </p:sp>
       <p:sp>
         <p:nvSpPr>
-          <p:cNvPr id="4" name="PlaceHolder 3"/>
+          <p:cNvPr id="2" name="PlaceHolder 3"/>
           <p:cNvSpPr>
             <a:spLocks noGrp="1"/>
           </p:cNvSpPr>
@@ -132,6 +234,7 @@
         <p:spPr/>
         <p:txBody>
           <a:bodyPr/>
+          <a:lstStyle/>
           <a:p>
             <a:r>
               <a:t>Footer</a:t>
@@ -141,7 +244,7 @@
       </p:sp>
       <p:sp>
         <p:nvSpPr>
-          <p:cNvPr id="5" name="PlaceHolder 4"/>
+          <p:cNvPr id="3" name="PlaceHolder 4"/>
           <p:cNvSpPr>
             <a:spLocks noGrp="1"/>
           </p:cNvSpPr>
@@ -152,10 +255,12 @@
         <p:spPr/>
         <p:txBody>
           <a:bodyPr/>
+          <a:lstStyle/>
           <a:p>
             <a:fld id="{0BCC9DDB-3E69-47DD-AA9C-D57DCAABD31F}" type="slidenum">
-              <a:t>&lt;#&gt;</a:t>
+              <a:t>‹nº›</a:t>
             </a:fld>
+            <a:endParaRPr/>
           </a:p>
         </p:txBody>
       </p:sp>
@@ -172,21 +277,22 @@
         <p:spPr/>
         <p:txBody>
           <a:bodyPr/>
-          <a:p>
-            <a:r>
-              <a:rPr lang="pt-BR"/>
-              <a:t/>
-            </a:r>
+          <a:lstStyle/>
+          <a:p>
+            <a:endParaRPr/>
           </a:p>
         </p:txBody>
       </p:sp>
     </p:spTree>
   </p:cSld>
+  <p:clrMapOvr>
+    <a:masterClrMapping/>
+  </p:clrMapOvr>
 </p:sldLayout>
 </file>
 
 <file path=ppt/slideLayouts/slideLayout10.xml><?xml version="1.0" encoding="utf-8"?>
-<p:sldLayout xmlns:a="http://schemas.openxmlformats.org/drawingml/2006/main" xmlns:p="http://schemas.openxmlformats.org/presentationml/2006/main" xmlns:r="http://schemas.openxmlformats.org/officeDocument/2006/relationships" xmlns:p14="http://schemas.microsoft.com/office/powerpoint/2010/main" xmlns:p15="http://schemas.microsoft.com/office/powerpoint/2012/main" xmlns:mc="http://schemas.openxmlformats.org/markup-compatibility/2006" type="blank" preserve="1">
+<p:sldLayout xmlns:a="http://schemas.openxmlformats.org/drawingml/2006/main" xmlns:r="http://schemas.openxmlformats.org/officeDocument/2006/relationships" xmlns:p="http://schemas.openxmlformats.org/presentationml/2006/main" type="blank" preserve="1">
   <p:cSld name="Content with Caption">
     <p:spTree>
       <p:nvGrpSpPr>
@@ -215,6 +321,7 @@
         <p:spPr/>
         <p:txBody>
           <a:bodyPr/>
+          <a:lstStyle/>
           <a:p>
             <a:r>
               <a:t>Footer</a:t>
@@ -235,10 +342,12 @@
         <p:spPr/>
         <p:txBody>
           <a:bodyPr/>
+          <a:lstStyle/>
           <a:p>
             <a:fld id="{9629840F-ED3B-4290-80E3-7EBE0E146741}" type="slidenum">
-              <a:t>&lt;#&gt;</a:t>
+              <a:t>‹nº›</a:t>
             </a:fld>
+            <a:endParaRPr/>
           </a:p>
         </p:txBody>
       </p:sp>
@@ -255,21 +364,22 @@
         <p:spPr/>
         <p:txBody>
           <a:bodyPr/>
-          <a:p>
-            <a:r>
-              <a:rPr lang="pt-BR"/>
-              <a:t/>
-            </a:r>
+          <a:lstStyle/>
+          <a:p>
+            <a:endParaRPr/>
           </a:p>
         </p:txBody>
       </p:sp>
     </p:spTree>
   </p:cSld>
+  <p:clrMapOvr>
+    <a:masterClrMapping/>
+  </p:clrMapOvr>
 </p:sldLayout>
 </file>
 
 <file path=ppt/slideLayouts/slideLayout11.xml><?xml version="1.0" encoding="utf-8"?>
-<p:sldLayout xmlns:a="http://schemas.openxmlformats.org/drawingml/2006/main" xmlns:p="http://schemas.openxmlformats.org/presentationml/2006/main" xmlns:r="http://schemas.openxmlformats.org/officeDocument/2006/relationships" xmlns:p14="http://schemas.microsoft.com/office/powerpoint/2010/main" xmlns:p15="http://schemas.microsoft.com/office/powerpoint/2012/main" xmlns:mc="http://schemas.openxmlformats.org/markup-compatibility/2006" type="blank" preserve="1">
+<p:sldLayout xmlns:a="http://schemas.openxmlformats.org/drawingml/2006/main" xmlns:r="http://schemas.openxmlformats.org/officeDocument/2006/relationships" xmlns:p="http://schemas.openxmlformats.org/presentationml/2006/main" type="blank" preserve="1">
   <p:cSld name="Picture with Caption">
     <p:spTree>
       <p:nvGrpSpPr>
@@ -298,6 +408,7 @@
         <p:spPr/>
         <p:txBody>
           <a:bodyPr/>
+          <a:lstStyle/>
           <a:p>
             <a:r>
               <a:t>Footer</a:t>
@@ -318,10 +429,12 @@
         <p:spPr/>
         <p:txBody>
           <a:bodyPr/>
+          <a:lstStyle/>
           <a:p>
             <a:fld id="{A2B2E58F-A5C9-4F0F-99F3-DFE29ECB7442}" type="slidenum">
-              <a:t>&lt;#&gt;</a:t>
+              <a:t>‹nº›</a:t>
             </a:fld>
+            <a:endParaRPr/>
           </a:p>
         </p:txBody>
       </p:sp>
@@ -338,21 +451,22 @@
         <p:spPr/>
         <p:txBody>
           <a:bodyPr/>
-          <a:p>
-            <a:r>
-              <a:rPr lang="pt-BR"/>
-              <a:t/>
-            </a:r>
+          <a:lstStyle/>
+          <a:p>
+            <a:endParaRPr/>
           </a:p>
         </p:txBody>
       </p:sp>
     </p:spTree>
   </p:cSld>
+  <p:clrMapOvr>
+    <a:masterClrMapping/>
+  </p:clrMapOvr>
 </p:sldLayout>
 </file>
 
 <file path=ppt/slideLayouts/slideLayout2.xml><?xml version="1.0" encoding="utf-8"?>
-<p:sldLayout xmlns:a="http://schemas.openxmlformats.org/drawingml/2006/main" xmlns:p="http://schemas.openxmlformats.org/presentationml/2006/main" xmlns:r="http://schemas.openxmlformats.org/officeDocument/2006/relationships" xmlns:p14="http://schemas.microsoft.com/office/powerpoint/2010/main" xmlns:p15="http://schemas.microsoft.com/office/powerpoint/2012/main" xmlns:mc="http://schemas.openxmlformats.org/markup-compatibility/2006" type="vertTx" preserve="1">
+<p:sldLayout xmlns:a="http://schemas.openxmlformats.org/drawingml/2006/main" xmlns:r="http://schemas.openxmlformats.org/officeDocument/2006/relationships" xmlns:p="http://schemas.openxmlformats.org/presentationml/2006/main" type="vertTx" preserve="1">
   <p:cSld name="Title and Vertical Text">
     <p:spTree>
       <p:nvGrpSpPr>
@@ -381,6 +495,7 @@
         <p:spPr/>
         <p:txBody>
           <a:bodyPr/>
+          <a:lstStyle/>
           <a:p>
             <a:r>
               <a:t>Footer</a:t>
@@ -401,10 +516,12 @@
         <p:spPr/>
         <p:txBody>
           <a:bodyPr/>
+          <a:lstStyle/>
           <a:p>
             <a:fld id="{6B06EE97-5B4D-424D-88ED-0D565C36F56D}" type="slidenum">
-              <a:t>&lt;#&gt;</a:t>
+              <a:t>‹nº›</a:t>
             </a:fld>
+            <a:endParaRPr/>
           </a:p>
         </p:txBody>
       </p:sp>
@@ -421,21 +538,22 @@
         <p:spPr/>
         <p:txBody>
           <a:bodyPr/>
-          <a:p>
-            <a:r>
-              <a:rPr lang="pt-BR"/>
-              <a:t/>
-            </a:r>
+          <a:lstStyle/>
+          <a:p>
+            <a:endParaRPr/>
           </a:p>
         </p:txBody>
       </p:sp>
     </p:spTree>
   </p:cSld>
+  <p:clrMapOvr>
+    <a:masterClrMapping/>
+  </p:clrMapOvr>
 </p:sldLayout>
 </file>
 
 <file path=ppt/slideLayouts/slideLayout3.xml><?xml version="1.0" encoding="utf-8"?>
-<p:sldLayout xmlns:a="http://schemas.openxmlformats.org/drawingml/2006/main" xmlns:p="http://schemas.openxmlformats.org/presentationml/2006/main" xmlns:r="http://schemas.openxmlformats.org/officeDocument/2006/relationships" xmlns:p14="http://schemas.microsoft.com/office/powerpoint/2010/main" xmlns:p15="http://schemas.microsoft.com/office/powerpoint/2012/main" xmlns:mc="http://schemas.openxmlformats.org/markup-compatibility/2006" type="vertTitleAndTx" preserve="1">
+<p:sldLayout xmlns:a="http://schemas.openxmlformats.org/drawingml/2006/main" xmlns:r="http://schemas.openxmlformats.org/officeDocument/2006/relationships" xmlns:p="http://schemas.openxmlformats.org/presentationml/2006/main" type="vertTitleAndTx" preserve="1">
   <p:cSld name="Vertical Title and Text">
     <p:spTree>
       <p:nvGrpSpPr>
@@ -464,6 +582,7 @@
         <p:spPr/>
         <p:txBody>
           <a:bodyPr/>
+          <a:lstStyle/>
           <a:p>
             <a:r>
               <a:t>Footer</a:t>
@@ -484,10 +603,12 @@
         <p:spPr/>
         <p:txBody>
           <a:bodyPr/>
+          <a:lstStyle/>
           <a:p>
             <a:fld id="{13C1115D-DE54-4D68-A2C2-29DB50A39603}" type="slidenum">
-              <a:t>&lt;#&gt;</a:t>
+              <a:t>‹nº›</a:t>
             </a:fld>
+            <a:endParaRPr/>
           </a:p>
         </p:txBody>
       </p:sp>
@@ -504,21 +625,22 @@
         <p:spPr/>
         <p:txBody>
           <a:bodyPr/>
-          <a:p>
-            <a:r>
-              <a:rPr lang="pt-BR"/>
-              <a:t/>
-            </a:r>
+          <a:lstStyle/>
+          <a:p>
+            <a:endParaRPr/>
           </a:p>
         </p:txBody>
       </p:sp>
     </p:spTree>
   </p:cSld>
+  <p:clrMapOvr>
+    <a:masterClrMapping/>
+  </p:clrMapOvr>
 </p:sldLayout>
 </file>
 
 <file path=ppt/slideLayouts/slideLayout4.xml><?xml version="1.0" encoding="utf-8"?>
-<p:sldLayout xmlns:a="http://schemas.openxmlformats.org/drawingml/2006/main" xmlns:p="http://schemas.openxmlformats.org/presentationml/2006/main" xmlns:r="http://schemas.openxmlformats.org/officeDocument/2006/relationships" xmlns:p14="http://schemas.microsoft.com/office/powerpoint/2010/main" xmlns:p15="http://schemas.microsoft.com/office/powerpoint/2012/main" xmlns:mc="http://schemas.openxmlformats.org/markup-compatibility/2006" type="obj" preserve="1">
+<p:sldLayout xmlns:a="http://schemas.openxmlformats.org/drawingml/2006/main" xmlns:r="http://schemas.openxmlformats.org/officeDocument/2006/relationships" xmlns:p="http://schemas.openxmlformats.org/presentationml/2006/main" type="obj" preserve="1">
   <p:cSld name="Title and Content">
     <p:spTree>
       <p:nvGrpSpPr>
@@ -558,14 +680,15 @@
           </a:ln>
         </p:spPr>
         <p:txBody>
-          <a:bodyPr lIns="0" rIns="0" tIns="0" bIns="0" anchor="ctr">
+          <a:bodyPr lIns="0" tIns="0" rIns="0" bIns="0" anchor="ctr">
             <a:noAutofit/>
           </a:bodyPr>
+          <a:lstStyle/>
           <a:p>
             <a:pPr indent="0">
               <a:buNone/>
             </a:pPr>
-            <a:endParaRPr b="0" lang="en-US" sz="1800" spc="-1" strike="noStrike">
+            <a:endParaRPr lang="en-US" sz="1800" b="0" strike="noStrike" spc="-1">
               <a:solidFill>
                 <a:schemeClr val="dk1"/>
               </a:solidFill>
@@ -598,9 +721,10 @@
           </a:ln>
         </p:spPr>
         <p:txBody>
-          <a:bodyPr lIns="0" rIns="0" tIns="0" bIns="0" anchor="t">
+          <a:bodyPr lIns="0" tIns="0" rIns="0" bIns="0" anchor="t">
             <a:normAutofit/>
           </a:bodyPr>
+          <a:lstStyle/>
           <a:p>
             <a:pPr indent="0">
               <a:spcBef>
@@ -608,7 +732,7 @@
               </a:spcBef>
               <a:buNone/>
             </a:pPr>
-            <a:endParaRPr b="0" lang="en-US" sz="3200" spc="-1" strike="noStrike">
+            <a:endParaRPr lang="en-US" sz="3200" b="0" strike="noStrike" spc="-1">
               <a:solidFill>
                 <a:schemeClr val="dk1"/>
               </a:solidFill>
@@ -630,6 +754,7 @@
         <p:spPr/>
         <p:txBody>
           <a:bodyPr/>
+          <a:lstStyle/>
           <a:p>
             <a:r>
               <a:t>Footer</a:t>
@@ -650,10 +775,12 @@
         <p:spPr/>
         <p:txBody>
           <a:bodyPr/>
+          <a:lstStyle/>
           <a:p>
             <a:fld id="{C7717146-FEC5-4122-80EC-B132E1A00589}" type="slidenum">
-              <a:t>&lt;#&gt;</a:t>
+              <a:t>‹nº›</a:t>
             </a:fld>
+            <a:endParaRPr/>
           </a:p>
         </p:txBody>
       </p:sp>
@@ -670,21 +797,22 @@
         <p:spPr/>
         <p:txBody>
           <a:bodyPr/>
-          <a:p>
-            <a:r>
-              <a:rPr lang="pt-BR"/>
-              <a:t/>
-            </a:r>
+          <a:lstStyle/>
+          <a:p>
+            <a:endParaRPr/>
           </a:p>
         </p:txBody>
       </p:sp>
     </p:spTree>
   </p:cSld>
+  <p:clrMapOvr>
+    <a:masterClrMapping/>
+  </p:clrMapOvr>
 </p:sldLayout>
 </file>
 
 <file path=ppt/slideLayouts/slideLayout5.xml><?xml version="1.0" encoding="utf-8"?>
-<p:sldLayout xmlns:a="http://schemas.openxmlformats.org/drawingml/2006/main" xmlns:p="http://schemas.openxmlformats.org/presentationml/2006/main" xmlns:r="http://schemas.openxmlformats.org/officeDocument/2006/relationships" xmlns:p14="http://schemas.microsoft.com/office/powerpoint/2010/main" xmlns:p15="http://schemas.microsoft.com/office/powerpoint/2012/main" xmlns:mc="http://schemas.openxmlformats.org/markup-compatibility/2006" type="blank" preserve="1">
+<p:sldLayout xmlns:a="http://schemas.openxmlformats.org/drawingml/2006/main" xmlns:r="http://schemas.openxmlformats.org/officeDocument/2006/relationships" xmlns:p="http://schemas.openxmlformats.org/presentationml/2006/main" type="blank" preserve="1">
   <p:cSld name="Section Header">
     <p:spTree>
       <p:nvGrpSpPr>
@@ -713,6 +841,7 @@
         <p:spPr/>
         <p:txBody>
           <a:bodyPr/>
+          <a:lstStyle/>
           <a:p>
             <a:r>
               <a:t>Footer</a:t>
@@ -733,10 +862,12 @@
         <p:spPr/>
         <p:txBody>
           <a:bodyPr/>
+          <a:lstStyle/>
           <a:p>
             <a:fld id="{0EB67B69-58B9-4B53-8512-4577C070F76A}" type="slidenum">
-              <a:t>&lt;#&gt;</a:t>
+              <a:t>‹nº›</a:t>
             </a:fld>
+            <a:endParaRPr/>
           </a:p>
         </p:txBody>
       </p:sp>
@@ -753,21 +884,22 @@
         <p:spPr/>
         <p:txBody>
           <a:bodyPr/>
-          <a:p>
-            <a:r>
-              <a:rPr lang="pt-BR"/>
-              <a:t/>
-            </a:r>
+          <a:lstStyle/>
+          <a:p>
+            <a:endParaRPr/>
           </a:p>
         </p:txBody>
       </p:sp>
     </p:spTree>
   </p:cSld>
+  <p:clrMapOvr>
+    <a:masterClrMapping/>
+  </p:clrMapOvr>
 </p:sldLayout>
 </file>
 
 <file path=ppt/slideLayouts/slideLayout6.xml><?xml version="1.0" encoding="utf-8"?>
-<p:sldLayout xmlns:a="http://schemas.openxmlformats.org/drawingml/2006/main" xmlns:p="http://schemas.openxmlformats.org/presentationml/2006/main" xmlns:r="http://schemas.openxmlformats.org/officeDocument/2006/relationships" xmlns:p14="http://schemas.microsoft.com/office/powerpoint/2010/main" xmlns:p15="http://schemas.microsoft.com/office/powerpoint/2012/main" xmlns:mc="http://schemas.openxmlformats.org/markup-compatibility/2006" type="twoObj" preserve="1">
+<p:sldLayout xmlns:a="http://schemas.openxmlformats.org/drawingml/2006/main" xmlns:r="http://schemas.openxmlformats.org/officeDocument/2006/relationships" xmlns:p="http://schemas.openxmlformats.org/presentationml/2006/main" type="twoObj" preserve="1">
   <p:cSld name="Two Content">
     <p:spTree>
       <p:nvGrpSpPr>
@@ -807,14 +939,15 @@
           </a:ln>
         </p:spPr>
         <p:txBody>
-          <a:bodyPr lIns="0" rIns="0" tIns="0" bIns="0" anchor="ctr">
+          <a:bodyPr lIns="0" tIns="0" rIns="0" bIns="0" anchor="ctr">
             <a:noAutofit/>
           </a:bodyPr>
+          <a:lstStyle/>
           <a:p>
             <a:pPr indent="0">
               <a:buNone/>
             </a:pPr>
-            <a:endParaRPr b="0" lang="en-US" sz="1800" spc="-1" strike="noStrike">
+            <a:endParaRPr lang="en-US" sz="1800" b="0" strike="noStrike" spc="-1">
               <a:solidFill>
                 <a:schemeClr val="dk1"/>
               </a:solidFill>
@@ -847,9 +980,10 @@
           </a:ln>
         </p:spPr>
         <p:txBody>
-          <a:bodyPr lIns="0" rIns="0" tIns="0" bIns="0" anchor="t">
+          <a:bodyPr lIns="0" tIns="0" rIns="0" bIns="0" anchor="t">
             <a:normAutofit/>
           </a:bodyPr>
+          <a:lstStyle/>
           <a:p>
             <a:pPr indent="0">
               <a:spcBef>
@@ -857,7 +991,7 @@
               </a:spcBef>
               <a:buNone/>
             </a:pPr>
-            <a:endParaRPr b="0" lang="en-US" sz="3200" spc="-1" strike="noStrike">
+            <a:endParaRPr lang="en-US" sz="3200" b="0" strike="noStrike" spc="-1">
               <a:solidFill>
                 <a:schemeClr val="dk1"/>
               </a:solidFill>
@@ -890,9 +1024,10 @@
           </a:ln>
         </p:spPr>
         <p:txBody>
-          <a:bodyPr lIns="0" rIns="0" tIns="0" bIns="0" anchor="t">
+          <a:bodyPr lIns="0" tIns="0" rIns="0" bIns="0" anchor="t">
             <a:normAutofit/>
           </a:bodyPr>
+          <a:lstStyle/>
           <a:p>
             <a:pPr indent="0">
               <a:spcBef>
@@ -900,7 +1035,7 @@
               </a:spcBef>
               <a:buNone/>
             </a:pPr>
-            <a:endParaRPr b="0" lang="en-US" sz="3200" spc="-1" strike="noStrike">
+            <a:endParaRPr lang="en-US" sz="3200" b="0" strike="noStrike" spc="-1">
               <a:solidFill>
                 <a:schemeClr val="dk1"/>
               </a:solidFill>
@@ -922,6 +1057,7 @@
         <p:spPr/>
         <p:txBody>
           <a:bodyPr/>
+          <a:lstStyle/>
           <a:p>
             <a:r>
               <a:t>Footer</a:t>
@@ -942,10 +1078,12 @@
         <p:spPr/>
         <p:txBody>
           <a:bodyPr/>
+          <a:lstStyle/>
           <a:p>
             <a:fld id="{76C0E320-A90A-47B5-8008-B54733AAE62C}" type="slidenum">
-              <a:t>&lt;#&gt;</a:t>
+              <a:t>‹nº›</a:t>
             </a:fld>
+            <a:endParaRPr/>
           </a:p>
         </p:txBody>
       </p:sp>
@@ -962,21 +1100,22 @@
         <p:spPr/>
         <p:txBody>
           <a:bodyPr/>
-          <a:p>
-            <a:r>
-              <a:rPr lang="pt-BR"/>
-              <a:t/>
-            </a:r>
+          <a:lstStyle/>
+          <a:p>
+            <a:endParaRPr/>
           </a:p>
         </p:txBody>
       </p:sp>
     </p:spTree>
   </p:cSld>
+  <p:clrMapOvr>
+    <a:masterClrMapping/>
+  </p:clrMapOvr>
 </p:sldLayout>
 </file>
 
 <file path=ppt/slideLayouts/slideLayout7.xml><?xml version="1.0" encoding="utf-8"?>
-<p:sldLayout xmlns:a="http://schemas.openxmlformats.org/drawingml/2006/main" xmlns:p="http://schemas.openxmlformats.org/presentationml/2006/main" xmlns:r="http://schemas.openxmlformats.org/officeDocument/2006/relationships" xmlns:p14="http://schemas.microsoft.com/office/powerpoint/2010/main" xmlns:p15="http://schemas.microsoft.com/office/powerpoint/2012/main" xmlns:mc="http://schemas.openxmlformats.org/markup-compatibility/2006" type="blank" preserve="1">
+<p:sldLayout xmlns:a="http://schemas.openxmlformats.org/drawingml/2006/main" xmlns:r="http://schemas.openxmlformats.org/officeDocument/2006/relationships" xmlns:p="http://schemas.openxmlformats.org/presentationml/2006/main" type="blank" preserve="1">
   <p:cSld name="Comparison">
     <p:spTree>
       <p:nvGrpSpPr>
@@ -1005,6 +1144,7 @@
         <p:spPr/>
         <p:txBody>
           <a:bodyPr/>
+          <a:lstStyle/>
           <a:p>
             <a:r>
               <a:t>Footer</a:t>
@@ -1025,10 +1165,12 @@
         <p:spPr/>
         <p:txBody>
           <a:bodyPr/>
+          <a:lstStyle/>
           <a:p>
             <a:fld id="{7FC0DC8F-365E-4E82-B914-98E47701AB72}" type="slidenum">
-              <a:t>&lt;#&gt;</a:t>
+              <a:t>‹nº›</a:t>
             </a:fld>
+            <a:endParaRPr/>
           </a:p>
         </p:txBody>
       </p:sp>
@@ -1045,21 +1187,22 @@
         <p:spPr/>
         <p:txBody>
           <a:bodyPr/>
-          <a:p>
-            <a:r>
-              <a:rPr lang="pt-BR"/>
-              <a:t/>
-            </a:r>
+          <a:lstStyle/>
+          <a:p>
+            <a:endParaRPr/>
           </a:p>
         </p:txBody>
       </p:sp>
     </p:spTree>
   </p:cSld>
+  <p:clrMapOvr>
+    <a:masterClrMapping/>
+  </p:clrMapOvr>
 </p:sldLayout>
 </file>
 
 <file path=ppt/slideLayouts/slideLayout8.xml><?xml version="1.0" encoding="utf-8"?>
-<p:sldLayout xmlns:a="http://schemas.openxmlformats.org/drawingml/2006/main" xmlns:p="http://schemas.openxmlformats.org/presentationml/2006/main" xmlns:r="http://schemas.openxmlformats.org/officeDocument/2006/relationships" xmlns:p14="http://schemas.microsoft.com/office/powerpoint/2010/main" xmlns:p15="http://schemas.microsoft.com/office/powerpoint/2012/main" xmlns:mc="http://schemas.openxmlformats.org/markup-compatibility/2006" type="titleOnly" preserve="1">
+<p:sldLayout xmlns:a="http://schemas.openxmlformats.org/drawingml/2006/main" xmlns:r="http://schemas.openxmlformats.org/officeDocument/2006/relationships" xmlns:p="http://schemas.openxmlformats.org/presentationml/2006/main" type="titleOnly" preserve="1">
   <p:cSld name="Title Only">
     <p:spTree>
       <p:nvGrpSpPr>
@@ -1099,14 +1242,15 @@
           </a:ln>
         </p:spPr>
         <p:txBody>
-          <a:bodyPr lIns="0" rIns="0" tIns="0" bIns="0" anchor="ctr">
+          <a:bodyPr lIns="0" tIns="0" rIns="0" bIns="0" anchor="ctr">
             <a:noAutofit/>
           </a:bodyPr>
+          <a:lstStyle/>
           <a:p>
             <a:pPr indent="0">
               <a:buNone/>
             </a:pPr>
-            <a:endParaRPr b="0" lang="en-US" sz="1800" spc="-1" strike="noStrike">
+            <a:endParaRPr lang="en-US" sz="1800" b="0" strike="noStrike" spc="-1">
               <a:solidFill>
                 <a:schemeClr val="dk1"/>
               </a:solidFill>
@@ -1128,6 +1272,7 @@
         <p:spPr/>
         <p:txBody>
           <a:bodyPr/>
+          <a:lstStyle/>
           <a:p>
             <a:r>
               <a:t>Footer</a:t>
@@ -1148,10 +1293,12 @@
         <p:spPr/>
         <p:txBody>
           <a:bodyPr/>
+          <a:lstStyle/>
           <a:p>
             <a:fld id="{0380A175-493E-4588-AF5E-A392A8D35098}" type="slidenum">
-              <a:t>&lt;#&gt;</a:t>
+              <a:t>‹nº›</a:t>
             </a:fld>
+            <a:endParaRPr/>
           </a:p>
         </p:txBody>
       </p:sp>
@@ -1168,21 +1315,22 @@
         <p:spPr/>
         <p:txBody>
           <a:bodyPr/>
-          <a:p>
-            <a:r>
-              <a:rPr lang="pt-BR"/>
-              <a:t/>
-            </a:r>
+          <a:lstStyle/>
+          <a:p>
+            <a:endParaRPr/>
           </a:p>
         </p:txBody>
       </p:sp>
     </p:spTree>
   </p:cSld>
+  <p:clrMapOvr>
+    <a:masterClrMapping/>
+  </p:clrMapOvr>
 </p:sldLayout>
 </file>
 
 <file path=ppt/slideLayouts/slideLayout9.xml><?xml version="1.0" encoding="utf-8"?>
-<p:sldLayout xmlns:a="http://schemas.openxmlformats.org/drawingml/2006/main" xmlns:p="http://schemas.openxmlformats.org/presentationml/2006/main" xmlns:r="http://schemas.openxmlformats.org/officeDocument/2006/relationships" xmlns:p14="http://schemas.microsoft.com/office/powerpoint/2010/main" xmlns:p15="http://schemas.microsoft.com/office/powerpoint/2012/main" xmlns:mc="http://schemas.openxmlformats.org/markup-compatibility/2006" type="blank" preserve="1">
+<p:sldLayout xmlns:a="http://schemas.openxmlformats.org/drawingml/2006/main" xmlns:r="http://schemas.openxmlformats.org/officeDocument/2006/relationships" xmlns:p="http://schemas.openxmlformats.org/presentationml/2006/main" type="blank" preserve="1">
   <p:cSld name="Blank">
     <p:spTree>
       <p:nvGrpSpPr>
@@ -1211,6 +1359,7 @@
         <p:spPr/>
         <p:txBody>
           <a:bodyPr/>
+          <a:lstStyle/>
           <a:p>
             <a:r>
               <a:t>Footer</a:t>
@@ -1231,10 +1380,12 @@
         <p:spPr/>
         <p:txBody>
           <a:bodyPr/>
+          <a:lstStyle/>
           <a:p>
             <a:fld id="{450C3E7B-0ED0-4350-AD26-342849449E8A}" type="slidenum">
-              <a:t>&lt;#&gt;</a:t>
+              <a:t>‹nº›</a:t>
             </a:fld>
+            <a:endParaRPr/>
           </a:p>
         </p:txBody>
       </p:sp>
@@ -1251,27 +1402,29 @@
         <p:spPr/>
         <p:txBody>
           <a:bodyPr/>
-          <a:p>
-            <a:r>
-              <a:rPr lang="pt-BR"/>
-              <a:t/>
-            </a:r>
+          <a:lstStyle/>
+          <a:p>
+            <a:endParaRPr/>
           </a:p>
         </p:txBody>
       </p:sp>
     </p:spTree>
   </p:cSld>
+  <p:clrMapOvr>
+    <a:masterClrMapping/>
+  </p:clrMapOvr>
 </p:sldLayout>
 </file>
 
 <file path=ppt/slideMasters/slideMaster1.xml><?xml version="1.0" encoding="utf-8"?>
-<p:sldMaster xmlns:a="http://schemas.openxmlformats.org/drawingml/2006/main" xmlns:p="http://schemas.openxmlformats.org/presentationml/2006/main" xmlns:r="http://schemas.openxmlformats.org/officeDocument/2006/relationships" xmlns:p14="http://schemas.microsoft.com/office/powerpoint/2010/main" xmlns:p15="http://schemas.microsoft.com/office/powerpoint/2012/main" xmlns:mc="http://schemas.openxmlformats.org/markup-compatibility/2006">
+<p:sldMaster xmlns:a="http://schemas.openxmlformats.org/drawingml/2006/main" xmlns:r="http://schemas.openxmlformats.org/officeDocument/2006/relationships" xmlns:p="http://schemas.openxmlformats.org/presentationml/2006/main">
   <p:cSld>
     <p:bg>
       <p:bgPr>
         <a:solidFill>
-          <a:srgbClr val="ffffff"/>
+          <a:srgbClr val="FFFFFF"/>
         </a:solidFill>
+        <a:effectLst/>
       </p:bgPr>
     </p:bg>
     <p:spTree>
@@ -1290,7 +1443,7 @@
       </p:grpSpPr>
       <p:sp>
         <p:nvSpPr>
-          <p:cNvPr id="0" name="PlaceHolder 1"/>
+          <p:cNvPr id="4" name="PlaceHolder 1"/>
           <p:cNvSpPr>
             <a:spLocks noGrp="1"/>
           </p:cNvSpPr>
@@ -1312,9 +1465,10 @@
           </a:ln>
         </p:spPr>
         <p:txBody>
-          <a:bodyPr lIns="91440" rIns="91440" tIns="45720" bIns="45720" anchor="ctr">
+          <a:bodyPr lIns="91440" tIns="45720" rIns="91440" bIns="45720" anchor="ctr">
             <a:noAutofit/>
           </a:bodyPr>
+          <a:lstStyle/>
           <a:p>
             <a:pPr indent="0" algn="ctr" defTabSz="914400">
               <a:lnSpc>
@@ -1323,7 +1477,7 @@
               <a:buNone/>
             </a:pPr>
             <a:r>
-              <a:rPr b="0" lang="en-US" sz="4400" spc="-1" strike="noStrike">
+              <a:rPr lang="en-US" sz="4400" b="0" strike="noStrike" spc="-1">
                 <a:solidFill>
                   <a:schemeClr val="dk1"/>
                 </a:solidFill>
@@ -1331,18 +1485,12 @@
               </a:rPr>
               <a:t>Click to edit Master title style</a:t>
             </a:r>
-            <a:endParaRPr b="0" lang="en-US" sz="4400" spc="-1" strike="noStrike">
-              <a:solidFill>
-                <a:schemeClr val="dk1"/>
-              </a:solidFill>
-              <a:latin typeface="Calibri"/>
-            </a:endParaRPr>
           </a:p>
         </p:txBody>
       </p:sp>
       <p:sp>
         <p:nvSpPr>
-          <p:cNvPr id="1" name="PlaceHolder 2"/>
+          <p:cNvPr id="5" name="PlaceHolder 2"/>
           <p:cNvSpPr>
             <a:spLocks noGrp="1"/>
           </p:cNvSpPr>
@@ -1364,7 +1512,7 @@
           </a:ln>
         </p:spPr>
         <p:txBody>
-          <a:bodyPr lIns="91440" rIns="91440" tIns="45720" bIns="45720" anchor="ctr">
+          <a:bodyPr lIns="91440" tIns="45720" rIns="91440" bIns="45720" anchor="ctr">
             <a:noAutofit/>
           </a:bodyPr>
           <a:lstStyle>
@@ -1373,7 +1521,7 @@
                 <a:spcPct val="100000"/>
               </a:lnSpc>
               <a:buNone/>
-              <a:defRPr b="0" lang="en-US" sz="1200" spc="-1" strike="noStrike">
+              <a:defRPr lang="en-US" sz="1200" b="0" strike="noStrike" spc="-1">
                 <a:solidFill>
                   <a:schemeClr val="dk1">
                     <a:tint val="75000"/>
@@ -1391,7 +1539,7 @@
               <a:buNone/>
             </a:pPr>
             <a:r>
-              <a:rPr b="0" lang="en-US" sz="1200" spc="-1" strike="noStrike">
+              <a:rPr lang="en-US" sz="1200" b="0" strike="noStrike" spc="-1">
                 <a:solidFill>
                   <a:schemeClr val="dk1">
                     <a:tint val="75000"/>
@@ -1401,7 +1549,7 @@
               </a:rPr>
               <a:t>&lt;data/hora&gt;</a:t>
             </a:r>
-            <a:endParaRPr b="0" lang="pt-BR" sz="1200" spc="-1" strike="noStrike">
+            <a:endParaRPr lang="pt-BR" sz="1200" b="0" strike="noStrike" spc="-1">
               <a:solidFill>
                 <a:srgbClr val="000000"/>
               </a:solidFill>
@@ -1434,13 +1582,13 @@
           </a:ln>
         </p:spPr>
         <p:txBody>
-          <a:bodyPr lIns="91440" rIns="91440" tIns="45720" bIns="45720" anchor="ctr">
+          <a:bodyPr lIns="91440" tIns="45720" rIns="91440" bIns="45720" anchor="ctr">
             <a:noAutofit/>
           </a:bodyPr>
           <a:lstStyle>
             <a:lvl1pPr indent="0" algn="ctr">
               <a:buNone/>
-              <a:defRPr b="0" lang="pt-BR" sz="1400" spc="-1" strike="noStrike">
+              <a:defRPr lang="pt-BR" sz="1400" b="0" strike="noStrike" spc="-1">
                 <a:solidFill>
                   <a:srgbClr val="000000"/>
                 </a:solidFill>
@@ -1453,7 +1601,7 @@
               <a:buNone/>
             </a:pPr>
             <a:r>
-              <a:rPr b="0" lang="pt-BR" sz="1400" spc="-1" strike="noStrike">
+              <a:rPr lang="pt-BR" sz="1400" b="0" strike="noStrike" spc="-1">
                 <a:solidFill>
                   <a:srgbClr val="000000"/>
                 </a:solidFill>
@@ -1461,12 +1609,6 @@
               </a:rPr>
               <a:t>&lt;rodapé&gt;</a:t>
             </a:r>
-            <a:endParaRPr b="0" lang="pt-BR" sz="1400" spc="-1" strike="noStrike">
-              <a:solidFill>
-                <a:srgbClr val="000000"/>
-              </a:solidFill>
-              <a:latin typeface="Times New Roman"/>
-            </a:endParaRPr>
           </a:p>
         </p:txBody>
       </p:sp>
@@ -1494,7 +1636,7 @@
           </a:ln>
         </p:spPr>
         <p:txBody>
-          <a:bodyPr lIns="91440" rIns="91440" tIns="45720" bIns="45720" anchor="ctr">
+          <a:bodyPr lIns="91440" tIns="45720" rIns="91440" bIns="45720" anchor="ctr">
             <a:noAutofit/>
           </a:bodyPr>
           <a:lstStyle>
@@ -1503,7 +1645,7 @@
                 <a:spcPct val="100000"/>
               </a:lnSpc>
               <a:buNone/>
-              <a:defRPr b="0" lang="en-US" sz="1200" spc="-1" strike="noStrike">
+              <a:defRPr lang="en-US" sz="1200" b="0" strike="noStrike" spc="-1">
                 <a:solidFill>
                   <a:schemeClr val="dk1">
                     <a:tint val="75000"/>
@@ -1521,7 +1663,7 @@
               <a:buNone/>
             </a:pPr>
             <a:fld id="{EF581B77-EE25-4D6F-8A84-CC0AE3645C4B}" type="slidenum">
-              <a:rPr b="0" lang="en-US" sz="1200" spc="-1" strike="noStrike">
+              <a:rPr lang="en-US" sz="1200" b="0" strike="noStrike" spc="-1">
                 <a:solidFill>
                   <a:schemeClr val="dk1">
                     <a:tint val="75000"/>
@@ -1529,9 +1671,9 @@
                 </a:solidFill>
                 <a:latin typeface="Calibri"/>
               </a:rPr>
-              <a:t>&lt;número&gt;</a:t>
+              <a:t>‹nº›</a:t>
             </a:fld>
-            <a:endParaRPr b="0" lang="pt-BR" sz="1200" spc="-1" strike="noStrike">
+            <a:endParaRPr lang="pt-BR" sz="1200" b="0" strike="noStrike" spc="-1">
               <a:solidFill>
                 <a:srgbClr val="000000"/>
               </a:solidFill>
@@ -1542,21 +1684,302 @@
       </p:sp>
     </p:spTree>
   </p:cSld>
-  <p:clrMap bg1="lt1" bg2="lt2" tx1="dk1" tx2="dk2" accent1="accent1" accent2="accent2" accent3="accent3" accent4="accent4" accent5="accent5" accent6="accent6" hlink="hlink" folHlink="folHlink"/>
+  <p:clrMap bg1="lt1" tx1="dk1" bg2="lt2" tx2="dk2" accent1="accent1" accent2="accent2" accent3="accent3" accent4="accent4" accent5="accent5" accent6="accent6" hlink="hlink" folHlink="folHlink"/>
   <p:sldLayoutIdLst>
-    <p:sldLayoutId id="2147483649" r:id="rId2"/>
+    <p:sldLayoutId id="2147483649" r:id="rId1"/>
   </p:sldLayoutIdLst>
+  <p:txStyles>
+    <p:titleStyle>
+      <a:lvl1pPr algn="l" defTabSz="914400" rtl="0" eaLnBrk="1" latinLnBrk="0" hangingPunct="1">
+        <a:lnSpc>
+          <a:spcPct val="90000"/>
+        </a:lnSpc>
+        <a:spcBef>
+          <a:spcPct val="0"/>
+        </a:spcBef>
+        <a:buNone/>
+        <a:defRPr sz="4400" kern="1200">
+          <a:solidFill>
+            <a:schemeClr val="tx1"/>
+          </a:solidFill>
+          <a:latin typeface="+mj-lt"/>
+          <a:ea typeface="+mj-ea"/>
+          <a:cs typeface="+mj-cs"/>
+        </a:defRPr>
+      </a:lvl1pPr>
+    </p:titleStyle>
+    <p:bodyStyle>
+      <a:lvl1pPr marL="228600" indent="-228600" algn="l" defTabSz="914400" rtl="0" eaLnBrk="1" latinLnBrk="0" hangingPunct="1">
+        <a:lnSpc>
+          <a:spcPct val="90000"/>
+        </a:lnSpc>
+        <a:spcBef>
+          <a:spcPts val="1000"/>
+        </a:spcBef>
+        <a:buFont typeface="Arial" panose="020B0604020202020204" pitchFamily="34" charset="0"/>
+        <a:buChar char="•"/>
+        <a:defRPr sz="2800" kern="1200">
+          <a:solidFill>
+            <a:schemeClr val="tx1"/>
+          </a:solidFill>
+          <a:latin typeface="+mn-lt"/>
+          <a:ea typeface="+mn-ea"/>
+          <a:cs typeface="+mn-cs"/>
+        </a:defRPr>
+      </a:lvl1pPr>
+      <a:lvl2pPr marL="685800" indent="-228600" algn="l" defTabSz="914400" rtl="0" eaLnBrk="1" latinLnBrk="0" hangingPunct="1">
+        <a:lnSpc>
+          <a:spcPct val="90000"/>
+        </a:lnSpc>
+        <a:spcBef>
+          <a:spcPts val="500"/>
+        </a:spcBef>
+        <a:buFont typeface="Arial" panose="020B0604020202020204" pitchFamily="34" charset="0"/>
+        <a:buChar char="•"/>
+        <a:defRPr sz="2400" kern="1200">
+          <a:solidFill>
+            <a:schemeClr val="tx1"/>
+          </a:solidFill>
+          <a:latin typeface="+mn-lt"/>
+          <a:ea typeface="+mn-ea"/>
+          <a:cs typeface="+mn-cs"/>
+        </a:defRPr>
+      </a:lvl2pPr>
+      <a:lvl3pPr marL="1143000" indent="-228600" algn="l" defTabSz="914400" rtl="0" eaLnBrk="1" latinLnBrk="0" hangingPunct="1">
+        <a:lnSpc>
+          <a:spcPct val="90000"/>
+        </a:lnSpc>
+        <a:spcBef>
+          <a:spcPts val="500"/>
+        </a:spcBef>
+        <a:buFont typeface="Arial" panose="020B0604020202020204" pitchFamily="34" charset="0"/>
+        <a:buChar char="•"/>
+        <a:defRPr sz="2000" kern="1200">
+          <a:solidFill>
+            <a:schemeClr val="tx1"/>
+          </a:solidFill>
+          <a:latin typeface="+mn-lt"/>
+          <a:ea typeface="+mn-ea"/>
+          <a:cs typeface="+mn-cs"/>
+        </a:defRPr>
+      </a:lvl3pPr>
+      <a:lvl4pPr marL="1600200" indent="-228600" algn="l" defTabSz="914400" rtl="0" eaLnBrk="1" latinLnBrk="0" hangingPunct="1">
+        <a:lnSpc>
+          <a:spcPct val="90000"/>
+        </a:lnSpc>
+        <a:spcBef>
+          <a:spcPts val="500"/>
+        </a:spcBef>
+        <a:buFont typeface="Arial" panose="020B0604020202020204" pitchFamily="34" charset="0"/>
+        <a:buChar char="•"/>
+        <a:defRPr sz="1800" kern="1200">
+          <a:solidFill>
+            <a:schemeClr val="tx1"/>
+          </a:solidFill>
+          <a:latin typeface="+mn-lt"/>
+          <a:ea typeface="+mn-ea"/>
+          <a:cs typeface="+mn-cs"/>
+        </a:defRPr>
+      </a:lvl4pPr>
+      <a:lvl5pPr marL="2057400" indent="-228600" algn="l" defTabSz="914400" rtl="0" eaLnBrk="1" latinLnBrk="0" hangingPunct="1">
+        <a:lnSpc>
+          <a:spcPct val="90000"/>
+        </a:lnSpc>
+        <a:spcBef>
+          <a:spcPts val="500"/>
+        </a:spcBef>
+        <a:buFont typeface="Arial" panose="020B0604020202020204" pitchFamily="34" charset="0"/>
+        <a:buChar char="•"/>
+        <a:defRPr sz="1800" kern="1200">
+          <a:solidFill>
+            <a:schemeClr val="tx1"/>
+          </a:solidFill>
+          <a:latin typeface="+mn-lt"/>
+          <a:ea typeface="+mn-ea"/>
+          <a:cs typeface="+mn-cs"/>
+        </a:defRPr>
+      </a:lvl5pPr>
+      <a:lvl6pPr marL="2514600" indent="-228600" algn="l" defTabSz="914400" rtl="0" eaLnBrk="1" latinLnBrk="0" hangingPunct="1">
+        <a:lnSpc>
+          <a:spcPct val="90000"/>
+        </a:lnSpc>
+        <a:spcBef>
+          <a:spcPts val="500"/>
+        </a:spcBef>
+        <a:buFont typeface="Arial" panose="020B0604020202020204" pitchFamily="34" charset="0"/>
+        <a:buChar char="•"/>
+        <a:defRPr sz="1800" kern="1200">
+          <a:solidFill>
+            <a:schemeClr val="tx1"/>
+          </a:solidFill>
+          <a:latin typeface="+mn-lt"/>
+          <a:ea typeface="+mn-ea"/>
+          <a:cs typeface="+mn-cs"/>
+        </a:defRPr>
+      </a:lvl6pPr>
+      <a:lvl7pPr marL="2971800" indent="-228600" algn="l" defTabSz="914400" rtl="0" eaLnBrk="1" latinLnBrk="0" hangingPunct="1">
+        <a:lnSpc>
+          <a:spcPct val="90000"/>
+        </a:lnSpc>
+        <a:spcBef>
+          <a:spcPts val="500"/>
+        </a:spcBef>
+        <a:buFont typeface="Arial" panose="020B0604020202020204" pitchFamily="34" charset="0"/>
+        <a:buChar char="•"/>
+        <a:defRPr sz="1800" kern="1200">
+          <a:solidFill>
+            <a:schemeClr val="tx1"/>
+          </a:solidFill>
+          <a:latin typeface="+mn-lt"/>
+          <a:ea typeface="+mn-ea"/>
+          <a:cs typeface="+mn-cs"/>
+        </a:defRPr>
+      </a:lvl7pPr>
+      <a:lvl8pPr marL="3429000" indent="-228600" algn="l" defTabSz="914400" rtl="0" eaLnBrk="1" latinLnBrk="0" hangingPunct="1">
+        <a:lnSpc>
+          <a:spcPct val="90000"/>
+        </a:lnSpc>
+        <a:spcBef>
+          <a:spcPts val="500"/>
+        </a:spcBef>
+        <a:buFont typeface="Arial" panose="020B0604020202020204" pitchFamily="34" charset="0"/>
+        <a:buChar char="•"/>
+        <a:defRPr sz="1800" kern="1200">
+          <a:solidFill>
+            <a:schemeClr val="tx1"/>
+          </a:solidFill>
+          <a:latin typeface="+mn-lt"/>
+          <a:ea typeface="+mn-ea"/>
+          <a:cs typeface="+mn-cs"/>
+        </a:defRPr>
+      </a:lvl8pPr>
+      <a:lvl9pPr marL="3886200" indent="-228600" algn="l" defTabSz="914400" rtl="0" eaLnBrk="1" latinLnBrk="0" hangingPunct="1">
+        <a:lnSpc>
+          <a:spcPct val="90000"/>
+        </a:lnSpc>
+        <a:spcBef>
+          <a:spcPts val="500"/>
+        </a:spcBef>
+        <a:buFont typeface="Arial" panose="020B0604020202020204" pitchFamily="34" charset="0"/>
+        <a:buChar char="•"/>
+        <a:defRPr sz="1800" kern="1200">
+          <a:solidFill>
+            <a:schemeClr val="tx1"/>
+          </a:solidFill>
+          <a:latin typeface="+mn-lt"/>
+          <a:ea typeface="+mn-ea"/>
+          <a:cs typeface="+mn-cs"/>
+        </a:defRPr>
+      </a:lvl9pPr>
+    </p:bodyStyle>
+    <p:otherStyle>
+      <a:defPPr>
+        <a:defRPr lang="pt-BR"/>
+      </a:defPPr>
+      <a:lvl1pPr marL="0" algn="l" defTabSz="914400" rtl="0" eaLnBrk="1" latinLnBrk="0" hangingPunct="1">
+        <a:defRPr sz="1800" kern="1200">
+          <a:solidFill>
+            <a:schemeClr val="tx1"/>
+          </a:solidFill>
+          <a:latin typeface="+mn-lt"/>
+          <a:ea typeface="+mn-ea"/>
+          <a:cs typeface="+mn-cs"/>
+        </a:defRPr>
+      </a:lvl1pPr>
+      <a:lvl2pPr marL="457200" algn="l" defTabSz="914400" rtl="0" eaLnBrk="1" latinLnBrk="0" hangingPunct="1">
+        <a:defRPr sz="1800" kern="1200">
+          <a:solidFill>
+            <a:schemeClr val="tx1"/>
+          </a:solidFill>
+          <a:latin typeface="+mn-lt"/>
+          <a:ea typeface="+mn-ea"/>
+          <a:cs typeface="+mn-cs"/>
+        </a:defRPr>
+      </a:lvl2pPr>
+      <a:lvl3pPr marL="914400" algn="l" defTabSz="914400" rtl="0" eaLnBrk="1" latinLnBrk="0" hangingPunct="1">
+        <a:defRPr sz="1800" kern="1200">
+          <a:solidFill>
+            <a:schemeClr val="tx1"/>
+          </a:solidFill>
+          <a:latin typeface="+mn-lt"/>
+          <a:ea typeface="+mn-ea"/>
+          <a:cs typeface="+mn-cs"/>
+        </a:defRPr>
+      </a:lvl3pPr>
+      <a:lvl4pPr marL="1371600" algn="l" defTabSz="914400" rtl="0" eaLnBrk="1" latinLnBrk="0" hangingPunct="1">
+        <a:defRPr sz="1800" kern="1200">
+          <a:solidFill>
+            <a:schemeClr val="tx1"/>
+          </a:solidFill>
+          <a:latin typeface="+mn-lt"/>
+          <a:ea typeface="+mn-ea"/>
+          <a:cs typeface="+mn-cs"/>
+        </a:defRPr>
+      </a:lvl4pPr>
+      <a:lvl5pPr marL="1828800" algn="l" defTabSz="914400" rtl="0" eaLnBrk="1" latinLnBrk="0" hangingPunct="1">
+        <a:defRPr sz="1800" kern="1200">
+          <a:solidFill>
+            <a:schemeClr val="tx1"/>
+          </a:solidFill>
+          <a:latin typeface="+mn-lt"/>
+          <a:ea typeface="+mn-ea"/>
+          <a:cs typeface="+mn-cs"/>
+        </a:defRPr>
+      </a:lvl5pPr>
+      <a:lvl6pPr marL="2286000" algn="l" defTabSz="914400" rtl="0" eaLnBrk="1" latinLnBrk="0" hangingPunct="1">
+        <a:defRPr sz="1800" kern="1200">
+          <a:solidFill>
+            <a:schemeClr val="tx1"/>
+          </a:solidFill>
+          <a:latin typeface="+mn-lt"/>
+          <a:ea typeface="+mn-ea"/>
+          <a:cs typeface="+mn-cs"/>
+        </a:defRPr>
+      </a:lvl6pPr>
+      <a:lvl7pPr marL="2743200" algn="l" defTabSz="914400" rtl="0" eaLnBrk="1" latinLnBrk="0" hangingPunct="1">
+        <a:defRPr sz="1800" kern="1200">
+          <a:solidFill>
+            <a:schemeClr val="tx1"/>
+          </a:solidFill>
+          <a:latin typeface="+mn-lt"/>
+          <a:ea typeface="+mn-ea"/>
+          <a:cs typeface="+mn-cs"/>
+        </a:defRPr>
+      </a:lvl7pPr>
+      <a:lvl8pPr marL="3200400" algn="l" defTabSz="914400" rtl="0" eaLnBrk="1" latinLnBrk="0" hangingPunct="1">
+        <a:defRPr sz="1800" kern="1200">
+          <a:solidFill>
+            <a:schemeClr val="tx1"/>
+          </a:solidFill>
+          <a:latin typeface="+mn-lt"/>
+          <a:ea typeface="+mn-ea"/>
+          <a:cs typeface="+mn-cs"/>
+        </a:defRPr>
+      </a:lvl8pPr>
+      <a:lvl9pPr marL="3657600" algn="l" defTabSz="914400" rtl="0" eaLnBrk="1" latinLnBrk="0" hangingPunct="1">
+        <a:defRPr sz="1800" kern="1200">
+          <a:solidFill>
+            <a:schemeClr val="tx1"/>
+          </a:solidFill>
+          <a:latin typeface="+mn-lt"/>
+          <a:ea typeface="+mn-ea"/>
+          <a:cs typeface="+mn-cs"/>
+        </a:defRPr>
+      </a:lvl9pPr>
+    </p:otherStyle>
+  </p:txStyles>
 </p:sldMaster>
 </file>
 
 <file path=ppt/slideMasters/slideMaster10.xml><?xml version="1.0" encoding="utf-8"?>
-<p:sldMaster xmlns:a="http://schemas.openxmlformats.org/drawingml/2006/main" xmlns:p="http://schemas.openxmlformats.org/presentationml/2006/main" xmlns:r="http://schemas.openxmlformats.org/officeDocument/2006/relationships" xmlns:p14="http://schemas.microsoft.com/office/powerpoint/2010/main" xmlns:p15="http://schemas.microsoft.com/office/powerpoint/2012/main" xmlns:mc="http://schemas.openxmlformats.org/markup-compatibility/2006">
+<p:sldMaster xmlns:a="http://schemas.openxmlformats.org/drawingml/2006/main" xmlns:r="http://schemas.openxmlformats.org/officeDocument/2006/relationships" xmlns:p="http://schemas.openxmlformats.org/presentationml/2006/main">
   <p:cSld>
     <p:bg>
       <p:bgPr>
         <a:solidFill>
-          <a:srgbClr val="ffffff"/>
+          <a:srgbClr val="FFFFFF"/>
         </a:solidFill>
+        <a:effectLst/>
       </p:bgPr>
     </p:bg>
     <p:spTree>
@@ -1597,9 +2020,10 @@
           </a:ln>
         </p:spPr>
         <p:txBody>
-          <a:bodyPr lIns="91440" rIns="91440" tIns="45720" bIns="45720" anchor="b">
+          <a:bodyPr lIns="91440" tIns="45720" rIns="91440" bIns="45720" anchor="b">
             <a:noAutofit/>
           </a:bodyPr>
+          <a:lstStyle/>
           <a:p>
             <a:pPr indent="0" defTabSz="914400">
               <a:lnSpc>
@@ -1608,7 +2032,7 @@
               <a:buNone/>
             </a:pPr>
             <a:r>
-              <a:rPr b="1" lang="en-US" sz="2000" spc="-1" strike="noStrike">
+              <a:rPr lang="en-US" sz="2000" b="1" strike="noStrike" spc="-1">
                 <a:solidFill>
                   <a:schemeClr val="dk1"/>
                 </a:solidFill>
@@ -1616,7 +2040,7 @@
               </a:rPr>
               <a:t>Click to edit Master title style</a:t>
             </a:r>
-            <a:endParaRPr b="0" lang="en-US" sz="2000" spc="-1" strike="noStrike">
+            <a:endParaRPr lang="en-US" sz="2000" b="0" strike="noStrike" spc="-1">
               <a:solidFill>
                 <a:schemeClr val="dk1"/>
               </a:solidFill>
@@ -1649,9 +2073,10 @@
           </a:ln>
         </p:spPr>
         <p:txBody>
-          <a:bodyPr lIns="91440" rIns="91440" tIns="45720" bIns="45720" anchor="t">
+          <a:bodyPr lIns="91440" tIns="45720" rIns="91440" bIns="45720" anchor="t">
             <a:noAutofit/>
           </a:bodyPr>
+          <a:lstStyle/>
           <a:p>
             <a:pPr marL="343080" indent="-343080" defTabSz="914400">
               <a:lnSpc>
@@ -1667,7 +2092,7 @@
               <a:buChar char="•"/>
             </a:pPr>
             <a:r>
-              <a:rPr b="0" lang="en-US" sz="3200" spc="-1" strike="noStrike">
+              <a:rPr lang="en-US" sz="3200" b="0" strike="noStrike" spc="-1">
                 <a:solidFill>
                   <a:schemeClr val="dk1"/>
                 </a:solidFill>
@@ -1675,15 +2100,9 @@
               </a:rPr>
               <a:t>Click to edit Master text styles</a:t>
             </a:r>
-            <a:endParaRPr b="0" lang="en-US" sz="3200" spc="-1" strike="noStrike">
-              <a:solidFill>
-                <a:schemeClr val="dk1"/>
-              </a:solidFill>
-              <a:latin typeface="Calibri"/>
-            </a:endParaRPr>
-          </a:p>
-          <a:p>
-            <a:pPr lvl="1" marL="743040" indent="-285840" defTabSz="914400">
+          </a:p>
+          <a:p>
+            <a:pPr marL="743040" lvl="1" indent="-285840" defTabSz="914400">
               <a:lnSpc>
                 <a:spcPct val="100000"/>
               </a:lnSpc>
@@ -1697,7 +2116,7 @@
               <a:buChar char="–"/>
             </a:pPr>
             <a:r>
-              <a:rPr b="0" lang="en-US" sz="2800" spc="-1" strike="noStrike">
+              <a:rPr lang="en-US" sz="2800" b="0" strike="noStrike" spc="-1">
                 <a:solidFill>
                   <a:schemeClr val="dk1"/>
                 </a:solidFill>
@@ -1705,15 +2124,9 @@
               </a:rPr>
               <a:t>Second level</a:t>
             </a:r>
-            <a:endParaRPr b="0" lang="en-US" sz="2800" spc="-1" strike="noStrike">
-              <a:solidFill>
-                <a:schemeClr val="dk1"/>
-              </a:solidFill>
-              <a:latin typeface="Calibri"/>
-            </a:endParaRPr>
-          </a:p>
-          <a:p>
-            <a:pPr lvl="2" marL="1143000" indent="-228600" defTabSz="914400">
+          </a:p>
+          <a:p>
+            <a:pPr marL="1143000" lvl="2" indent="-228600" defTabSz="914400">
               <a:lnSpc>
                 <a:spcPct val="100000"/>
               </a:lnSpc>
@@ -1727,7 +2140,7 @@
               <a:buChar char="•"/>
             </a:pPr>
             <a:r>
-              <a:rPr b="0" lang="en-US" sz="2400" spc="-1" strike="noStrike">
+              <a:rPr lang="en-US" sz="2400" b="0" strike="noStrike" spc="-1">
                 <a:solidFill>
                   <a:schemeClr val="dk1"/>
                 </a:solidFill>
@@ -1735,15 +2148,9 @@
               </a:rPr>
               <a:t>Third level</a:t>
             </a:r>
-            <a:endParaRPr b="0" lang="en-US" sz="2400" spc="-1" strike="noStrike">
-              <a:solidFill>
-                <a:schemeClr val="dk1"/>
-              </a:solidFill>
-              <a:latin typeface="Calibri"/>
-            </a:endParaRPr>
-          </a:p>
-          <a:p>
-            <a:pPr lvl="3" marL="1600200" indent="-228600" defTabSz="914400">
+          </a:p>
+          <a:p>
+            <a:pPr marL="1600200" lvl="3" indent="-228600" defTabSz="914400">
               <a:lnSpc>
                 <a:spcPct val="100000"/>
               </a:lnSpc>
@@ -1757,7 +2164,7 @@
               <a:buChar char="–"/>
             </a:pPr>
             <a:r>
-              <a:rPr b="0" lang="en-US" sz="2000" spc="-1" strike="noStrike">
+              <a:rPr lang="en-US" sz="2000" b="0" strike="noStrike" spc="-1">
                 <a:solidFill>
                   <a:schemeClr val="dk1"/>
                 </a:solidFill>
@@ -1765,15 +2172,9 @@
               </a:rPr>
               <a:t>Fourth level</a:t>
             </a:r>
-            <a:endParaRPr b="0" lang="en-US" sz="2000" spc="-1" strike="noStrike">
-              <a:solidFill>
-                <a:schemeClr val="dk1"/>
-              </a:solidFill>
-              <a:latin typeface="Calibri"/>
-            </a:endParaRPr>
-          </a:p>
-          <a:p>
-            <a:pPr lvl="4" marL="2057400" indent="-228600" defTabSz="914400">
+          </a:p>
+          <a:p>
+            <a:pPr marL="2057400" lvl="4" indent="-228600" defTabSz="914400">
               <a:lnSpc>
                 <a:spcPct val="100000"/>
               </a:lnSpc>
@@ -1787,7 +2188,7 @@
               <a:buChar char="»"/>
             </a:pPr>
             <a:r>
-              <a:rPr b="0" lang="en-US" sz="2000" spc="-1" strike="noStrike">
+              <a:rPr lang="en-US" sz="2000" b="0" strike="noStrike" spc="-1">
                 <a:solidFill>
                   <a:schemeClr val="dk1"/>
                 </a:solidFill>
@@ -1795,12 +2196,6 @@
               </a:rPr>
               <a:t>Fifth level</a:t>
             </a:r>
-            <a:endParaRPr b="0" lang="en-US" sz="2000" spc="-1" strike="noStrike">
-              <a:solidFill>
-                <a:schemeClr val="dk1"/>
-              </a:solidFill>
-              <a:latin typeface="Calibri"/>
-            </a:endParaRPr>
           </a:p>
         </p:txBody>
       </p:sp>
@@ -1828,9 +2223,10 @@
           </a:ln>
         </p:spPr>
         <p:txBody>
-          <a:bodyPr lIns="91440" rIns="91440" tIns="45720" bIns="45720" anchor="t">
+          <a:bodyPr lIns="91440" tIns="45720" rIns="91440" bIns="45720" anchor="t">
             <a:noAutofit/>
           </a:bodyPr>
+          <a:lstStyle/>
           <a:p>
             <a:pPr indent="0" defTabSz="914400">
               <a:lnSpc>
@@ -1841,11 +2237,11 @@
               </a:spcBef>
               <a:buNone/>
               <a:tabLst>
-                <a:tab algn="l" pos="0"/>
+                <a:tab pos="0" algn="l"/>
               </a:tabLst>
             </a:pPr>
             <a:r>
-              <a:rPr b="0" lang="en-US" sz="1400" spc="-1" strike="noStrike">
+              <a:rPr lang="en-US" sz="1400" b="0" strike="noStrike" spc="-1">
                 <a:solidFill>
                   <a:schemeClr val="dk1"/>
                 </a:solidFill>
@@ -1853,12 +2249,6 @@
               </a:rPr>
               <a:t>Click to edit Master text styles</a:t>
             </a:r>
-            <a:endParaRPr b="0" lang="en-US" sz="1400" spc="-1" strike="noStrike">
-              <a:solidFill>
-                <a:schemeClr val="dk1"/>
-              </a:solidFill>
-              <a:latin typeface="Calibri"/>
-            </a:endParaRPr>
           </a:p>
         </p:txBody>
       </p:sp>
@@ -1886,7 +2276,7 @@
           </a:ln>
         </p:spPr>
         <p:txBody>
-          <a:bodyPr lIns="91440" rIns="91440" tIns="45720" bIns="45720" anchor="ctr">
+          <a:bodyPr lIns="91440" tIns="45720" rIns="91440" bIns="45720" anchor="ctr">
             <a:noAutofit/>
           </a:bodyPr>
           <a:lstStyle>
@@ -1895,7 +2285,7 @@
                 <a:spcPct val="100000"/>
               </a:lnSpc>
               <a:buNone/>
-              <a:defRPr b="0" lang="en-US" sz="1200" spc="-1" strike="noStrike">
+              <a:defRPr lang="en-US" sz="1200" b="0" strike="noStrike" spc="-1">
                 <a:solidFill>
                   <a:schemeClr val="dk1">
                     <a:tint val="75000"/>
@@ -1913,7 +2303,7 @@
               <a:buNone/>
             </a:pPr>
             <a:r>
-              <a:rPr b="0" lang="en-US" sz="1200" spc="-1" strike="noStrike">
+              <a:rPr lang="en-US" sz="1200" b="0" strike="noStrike" spc="-1">
                 <a:solidFill>
                   <a:schemeClr val="dk1">
                     <a:tint val="75000"/>
@@ -1923,7 +2313,7 @@
               </a:rPr>
               <a:t>&lt;data/hora&gt;</a:t>
             </a:r>
-            <a:endParaRPr b="0" lang="pt-BR" sz="1200" spc="-1" strike="noStrike">
+            <a:endParaRPr lang="pt-BR" sz="1200" b="0" strike="noStrike" spc="-1">
               <a:solidFill>
                 <a:srgbClr val="000000"/>
               </a:solidFill>
@@ -1956,13 +2346,13 @@
           </a:ln>
         </p:spPr>
         <p:txBody>
-          <a:bodyPr lIns="91440" rIns="91440" tIns="45720" bIns="45720" anchor="ctr">
+          <a:bodyPr lIns="91440" tIns="45720" rIns="91440" bIns="45720" anchor="ctr">
             <a:noAutofit/>
           </a:bodyPr>
           <a:lstStyle>
             <a:lvl1pPr indent="0" algn="ctr">
               <a:buNone/>
-              <a:defRPr b="0" lang="pt-BR" sz="1400" spc="-1" strike="noStrike">
+              <a:defRPr lang="pt-BR" sz="1400" b="0" strike="noStrike" spc="-1">
                 <a:solidFill>
                   <a:srgbClr val="000000"/>
                 </a:solidFill>
@@ -1975,7 +2365,7 @@
               <a:buNone/>
             </a:pPr>
             <a:r>
-              <a:rPr b="0" lang="pt-BR" sz="1400" spc="-1" strike="noStrike">
+              <a:rPr lang="pt-BR" sz="1400" b="0" strike="noStrike" spc="-1">
                 <a:solidFill>
                   <a:srgbClr val="000000"/>
                 </a:solidFill>
@@ -1983,12 +2373,6 @@
               </a:rPr>
               <a:t>&lt;rodapé&gt;</a:t>
             </a:r>
-            <a:endParaRPr b="0" lang="pt-BR" sz="1400" spc="-1" strike="noStrike">
-              <a:solidFill>
-                <a:srgbClr val="000000"/>
-              </a:solidFill>
-              <a:latin typeface="Times New Roman"/>
-            </a:endParaRPr>
           </a:p>
         </p:txBody>
       </p:sp>
@@ -2016,7 +2400,7 @@
           </a:ln>
         </p:spPr>
         <p:txBody>
-          <a:bodyPr lIns="91440" rIns="91440" tIns="45720" bIns="45720" anchor="ctr">
+          <a:bodyPr lIns="91440" tIns="45720" rIns="91440" bIns="45720" anchor="ctr">
             <a:noAutofit/>
           </a:bodyPr>
           <a:lstStyle>
@@ -2025,7 +2409,7 @@
                 <a:spcPct val="100000"/>
               </a:lnSpc>
               <a:buNone/>
-              <a:defRPr b="0" lang="en-US" sz="1200" spc="-1" strike="noStrike">
+              <a:defRPr lang="en-US" sz="1200" b="0" strike="noStrike" spc="-1">
                 <a:solidFill>
                   <a:schemeClr val="dk1">
                     <a:tint val="75000"/>
@@ -2043,7 +2427,7 @@
               <a:buNone/>
             </a:pPr>
             <a:fld id="{6D9A3566-3F64-47C8-9891-042EEAE64FBB}" type="slidenum">
-              <a:rPr b="0" lang="en-US" sz="1200" spc="-1" strike="noStrike">
+              <a:rPr lang="en-US" sz="1200" b="0" strike="noStrike" spc="-1">
                 <a:solidFill>
                   <a:schemeClr val="dk1">
                     <a:tint val="75000"/>
@@ -2051,9 +2435,9 @@
                 </a:solidFill>
                 <a:latin typeface="Calibri"/>
               </a:rPr>
-              <a:t>&lt;número&gt;</a:t>
+              <a:t>‹nº›</a:t>
             </a:fld>
-            <a:endParaRPr b="0" lang="pt-BR" sz="1200" spc="-1" strike="noStrike">
+            <a:endParaRPr lang="pt-BR" sz="1200" b="0" strike="noStrike" spc="-1">
               <a:solidFill>
                 <a:srgbClr val="000000"/>
               </a:solidFill>
@@ -2064,21 +2448,302 @@
       </p:sp>
     </p:spTree>
   </p:cSld>
-  <p:clrMap bg1="lt1" bg2="lt2" tx1="dk1" tx2="dk2" accent1="accent1" accent2="accent2" accent3="accent3" accent4="accent4" accent5="accent5" accent6="accent6" hlink="hlink" folHlink="folHlink"/>
+  <p:clrMap bg1="lt1" tx1="dk1" bg2="lt2" tx2="dk2" accent1="accent1" accent2="accent2" accent3="accent3" accent4="accent4" accent5="accent5" accent6="accent6" hlink="hlink" folHlink="folHlink"/>
   <p:sldLayoutIdLst>
-    <p:sldLayoutId id="2147483667" r:id="rId2"/>
+    <p:sldLayoutId id="2147483667" r:id="rId1"/>
   </p:sldLayoutIdLst>
+  <p:txStyles>
+    <p:titleStyle>
+      <a:lvl1pPr algn="l" defTabSz="914400" rtl="0" eaLnBrk="1" latinLnBrk="0" hangingPunct="1">
+        <a:lnSpc>
+          <a:spcPct val="90000"/>
+        </a:lnSpc>
+        <a:spcBef>
+          <a:spcPct val="0"/>
+        </a:spcBef>
+        <a:buNone/>
+        <a:defRPr sz="4400" kern="1200">
+          <a:solidFill>
+            <a:schemeClr val="tx1"/>
+          </a:solidFill>
+          <a:latin typeface="+mj-lt"/>
+          <a:ea typeface="+mj-ea"/>
+          <a:cs typeface="+mj-cs"/>
+        </a:defRPr>
+      </a:lvl1pPr>
+    </p:titleStyle>
+    <p:bodyStyle>
+      <a:lvl1pPr marL="228600" indent="-228600" algn="l" defTabSz="914400" rtl="0" eaLnBrk="1" latinLnBrk="0" hangingPunct="1">
+        <a:lnSpc>
+          <a:spcPct val="90000"/>
+        </a:lnSpc>
+        <a:spcBef>
+          <a:spcPts val="1000"/>
+        </a:spcBef>
+        <a:buFont typeface="Arial" panose="020B0604020202020204" pitchFamily="34" charset="0"/>
+        <a:buChar char="•"/>
+        <a:defRPr sz="2800" kern="1200">
+          <a:solidFill>
+            <a:schemeClr val="tx1"/>
+          </a:solidFill>
+          <a:latin typeface="+mn-lt"/>
+          <a:ea typeface="+mn-ea"/>
+          <a:cs typeface="+mn-cs"/>
+        </a:defRPr>
+      </a:lvl1pPr>
+      <a:lvl2pPr marL="685800" indent="-228600" algn="l" defTabSz="914400" rtl="0" eaLnBrk="1" latinLnBrk="0" hangingPunct="1">
+        <a:lnSpc>
+          <a:spcPct val="90000"/>
+        </a:lnSpc>
+        <a:spcBef>
+          <a:spcPts val="500"/>
+        </a:spcBef>
+        <a:buFont typeface="Arial" panose="020B0604020202020204" pitchFamily="34" charset="0"/>
+        <a:buChar char="•"/>
+        <a:defRPr sz="2400" kern="1200">
+          <a:solidFill>
+            <a:schemeClr val="tx1"/>
+          </a:solidFill>
+          <a:latin typeface="+mn-lt"/>
+          <a:ea typeface="+mn-ea"/>
+          <a:cs typeface="+mn-cs"/>
+        </a:defRPr>
+      </a:lvl2pPr>
+      <a:lvl3pPr marL="1143000" indent="-228600" algn="l" defTabSz="914400" rtl="0" eaLnBrk="1" latinLnBrk="0" hangingPunct="1">
+        <a:lnSpc>
+          <a:spcPct val="90000"/>
+        </a:lnSpc>
+        <a:spcBef>
+          <a:spcPts val="500"/>
+        </a:spcBef>
+        <a:buFont typeface="Arial" panose="020B0604020202020204" pitchFamily="34" charset="0"/>
+        <a:buChar char="•"/>
+        <a:defRPr sz="2000" kern="1200">
+          <a:solidFill>
+            <a:schemeClr val="tx1"/>
+          </a:solidFill>
+          <a:latin typeface="+mn-lt"/>
+          <a:ea typeface="+mn-ea"/>
+          <a:cs typeface="+mn-cs"/>
+        </a:defRPr>
+      </a:lvl3pPr>
+      <a:lvl4pPr marL="1600200" indent="-228600" algn="l" defTabSz="914400" rtl="0" eaLnBrk="1" latinLnBrk="0" hangingPunct="1">
+        <a:lnSpc>
+          <a:spcPct val="90000"/>
+        </a:lnSpc>
+        <a:spcBef>
+          <a:spcPts val="500"/>
+        </a:spcBef>
+        <a:buFont typeface="Arial" panose="020B0604020202020204" pitchFamily="34" charset="0"/>
+        <a:buChar char="•"/>
+        <a:defRPr sz="1800" kern="1200">
+          <a:solidFill>
+            <a:schemeClr val="tx1"/>
+          </a:solidFill>
+          <a:latin typeface="+mn-lt"/>
+          <a:ea typeface="+mn-ea"/>
+          <a:cs typeface="+mn-cs"/>
+        </a:defRPr>
+      </a:lvl4pPr>
+      <a:lvl5pPr marL="2057400" indent="-228600" algn="l" defTabSz="914400" rtl="0" eaLnBrk="1" latinLnBrk="0" hangingPunct="1">
+        <a:lnSpc>
+          <a:spcPct val="90000"/>
+        </a:lnSpc>
+        <a:spcBef>
+          <a:spcPts val="500"/>
+        </a:spcBef>
+        <a:buFont typeface="Arial" panose="020B0604020202020204" pitchFamily="34" charset="0"/>
+        <a:buChar char="•"/>
+        <a:defRPr sz="1800" kern="1200">
+          <a:solidFill>
+            <a:schemeClr val="tx1"/>
+          </a:solidFill>
+          <a:latin typeface="+mn-lt"/>
+          <a:ea typeface="+mn-ea"/>
+          <a:cs typeface="+mn-cs"/>
+        </a:defRPr>
+      </a:lvl5pPr>
+      <a:lvl6pPr marL="2514600" indent="-228600" algn="l" defTabSz="914400" rtl="0" eaLnBrk="1" latinLnBrk="0" hangingPunct="1">
+        <a:lnSpc>
+          <a:spcPct val="90000"/>
+        </a:lnSpc>
+        <a:spcBef>
+          <a:spcPts val="500"/>
+        </a:spcBef>
+        <a:buFont typeface="Arial" panose="020B0604020202020204" pitchFamily="34" charset="0"/>
+        <a:buChar char="•"/>
+        <a:defRPr sz="1800" kern="1200">
+          <a:solidFill>
+            <a:schemeClr val="tx1"/>
+          </a:solidFill>
+          <a:latin typeface="+mn-lt"/>
+          <a:ea typeface="+mn-ea"/>
+          <a:cs typeface="+mn-cs"/>
+        </a:defRPr>
+      </a:lvl6pPr>
+      <a:lvl7pPr marL="2971800" indent="-228600" algn="l" defTabSz="914400" rtl="0" eaLnBrk="1" latinLnBrk="0" hangingPunct="1">
+        <a:lnSpc>
+          <a:spcPct val="90000"/>
+        </a:lnSpc>
+        <a:spcBef>
+          <a:spcPts val="500"/>
+        </a:spcBef>
+        <a:buFont typeface="Arial" panose="020B0604020202020204" pitchFamily="34" charset="0"/>
+        <a:buChar char="•"/>
+        <a:defRPr sz="1800" kern="1200">
+          <a:solidFill>
+            <a:schemeClr val="tx1"/>
+          </a:solidFill>
+          <a:latin typeface="+mn-lt"/>
+          <a:ea typeface="+mn-ea"/>
+          <a:cs typeface="+mn-cs"/>
+        </a:defRPr>
+      </a:lvl7pPr>
+      <a:lvl8pPr marL="3429000" indent="-228600" algn="l" defTabSz="914400" rtl="0" eaLnBrk="1" latinLnBrk="0" hangingPunct="1">
+        <a:lnSpc>
+          <a:spcPct val="90000"/>
+        </a:lnSpc>
+        <a:spcBef>
+          <a:spcPts val="500"/>
+        </a:spcBef>
+        <a:buFont typeface="Arial" panose="020B0604020202020204" pitchFamily="34" charset="0"/>
+        <a:buChar char="•"/>
+        <a:defRPr sz="1800" kern="1200">
+          <a:solidFill>
+            <a:schemeClr val="tx1"/>
+          </a:solidFill>
+          <a:latin typeface="+mn-lt"/>
+          <a:ea typeface="+mn-ea"/>
+          <a:cs typeface="+mn-cs"/>
+        </a:defRPr>
+      </a:lvl8pPr>
+      <a:lvl9pPr marL="3886200" indent="-228600" algn="l" defTabSz="914400" rtl="0" eaLnBrk="1" latinLnBrk="0" hangingPunct="1">
+        <a:lnSpc>
+          <a:spcPct val="90000"/>
+        </a:lnSpc>
+        <a:spcBef>
+          <a:spcPts val="500"/>
+        </a:spcBef>
+        <a:buFont typeface="Arial" panose="020B0604020202020204" pitchFamily="34" charset="0"/>
+        <a:buChar char="•"/>
+        <a:defRPr sz="1800" kern="1200">
+          <a:solidFill>
+            <a:schemeClr val="tx1"/>
+          </a:solidFill>
+          <a:latin typeface="+mn-lt"/>
+          <a:ea typeface="+mn-ea"/>
+          <a:cs typeface="+mn-cs"/>
+        </a:defRPr>
+      </a:lvl9pPr>
+    </p:bodyStyle>
+    <p:otherStyle>
+      <a:defPPr>
+        <a:defRPr lang="pt-BR"/>
+      </a:defPPr>
+      <a:lvl1pPr marL="0" algn="l" defTabSz="914400" rtl="0" eaLnBrk="1" latinLnBrk="0" hangingPunct="1">
+        <a:defRPr sz="1800" kern="1200">
+          <a:solidFill>
+            <a:schemeClr val="tx1"/>
+          </a:solidFill>
+          <a:latin typeface="+mn-lt"/>
+          <a:ea typeface="+mn-ea"/>
+          <a:cs typeface="+mn-cs"/>
+        </a:defRPr>
+      </a:lvl1pPr>
+      <a:lvl2pPr marL="457200" algn="l" defTabSz="914400" rtl="0" eaLnBrk="1" latinLnBrk="0" hangingPunct="1">
+        <a:defRPr sz="1800" kern="1200">
+          <a:solidFill>
+            <a:schemeClr val="tx1"/>
+          </a:solidFill>
+          <a:latin typeface="+mn-lt"/>
+          <a:ea typeface="+mn-ea"/>
+          <a:cs typeface="+mn-cs"/>
+        </a:defRPr>
+      </a:lvl2pPr>
+      <a:lvl3pPr marL="914400" algn="l" defTabSz="914400" rtl="0" eaLnBrk="1" latinLnBrk="0" hangingPunct="1">
+        <a:defRPr sz="1800" kern="1200">
+          <a:solidFill>
+            <a:schemeClr val="tx1"/>
+          </a:solidFill>
+          <a:latin typeface="+mn-lt"/>
+          <a:ea typeface="+mn-ea"/>
+          <a:cs typeface="+mn-cs"/>
+        </a:defRPr>
+      </a:lvl3pPr>
+      <a:lvl4pPr marL="1371600" algn="l" defTabSz="914400" rtl="0" eaLnBrk="1" latinLnBrk="0" hangingPunct="1">
+        <a:defRPr sz="1800" kern="1200">
+          <a:solidFill>
+            <a:schemeClr val="tx1"/>
+          </a:solidFill>
+          <a:latin typeface="+mn-lt"/>
+          <a:ea typeface="+mn-ea"/>
+          <a:cs typeface="+mn-cs"/>
+        </a:defRPr>
+      </a:lvl4pPr>
+      <a:lvl5pPr marL="1828800" algn="l" defTabSz="914400" rtl="0" eaLnBrk="1" latinLnBrk="0" hangingPunct="1">
+        <a:defRPr sz="1800" kern="1200">
+          <a:solidFill>
+            <a:schemeClr val="tx1"/>
+          </a:solidFill>
+          <a:latin typeface="+mn-lt"/>
+          <a:ea typeface="+mn-ea"/>
+          <a:cs typeface="+mn-cs"/>
+        </a:defRPr>
+      </a:lvl5pPr>
+      <a:lvl6pPr marL="2286000" algn="l" defTabSz="914400" rtl="0" eaLnBrk="1" latinLnBrk="0" hangingPunct="1">
+        <a:defRPr sz="1800" kern="1200">
+          <a:solidFill>
+            <a:schemeClr val="tx1"/>
+          </a:solidFill>
+          <a:latin typeface="+mn-lt"/>
+          <a:ea typeface="+mn-ea"/>
+          <a:cs typeface="+mn-cs"/>
+        </a:defRPr>
+      </a:lvl6pPr>
+      <a:lvl7pPr marL="2743200" algn="l" defTabSz="914400" rtl="0" eaLnBrk="1" latinLnBrk="0" hangingPunct="1">
+        <a:defRPr sz="1800" kern="1200">
+          <a:solidFill>
+            <a:schemeClr val="tx1"/>
+          </a:solidFill>
+          <a:latin typeface="+mn-lt"/>
+          <a:ea typeface="+mn-ea"/>
+          <a:cs typeface="+mn-cs"/>
+        </a:defRPr>
+      </a:lvl7pPr>
+      <a:lvl8pPr marL="3200400" algn="l" defTabSz="914400" rtl="0" eaLnBrk="1" latinLnBrk="0" hangingPunct="1">
+        <a:defRPr sz="1800" kern="1200">
+          <a:solidFill>
+            <a:schemeClr val="tx1"/>
+          </a:solidFill>
+          <a:latin typeface="+mn-lt"/>
+          <a:ea typeface="+mn-ea"/>
+          <a:cs typeface="+mn-cs"/>
+        </a:defRPr>
+      </a:lvl8pPr>
+      <a:lvl9pPr marL="3657600" algn="l" defTabSz="914400" rtl="0" eaLnBrk="1" latinLnBrk="0" hangingPunct="1">
+        <a:defRPr sz="1800" kern="1200">
+          <a:solidFill>
+            <a:schemeClr val="tx1"/>
+          </a:solidFill>
+          <a:latin typeface="+mn-lt"/>
+          <a:ea typeface="+mn-ea"/>
+          <a:cs typeface="+mn-cs"/>
+        </a:defRPr>
+      </a:lvl9pPr>
+    </p:otherStyle>
+  </p:txStyles>
 </p:sldMaster>
 </file>
 
 <file path=ppt/slideMasters/slideMaster11.xml><?xml version="1.0" encoding="utf-8"?>
-<p:sldMaster xmlns:a="http://schemas.openxmlformats.org/drawingml/2006/main" xmlns:p="http://schemas.openxmlformats.org/presentationml/2006/main" xmlns:r="http://schemas.openxmlformats.org/officeDocument/2006/relationships" xmlns:p14="http://schemas.microsoft.com/office/powerpoint/2010/main" xmlns:p15="http://schemas.microsoft.com/office/powerpoint/2012/main" xmlns:mc="http://schemas.openxmlformats.org/markup-compatibility/2006">
+<p:sldMaster xmlns:a="http://schemas.openxmlformats.org/drawingml/2006/main" xmlns:r="http://schemas.openxmlformats.org/officeDocument/2006/relationships" xmlns:p="http://schemas.openxmlformats.org/presentationml/2006/main">
   <p:cSld>
     <p:bg>
       <p:bgPr>
         <a:solidFill>
-          <a:srgbClr val="ffffff"/>
+          <a:srgbClr val="FFFFFF"/>
         </a:solidFill>
+        <a:effectLst/>
       </p:bgPr>
     </p:bg>
     <p:spTree>
@@ -2119,9 +2784,10 @@
           </a:ln>
         </p:spPr>
         <p:txBody>
-          <a:bodyPr lIns="91440" rIns="91440" tIns="45720" bIns="45720" anchor="b">
+          <a:bodyPr lIns="91440" tIns="45720" rIns="91440" bIns="45720" anchor="b">
             <a:noAutofit/>
           </a:bodyPr>
+          <a:lstStyle/>
           <a:p>
             <a:pPr indent="0" defTabSz="914400">
               <a:lnSpc>
@@ -2130,7 +2796,7 @@
               <a:buNone/>
             </a:pPr>
             <a:r>
-              <a:rPr b="1" lang="en-US" sz="2000" spc="-1" strike="noStrike">
+              <a:rPr lang="en-US" sz="2000" b="1" strike="noStrike" spc="-1">
                 <a:solidFill>
                   <a:schemeClr val="dk1"/>
                 </a:solidFill>
@@ -2138,7 +2804,7 @@
               </a:rPr>
               <a:t>Click to edit Master title style</a:t>
             </a:r>
-            <a:endParaRPr b="0" lang="en-US" sz="2000" spc="-1" strike="noStrike">
+            <a:endParaRPr lang="en-US" sz="2000" b="0" strike="noStrike" spc="-1">
               <a:solidFill>
                 <a:schemeClr val="dk1"/>
               </a:solidFill>
@@ -2171,9 +2837,10 @@
           </a:ln>
         </p:spPr>
         <p:txBody>
-          <a:bodyPr lIns="90000" rIns="90000" tIns="45000" bIns="45000" anchor="t">
+          <a:bodyPr lIns="90000" tIns="45000" rIns="90000" bIns="45000" anchor="t">
             <a:noAutofit/>
           </a:bodyPr>
+          <a:lstStyle/>
           <a:p>
             <a:pPr marL="432000" indent="-324000">
               <a:spcBef>
@@ -2187,7 +2854,7 @@
               <a:buChar char=""/>
             </a:pPr>
             <a:r>
-              <a:rPr b="0" lang="en-US" sz="3200" spc="-1" strike="noStrike">
+              <a:rPr lang="en-US" sz="3200" b="0" strike="noStrike" spc="-1">
                 <a:solidFill>
                   <a:schemeClr val="dk1"/>
                 </a:solidFill>
@@ -2195,15 +2862,9 @@
               </a:rPr>
               <a:t>Clique para editar o formato de texto dos tópicos</a:t>
             </a:r>
-            <a:endParaRPr b="0" lang="en-US" sz="3200" spc="-1" strike="noStrike">
-              <a:solidFill>
-                <a:schemeClr val="dk1"/>
-              </a:solidFill>
-              <a:latin typeface="Calibri"/>
-            </a:endParaRPr>
-          </a:p>
-          <a:p>
-            <a:pPr lvl="1" marL="864000" indent="-324000">
+          </a:p>
+          <a:p>
+            <a:pPr marL="864000" lvl="1" indent="-324000">
               <a:spcBef>
                 <a:spcPts val="1134"/>
               </a:spcBef>
@@ -2215,7 +2876,7 @@
               <a:buChar char=""/>
             </a:pPr>
             <a:r>
-              <a:rPr b="0" lang="en-US" sz="3200" spc="-1" strike="noStrike">
+              <a:rPr lang="en-US" sz="3200" b="0" strike="noStrike" spc="-1">
                 <a:solidFill>
                   <a:schemeClr val="dk1"/>
                 </a:solidFill>
@@ -2223,15 +2884,9 @@
               </a:rPr>
               <a:t>2.º nível de tópicos</a:t>
             </a:r>
-            <a:endParaRPr b="0" lang="en-US" sz="3200" spc="-1" strike="noStrike">
-              <a:solidFill>
-                <a:schemeClr val="dk1"/>
-              </a:solidFill>
-              <a:latin typeface="Calibri"/>
-            </a:endParaRPr>
-          </a:p>
-          <a:p>
-            <a:pPr lvl="2" marL="1296000" indent="-288000">
+          </a:p>
+          <a:p>
+            <a:pPr marL="1296000" lvl="2" indent="-288000">
               <a:spcBef>
                 <a:spcPts val="850"/>
               </a:spcBef>
@@ -2243,7 +2898,7 @@
               <a:buChar char=""/>
             </a:pPr>
             <a:r>
-              <a:rPr b="0" lang="en-US" sz="3200" spc="-1" strike="noStrike">
+              <a:rPr lang="en-US" sz="3200" b="0" strike="noStrike" spc="-1">
                 <a:solidFill>
                   <a:schemeClr val="dk1"/>
                 </a:solidFill>
@@ -2251,15 +2906,9 @@
               </a:rPr>
               <a:t>3.º nível de tópicos</a:t>
             </a:r>
-            <a:endParaRPr b="0" lang="en-US" sz="3200" spc="-1" strike="noStrike">
-              <a:solidFill>
-                <a:schemeClr val="dk1"/>
-              </a:solidFill>
-              <a:latin typeface="Calibri"/>
-            </a:endParaRPr>
-          </a:p>
-          <a:p>
-            <a:pPr lvl="3" marL="1728000" indent="-216000">
+          </a:p>
+          <a:p>
+            <a:pPr marL="1728000" lvl="3" indent="-216000">
               <a:spcBef>
                 <a:spcPts val="567"/>
               </a:spcBef>
@@ -2271,7 +2920,7 @@
               <a:buChar char=""/>
             </a:pPr>
             <a:r>
-              <a:rPr b="0" lang="en-US" sz="3200" spc="-1" strike="noStrike">
+              <a:rPr lang="en-US" sz="3200" b="0" strike="noStrike" spc="-1">
                 <a:solidFill>
                   <a:schemeClr val="dk1"/>
                 </a:solidFill>
@@ -2279,15 +2928,9 @@
               </a:rPr>
               <a:t>4.º nível de tópicos</a:t>
             </a:r>
-            <a:endParaRPr b="0" lang="en-US" sz="3200" spc="-1" strike="noStrike">
-              <a:solidFill>
-                <a:schemeClr val="dk1"/>
-              </a:solidFill>
-              <a:latin typeface="Calibri"/>
-            </a:endParaRPr>
-          </a:p>
-          <a:p>
-            <a:pPr lvl="4" marL="2160000" indent="-216000">
+          </a:p>
+          <a:p>
+            <a:pPr marL="2160000" lvl="4" indent="-216000">
               <a:spcBef>
                 <a:spcPts val="283"/>
               </a:spcBef>
@@ -2299,7 +2942,7 @@
               <a:buChar char=""/>
             </a:pPr>
             <a:r>
-              <a:rPr b="0" lang="en-US" sz="3200" spc="-1" strike="noStrike">
+              <a:rPr lang="en-US" sz="3200" b="0" strike="noStrike" spc="-1">
                 <a:solidFill>
                   <a:schemeClr val="dk1"/>
                 </a:solidFill>
@@ -2307,15 +2950,9 @@
               </a:rPr>
               <a:t>5.º nível de tópicos</a:t>
             </a:r>
-            <a:endParaRPr b="0" lang="en-US" sz="3200" spc="-1" strike="noStrike">
-              <a:solidFill>
-                <a:schemeClr val="dk1"/>
-              </a:solidFill>
-              <a:latin typeface="Calibri"/>
-            </a:endParaRPr>
-          </a:p>
-          <a:p>
-            <a:pPr lvl="5" marL="2592000" indent="-216000">
+          </a:p>
+          <a:p>
+            <a:pPr marL="2592000" lvl="5" indent="-216000">
               <a:spcBef>
                 <a:spcPts val="283"/>
               </a:spcBef>
@@ -2327,7 +2964,7 @@
               <a:buChar char=""/>
             </a:pPr>
             <a:r>
-              <a:rPr b="0" lang="en-US" sz="3200" spc="-1" strike="noStrike">
+              <a:rPr lang="en-US" sz="3200" b="0" strike="noStrike" spc="-1">
                 <a:solidFill>
                   <a:schemeClr val="dk1"/>
                 </a:solidFill>
@@ -2335,15 +2972,9 @@
               </a:rPr>
               <a:t>6.º nível de tópicos</a:t>
             </a:r>
-            <a:endParaRPr b="0" lang="en-US" sz="3200" spc="-1" strike="noStrike">
-              <a:solidFill>
-                <a:schemeClr val="dk1"/>
-              </a:solidFill>
-              <a:latin typeface="Calibri"/>
-            </a:endParaRPr>
-          </a:p>
-          <a:p>
-            <a:pPr lvl="6" marL="3024000" indent="-216000">
+          </a:p>
+          <a:p>
+            <a:pPr marL="3024000" lvl="6" indent="-216000">
               <a:spcBef>
                 <a:spcPts val="283"/>
               </a:spcBef>
@@ -2355,7 +2986,7 @@
               <a:buChar char=""/>
             </a:pPr>
             <a:r>
-              <a:rPr b="0" lang="en-US" sz="3200" spc="-1" strike="noStrike">
+              <a:rPr lang="en-US" sz="3200" b="0" strike="noStrike" spc="-1">
                 <a:solidFill>
                   <a:schemeClr val="dk1"/>
                 </a:solidFill>
@@ -2363,12 +2994,6 @@
               </a:rPr>
               <a:t>7.º nível de tópicos</a:t>
             </a:r>
-            <a:endParaRPr b="0" lang="en-US" sz="3200" spc="-1" strike="noStrike">
-              <a:solidFill>
-                <a:schemeClr val="dk1"/>
-              </a:solidFill>
-              <a:latin typeface="Calibri"/>
-            </a:endParaRPr>
           </a:p>
         </p:txBody>
       </p:sp>
@@ -2396,9 +3021,10 @@
           </a:ln>
         </p:spPr>
         <p:txBody>
-          <a:bodyPr lIns="91440" rIns="91440" tIns="45720" bIns="45720" anchor="t">
+          <a:bodyPr lIns="91440" tIns="45720" rIns="91440" bIns="45720" anchor="t">
             <a:noAutofit/>
           </a:bodyPr>
+          <a:lstStyle/>
           <a:p>
             <a:pPr indent="0" defTabSz="914400">
               <a:lnSpc>
@@ -2409,11 +3035,11 @@
               </a:spcBef>
               <a:buNone/>
               <a:tabLst>
-                <a:tab algn="l" pos="0"/>
+                <a:tab pos="0" algn="l"/>
               </a:tabLst>
             </a:pPr>
             <a:r>
-              <a:rPr b="0" lang="en-US" sz="1400" spc="-1" strike="noStrike">
+              <a:rPr lang="en-US" sz="1400" b="0" strike="noStrike" spc="-1">
                 <a:solidFill>
                   <a:schemeClr val="dk1"/>
                 </a:solidFill>
@@ -2421,12 +3047,6 @@
               </a:rPr>
               <a:t>Click to edit Master text styles</a:t>
             </a:r>
-            <a:endParaRPr b="0" lang="en-US" sz="1400" spc="-1" strike="noStrike">
-              <a:solidFill>
-                <a:schemeClr val="dk1"/>
-              </a:solidFill>
-              <a:latin typeface="Calibri"/>
-            </a:endParaRPr>
           </a:p>
         </p:txBody>
       </p:sp>
@@ -2454,7 +3074,7 @@
           </a:ln>
         </p:spPr>
         <p:txBody>
-          <a:bodyPr lIns="91440" rIns="91440" tIns="45720" bIns="45720" anchor="ctr">
+          <a:bodyPr lIns="91440" tIns="45720" rIns="91440" bIns="45720" anchor="ctr">
             <a:noAutofit/>
           </a:bodyPr>
           <a:lstStyle>
@@ -2463,7 +3083,7 @@
                 <a:spcPct val="100000"/>
               </a:lnSpc>
               <a:buNone/>
-              <a:defRPr b="0" lang="en-US" sz="1200" spc="-1" strike="noStrike">
+              <a:defRPr lang="en-US" sz="1200" b="0" strike="noStrike" spc="-1">
                 <a:solidFill>
                   <a:schemeClr val="dk1">
                     <a:tint val="75000"/>
@@ -2481,7 +3101,7 @@
               <a:buNone/>
             </a:pPr>
             <a:r>
-              <a:rPr b="0" lang="en-US" sz="1200" spc="-1" strike="noStrike">
+              <a:rPr lang="en-US" sz="1200" b="0" strike="noStrike" spc="-1">
                 <a:solidFill>
                   <a:schemeClr val="dk1">
                     <a:tint val="75000"/>
@@ -2491,7 +3111,7 @@
               </a:rPr>
               <a:t>&lt;data/hora&gt;</a:t>
             </a:r>
-            <a:endParaRPr b="0" lang="pt-BR" sz="1200" spc="-1" strike="noStrike">
+            <a:endParaRPr lang="pt-BR" sz="1200" b="0" strike="noStrike" spc="-1">
               <a:solidFill>
                 <a:srgbClr val="000000"/>
               </a:solidFill>
@@ -2524,13 +3144,13 @@
           </a:ln>
         </p:spPr>
         <p:txBody>
-          <a:bodyPr lIns="91440" rIns="91440" tIns="45720" bIns="45720" anchor="ctr">
+          <a:bodyPr lIns="91440" tIns="45720" rIns="91440" bIns="45720" anchor="ctr">
             <a:noAutofit/>
           </a:bodyPr>
           <a:lstStyle>
             <a:lvl1pPr indent="0" algn="ctr">
               <a:buNone/>
-              <a:defRPr b="0" lang="pt-BR" sz="1400" spc="-1" strike="noStrike">
+              <a:defRPr lang="pt-BR" sz="1400" b="0" strike="noStrike" spc="-1">
                 <a:solidFill>
                   <a:srgbClr val="000000"/>
                 </a:solidFill>
@@ -2543,7 +3163,7 @@
               <a:buNone/>
             </a:pPr>
             <a:r>
-              <a:rPr b="0" lang="pt-BR" sz="1400" spc="-1" strike="noStrike">
+              <a:rPr lang="pt-BR" sz="1400" b="0" strike="noStrike" spc="-1">
                 <a:solidFill>
                   <a:srgbClr val="000000"/>
                 </a:solidFill>
@@ -2551,12 +3171,6 @@
               </a:rPr>
               <a:t>&lt;rodapé&gt;</a:t>
             </a:r>
-            <a:endParaRPr b="0" lang="pt-BR" sz="1400" spc="-1" strike="noStrike">
-              <a:solidFill>
-                <a:srgbClr val="000000"/>
-              </a:solidFill>
-              <a:latin typeface="Times New Roman"/>
-            </a:endParaRPr>
           </a:p>
         </p:txBody>
       </p:sp>
@@ -2584,7 +3198,7 @@
           </a:ln>
         </p:spPr>
         <p:txBody>
-          <a:bodyPr lIns="91440" rIns="91440" tIns="45720" bIns="45720" anchor="ctr">
+          <a:bodyPr lIns="91440" tIns="45720" rIns="91440" bIns="45720" anchor="ctr">
             <a:noAutofit/>
           </a:bodyPr>
           <a:lstStyle>
@@ -2593,7 +3207,7 @@
                 <a:spcPct val="100000"/>
               </a:lnSpc>
               <a:buNone/>
-              <a:defRPr b="0" lang="en-US" sz="1200" spc="-1" strike="noStrike">
+              <a:defRPr lang="en-US" sz="1200" b="0" strike="noStrike" spc="-1">
                 <a:solidFill>
                   <a:schemeClr val="dk1">
                     <a:tint val="75000"/>
@@ -2611,7 +3225,7 @@
               <a:buNone/>
             </a:pPr>
             <a:fld id="{19477065-977C-45CE-8855-F5F3EFD7BB65}" type="slidenum">
-              <a:rPr b="0" lang="en-US" sz="1200" spc="-1" strike="noStrike">
+              <a:rPr lang="en-US" sz="1200" b="0" strike="noStrike" spc="-1">
                 <a:solidFill>
                   <a:schemeClr val="dk1">
                     <a:tint val="75000"/>
@@ -2619,9 +3233,9 @@
                 </a:solidFill>
                 <a:latin typeface="Calibri"/>
               </a:rPr>
-              <a:t>&lt;número&gt;</a:t>
+              <a:t>‹nº›</a:t>
             </a:fld>
-            <a:endParaRPr b="0" lang="pt-BR" sz="1200" spc="-1" strike="noStrike">
+            <a:endParaRPr lang="pt-BR" sz="1200" b="0" strike="noStrike" spc="-1">
               <a:solidFill>
                 <a:srgbClr val="000000"/>
               </a:solidFill>
@@ -2632,21 +3246,302 @@
       </p:sp>
     </p:spTree>
   </p:cSld>
-  <p:clrMap bg1="lt1" bg2="lt2" tx1="dk1" tx2="dk2" accent1="accent1" accent2="accent2" accent3="accent3" accent4="accent4" accent5="accent5" accent6="accent6" hlink="hlink" folHlink="folHlink"/>
+  <p:clrMap bg1="lt1" tx1="dk1" bg2="lt2" tx2="dk2" accent1="accent1" accent2="accent2" accent3="accent3" accent4="accent4" accent5="accent5" accent6="accent6" hlink="hlink" folHlink="folHlink"/>
   <p:sldLayoutIdLst>
-    <p:sldLayoutId id="2147483669" r:id="rId2"/>
+    <p:sldLayoutId id="2147483669" r:id="rId1"/>
   </p:sldLayoutIdLst>
+  <p:txStyles>
+    <p:titleStyle>
+      <a:lvl1pPr algn="l" defTabSz="914400" rtl="0" eaLnBrk="1" latinLnBrk="0" hangingPunct="1">
+        <a:lnSpc>
+          <a:spcPct val="90000"/>
+        </a:lnSpc>
+        <a:spcBef>
+          <a:spcPct val="0"/>
+        </a:spcBef>
+        <a:buNone/>
+        <a:defRPr sz="4400" kern="1200">
+          <a:solidFill>
+            <a:schemeClr val="tx1"/>
+          </a:solidFill>
+          <a:latin typeface="+mj-lt"/>
+          <a:ea typeface="+mj-ea"/>
+          <a:cs typeface="+mj-cs"/>
+        </a:defRPr>
+      </a:lvl1pPr>
+    </p:titleStyle>
+    <p:bodyStyle>
+      <a:lvl1pPr marL="228600" indent="-228600" algn="l" defTabSz="914400" rtl="0" eaLnBrk="1" latinLnBrk="0" hangingPunct="1">
+        <a:lnSpc>
+          <a:spcPct val="90000"/>
+        </a:lnSpc>
+        <a:spcBef>
+          <a:spcPts val="1000"/>
+        </a:spcBef>
+        <a:buFont typeface="Arial" panose="020B0604020202020204" pitchFamily="34" charset="0"/>
+        <a:buChar char="•"/>
+        <a:defRPr sz="2800" kern="1200">
+          <a:solidFill>
+            <a:schemeClr val="tx1"/>
+          </a:solidFill>
+          <a:latin typeface="+mn-lt"/>
+          <a:ea typeface="+mn-ea"/>
+          <a:cs typeface="+mn-cs"/>
+        </a:defRPr>
+      </a:lvl1pPr>
+      <a:lvl2pPr marL="685800" indent="-228600" algn="l" defTabSz="914400" rtl="0" eaLnBrk="1" latinLnBrk="0" hangingPunct="1">
+        <a:lnSpc>
+          <a:spcPct val="90000"/>
+        </a:lnSpc>
+        <a:spcBef>
+          <a:spcPts val="500"/>
+        </a:spcBef>
+        <a:buFont typeface="Arial" panose="020B0604020202020204" pitchFamily="34" charset="0"/>
+        <a:buChar char="•"/>
+        <a:defRPr sz="2400" kern="1200">
+          <a:solidFill>
+            <a:schemeClr val="tx1"/>
+          </a:solidFill>
+          <a:latin typeface="+mn-lt"/>
+          <a:ea typeface="+mn-ea"/>
+          <a:cs typeface="+mn-cs"/>
+        </a:defRPr>
+      </a:lvl2pPr>
+      <a:lvl3pPr marL="1143000" indent="-228600" algn="l" defTabSz="914400" rtl="0" eaLnBrk="1" latinLnBrk="0" hangingPunct="1">
+        <a:lnSpc>
+          <a:spcPct val="90000"/>
+        </a:lnSpc>
+        <a:spcBef>
+          <a:spcPts val="500"/>
+        </a:spcBef>
+        <a:buFont typeface="Arial" panose="020B0604020202020204" pitchFamily="34" charset="0"/>
+        <a:buChar char="•"/>
+        <a:defRPr sz="2000" kern="1200">
+          <a:solidFill>
+            <a:schemeClr val="tx1"/>
+          </a:solidFill>
+          <a:latin typeface="+mn-lt"/>
+          <a:ea typeface="+mn-ea"/>
+          <a:cs typeface="+mn-cs"/>
+        </a:defRPr>
+      </a:lvl3pPr>
+      <a:lvl4pPr marL="1600200" indent="-228600" algn="l" defTabSz="914400" rtl="0" eaLnBrk="1" latinLnBrk="0" hangingPunct="1">
+        <a:lnSpc>
+          <a:spcPct val="90000"/>
+        </a:lnSpc>
+        <a:spcBef>
+          <a:spcPts val="500"/>
+        </a:spcBef>
+        <a:buFont typeface="Arial" panose="020B0604020202020204" pitchFamily="34" charset="0"/>
+        <a:buChar char="•"/>
+        <a:defRPr sz="1800" kern="1200">
+          <a:solidFill>
+            <a:schemeClr val="tx1"/>
+          </a:solidFill>
+          <a:latin typeface="+mn-lt"/>
+          <a:ea typeface="+mn-ea"/>
+          <a:cs typeface="+mn-cs"/>
+        </a:defRPr>
+      </a:lvl4pPr>
+      <a:lvl5pPr marL="2057400" indent="-228600" algn="l" defTabSz="914400" rtl="0" eaLnBrk="1" latinLnBrk="0" hangingPunct="1">
+        <a:lnSpc>
+          <a:spcPct val="90000"/>
+        </a:lnSpc>
+        <a:spcBef>
+          <a:spcPts val="500"/>
+        </a:spcBef>
+        <a:buFont typeface="Arial" panose="020B0604020202020204" pitchFamily="34" charset="0"/>
+        <a:buChar char="•"/>
+        <a:defRPr sz="1800" kern="1200">
+          <a:solidFill>
+            <a:schemeClr val="tx1"/>
+          </a:solidFill>
+          <a:latin typeface="+mn-lt"/>
+          <a:ea typeface="+mn-ea"/>
+          <a:cs typeface="+mn-cs"/>
+        </a:defRPr>
+      </a:lvl5pPr>
+      <a:lvl6pPr marL="2514600" indent="-228600" algn="l" defTabSz="914400" rtl="0" eaLnBrk="1" latinLnBrk="0" hangingPunct="1">
+        <a:lnSpc>
+          <a:spcPct val="90000"/>
+        </a:lnSpc>
+        <a:spcBef>
+          <a:spcPts val="500"/>
+        </a:spcBef>
+        <a:buFont typeface="Arial" panose="020B0604020202020204" pitchFamily="34" charset="0"/>
+        <a:buChar char="•"/>
+        <a:defRPr sz="1800" kern="1200">
+          <a:solidFill>
+            <a:schemeClr val="tx1"/>
+          </a:solidFill>
+          <a:latin typeface="+mn-lt"/>
+          <a:ea typeface="+mn-ea"/>
+          <a:cs typeface="+mn-cs"/>
+        </a:defRPr>
+      </a:lvl6pPr>
+      <a:lvl7pPr marL="2971800" indent="-228600" algn="l" defTabSz="914400" rtl="0" eaLnBrk="1" latinLnBrk="0" hangingPunct="1">
+        <a:lnSpc>
+          <a:spcPct val="90000"/>
+        </a:lnSpc>
+        <a:spcBef>
+          <a:spcPts val="500"/>
+        </a:spcBef>
+        <a:buFont typeface="Arial" panose="020B0604020202020204" pitchFamily="34" charset="0"/>
+        <a:buChar char="•"/>
+        <a:defRPr sz="1800" kern="1200">
+          <a:solidFill>
+            <a:schemeClr val="tx1"/>
+          </a:solidFill>
+          <a:latin typeface="+mn-lt"/>
+          <a:ea typeface="+mn-ea"/>
+          <a:cs typeface="+mn-cs"/>
+        </a:defRPr>
+      </a:lvl7pPr>
+      <a:lvl8pPr marL="3429000" indent="-228600" algn="l" defTabSz="914400" rtl="0" eaLnBrk="1" latinLnBrk="0" hangingPunct="1">
+        <a:lnSpc>
+          <a:spcPct val="90000"/>
+        </a:lnSpc>
+        <a:spcBef>
+          <a:spcPts val="500"/>
+        </a:spcBef>
+        <a:buFont typeface="Arial" panose="020B0604020202020204" pitchFamily="34" charset="0"/>
+        <a:buChar char="•"/>
+        <a:defRPr sz="1800" kern="1200">
+          <a:solidFill>
+            <a:schemeClr val="tx1"/>
+          </a:solidFill>
+          <a:latin typeface="+mn-lt"/>
+          <a:ea typeface="+mn-ea"/>
+          <a:cs typeface="+mn-cs"/>
+        </a:defRPr>
+      </a:lvl8pPr>
+      <a:lvl9pPr marL="3886200" indent="-228600" algn="l" defTabSz="914400" rtl="0" eaLnBrk="1" latinLnBrk="0" hangingPunct="1">
+        <a:lnSpc>
+          <a:spcPct val="90000"/>
+        </a:lnSpc>
+        <a:spcBef>
+          <a:spcPts val="500"/>
+        </a:spcBef>
+        <a:buFont typeface="Arial" panose="020B0604020202020204" pitchFamily="34" charset="0"/>
+        <a:buChar char="•"/>
+        <a:defRPr sz="1800" kern="1200">
+          <a:solidFill>
+            <a:schemeClr val="tx1"/>
+          </a:solidFill>
+          <a:latin typeface="+mn-lt"/>
+          <a:ea typeface="+mn-ea"/>
+          <a:cs typeface="+mn-cs"/>
+        </a:defRPr>
+      </a:lvl9pPr>
+    </p:bodyStyle>
+    <p:otherStyle>
+      <a:defPPr>
+        <a:defRPr lang="pt-BR"/>
+      </a:defPPr>
+      <a:lvl1pPr marL="0" algn="l" defTabSz="914400" rtl="0" eaLnBrk="1" latinLnBrk="0" hangingPunct="1">
+        <a:defRPr sz="1800" kern="1200">
+          <a:solidFill>
+            <a:schemeClr val="tx1"/>
+          </a:solidFill>
+          <a:latin typeface="+mn-lt"/>
+          <a:ea typeface="+mn-ea"/>
+          <a:cs typeface="+mn-cs"/>
+        </a:defRPr>
+      </a:lvl1pPr>
+      <a:lvl2pPr marL="457200" algn="l" defTabSz="914400" rtl="0" eaLnBrk="1" latinLnBrk="0" hangingPunct="1">
+        <a:defRPr sz="1800" kern="1200">
+          <a:solidFill>
+            <a:schemeClr val="tx1"/>
+          </a:solidFill>
+          <a:latin typeface="+mn-lt"/>
+          <a:ea typeface="+mn-ea"/>
+          <a:cs typeface="+mn-cs"/>
+        </a:defRPr>
+      </a:lvl2pPr>
+      <a:lvl3pPr marL="914400" algn="l" defTabSz="914400" rtl="0" eaLnBrk="1" latinLnBrk="0" hangingPunct="1">
+        <a:defRPr sz="1800" kern="1200">
+          <a:solidFill>
+            <a:schemeClr val="tx1"/>
+          </a:solidFill>
+          <a:latin typeface="+mn-lt"/>
+          <a:ea typeface="+mn-ea"/>
+          <a:cs typeface="+mn-cs"/>
+        </a:defRPr>
+      </a:lvl3pPr>
+      <a:lvl4pPr marL="1371600" algn="l" defTabSz="914400" rtl="0" eaLnBrk="1" latinLnBrk="0" hangingPunct="1">
+        <a:defRPr sz="1800" kern="1200">
+          <a:solidFill>
+            <a:schemeClr val="tx1"/>
+          </a:solidFill>
+          <a:latin typeface="+mn-lt"/>
+          <a:ea typeface="+mn-ea"/>
+          <a:cs typeface="+mn-cs"/>
+        </a:defRPr>
+      </a:lvl4pPr>
+      <a:lvl5pPr marL="1828800" algn="l" defTabSz="914400" rtl="0" eaLnBrk="1" latinLnBrk="0" hangingPunct="1">
+        <a:defRPr sz="1800" kern="1200">
+          <a:solidFill>
+            <a:schemeClr val="tx1"/>
+          </a:solidFill>
+          <a:latin typeface="+mn-lt"/>
+          <a:ea typeface="+mn-ea"/>
+          <a:cs typeface="+mn-cs"/>
+        </a:defRPr>
+      </a:lvl5pPr>
+      <a:lvl6pPr marL="2286000" algn="l" defTabSz="914400" rtl="0" eaLnBrk="1" latinLnBrk="0" hangingPunct="1">
+        <a:defRPr sz="1800" kern="1200">
+          <a:solidFill>
+            <a:schemeClr val="tx1"/>
+          </a:solidFill>
+          <a:latin typeface="+mn-lt"/>
+          <a:ea typeface="+mn-ea"/>
+          <a:cs typeface="+mn-cs"/>
+        </a:defRPr>
+      </a:lvl6pPr>
+      <a:lvl7pPr marL="2743200" algn="l" defTabSz="914400" rtl="0" eaLnBrk="1" latinLnBrk="0" hangingPunct="1">
+        <a:defRPr sz="1800" kern="1200">
+          <a:solidFill>
+            <a:schemeClr val="tx1"/>
+          </a:solidFill>
+          <a:latin typeface="+mn-lt"/>
+          <a:ea typeface="+mn-ea"/>
+          <a:cs typeface="+mn-cs"/>
+        </a:defRPr>
+      </a:lvl7pPr>
+      <a:lvl8pPr marL="3200400" algn="l" defTabSz="914400" rtl="0" eaLnBrk="1" latinLnBrk="0" hangingPunct="1">
+        <a:defRPr sz="1800" kern="1200">
+          <a:solidFill>
+            <a:schemeClr val="tx1"/>
+          </a:solidFill>
+          <a:latin typeface="+mn-lt"/>
+          <a:ea typeface="+mn-ea"/>
+          <a:cs typeface="+mn-cs"/>
+        </a:defRPr>
+      </a:lvl8pPr>
+      <a:lvl9pPr marL="3657600" algn="l" defTabSz="914400" rtl="0" eaLnBrk="1" latinLnBrk="0" hangingPunct="1">
+        <a:defRPr sz="1800" kern="1200">
+          <a:solidFill>
+            <a:schemeClr val="tx1"/>
+          </a:solidFill>
+          <a:latin typeface="+mn-lt"/>
+          <a:ea typeface="+mn-ea"/>
+          <a:cs typeface="+mn-cs"/>
+        </a:defRPr>
+      </a:lvl9pPr>
+    </p:otherStyle>
+  </p:txStyles>
 </p:sldMaster>
 </file>
 
 <file path=ppt/slideMasters/slideMaster2.xml><?xml version="1.0" encoding="utf-8"?>
-<p:sldMaster xmlns:a="http://schemas.openxmlformats.org/drawingml/2006/main" xmlns:p="http://schemas.openxmlformats.org/presentationml/2006/main" xmlns:r="http://schemas.openxmlformats.org/officeDocument/2006/relationships" xmlns:p14="http://schemas.microsoft.com/office/powerpoint/2010/main" xmlns:p15="http://schemas.microsoft.com/office/powerpoint/2012/main" xmlns:mc="http://schemas.openxmlformats.org/markup-compatibility/2006">
+<p:sldMaster xmlns:a="http://schemas.openxmlformats.org/drawingml/2006/main" xmlns:r="http://schemas.openxmlformats.org/officeDocument/2006/relationships" xmlns:p="http://schemas.openxmlformats.org/presentationml/2006/main">
   <p:cSld>
     <p:bg>
       <p:bgPr>
         <a:solidFill>
-          <a:srgbClr val="ffffff"/>
+          <a:srgbClr val="FFFFFF"/>
         </a:solidFill>
+        <a:effectLst/>
       </p:bgPr>
     </p:bg>
     <p:spTree>
@@ -2687,9 +3582,10 @@
           </a:ln>
         </p:spPr>
         <p:txBody>
-          <a:bodyPr lIns="91440" rIns="91440" tIns="45720" bIns="45720" anchor="ctr">
+          <a:bodyPr lIns="91440" tIns="45720" rIns="91440" bIns="45720" anchor="ctr">
             <a:noAutofit/>
           </a:bodyPr>
+          <a:lstStyle/>
           <a:p>
             <a:pPr indent="0" algn="ctr" defTabSz="914400">
               <a:lnSpc>
@@ -2698,7 +3594,7 @@
               <a:buNone/>
             </a:pPr>
             <a:r>
-              <a:rPr b="0" lang="en-US" sz="4400" spc="-1" strike="noStrike">
+              <a:rPr lang="en-US" sz="4400" b="0" strike="noStrike" spc="-1">
                 <a:solidFill>
                   <a:schemeClr val="dk1"/>
                 </a:solidFill>
@@ -2706,12 +3602,6 @@
               </a:rPr>
               <a:t>Click to edit Master title style</a:t>
             </a:r>
-            <a:endParaRPr b="0" lang="en-US" sz="4400" spc="-1" strike="noStrike">
-              <a:solidFill>
-                <a:schemeClr val="dk1"/>
-              </a:solidFill>
-              <a:latin typeface="Calibri"/>
-            </a:endParaRPr>
           </a:p>
         </p:txBody>
       </p:sp>
@@ -2739,9 +3629,10 @@
           </a:ln>
         </p:spPr>
         <p:txBody>
-          <a:bodyPr lIns="91440" rIns="91440" tIns="45720" bIns="45720" anchor="t" vert="eaVert">
+          <a:bodyPr vert="eaVert" lIns="91440" tIns="45720" rIns="91440" bIns="45720" anchor="t">
             <a:noAutofit/>
           </a:bodyPr>
+          <a:lstStyle/>
           <a:p>
             <a:pPr marL="343080" indent="-343080" defTabSz="914400">
               <a:lnSpc>
@@ -2757,7 +3648,7 @@
               <a:buChar char="•"/>
             </a:pPr>
             <a:r>
-              <a:rPr b="0" lang="en-US" sz="3200" spc="-1" strike="noStrike">
+              <a:rPr lang="en-US" sz="3200" b="0" strike="noStrike" spc="-1">
                 <a:solidFill>
                   <a:schemeClr val="dk1"/>
                 </a:solidFill>
@@ -2765,15 +3656,9 @@
               </a:rPr>
               <a:t>Click to edit Master text styles</a:t>
             </a:r>
-            <a:endParaRPr b="0" lang="en-US" sz="3200" spc="-1" strike="noStrike">
-              <a:solidFill>
-                <a:schemeClr val="dk1"/>
-              </a:solidFill>
-              <a:latin typeface="Calibri"/>
-            </a:endParaRPr>
-          </a:p>
-          <a:p>
-            <a:pPr lvl="1" marL="743040" indent="-285840" defTabSz="914400">
+          </a:p>
+          <a:p>
+            <a:pPr marL="743040" lvl="1" indent="-285840" defTabSz="914400">
               <a:lnSpc>
                 <a:spcPct val="100000"/>
               </a:lnSpc>
@@ -2787,7 +3672,7 @@
               <a:buChar char="–"/>
             </a:pPr>
             <a:r>
-              <a:rPr b="0" lang="en-US" sz="2800" spc="-1" strike="noStrike">
+              <a:rPr lang="en-US" sz="2800" b="0" strike="noStrike" spc="-1">
                 <a:solidFill>
                   <a:schemeClr val="dk1"/>
                 </a:solidFill>
@@ -2795,15 +3680,9 @@
               </a:rPr>
               <a:t>Second level</a:t>
             </a:r>
-            <a:endParaRPr b="0" lang="en-US" sz="2800" spc="-1" strike="noStrike">
-              <a:solidFill>
-                <a:schemeClr val="dk1"/>
-              </a:solidFill>
-              <a:latin typeface="Calibri"/>
-            </a:endParaRPr>
-          </a:p>
-          <a:p>
-            <a:pPr lvl="2" marL="1143000" indent="-228600" defTabSz="914400">
+          </a:p>
+          <a:p>
+            <a:pPr marL="1143000" lvl="2" indent="-228600" defTabSz="914400">
               <a:lnSpc>
                 <a:spcPct val="100000"/>
               </a:lnSpc>
@@ -2817,7 +3696,7 @@
               <a:buChar char="•"/>
             </a:pPr>
             <a:r>
-              <a:rPr b="0" lang="en-US" sz="2400" spc="-1" strike="noStrike">
+              <a:rPr lang="en-US" sz="2400" b="0" strike="noStrike" spc="-1">
                 <a:solidFill>
                   <a:schemeClr val="dk1"/>
                 </a:solidFill>
@@ -2825,15 +3704,9 @@
               </a:rPr>
               <a:t>Third level</a:t>
             </a:r>
-            <a:endParaRPr b="0" lang="en-US" sz="2400" spc="-1" strike="noStrike">
-              <a:solidFill>
-                <a:schemeClr val="dk1"/>
-              </a:solidFill>
-              <a:latin typeface="Calibri"/>
-            </a:endParaRPr>
-          </a:p>
-          <a:p>
-            <a:pPr lvl="3" marL="1600200" indent="-228600" defTabSz="914400">
+          </a:p>
+          <a:p>
+            <a:pPr marL="1600200" lvl="3" indent="-228600" defTabSz="914400">
               <a:lnSpc>
                 <a:spcPct val="100000"/>
               </a:lnSpc>
@@ -2847,7 +3720,7 @@
               <a:buChar char="–"/>
             </a:pPr>
             <a:r>
-              <a:rPr b="0" lang="en-US" sz="2000" spc="-1" strike="noStrike">
+              <a:rPr lang="en-US" sz="2000" b="0" strike="noStrike" spc="-1">
                 <a:solidFill>
                   <a:schemeClr val="dk1"/>
                 </a:solidFill>
@@ -2855,15 +3728,9 @@
               </a:rPr>
               <a:t>Fourth level</a:t>
             </a:r>
-            <a:endParaRPr b="0" lang="en-US" sz="2000" spc="-1" strike="noStrike">
-              <a:solidFill>
-                <a:schemeClr val="dk1"/>
-              </a:solidFill>
-              <a:latin typeface="Calibri"/>
-            </a:endParaRPr>
-          </a:p>
-          <a:p>
-            <a:pPr lvl="4" marL="2057400" indent="-228600" defTabSz="914400">
+          </a:p>
+          <a:p>
+            <a:pPr marL="2057400" lvl="4" indent="-228600" defTabSz="914400">
               <a:lnSpc>
                 <a:spcPct val="100000"/>
               </a:lnSpc>
@@ -2877,7 +3744,7 @@
               <a:buChar char="»"/>
             </a:pPr>
             <a:r>
-              <a:rPr b="0" lang="en-US" sz="2000" spc="-1" strike="noStrike">
+              <a:rPr lang="en-US" sz="2000" b="0" strike="noStrike" spc="-1">
                 <a:solidFill>
                   <a:schemeClr val="dk1"/>
                 </a:solidFill>
@@ -2885,12 +3752,6 @@
               </a:rPr>
               <a:t>Fifth level</a:t>
             </a:r>
-            <a:endParaRPr b="0" lang="en-US" sz="2000" spc="-1" strike="noStrike">
-              <a:solidFill>
-                <a:schemeClr val="dk1"/>
-              </a:solidFill>
-              <a:latin typeface="Calibri"/>
-            </a:endParaRPr>
           </a:p>
         </p:txBody>
       </p:sp>
@@ -2918,7 +3779,7 @@
           </a:ln>
         </p:spPr>
         <p:txBody>
-          <a:bodyPr lIns="91440" rIns="91440" tIns="45720" bIns="45720" anchor="ctr">
+          <a:bodyPr lIns="91440" tIns="45720" rIns="91440" bIns="45720" anchor="ctr">
             <a:noAutofit/>
           </a:bodyPr>
           <a:lstStyle>
@@ -2927,7 +3788,7 @@
                 <a:spcPct val="100000"/>
               </a:lnSpc>
               <a:buNone/>
-              <a:defRPr b="0" lang="en-US" sz="1200" spc="-1" strike="noStrike">
+              <a:defRPr lang="en-US" sz="1200" b="0" strike="noStrike" spc="-1">
                 <a:solidFill>
                   <a:schemeClr val="dk1">
                     <a:tint val="75000"/>
@@ -2945,7 +3806,7 @@
               <a:buNone/>
             </a:pPr>
             <a:r>
-              <a:rPr b="0" lang="en-US" sz="1200" spc="-1" strike="noStrike">
+              <a:rPr lang="en-US" sz="1200" b="0" strike="noStrike" spc="-1">
                 <a:solidFill>
                   <a:schemeClr val="dk1">
                     <a:tint val="75000"/>
@@ -2955,7 +3816,7 @@
               </a:rPr>
               <a:t>&lt;data/hora&gt;</a:t>
             </a:r>
-            <a:endParaRPr b="0" lang="pt-BR" sz="1200" spc="-1" strike="noStrike">
+            <a:endParaRPr lang="pt-BR" sz="1200" b="0" strike="noStrike" spc="-1">
               <a:solidFill>
                 <a:srgbClr val="000000"/>
               </a:solidFill>
@@ -2988,13 +3849,13 @@
           </a:ln>
         </p:spPr>
         <p:txBody>
-          <a:bodyPr lIns="91440" rIns="91440" tIns="45720" bIns="45720" anchor="ctr">
+          <a:bodyPr lIns="91440" tIns="45720" rIns="91440" bIns="45720" anchor="ctr">
             <a:noAutofit/>
           </a:bodyPr>
           <a:lstStyle>
             <a:lvl1pPr indent="0" algn="ctr">
               <a:buNone/>
-              <a:defRPr b="0" lang="pt-BR" sz="1400" spc="-1" strike="noStrike">
+              <a:defRPr lang="pt-BR" sz="1400" b="0" strike="noStrike" spc="-1">
                 <a:solidFill>
                   <a:srgbClr val="000000"/>
                 </a:solidFill>
@@ -3007,7 +3868,7 @@
               <a:buNone/>
             </a:pPr>
             <a:r>
-              <a:rPr b="0" lang="pt-BR" sz="1400" spc="-1" strike="noStrike">
+              <a:rPr lang="pt-BR" sz="1400" b="0" strike="noStrike" spc="-1">
                 <a:solidFill>
                   <a:srgbClr val="000000"/>
                 </a:solidFill>
@@ -3015,12 +3876,6 @@
               </a:rPr>
               <a:t>&lt;rodapé&gt;</a:t>
             </a:r>
-            <a:endParaRPr b="0" lang="pt-BR" sz="1400" spc="-1" strike="noStrike">
-              <a:solidFill>
-                <a:srgbClr val="000000"/>
-              </a:solidFill>
-              <a:latin typeface="Times New Roman"/>
-            </a:endParaRPr>
           </a:p>
         </p:txBody>
       </p:sp>
@@ -3048,7 +3903,7 @@
           </a:ln>
         </p:spPr>
         <p:txBody>
-          <a:bodyPr lIns="91440" rIns="91440" tIns="45720" bIns="45720" anchor="ctr">
+          <a:bodyPr lIns="91440" tIns="45720" rIns="91440" bIns="45720" anchor="ctr">
             <a:noAutofit/>
           </a:bodyPr>
           <a:lstStyle>
@@ -3057,7 +3912,7 @@
                 <a:spcPct val="100000"/>
               </a:lnSpc>
               <a:buNone/>
-              <a:defRPr b="0" lang="en-US" sz="1200" spc="-1" strike="noStrike">
+              <a:defRPr lang="en-US" sz="1200" b="0" strike="noStrike" spc="-1">
                 <a:solidFill>
                   <a:schemeClr val="dk1">
                     <a:tint val="75000"/>
@@ -3075,7 +3930,7 @@
               <a:buNone/>
             </a:pPr>
             <a:fld id="{7DEBAD6D-4065-4C4B-B056-91D2C385F182}" type="slidenum">
-              <a:rPr b="0" lang="en-US" sz="1200" spc="-1" strike="noStrike">
+              <a:rPr lang="en-US" sz="1200" b="0" strike="noStrike" spc="-1">
                 <a:solidFill>
                   <a:schemeClr val="dk1">
                     <a:tint val="75000"/>
@@ -3083,9 +3938,9 @@
                 </a:solidFill>
                 <a:latin typeface="Calibri"/>
               </a:rPr>
-              <a:t>&lt;número&gt;</a:t>
+              <a:t>‹nº›</a:t>
             </a:fld>
-            <a:endParaRPr b="0" lang="pt-BR" sz="1200" spc="-1" strike="noStrike">
+            <a:endParaRPr lang="pt-BR" sz="1200" b="0" strike="noStrike" spc="-1">
               <a:solidFill>
                 <a:srgbClr val="000000"/>
               </a:solidFill>
@@ -3096,21 +3951,302 @@
       </p:sp>
     </p:spTree>
   </p:cSld>
-  <p:clrMap bg1="lt1" bg2="lt2" tx1="dk1" tx2="dk2" accent1="accent1" accent2="accent2" accent3="accent3" accent4="accent4" accent5="accent5" accent6="accent6" hlink="hlink" folHlink="folHlink"/>
+  <p:clrMap bg1="lt1" tx1="dk1" bg2="lt2" tx2="dk2" accent1="accent1" accent2="accent2" accent3="accent3" accent4="accent4" accent5="accent5" accent6="accent6" hlink="hlink" folHlink="folHlink"/>
   <p:sldLayoutIdLst>
-    <p:sldLayoutId id="2147483651" r:id="rId2"/>
+    <p:sldLayoutId id="2147483651" r:id="rId1"/>
   </p:sldLayoutIdLst>
+  <p:txStyles>
+    <p:titleStyle>
+      <a:lvl1pPr algn="l" defTabSz="914400" rtl="0" eaLnBrk="1" latinLnBrk="0" hangingPunct="1">
+        <a:lnSpc>
+          <a:spcPct val="90000"/>
+        </a:lnSpc>
+        <a:spcBef>
+          <a:spcPct val="0"/>
+        </a:spcBef>
+        <a:buNone/>
+        <a:defRPr sz="4400" kern="1200">
+          <a:solidFill>
+            <a:schemeClr val="tx1"/>
+          </a:solidFill>
+          <a:latin typeface="+mj-lt"/>
+          <a:ea typeface="+mj-ea"/>
+          <a:cs typeface="+mj-cs"/>
+        </a:defRPr>
+      </a:lvl1pPr>
+    </p:titleStyle>
+    <p:bodyStyle>
+      <a:lvl1pPr marL="228600" indent="-228600" algn="l" defTabSz="914400" rtl="0" eaLnBrk="1" latinLnBrk="0" hangingPunct="1">
+        <a:lnSpc>
+          <a:spcPct val="90000"/>
+        </a:lnSpc>
+        <a:spcBef>
+          <a:spcPts val="1000"/>
+        </a:spcBef>
+        <a:buFont typeface="Arial" panose="020B0604020202020204" pitchFamily="34" charset="0"/>
+        <a:buChar char="•"/>
+        <a:defRPr sz="2800" kern="1200">
+          <a:solidFill>
+            <a:schemeClr val="tx1"/>
+          </a:solidFill>
+          <a:latin typeface="+mn-lt"/>
+          <a:ea typeface="+mn-ea"/>
+          <a:cs typeface="+mn-cs"/>
+        </a:defRPr>
+      </a:lvl1pPr>
+      <a:lvl2pPr marL="685800" indent="-228600" algn="l" defTabSz="914400" rtl="0" eaLnBrk="1" latinLnBrk="0" hangingPunct="1">
+        <a:lnSpc>
+          <a:spcPct val="90000"/>
+        </a:lnSpc>
+        <a:spcBef>
+          <a:spcPts val="500"/>
+        </a:spcBef>
+        <a:buFont typeface="Arial" panose="020B0604020202020204" pitchFamily="34" charset="0"/>
+        <a:buChar char="•"/>
+        <a:defRPr sz="2400" kern="1200">
+          <a:solidFill>
+            <a:schemeClr val="tx1"/>
+          </a:solidFill>
+          <a:latin typeface="+mn-lt"/>
+          <a:ea typeface="+mn-ea"/>
+          <a:cs typeface="+mn-cs"/>
+        </a:defRPr>
+      </a:lvl2pPr>
+      <a:lvl3pPr marL="1143000" indent="-228600" algn="l" defTabSz="914400" rtl="0" eaLnBrk="1" latinLnBrk="0" hangingPunct="1">
+        <a:lnSpc>
+          <a:spcPct val="90000"/>
+        </a:lnSpc>
+        <a:spcBef>
+          <a:spcPts val="500"/>
+        </a:spcBef>
+        <a:buFont typeface="Arial" panose="020B0604020202020204" pitchFamily="34" charset="0"/>
+        <a:buChar char="•"/>
+        <a:defRPr sz="2000" kern="1200">
+          <a:solidFill>
+            <a:schemeClr val="tx1"/>
+          </a:solidFill>
+          <a:latin typeface="+mn-lt"/>
+          <a:ea typeface="+mn-ea"/>
+          <a:cs typeface="+mn-cs"/>
+        </a:defRPr>
+      </a:lvl3pPr>
+      <a:lvl4pPr marL="1600200" indent="-228600" algn="l" defTabSz="914400" rtl="0" eaLnBrk="1" latinLnBrk="0" hangingPunct="1">
+        <a:lnSpc>
+          <a:spcPct val="90000"/>
+        </a:lnSpc>
+        <a:spcBef>
+          <a:spcPts val="500"/>
+        </a:spcBef>
+        <a:buFont typeface="Arial" panose="020B0604020202020204" pitchFamily="34" charset="0"/>
+        <a:buChar char="•"/>
+        <a:defRPr sz="1800" kern="1200">
+          <a:solidFill>
+            <a:schemeClr val="tx1"/>
+          </a:solidFill>
+          <a:latin typeface="+mn-lt"/>
+          <a:ea typeface="+mn-ea"/>
+          <a:cs typeface="+mn-cs"/>
+        </a:defRPr>
+      </a:lvl4pPr>
+      <a:lvl5pPr marL="2057400" indent="-228600" algn="l" defTabSz="914400" rtl="0" eaLnBrk="1" latinLnBrk="0" hangingPunct="1">
+        <a:lnSpc>
+          <a:spcPct val="90000"/>
+        </a:lnSpc>
+        <a:spcBef>
+          <a:spcPts val="500"/>
+        </a:spcBef>
+        <a:buFont typeface="Arial" panose="020B0604020202020204" pitchFamily="34" charset="0"/>
+        <a:buChar char="•"/>
+        <a:defRPr sz="1800" kern="1200">
+          <a:solidFill>
+            <a:schemeClr val="tx1"/>
+          </a:solidFill>
+          <a:latin typeface="+mn-lt"/>
+          <a:ea typeface="+mn-ea"/>
+          <a:cs typeface="+mn-cs"/>
+        </a:defRPr>
+      </a:lvl5pPr>
+      <a:lvl6pPr marL="2514600" indent="-228600" algn="l" defTabSz="914400" rtl="0" eaLnBrk="1" latinLnBrk="0" hangingPunct="1">
+        <a:lnSpc>
+          <a:spcPct val="90000"/>
+        </a:lnSpc>
+        <a:spcBef>
+          <a:spcPts val="500"/>
+        </a:spcBef>
+        <a:buFont typeface="Arial" panose="020B0604020202020204" pitchFamily="34" charset="0"/>
+        <a:buChar char="•"/>
+        <a:defRPr sz="1800" kern="1200">
+          <a:solidFill>
+            <a:schemeClr val="tx1"/>
+          </a:solidFill>
+          <a:latin typeface="+mn-lt"/>
+          <a:ea typeface="+mn-ea"/>
+          <a:cs typeface="+mn-cs"/>
+        </a:defRPr>
+      </a:lvl6pPr>
+      <a:lvl7pPr marL="2971800" indent="-228600" algn="l" defTabSz="914400" rtl="0" eaLnBrk="1" latinLnBrk="0" hangingPunct="1">
+        <a:lnSpc>
+          <a:spcPct val="90000"/>
+        </a:lnSpc>
+        <a:spcBef>
+          <a:spcPts val="500"/>
+        </a:spcBef>
+        <a:buFont typeface="Arial" panose="020B0604020202020204" pitchFamily="34" charset="0"/>
+        <a:buChar char="•"/>
+        <a:defRPr sz="1800" kern="1200">
+          <a:solidFill>
+            <a:schemeClr val="tx1"/>
+          </a:solidFill>
+          <a:latin typeface="+mn-lt"/>
+          <a:ea typeface="+mn-ea"/>
+          <a:cs typeface="+mn-cs"/>
+        </a:defRPr>
+      </a:lvl7pPr>
+      <a:lvl8pPr marL="3429000" indent="-228600" algn="l" defTabSz="914400" rtl="0" eaLnBrk="1" latinLnBrk="0" hangingPunct="1">
+        <a:lnSpc>
+          <a:spcPct val="90000"/>
+        </a:lnSpc>
+        <a:spcBef>
+          <a:spcPts val="500"/>
+        </a:spcBef>
+        <a:buFont typeface="Arial" panose="020B0604020202020204" pitchFamily="34" charset="0"/>
+        <a:buChar char="•"/>
+        <a:defRPr sz="1800" kern="1200">
+          <a:solidFill>
+            <a:schemeClr val="tx1"/>
+          </a:solidFill>
+          <a:latin typeface="+mn-lt"/>
+          <a:ea typeface="+mn-ea"/>
+          <a:cs typeface="+mn-cs"/>
+        </a:defRPr>
+      </a:lvl8pPr>
+      <a:lvl9pPr marL="3886200" indent="-228600" algn="l" defTabSz="914400" rtl="0" eaLnBrk="1" latinLnBrk="0" hangingPunct="1">
+        <a:lnSpc>
+          <a:spcPct val="90000"/>
+        </a:lnSpc>
+        <a:spcBef>
+          <a:spcPts val="500"/>
+        </a:spcBef>
+        <a:buFont typeface="Arial" panose="020B0604020202020204" pitchFamily="34" charset="0"/>
+        <a:buChar char="•"/>
+        <a:defRPr sz="1800" kern="1200">
+          <a:solidFill>
+            <a:schemeClr val="tx1"/>
+          </a:solidFill>
+          <a:latin typeface="+mn-lt"/>
+          <a:ea typeface="+mn-ea"/>
+          <a:cs typeface="+mn-cs"/>
+        </a:defRPr>
+      </a:lvl9pPr>
+    </p:bodyStyle>
+    <p:otherStyle>
+      <a:defPPr>
+        <a:defRPr lang="pt-BR"/>
+      </a:defPPr>
+      <a:lvl1pPr marL="0" algn="l" defTabSz="914400" rtl="0" eaLnBrk="1" latinLnBrk="0" hangingPunct="1">
+        <a:defRPr sz="1800" kern="1200">
+          <a:solidFill>
+            <a:schemeClr val="tx1"/>
+          </a:solidFill>
+          <a:latin typeface="+mn-lt"/>
+          <a:ea typeface="+mn-ea"/>
+          <a:cs typeface="+mn-cs"/>
+        </a:defRPr>
+      </a:lvl1pPr>
+      <a:lvl2pPr marL="457200" algn="l" defTabSz="914400" rtl="0" eaLnBrk="1" latinLnBrk="0" hangingPunct="1">
+        <a:defRPr sz="1800" kern="1200">
+          <a:solidFill>
+            <a:schemeClr val="tx1"/>
+          </a:solidFill>
+          <a:latin typeface="+mn-lt"/>
+          <a:ea typeface="+mn-ea"/>
+          <a:cs typeface="+mn-cs"/>
+        </a:defRPr>
+      </a:lvl2pPr>
+      <a:lvl3pPr marL="914400" algn="l" defTabSz="914400" rtl="0" eaLnBrk="1" latinLnBrk="0" hangingPunct="1">
+        <a:defRPr sz="1800" kern="1200">
+          <a:solidFill>
+            <a:schemeClr val="tx1"/>
+          </a:solidFill>
+          <a:latin typeface="+mn-lt"/>
+          <a:ea typeface="+mn-ea"/>
+          <a:cs typeface="+mn-cs"/>
+        </a:defRPr>
+      </a:lvl3pPr>
+      <a:lvl4pPr marL="1371600" algn="l" defTabSz="914400" rtl="0" eaLnBrk="1" latinLnBrk="0" hangingPunct="1">
+        <a:defRPr sz="1800" kern="1200">
+          <a:solidFill>
+            <a:schemeClr val="tx1"/>
+          </a:solidFill>
+          <a:latin typeface="+mn-lt"/>
+          <a:ea typeface="+mn-ea"/>
+          <a:cs typeface="+mn-cs"/>
+        </a:defRPr>
+      </a:lvl4pPr>
+      <a:lvl5pPr marL="1828800" algn="l" defTabSz="914400" rtl="0" eaLnBrk="1" latinLnBrk="0" hangingPunct="1">
+        <a:defRPr sz="1800" kern="1200">
+          <a:solidFill>
+            <a:schemeClr val="tx1"/>
+          </a:solidFill>
+          <a:latin typeface="+mn-lt"/>
+          <a:ea typeface="+mn-ea"/>
+          <a:cs typeface="+mn-cs"/>
+        </a:defRPr>
+      </a:lvl5pPr>
+      <a:lvl6pPr marL="2286000" algn="l" defTabSz="914400" rtl="0" eaLnBrk="1" latinLnBrk="0" hangingPunct="1">
+        <a:defRPr sz="1800" kern="1200">
+          <a:solidFill>
+            <a:schemeClr val="tx1"/>
+          </a:solidFill>
+          <a:latin typeface="+mn-lt"/>
+          <a:ea typeface="+mn-ea"/>
+          <a:cs typeface="+mn-cs"/>
+        </a:defRPr>
+      </a:lvl6pPr>
+      <a:lvl7pPr marL="2743200" algn="l" defTabSz="914400" rtl="0" eaLnBrk="1" latinLnBrk="0" hangingPunct="1">
+        <a:defRPr sz="1800" kern="1200">
+          <a:solidFill>
+            <a:schemeClr val="tx1"/>
+          </a:solidFill>
+          <a:latin typeface="+mn-lt"/>
+          <a:ea typeface="+mn-ea"/>
+          <a:cs typeface="+mn-cs"/>
+        </a:defRPr>
+      </a:lvl7pPr>
+      <a:lvl8pPr marL="3200400" algn="l" defTabSz="914400" rtl="0" eaLnBrk="1" latinLnBrk="0" hangingPunct="1">
+        <a:defRPr sz="1800" kern="1200">
+          <a:solidFill>
+            <a:schemeClr val="tx1"/>
+          </a:solidFill>
+          <a:latin typeface="+mn-lt"/>
+          <a:ea typeface="+mn-ea"/>
+          <a:cs typeface="+mn-cs"/>
+        </a:defRPr>
+      </a:lvl8pPr>
+      <a:lvl9pPr marL="3657600" algn="l" defTabSz="914400" rtl="0" eaLnBrk="1" latinLnBrk="0" hangingPunct="1">
+        <a:defRPr sz="1800" kern="1200">
+          <a:solidFill>
+            <a:schemeClr val="tx1"/>
+          </a:solidFill>
+          <a:latin typeface="+mn-lt"/>
+          <a:ea typeface="+mn-ea"/>
+          <a:cs typeface="+mn-cs"/>
+        </a:defRPr>
+      </a:lvl9pPr>
+    </p:otherStyle>
+  </p:txStyles>
 </p:sldMaster>
 </file>
 
 <file path=ppt/slideMasters/slideMaster3.xml><?xml version="1.0" encoding="utf-8"?>
-<p:sldMaster xmlns:a="http://schemas.openxmlformats.org/drawingml/2006/main" xmlns:p="http://schemas.openxmlformats.org/presentationml/2006/main" xmlns:r="http://schemas.openxmlformats.org/officeDocument/2006/relationships" xmlns:p14="http://schemas.microsoft.com/office/powerpoint/2010/main" xmlns:p15="http://schemas.microsoft.com/office/powerpoint/2012/main" xmlns:mc="http://schemas.openxmlformats.org/markup-compatibility/2006">
+<p:sldMaster xmlns:a="http://schemas.openxmlformats.org/drawingml/2006/main" xmlns:r="http://schemas.openxmlformats.org/officeDocument/2006/relationships" xmlns:p="http://schemas.openxmlformats.org/presentationml/2006/main">
   <p:cSld>
     <p:bg>
       <p:bgPr>
         <a:solidFill>
-          <a:srgbClr val="ffffff"/>
+          <a:srgbClr val="FFFFFF"/>
         </a:solidFill>
+        <a:effectLst/>
       </p:bgPr>
     </p:bg>
     <p:spTree>
@@ -3151,9 +4287,10 @@
           </a:ln>
         </p:spPr>
         <p:txBody>
-          <a:bodyPr lIns="91440" rIns="91440" tIns="45720" bIns="45720" anchor="ctr" vert="eaVert">
+          <a:bodyPr vert="eaVert" lIns="91440" tIns="45720" rIns="91440" bIns="45720" anchor="ctr">
             <a:noAutofit/>
           </a:bodyPr>
+          <a:lstStyle/>
           <a:p>
             <a:pPr indent="0" algn="ctr" defTabSz="914400">
               <a:lnSpc>
@@ -3162,7 +4299,7 @@
               <a:buNone/>
             </a:pPr>
             <a:r>
-              <a:rPr b="0" lang="en-US" sz="4400" spc="-1" strike="noStrike">
+              <a:rPr lang="en-US" sz="4400" b="0" strike="noStrike" spc="-1">
                 <a:solidFill>
                   <a:schemeClr val="dk1"/>
                 </a:solidFill>
@@ -3170,12 +4307,6 @@
               </a:rPr>
               <a:t>Click to edit Master title style</a:t>
             </a:r>
-            <a:endParaRPr b="0" lang="en-US" sz="4400" spc="-1" strike="noStrike">
-              <a:solidFill>
-                <a:schemeClr val="dk1"/>
-              </a:solidFill>
-              <a:latin typeface="Calibri"/>
-            </a:endParaRPr>
           </a:p>
         </p:txBody>
       </p:sp>
@@ -3203,9 +4334,10 @@
           </a:ln>
         </p:spPr>
         <p:txBody>
-          <a:bodyPr lIns="91440" rIns="91440" tIns="45720" bIns="45720" anchor="t" vert="eaVert">
+          <a:bodyPr vert="eaVert" lIns="91440" tIns="45720" rIns="91440" bIns="45720" anchor="t">
             <a:noAutofit/>
           </a:bodyPr>
+          <a:lstStyle/>
           <a:p>
             <a:pPr marL="343080" indent="-343080" defTabSz="914400">
               <a:lnSpc>
@@ -3221,7 +4353,7 @@
               <a:buChar char="•"/>
             </a:pPr>
             <a:r>
-              <a:rPr b="0" lang="en-US" sz="3200" spc="-1" strike="noStrike">
+              <a:rPr lang="en-US" sz="3200" b="0" strike="noStrike" spc="-1">
                 <a:solidFill>
                   <a:schemeClr val="dk1"/>
                 </a:solidFill>
@@ -3229,15 +4361,9 @@
               </a:rPr>
               <a:t>Click to edit Master text styles</a:t>
             </a:r>
-            <a:endParaRPr b="0" lang="en-US" sz="3200" spc="-1" strike="noStrike">
-              <a:solidFill>
-                <a:schemeClr val="dk1"/>
-              </a:solidFill>
-              <a:latin typeface="Calibri"/>
-            </a:endParaRPr>
-          </a:p>
-          <a:p>
-            <a:pPr lvl="1" marL="743040" indent="-285840" defTabSz="914400">
+          </a:p>
+          <a:p>
+            <a:pPr marL="743040" lvl="1" indent="-285840" defTabSz="914400">
               <a:lnSpc>
                 <a:spcPct val="100000"/>
               </a:lnSpc>
@@ -3251,7 +4377,7 @@
               <a:buChar char="–"/>
             </a:pPr>
             <a:r>
-              <a:rPr b="0" lang="en-US" sz="2800" spc="-1" strike="noStrike">
+              <a:rPr lang="en-US" sz="2800" b="0" strike="noStrike" spc="-1">
                 <a:solidFill>
                   <a:schemeClr val="dk1"/>
                 </a:solidFill>
@@ -3259,15 +4385,9 @@
               </a:rPr>
               <a:t>Second level</a:t>
             </a:r>
-            <a:endParaRPr b="0" lang="en-US" sz="2800" spc="-1" strike="noStrike">
-              <a:solidFill>
-                <a:schemeClr val="dk1"/>
-              </a:solidFill>
-              <a:latin typeface="Calibri"/>
-            </a:endParaRPr>
-          </a:p>
-          <a:p>
-            <a:pPr lvl="2" marL="1143000" indent="-228600" defTabSz="914400">
+          </a:p>
+          <a:p>
+            <a:pPr marL="1143000" lvl="2" indent="-228600" defTabSz="914400">
               <a:lnSpc>
                 <a:spcPct val="100000"/>
               </a:lnSpc>
@@ -3281,7 +4401,7 @@
               <a:buChar char="•"/>
             </a:pPr>
             <a:r>
-              <a:rPr b="0" lang="en-US" sz="2400" spc="-1" strike="noStrike">
+              <a:rPr lang="en-US" sz="2400" b="0" strike="noStrike" spc="-1">
                 <a:solidFill>
                   <a:schemeClr val="dk1"/>
                 </a:solidFill>
@@ -3289,15 +4409,9 @@
               </a:rPr>
               <a:t>Third level</a:t>
             </a:r>
-            <a:endParaRPr b="0" lang="en-US" sz="2400" spc="-1" strike="noStrike">
-              <a:solidFill>
-                <a:schemeClr val="dk1"/>
-              </a:solidFill>
-              <a:latin typeface="Calibri"/>
-            </a:endParaRPr>
-          </a:p>
-          <a:p>
-            <a:pPr lvl="3" marL="1600200" indent="-228600" defTabSz="914400">
+          </a:p>
+          <a:p>
+            <a:pPr marL="1600200" lvl="3" indent="-228600" defTabSz="914400">
               <a:lnSpc>
                 <a:spcPct val="100000"/>
               </a:lnSpc>
@@ -3311,7 +4425,7 @@
               <a:buChar char="–"/>
             </a:pPr>
             <a:r>
-              <a:rPr b="0" lang="en-US" sz="2000" spc="-1" strike="noStrike">
+              <a:rPr lang="en-US" sz="2000" b="0" strike="noStrike" spc="-1">
                 <a:solidFill>
                   <a:schemeClr val="dk1"/>
                 </a:solidFill>
@@ -3319,15 +4433,9 @@
               </a:rPr>
               <a:t>Fourth level</a:t>
             </a:r>
-            <a:endParaRPr b="0" lang="en-US" sz="2000" spc="-1" strike="noStrike">
-              <a:solidFill>
-                <a:schemeClr val="dk1"/>
-              </a:solidFill>
-              <a:latin typeface="Calibri"/>
-            </a:endParaRPr>
-          </a:p>
-          <a:p>
-            <a:pPr lvl="4" marL="2057400" indent="-228600" defTabSz="914400">
+          </a:p>
+          <a:p>
+            <a:pPr marL="2057400" lvl="4" indent="-228600" defTabSz="914400">
               <a:lnSpc>
                 <a:spcPct val="100000"/>
               </a:lnSpc>
@@ -3341,7 +4449,7 @@
               <a:buChar char="»"/>
             </a:pPr>
             <a:r>
-              <a:rPr b="0" lang="en-US" sz="2000" spc="-1" strike="noStrike">
+              <a:rPr lang="en-US" sz="2000" b="0" strike="noStrike" spc="-1">
                 <a:solidFill>
                   <a:schemeClr val="dk1"/>
                 </a:solidFill>
@@ -3349,12 +4457,6 @@
               </a:rPr>
               <a:t>Fifth level</a:t>
             </a:r>
-            <a:endParaRPr b="0" lang="en-US" sz="2000" spc="-1" strike="noStrike">
-              <a:solidFill>
-                <a:schemeClr val="dk1"/>
-              </a:solidFill>
-              <a:latin typeface="Calibri"/>
-            </a:endParaRPr>
           </a:p>
         </p:txBody>
       </p:sp>
@@ -3382,7 +4484,7 @@
           </a:ln>
         </p:spPr>
         <p:txBody>
-          <a:bodyPr lIns="91440" rIns="91440" tIns="45720" bIns="45720" anchor="ctr">
+          <a:bodyPr lIns="91440" tIns="45720" rIns="91440" bIns="45720" anchor="ctr">
             <a:noAutofit/>
           </a:bodyPr>
           <a:lstStyle>
@@ -3391,7 +4493,7 @@
                 <a:spcPct val="100000"/>
               </a:lnSpc>
               <a:buNone/>
-              <a:defRPr b="0" lang="en-US" sz="1200" spc="-1" strike="noStrike">
+              <a:defRPr lang="en-US" sz="1200" b="0" strike="noStrike" spc="-1">
                 <a:solidFill>
                   <a:schemeClr val="dk1">
                     <a:tint val="75000"/>
@@ -3409,7 +4511,7 @@
               <a:buNone/>
             </a:pPr>
             <a:r>
-              <a:rPr b="0" lang="en-US" sz="1200" spc="-1" strike="noStrike">
+              <a:rPr lang="en-US" sz="1200" b="0" strike="noStrike" spc="-1">
                 <a:solidFill>
                   <a:schemeClr val="dk1">
                     <a:tint val="75000"/>
@@ -3419,7 +4521,7 @@
               </a:rPr>
               <a:t>&lt;data/hora&gt;</a:t>
             </a:r>
-            <a:endParaRPr b="0" lang="pt-BR" sz="1200" spc="-1" strike="noStrike">
+            <a:endParaRPr lang="pt-BR" sz="1200" b="0" strike="noStrike" spc="-1">
               <a:solidFill>
                 <a:srgbClr val="000000"/>
               </a:solidFill>
@@ -3452,13 +4554,13 @@
           </a:ln>
         </p:spPr>
         <p:txBody>
-          <a:bodyPr lIns="91440" rIns="91440" tIns="45720" bIns="45720" anchor="ctr">
+          <a:bodyPr lIns="91440" tIns="45720" rIns="91440" bIns="45720" anchor="ctr">
             <a:noAutofit/>
           </a:bodyPr>
           <a:lstStyle>
             <a:lvl1pPr indent="0" algn="ctr">
               <a:buNone/>
-              <a:defRPr b="0" lang="pt-BR" sz="1400" spc="-1" strike="noStrike">
+              <a:defRPr lang="pt-BR" sz="1400" b="0" strike="noStrike" spc="-1">
                 <a:solidFill>
                   <a:srgbClr val="000000"/>
                 </a:solidFill>
@@ -3471,7 +4573,7 @@
               <a:buNone/>
             </a:pPr>
             <a:r>
-              <a:rPr b="0" lang="pt-BR" sz="1400" spc="-1" strike="noStrike">
+              <a:rPr lang="pt-BR" sz="1400" b="0" strike="noStrike" spc="-1">
                 <a:solidFill>
                   <a:srgbClr val="000000"/>
                 </a:solidFill>
@@ -3479,12 +4581,6 @@
               </a:rPr>
               <a:t>&lt;rodapé&gt;</a:t>
             </a:r>
-            <a:endParaRPr b="0" lang="pt-BR" sz="1400" spc="-1" strike="noStrike">
-              <a:solidFill>
-                <a:srgbClr val="000000"/>
-              </a:solidFill>
-              <a:latin typeface="Times New Roman"/>
-            </a:endParaRPr>
           </a:p>
         </p:txBody>
       </p:sp>
@@ -3512,7 +4608,7 @@
           </a:ln>
         </p:spPr>
         <p:txBody>
-          <a:bodyPr lIns="91440" rIns="91440" tIns="45720" bIns="45720" anchor="ctr">
+          <a:bodyPr lIns="91440" tIns="45720" rIns="91440" bIns="45720" anchor="ctr">
             <a:noAutofit/>
           </a:bodyPr>
           <a:lstStyle>
@@ -3521,7 +4617,7 @@
                 <a:spcPct val="100000"/>
               </a:lnSpc>
               <a:buNone/>
-              <a:defRPr b="0" lang="en-US" sz="1200" spc="-1" strike="noStrike">
+              <a:defRPr lang="en-US" sz="1200" b="0" strike="noStrike" spc="-1">
                 <a:solidFill>
                   <a:schemeClr val="dk1">
                     <a:tint val="75000"/>
@@ -3539,7 +4635,7 @@
               <a:buNone/>
             </a:pPr>
             <a:fld id="{EB798D78-3795-4A5F-9A36-815B4E630289}" type="slidenum">
-              <a:rPr b="0" lang="en-US" sz="1200" spc="-1" strike="noStrike">
+              <a:rPr lang="en-US" sz="1200" b="0" strike="noStrike" spc="-1">
                 <a:solidFill>
                   <a:schemeClr val="dk1">
                     <a:tint val="75000"/>
@@ -3547,9 +4643,9 @@
                 </a:solidFill>
                 <a:latin typeface="Calibri"/>
               </a:rPr>
-              <a:t>&lt;número&gt;</a:t>
+              <a:t>‹nº›</a:t>
             </a:fld>
-            <a:endParaRPr b="0" lang="pt-BR" sz="1200" spc="-1" strike="noStrike">
+            <a:endParaRPr lang="pt-BR" sz="1200" b="0" strike="noStrike" spc="-1">
               <a:solidFill>
                 <a:srgbClr val="000000"/>
               </a:solidFill>
@@ -3560,21 +4656,302 @@
       </p:sp>
     </p:spTree>
   </p:cSld>
-  <p:clrMap bg1="lt1" bg2="lt2" tx1="dk1" tx2="dk2" accent1="accent1" accent2="accent2" accent3="accent3" accent4="accent4" accent5="accent5" accent6="accent6" hlink="hlink" folHlink="folHlink"/>
+  <p:clrMap bg1="lt1" tx1="dk1" bg2="lt2" tx2="dk2" accent1="accent1" accent2="accent2" accent3="accent3" accent4="accent4" accent5="accent5" accent6="accent6" hlink="hlink" folHlink="folHlink"/>
   <p:sldLayoutIdLst>
-    <p:sldLayoutId id="2147483653" r:id="rId2"/>
+    <p:sldLayoutId id="2147483653" r:id="rId1"/>
   </p:sldLayoutIdLst>
+  <p:txStyles>
+    <p:titleStyle>
+      <a:lvl1pPr algn="l" defTabSz="914400" rtl="0" eaLnBrk="1" latinLnBrk="0" hangingPunct="1">
+        <a:lnSpc>
+          <a:spcPct val="90000"/>
+        </a:lnSpc>
+        <a:spcBef>
+          <a:spcPct val="0"/>
+        </a:spcBef>
+        <a:buNone/>
+        <a:defRPr sz="4400" kern="1200">
+          <a:solidFill>
+            <a:schemeClr val="tx1"/>
+          </a:solidFill>
+          <a:latin typeface="+mj-lt"/>
+          <a:ea typeface="+mj-ea"/>
+          <a:cs typeface="+mj-cs"/>
+        </a:defRPr>
+      </a:lvl1pPr>
+    </p:titleStyle>
+    <p:bodyStyle>
+      <a:lvl1pPr marL="228600" indent="-228600" algn="l" defTabSz="914400" rtl="0" eaLnBrk="1" latinLnBrk="0" hangingPunct="1">
+        <a:lnSpc>
+          <a:spcPct val="90000"/>
+        </a:lnSpc>
+        <a:spcBef>
+          <a:spcPts val="1000"/>
+        </a:spcBef>
+        <a:buFont typeface="Arial" panose="020B0604020202020204" pitchFamily="34" charset="0"/>
+        <a:buChar char="•"/>
+        <a:defRPr sz="2800" kern="1200">
+          <a:solidFill>
+            <a:schemeClr val="tx1"/>
+          </a:solidFill>
+          <a:latin typeface="+mn-lt"/>
+          <a:ea typeface="+mn-ea"/>
+          <a:cs typeface="+mn-cs"/>
+        </a:defRPr>
+      </a:lvl1pPr>
+      <a:lvl2pPr marL="685800" indent="-228600" algn="l" defTabSz="914400" rtl="0" eaLnBrk="1" latinLnBrk="0" hangingPunct="1">
+        <a:lnSpc>
+          <a:spcPct val="90000"/>
+        </a:lnSpc>
+        <a:spcBef>
+          <a:spcPts val="500"/>
+        </a:spcBef>
+        <a:buFont typeface="Arial" panose="020B0604020202020204" pitchFamily="34" charset="0"/>
+        <a:buChar char="•"/>
+        <a:defRPr sz="2400" kern="1200">
+          <a:solidFill>
+            <a:schemeClr val="tx1"/>
+          </a:solidFill>
+          <a:latin typeface="+mn-lt"/>
+          <a:ea typeface="+mn-ea"/>
+          <a:cs typeface="+mn-cs"/>
+        </a:defRPr>
+      </a:lvl2pPr>
+      <a:lvl3pPr marL="1143000" indent="-228600" algn="l" defTabSz="914400" rtl="0" eaLnBrk="1" latinLnBrk="0" hangingPunct="1">
+        <a:lnSpc>
+          <a:spcPct val="90000"/>
+        </a:lnSpc>
+        <a:spcBef>
+          <a:spcPts val="500"/>
+        </a:spcBef>
+        <a:buFont typeface="Arial" panose="020B0604020202020204" pitchFamily="34" charset="0"/>
+        <a:buChar char="•"/>
+        <a:defRPr sz="2000" kern="1200">
+          <a:solidFill>
+            <a:schemeClr val="tx1"/>
+          </a:solidFill>
+          <a:latin typeface="+mn-lt"/>
+          <a:ea typeface="+mn-ea"/>
+          <a:cs typeface="+mn-cs"/>
+        </a:defRPr>
+      </a:lvl3pPr>
+      <a:lvl4pPr marL="1600200" indent="-228600" algn="l" defTabSz="914400" rtl="0" eaLnBrk="1" latinLnBrk="0" hangingPunct="1">
+        <a:lnSpc>
+          <a:spcPct val="90000"/>
+        </a:lnSpc>
+        <a:spcBef>
+          <a:spcPts val="500"/>
+        </a:spcBef>
+        <a:buFont typeface="Arial" panose="020B0604020202020204" pitchFamily="34" charset="0"/>
+        <a:buChar char="•"/>
+        <a:defRPr sz="1800" kern="1200">
+          <a:solidFill>
+            <a:schemeClr val="tx1"/>
+          </a:solidFill>
+          <a:latin typeface="+mn-lt"/>
+          <a:ea typeface="+mn-ea"/>
+          <a:cs typeface="+mn-cs"/>
+        </a:defRPr>
+      </a:lvl4pPr>
+      <a:lvl5pPr marL="2057400" indent="-228600" algn="l" defTabSz="914400" rtl="0" eaLnBrk="1" latinLnBrk="0" hangingPunct="1">
+        <a:lnSpc>
+          <a:spcPct val="90000"/>
+        </a:lnSpc>
+        <a:spcBef>
+          <a:spcPts val="500"/>
+        </a:spcBef>
+        <a:buFont typeface="Arial" panose="020B0604020202020204" pitchFamily="34" charset="0"/>
+        <a:buChar char="•"/>
+        <a:defRPr sz="1800" kern="1200">
+          <a:solidFill>
+            <a:schemeClr val="tx1"/>
+          </a:solidFill>
+          <a:latin typeface="+mn-lt"/>
+          <a:ea typeface="+mn-ea"/>
+          <a:cs typeface="+mn-cs"/>
+        </a:defRPr>
+      </a:lvl5pPr>
+      <a:lvl6pPr marL="2514600" indent="-228600" algn="l" defTabSz="914400" rtl="0" eaLnBrk="1" latinLnBrk="0" hangingPunct="1">
+        <a:lnSpc>
+          <a:spcPct val="90000"/>
+        </a:lnSpc>
+        <a:spcBef>
+          <a:spcPts val="500"/>
+        </a:spcBef>
+        <a:buFont typeface="Arial" panose="020B0604020202020204" pitchFamily="34" charset="0"/>
+        <a:buChar char="•"/>
+        <a:defRPr sz="1800" kern="1200">
+          <a:solidFill>
+            <a:schemeClr val="tx1"/>
+          </a:solidFill>
+          <a:latin typeface="+mn-lt"/>
+          <a:ea typeface="+mn-ea"/>
+          <a:cs typeface="+mn-cs"/>
+        </a:defRPr>
+      </a:lvl6pPr>
+      <a:lvl7pPr marL="2971800" indent="-228600" algn="l" defTabSz="914400" rtl="0" eaLnBrk="1" latinLnBrk="0" hangingPunct="1">
+        <a:lnSpc>
+          <a:spcPct val="90000"/>
+        </a:lnSpc>
+        <a:spcBef>
+          <a:spcPts val="500"/>
+        </a:spcBef>
+        <a:buFont typeface="Arial" panose="020B0604020202020204" pitchFamily="34" charset="0"/>
+        <a:buChar char="•"/>
+        <a:defRPr sz="1800" kern="1200">
+          <a:solidFill>
+            <a:schemeClr val="tx1"/>
+          </a:solidFill>
+          <a:latin typeface="+mn-lt"/>
+          <a:ea typeface="+mn-ea"/>
+          <a:cs typeface="+mn-cs"/>
+        </a:defRPr>
+      </a:lvl7pPr>
+      <a:lvl8pPr marL="3429000" indent="-228600" algn="l" defTabSz="914400" rtl="0" eaLnBrk="1" latinLnBrk="0" hangingPunct="1">
+        <a:lnSpc>
+          <a:spcPct val="90000"/>
+        </a:lnSpc>
+        <a:spcBef>
+          <a:spcPts val="500"/>
+        </a:spcBef>
+        <a:buFont typeface="Arial" panose="020B0604020202020204" pitchFamily="34" charset="0"/>
+        <a:buChar char="•"/>
+        <a:defRPr sz="1800" kern="1200">
+          <a:solidFill>
+            <a:schemeClr val="tx1"/>
+          </a:solidFill>
+          <a:latin typeface="+mn-lt"/>
+          <a:ea typeface="+mn-ea"/>
+          <a:cs typeface="+mn-cs"/>
+        </a:defRPr>
+      </a:lvl8pPr>
+      <a:lvl9pPr marL="3886200" indent="-228600" algn="l" defTabSz="914400" rtl="0" eaLnBrk="1" latinLnBrk="0" hangingPunct="1">
+        <a:lnSpc>
+          <a:spcPct val="90000"/>
+        </a:lnSpc>
+        <a:spcBef>
+          <a:spcPts val="500"/>
+        </a:spcBef>
+        <a:buFont typeface="Arial" panose="020B0604020202020204" pitchFamily="34" charset="0"/>
+        <a:buChar char="•"/>
+        <a:defRPr sz="1800" kern="1200">
+          <a:solidFill>
+            <a:schemeClr val="tx1"/>
+          </a:solidFill>
+          <a:latin typeface="+mn-lt"/>
+          <a:ea typeface="+mn-ea"/>
+          <a:cs typeface="+mn-cs"/>
+        </a:defRPr>
+      </a:lvl9pPr>
+    </p:bodyStyle>
+    <p:otherStyle>
+      <a:defPPr>
+        <a:defRPr lang="pt-BR"/>
+      </a:defPPr>
+      <a:lvl1pPr marL="0" algn="l" defTabSz="914400" rtl="0" eaLnBrk="1" latinLnBrk="0" hangingPunct="1">
+        <a:defRPr sz="1800" kern="1200">
+          <a:solidFill>
+            <a:schemeClr val="tx1"/>
+          </a:solidFill>
+          <a:latin typeface="+mn-lt"/>
+          <a:ea typeface="+mn-ea"/>
+          <a:cs typeface="+mn-cs"/>
+        </a:defRPr>
+      </a:lvl1pPr>
+      <a:lvl2pPr marL="457200" algn="l" defTabSz="914400" rtl="0" eaLnBrk="1" latinLnBrk="0" hangingPunct="1">
+        <a:defRPr sz="1800" kern="1200">
+          <a:solidFill>
+            <a:schemeClr val="tx1"/>
+          </a:solidFill>
+          <a:latin typeface="+mn-lt"/>
+          <a:ea typeface="+mn-ea"/>
+          <a:cs typeface="+mn-cs"/>
+        </a:defRPr>
+      </a:lvl2pPr>
+      <a:lvl3pPr marL="914400" algn="l" defTabSz="914400" rtl="0" eaLnBrk="1" latinLnBrk="0" hangingPunct="1">
+        <a:defRPr sz="1800" kern="1200">
+          <a:solidFill>
+            <a:schemeClr val="tx1"/>
+          </a:solidFill>
+          <a:latin typeface="+mn-lt"/>
+          <a:ea typeface="+mn-ea"/>
+          <a:cs typeface="+mn-cs"/>
+        </a:defRPr>
+      </a:lvl3pPr>
+      <a:lvl4pPr marL="1371600" algn="l" defTabSz="914400" rtl="0" eaLnBrk="1" latinLnBrk="0" hangingPunct="1">
+        <a:defRPr sz="1800" kern="1200">
+          <a:solidFill>
+            <a:schemeClr val="tx1"/>
+          </a:solidFill>
+          <a:latin typeface="+mn-lt"/>
+          <a:ea typeface="+mn-ea"/>
+          <a:cs typeface="+mn-cs"/>
+        </a:defRPr>
+      </a:lvl4pPr>
+      <a:lvl5pPr marL="1828800" algn="l" defTabSz="914400" rtl="0" eaLnBrk="1" latinLnBrk="0" hangingPunct="1">
+        <a:defRPr sz="1800" kern="1200">
+          <a:solidFill>
+            <a:schemeClr val="tx1"/>
+          </a:solidFill>
+          <a:latin typeface="+mn-lt"/>
+          <a:ea typeface="+mn-ea"/>
+          <a:cs typeface="+mn-cs"/>
+        </a:defRPr>
+      </a:lvl5pPr>
+      <a:lvl6pPr marL="2286000" algn="l" defTabSz="914400" rtl="0" eaLnBrk="1" latinLnBrk="0" hangingPunct="1">
+        <a:defRPr sz="1800" kern="1200">
+          <a:solidFill>
+            <a:schemeClr val="tx1"/>
+          </a:solidFill>
+          <a:latin typeface="+mn-lt"/>
+          <a:ea typeface="+mn-ea"/>
+          <a:cs typeface="+mn-cs"/>
+        </a:defRPr>
+      </a:lvl6pPr>
+      <a:lvl7pPr marL="2743200" algn="l" defTabSz="914400" rtl="0" eaLnBrk="1" latinLnBrk="0" hangingPunct="1">
+        <a:defRPr sz="1800" kern="1200">
+          <a:solidFill>
+            <a:schemeClr val="tx1"/>
+          </a:solidFill>
+          <a:latin typeface="+mn-lt"/>
+          <a:ea typeface="+mn-ea"/>
+          <a:cs typeface="+mn-cs"/>
+        </a:defRPr>
+      </a:lvl7pPr>
+      <a:lvl8pPr marL="3200400" algn="l" defTabSz="914400" rtl="0" eaLnBrk="1" latinLnBrk="0" hangingPunct="1">
+        <a:defRPr sz="1800" kern="1200">
+          <a:solidFill>
+            <a:schemeClr val="tx1"/>
+          </a:solidFill>
+          <a:latin typeface="+mn-lt"/>
+          <a:ea typeface="+mn-ea"/>
+          <a:cs typeface="+mn-cs"/>
+        </a:defRPr>
+      </a:lvl8pPr>
+      <a:lvl9pPr marL="3657600" algn="l" defTabSz="914400" rtl="0" eaLnBrk="1" latinLnBrk="0" hangingPunct="1">
+        <a:defRPr sz="1800" kern="1200">
+          <a:solidFill>
+            <a:schemeClr val="tx1"/>
+          </a:solidFill>
+          <a:latin typeface="+mn-lt"/>
+          <a:ea typeface="+mn-ea"/>
+          <a:cs typeface="+mn-cs"/>
+        </a:defRPr>
+      </a:lvl9pPr>
+    </p:otherStyle>
+  </p:txStyles>
 </p:sldMaster>
 </file>
 
 <file path=ppt/slideMasters/slideMaster4.xml><?xml version="1.0" encoding="utf-8"?>
-<p:sldMaster xmlns:a="http://schemas.openxmlformats.org/drawingml/2006/main" xmlns:p="http://schemas.openxmlformats.org/presentationml/2006/main" xmlns:r="http://schemas.openxmlformats.org/officeDocument/2006/relationships" xmlns:p14="http://schemas.microsoft.com/office/powerpoint/2010/main" xmlns:p15="http://schemas.microsoft.com/office/powerpoint/2012/main" xmlns:mc="http://schemas.openxmlformats.org/markup-compatibility/2006">
+<p:sldMaster xmlns:a="http://schemas.openxmlformats.org/drawingml/2006/main" xmlns:r="http://schemas.openxmlformats.org/officeDocument/2006/relationships" xmlns:p="http://schemas.openxmlformats.org/presentationml/2006/main">
   <p:cSld>
     <p:bg>
       <p:bgPr>
         <a:solidFill>
-          <a:srgbClr val="ffffff"/>
+          <a:srgbClr val="FFFFFF"/>
         </a:solidFill>
+        <a:effectLst/>
       </p:bgPr>
     </p:bg>
     <p:spTree>
@@ -3615,9 +4992,10 @@
           </a:ln>
         </p:spPr>
         <p:txBody>
-          <a:bodyPr lIns="91440" rIns="91440" tIns="45720" bIns="45720" anchor="ctr">
+          <a:bodyPr lIns="91440" tIns="45720" rIns="91440" bIns="45720" anchor="ctr">
             <a:noAutofit/>
           </a:bodyPr>
+          <a:lstStyle/>
           <a:p>
             <a:pPr indent="0" algn="ctr" defTabSz="914400">
               <a:lnSpc>
@@ -3626,7 +5004,7 @@
               <a:buNone/>
             </a:pPr>
             <a:r>
-              <a:rPr b="0" lang="en-US" sz="4400" spc="-1" strike="noStrike">
+              <a:rPr lang="en-US" sz="4400" b="0" strike="noStrike" spc="-1">
                 <a:solidFill>
                   <a:schemeClr val="dk1"/>
                 </a:solidFill>
@@ -3634,12 +5012,6 @@
               </a:rPr>
               <a:t>Click to edit Master title style</a:t>
             </a:r>
-            <a:endParaRPr b="0" lang="en-US" sz="4400" spc="-1" strike="noStrike">
-              <a:solidFill>
-                <a:schemeClr val="dk1"/>
-              </a:solidFill>
-              <a:latin typeface="Calibri"/>
-            </a:endParaRPr>
           </a:p>
         </p:txBody>
       </p:sp>
@@ -3667,9 +5039,10 @@
           </a:ln>
         </p:spPr>
         <p:txBody>
-          <a:bodyPr lIns="91440" rIns="91440" tIns="45720" bIns="45720" anchor="t">
+          <a:bodyPr lIns="91440" tIns="45720" rIns="91440" bIns="45720" anchor="t">
             <a:noAutofit/>
           </a:bodyPr>
+          <a:lstStyle/>
           <a:p>
             <a:pPr marL="343080" indent="-343080" defTabSz="914400">
               <a:lnSpc>
@@ -3685,7 +5058,7 @@
               <a:buChar char="•"/>
             </a:pPr>
             <a:r>
-              <a:rPr b="0" lang="en-US" sz="3200" spc="-1" strike="noStrike">
+              <a:rPr lang="en-US" sz="3200" b="0" strike="noStrike" spc="-1">
                 <a:solidFill>
                   <a:schemeClr val="dk1"/>
                 </a:solidFill>
@@ -3693,15 +5066,9 @@
               </a:rPr>
               <a:t>Click to edit Master text styles</a:t>
             </a:r>
-            <a:endParaRPr b="0" lang="en-US" sz="3200" spc="-1" strike="noStrike">
-              <a:solidFill>
-                <a:schemeClr val="dk1"/>
-              </a:solidFill>
-              <a:latin typeface="Calibri"/>
-            </a:endParaRPr>
-          </a:p>
-          <a:p>
-            <a:pPr lvl="1" marL="743040" indent="-285840" defTabSz="914400">
+          </a:p>
+          <a:p>
+            <a:pPr marL="743040" lvl="1" indent="-285840" defTabSz="914400">
               <a:lnSpc>
                 <a:spcPct val="100000"/>
               </a:lnSpc>
@@ -3715,7 +5082,7 @@
               <a:buChar char="–"/>
             </a:pPr>
             <a:r>
-              <a:rPr b="0" lang="en-US" sz="2800" spc="-1" strike="noStrike">
+              <a:rPr lang="en-US" sz="2800" b="0" strike="noStrike" spc="-1">
                 <a:solidFill>
                   <a:schemeClr val="dk1"/>
                 </a:solidFill>
@@ -3723,15 +5090,9 @@
               </a:rPr>
               <a:t>Second level</a:t>
             </a:r>
-            <a:endParaRPr b="0" lang="en-US" sz="2800" spc="-1" strike="noStrike">
-              <a:solidFill>
-                <a:schemeClr val="dk1"/>
-              </a:solidFill>
-              <a:latin typeface="Calibri"/>
-            </a:endParaRPr>
-          </a:p>
-          <a:p>
-            <a:pPr lvl="2" marL="1143000" indent="-228600" defTabSz="914400">
+          </a:p>
+          <a:p>
+            <a:pPr marL="1143000" lvl="2" indent="-228600" defTabSz="914400">
               <a:lnSpc>
                 <a:spcPct val="100000"/>
               </a:lnSpc>
@@ -3745,7 +5106,7 @@
               <a:buChar char="•"/>
             </a:pPr>
             <a:r>
-              <a:rPr b="0" lang="en-US" sz="2400" spc="-1" strike="noStrike">
+              <a:rPr lang="en-US" sz="2400" b="0" strike="noStrike" spc="-1">
                 <a:solidFill>
                   <a:schemeClr val="dk1"/>
                 </a:solidFill>
@@ -3753,15 +5114,9 @@
               </a:rPr>
               <a:t>Third level</a:t>
             </a:r>
-            <a:endParaRPr b="0" lang="en-US" sz="2400" spc="-1" strike="noStrike">
-              <a:solidFill>
-                <a:schemeClr val="dk1"/>
-              </a:solidFill>
-              <a:latin typeface="Calibri"/>
-            </a:endParaRPr>
-          </a:p>
-          <a:p>
-            <a:pPr lvl="3" marL="1600200" indent="-228600" defTabSz="914400">
+          </a:p>
+          <a:p>
+            <a:pPr marL="1600200" lvl="3" indent="-228600" defTabSz="914400">
               <a:lnSpc>
                 <a:spcPct val="100000"/>
               </a:lnSpc>
@@ -3775,7 +5130,7 @@
               <a:buChar char="–"/>
             </a:pPr>
             <a:r>
-              <a:rPr b="0" lang="en-US" sz="2000" spc="-1" strike="noStrike">
+              <a:rPr lang="en-US" sz="2000" b="0" strike="noStrike" spc="-1">
                 <a:solidFill>
                   <a:schemeClr val="dk1"/>
                 </a:solidFill>
@@ -3783,15 +5138,9 @@
               </a:rPr>
               <a:t>Fourth level</a:t>
             </a:r>
-            <a:endParaRPr b="0" lang="en-US" sz="2000" spc="-1" strike="noStrike">
-              <a:solidFill>
-                <a:schemeClr val="dk1"/>
-              </a:solidFill>
-              <a:latin typeface="Calibri"/>
-            </a:endParaRPr>
-          </a:p>
-          <a:p>
-            <a:pPr lvl="4" marL="2057400" indent="-228600" defTabSz="914400">
+          </a:p>
+          <a:p>
+            <a:pPr marL="2057400" lvl="4" indent="-228600" defTabSz="914400">
               <a:lnSpc>
                 <a:spcPct val="100000"/>
               </a:lnSpc>
@@ -3805,7 +5154,7 @@
               <a:buChar char="»"/>
             </a:pPr>
             <a:r>
-              <a:rPr b="0" lang="en-US" sz="2000" spc="-1" strike="noStrike">
+              <a:rPr lang="en-US" sz="2000" b="0" strike="noStrike" spc="-1">
                 <a:solidFill>
                   <a:schemeClr val="dk1"/>
                 </a:solidFill>
@@ -3813,12 +5162,6 @@
               </a:rPr>
               <a:t>Fifth level</a:t>
             </a:r>
-            <a:endParaRPr b="0" lang="en-US" sz="2000" spc="-1" strike="noStrike">
-              <a:solidFill>
-                <a:schemeClr val="dk1"/>
-              </a:solidFill>
-              <a:latin typeface="Calibri"/>
-            </a:endParaRPr>
           </a:p>
         </p:txBody>
       </p:sp>
@@ -3846,7 +5189,7 @@
           </a:ln>
         </p:spPr>
         <p:txBody>
-          <a:bodyPr lIns="91440" rIns="91440" tIns="45720" bIns="45720" anchor="ctr">
+          <a:bodyPr lIns="91440" tIns="45720" rIns="91440" bIns="45720" anchor="ctr">
             <a:noAutofit/>
           </a:bodyPr>
           <a:lstStyle>
@@ -3855,7 +5198,7 @@
                 <a:spcPct val="100000"/>
               </a:lnSpc>
               <a:buNone/>
-              <a:defRPr b="0" lang="en-US" sz="1200" spc="-1" strike="noStrike">
+              <a:defRPr lang="en-US" sz="1200" b="0" strike="noStrike" spc="-1">
                 <a:solidFill>
                   <a:schemeClr val="dk1">
                     <a:tint val="75000"/>
@@ -3873,7 +5216,7 @@
               <a:buNone/>
             </a:pPr>
             <a:r>
-              <a:rPr b="0" lang="en-US" sz="1200" spc="-1" strike="noStrike">
+              <a:rPr lang="en-US" sz="1200" b="0" strike="noStrike" spc="-1">
                 <a:solidFill>
                   <a:schemeClr val="dk1">
                     <a:tint val="75000"/>
@@ -3883,7 +5226,7 @@
               </a:rPr>
               <a:t>&lt;data/hora&gt;</a:t>
             </a:r>
-            <a:endParaRPr b="0" lang="pt-BR" sz="1200" spc="-1" strike="noStrike">
+            <a:endParaRPr lang="pt-BR" sz="1200" b="0" strike="noStrike" spc="-1">
               <a:solidFill>
                 <a:srgbClr val="000000"/>
               </a:solidFill>
@@ -3916,13 +5259,13 @@
           </a:ln>
         </p:spPr>
         <p:txBody>
-          <a:bodyPr lIns="91440" rIns="91440" tIns="45720" bIns="45720" anchor="ctr">
+          <a:bodyPr lIns="91440" tIns="45720" rIns="91440" bIns="45720" anchor="ctr">
             <a:noAutofit/>
           </a:bodyPr>
           <a:lstStyle>
             <a:lvl1pPr indent="0" algn="ctr">
               <a:buNone/>
-              <a:defRPr b="0" lang="pt-BR" sz="1400" spc="-1" strike="noStrike">
+              <a:defRPr lang="pt-BR" sz="1400" b="0" strike="noStrike" spc="-1">
                 <a:solidFill>
                   <a:srgbClr val="000000"/>
                 </a:solidFill>
@@ -3935,7 +5278,7 @@
               <a:buNone/>
             </a:pPr>
             <a:r>
-              <a:rPr b="0" lang="pt-BR" sz="1400" spc="-1" strike="noStrike">
+              <a:rPr lang="pt-BR" sz="1400" b="0" strike="noStrike" spc="-1">
                 <a:solidFill>
                   <a:srgbClr val="000000"/>
                 </a:solidFill>
@@ -3943,12 +5286,6 @@
               </a:rPr>
               <a:t>&lt;rodapé&gt;</a:t>
             </a:r>
-            <a:endParaRPr b="0" lang="pt-BR" sz="1400" spc="-1" strike="noStrike">
-              <a:solidFill>
-                <a:srgbClr val="000000"/>
-              </a:solidFill>
-              <a:latin typeface="Times New Roman"/>
-            </a:endParaRPr>
           </a:p>
         </p:txBody>
       </p:sp>
@@ -3976,7 +5313,7 @@
           </a:ln>
         </p:spPr>
         <p:txBody>
-          <a:bodyPr lIns="91440" rIns="91440" tIns="45720" bIns="45720" anchor="ctr">
+          <a:bodyPr lIns="91440" tIns="45720" rIns="91440" bIns="45720" anchor="ctr">
             <a:noAutofit/>
           </a:bodyPr>
           <a:lstStyle>
@@ -3985,7 +5322,7 @@
                 <a:spcPct val="100000"/>
               </a:lnSpc>
               <a:buNone/>
-              <a:defRPr b="0" lang="en-US" sz="1200" spc="-1" strike="noStrike">
+              <a:defRPr lang="en-US" sz="1200" b="0" strike="noStrike" spc="-1">
                 <a:solidFill>
                   <a:schemeClr val="dk1">
                     <a:tint val="75000"/>
@@ -4003,7 +5340,7 @@
               <a:buNone/>
             </a:pPr>
             <a:fld id="{EEA17AC7-C6E0-43E9-9B8D-14258E621739}" type="slidenum">
-              <a:rPr b="0" lang="en-US" sz="1200" spc="-1" strike="noStrike">
+              <a:rPr lang="en-US" sz="1200" b="0" strike="noStrike" spc="-1">
                 <a:solidFill>
                   <a:schemeClr val="dk1">
                     <a:tint val="75000"/>
@@ -4011,9 +5348,9 @@
                 </a:solidFill>
                 <a:latin typeface="Calibri"/>
               </a:rPr>
-              <a:t>&lt;número&gt;</a:t>
+              <a:t>‹nº›</a:t>
             </a:fld>
-            <a:endParaRPr b="0" lang="pt-BR" sz="1200" spc="-1" strike="noStrike">
+            <a:endParaRPr lang="pt-BR" sz="1200" b="0" strike="noStrike" spc="-1">
               <a:solidFill>
                 <a:srgbClr val="000000"/>
               </a:solidFill>
@@ -4024,21 +5361,302 @@
       </p:sp>
     </p:spTree>
   </p:cSld>
-  <p:clrMap bg1="lt1" bg2="lt2" tx1="dk1" tx2="dk2" accent1="accent1" accent2="accent2" accent3="accent3" accent4="accent4" accent5="accent5" accent6="accent6" hlink="hlink" folHlink="folHlink"/>
+  <p:clrMap bg1="lt1" tx1="dk1" bg2="lt2" tx2="dk2" accent1="accent1" accent2="accent2" accent3="accent3" accent4="accent4" accent5="accent5" accent6="accent6" hlink="hlink" folHlink="folHlink"/>
   <p:sldLayoutIdLst>
-    <p:sldLayoutId id="2147483655" r:id="rId2"/>
+    <p:sldLayoutId id="2147483655" r:id="rId1"/>
   </p:sldLayoutIdLst>
+  <p:txStyles>
+    <p:titleStyle>
+      <a:lvl1pPr algn="l" defTabSz="914400" rtl="0" eaLnBrk="1" latinLnBrk="0" hangingPunct="1">
+        <a:lnSpc>
+          <a:spcPct val="90000"/>
+        </a:lnSpc>
+        <a:spcBef>
+          <a:spcPct val="0"/>
+        </a:spcBef>
+        <a:buNone/>
+        <a:defRPr sz="4400" kern="1200">
+          <a:solidFill>
+            <a:schemeClr val="tx1"/>
+          </a:solidFill>
+          <a:latin typeface="+mj-lt"/>
+          <a:ea typeface="+mj-ea"/>
+          <a:cs typeface="+mj-cs"/>
+        </a:defRPr>
+      </a:lvl1pPr>
+    </p:titleStyle>
+    <p:bodyStyle>
+      <a:lvl1pPr marL="228600" indent="-228600" algn="l" defTabSz="914400" rtl="0" eaLnBrk="1" latinLnBrk="0" hangingPunct="1">
+        <a:lnSpc>
+          <a:spcPct val="90000"/>
+        </a:lnSpc>
+        <a:spcBef>
+          <a:spcPts val="1000"/>
+        </a:spcBef>
+        <a:buFont typeface="Arial" panose="020B0604020202020204" pitchFamily="34" charset="0"/>
+        <a:buChar char="•"/>
+        <a:defRPr sz="2800" kern="1200">
+          <a:solidFill>
+            <a:schemeClr val="tx1"/>
+          </a:solidFill>
+          <a:latin typeface="+mn-lt"/>
+          <a:ea typeface="+mn-ea"/>
+          <a:cs typeface="+mn-cs"/>
+        </a:defRPr>
+      </a:lvl1pPr>
+      <a:lvl2pPr marL="685800" indent="-228600" algn="l" defTabSz="914400" rtl="0" eaLnBrk="1" latinLnBrk="0" hangingPunct="1">
+        <a:lnSpc>
+          <a:spcPct val="90000"/>
+        </a:lnSpc>
+        <a:spcBef>
+          <a:spcPts val="500"/>
+        </a:spcBef>
+        <a:buFont typeface="Arial" panose="020B0604020202020204" pitchFamily="34" charset="0"/>
+        <a:buChar char="•"/>
+        <a:defRPr sz="2400" kern="1200">
+          <a:solidFill>
+            <a:schemeClr val="tx1"/>
+          </a:solidFill>
+          <a:latin typeface="+mn-lt"/>
+          <a:ea typeface="+mn-ea"/>
+          <a:cs typeface="+mn-cs"/>
+        </a:defRPr>
+      </a:lvl2pPr>
+      <a:lvl3pPr marL="1143000" indent="-228600" algn="l" defTabSz="914400" rtl="0" eaLnBrk="1" latinLnBrk="0" hangingPunct="1">
+        <a:lnSpc>
+          <a:spcPct val="90000"/>
+        </a:lnSpc>
+        <a:spcBef>
+          <a:spcPts val="500"/>
+        </a:spcBef>
+        <a:buFont typeface="Arial" panose="020B0604020202020204" pitchFamily="34" charset="0"/>
+        <a:buChar char="•"/>
+        <a:defRPr sz="2000" kern="1200">
+          <a:solidFill>
+            <a:schemeClr val="tx1"/>
+          </a:solidFill>
+          <a:latin typeface="+mn-lt"/>
+          <a:ea typeface="+mn-ea"/>
+          <a:cs typeface="+mn-cs"/>
+        </a:defRPr>
+      </a:lvl3pPr>
+      <a:lvl4pPr marL="1600200" indent="-228600" algn="l" defTabSz="914400" rtl="0" eaLnBrk="1" latinLnBrk="0" hangingPunct="1">
+        <a:lnSpc>
+          <a:spcPct val="90000"/>
+        </a:lnSpc>
+        <a:spcBef>
+          <a:spcPts val="500"/>
+        </a:spcBef>
+        <a:buFont typeface="Arial" panose="020B0604020202020204" pitchFamily="34" charset="0"/>
+        <a:buChar char="•"/>
+        <a:defRPr sz="1800" kern="1200">
+          <a:solidFill>
+            <a:schemeClr val="tx1"/>
+          </a:solidFill>
+          <a:latin typeface="+mn-lt"/>
+          <a:ea typeface="+mn-ea"/>
+          <a:cs typeface="+mn-cs"/>
+        </a:defRPr>
+      </a:lvl4pPr>
+      <a:lvl5pPr marL="2057400" indent="-228600" algn="l" defTabSz="914400" rtl="0" eaLnBrk="1" latinLnBrk="0" hangingPunct="1">
+        <a:lnSpc>
+          <a:spcPct val="90000"/>
+        </a:lnSpc>
+        <a:spcBef>
+          <a:spcPts val="500"/>
+        </a:spcBef>
+        <a:buFont typeface="Arial" panose="020B0604020202020204" pitchFamily="34" charset="0"/>
+        <a:buChar char="•"/>
+        <a:defRPr sz="1800" kern="1200">
+          <a:solidFill>
+            <a:schemeClr val="tx1"/>
+          </a:solidFill>
+          <a:latin typeface="+mn-lt"/>
+          <a:ea typeface="+mn-ea"/>
+          <a:cs typeface="+mn-cs"/>
+        </a:defRPr>
+      </a:lvl5pPr>
+      <a:lvl6pPr marL="2514600" indent="-228600" algn="l" defTabSz="914400" rtl="0" eaLnBrk="1" latinLnBrk="0" hangingPunct="1">
+        <a:lnSpc>
+          <a:spcPct val="90000"/>
+        </a:lnSpc>
+        <a:spcBef>
+          <a:spcPts val="500"/>
+        </a:spcBef>
+        <a:buFont typeface="Arial" panose="020B0604020202020204" pitchFamily="34" charset="0"/>
+        <a:buChar char="•"/>
+        <a:defRPr sz="1800" kern="1200">
+          <a:solidFill>
+            <a:schemeClr val="tx1"/>
+          </a:solidFill>
+          <a:latin typeface="+mn-lt"/>
+          <a:ea typeface="+mn-ea"/>
+          <a:cs typeface="+mn-cs"/>
+        </a:defRPr>
+      </a:lvl6pPr>
+      <a:lvl7pPr marL="2971800" indent="-228600" algn="l" defTabSz="914400" rtl="0" eaLnBrk="1" latinLnBrk="0" hangingPunct="1">
+        <a:lnSpc>
+          <a:spcPct val="90000"/>
+        </a:lnSpc>
+        <a:spcBef>
+          <a:spcPts val="500"/>
+        </a:spcBef>
+        <a:buFont typeface="Arial" panose="020B0604020202020204" pitchFamily="34" charset="0"/>
+        <a:buChar char="•"/>
+        <a:defRPr sz="1800" kern="1200">
+          <a:solidFill>
+            <a:schemeClr val="tx1"/>
+          </a:solidFill>
+          <a:latin typeface="+mn-lt"/>
+          <a:ea typeface="+mn-ea"/>
+          <a:cs typeface="+mn-cs"/>
+        </a:defRPr>
+      </a:lvl7pPr>
+      <a:lvl8pPr marL="3429000" indent="-228600" algn="l" defTabSz="914400" rtl="0" eaLnBrk="1" latinLnBrk="0" hangingPunct="1">
+        <a:lnSpc>
+          <a:spcPct val="90000"/>
+        </a:lnSpc>
+        <a:spcBef>
+          <a:spcPts val="500"/>
+        </a:spcBef>
+        <a:buFont typeface="Arial" panose="020B0604020202020204" pitchFamily="34" charset="0"/>
+        <a:buChar char="•"/>
+        <a:defRPr sz="1800" kern="1200">
+          <a:solidFill>
+            <a:schemeClr val="tx1"/>
+          </a:solidFill>
+          <a:latin typeface="+mn-lt"/>
+          <a:ea typeface="+mn-ea"/>
+          <a:cs typeface="+mn-cs"/>
+        </a:defRPr>
+      </a:lvl8pPr>
+      <a:lvl9pPr marL="3886200" indent="-228600" algn="l" defTabSz="914400" rtl="0" eaLnBrk="1" latinLnBrk="0" hangingPunct="1">
+        <a:lnSpc>
+          <a:spcPct val="90000"/>
+        </a:lnSpc>
+        <a:spcBef>
+          <a:spcPts val="500"/>
+        </a:spcBef>
+        <a:buFont typeface="Arial" panose="020B0604020202020204" pitchFamily="34" charset="0"/>
+        <a:buChar char="•"/>
+        <a:defRPr sz="1800" kern="1200">
+          <a:solidFill>
+            <a:schemeClr val="tx1"/>
+          </a:solidFill>
+          <a:latin typeface="+mn-lt"/>
+          <a:ea typeface="+mn-ea"/>
+          <a:cs typeface="+mn-cs"/>
+        </a:defRPr>
+      </a:lvl9pPr>
+    </p:bodyStyle>
+    <p:otherStyle>
+      <a:defPPr>
+        <a:defRPr lang="pt-BR"/>
+      </a:defPPr>
+      <a:lvl1pPr marL="0" algn="l" defTabSz="914400" rtl="0" eaLnBrk="1" latinLnBrk="0" hangingPunct="1">
+        <a:defRPr sz="1800" kern="1200">
+          <a:solidFill>
+            <a:schemeClr val="tx1"/>
+          </a:solidFill>
+          <a:latin typeface="+mn-lt"/>
+          <a:ea typeface="+mn-ea"/>
+          <a:cs typeface="+mn-cs"/>
+        </a:defRPr>
+      </a:lvl1pPr>
+      <a:lvl2pPr marL="457200" algn="l" defTabSz="914400" rtl="0" eaLnBrk="1" latinLnBrk="0" hangingPunct="1">
+        <a:defRPr sz="1800" kern="1200">
+          <a:solidFill>
+            <a:schemeClr val="tx1"/>
+          </a:solidFill>
+          <a:latin typeface="+mn-lt"/>
+          <a:ea typeface="+mn-ea"/>
+          <a:cs typeface="+mn-cs"/>
+        </a:defRPr>
+      </a:lvl2pPr>
+      <a:lvl3pPr marL="914400" algn="l" defTabSz="914400" rtl="0" eaLnBrk="1" latinLnBrk="0" hangingPunct="1">
+        <a:defRPr sz="1800" kern="1200">
+          <a:solidFill>
+            <a:schemeClr val="tx1"/>
+          </a:solidFill>
+          <a:latin typeface="+mn-lt"/>
+          <a:ea typeface="+mn-ea"/>
+          <a:cs typeface="+mn-cs"/>
+        </a:defRPr>
+      </a:lvl3pPr>
+      <a:lvl4pPr marL="1371600" algn="l" defTabSz="914400" rtl="0" eaLnBrk="1" latinLnBrk="0" hangingPunct="1">
+        <a:defRPr sz="1800" kern="1200">
+          <a:solidFill>
+            <a:schemeClr val="tx1"/>
+          </a:solidFill>
+          <a:latin typeface="+mn-lt"/>
+          <a:ea typeface="+mn-ea"/>
+          <a:cs typeface="+mn-cs"/>
+        </a:defRPr>
+      </a:lvl4pPr>
+      <a:lvl5pPr marL="1828800" algn="l" defTabSz="914400" rtl="0" eaLnBrk="1" latinLnBrk="0" hangingPunct="1">
+        <a:defRPr sz="1800" kern="1200">
+          <a:solidFill>
+            <a:schemeClr val="tx1"/>
+          </a:solidFill>
+          <a:latin typeface="+mn-lt"/>
+          <a:ea typeface="+mn-ea"/>
+          <a:cs typeface="+mn-cs"/>
+        </a:defRPr>
+      </a:lvl5pPr>
+      <a:lvl6pPr marL="2286000" algn="l" defTabSz="914400" rtl="0" eaLnBrk="1" latinLnBrk="0" hangingPunct="1">
+        <a:defRPr sz="1800" kern="1200">
+          <a:solidFill>
+            <a:schemeClr val="tx1"/>
+          </a:solidFill>
+          <a:latin typeface="+mn-lt"/>
+          <a:ea typeface="+mn-ea"/>
+          <a:cs typeface="+mn-cs"/>
+        </a:defRPr>
+      </a:lvl6pPr>
+      <a:lvl7pPr marL="2743200" algn="l" defTabSz="914400" rtl="0" eaLnBrk="1" latinLnBrk="0" hangingPunct="1">
+        <a:defRPr sz="1800" kern="1200">
+          <a:solidFill>
+            <a:schemeClr val="tx1"/>
+          </a:solidFill>
+          <a:latin typeface="+mn-lt"/>
+          <a:ea typeface="+mn-ea"/>
+          <a:cs typeface="+mn-cs"/>
+        </a:defRPr>
+      </a:lvl7pPr>
+      <a:lvl8pPr marL="3200400" algn="l" defTabSz="914400" rtl="0" eaLnBrk="1" latinLnBrk="0" hangingPunct="1">
+        <a:defRPr sz="1800" kern="1200">
+          <a:solidFill>
+            <a:schemeClr val="tx1"/>
+          </a:solidFill>
+          <a:latin typeface="+mn-lt"/>
+          <a:ea typeface="+mn-ea"/>
+          <a:cs typeface="+mn-cs"/>
+        </a:defRPr>
+      </a:lvl8pPr>
+      <a:lvl9pPr marL="3657600" algn="l" defTabSz="914400" rtl="0" eaLnBrk="1" latinLnBrk="0" hangingPunct="1">
+        <a:defRPr sz="1800" kern="1200">
+          <a:solidFill>
+            <a:schemeClr val="tx1"/>
+          </a:solidFill>
+          <a:latin typeface="+mn-lt"/>
+          <a:ea typeface="+mn-ea"/>
+          <a:cs typeface="+mn-cs"/>
+        </a:defRPr>
+      </a:lvl9pPr>
+    </p:otherStyle>
+  </p:txStyles>
 </p:sldMaster>
 </file>
 
 <file path=ppt/slideMasters/slideMaster5.xml><?xml version="1.0" encoding="utf-8"?>
-<p:sldMaster xmlns:a="http://schemas.openxmlformats.org/drawingml/2006/main" xmlns:p="http://schemas.openxmlformats.org/presentationml/2006/main" xmlns:r="http://schemas.openxmlformats.org/officeDocument/2006/relationships" xmlns:p14="http://schemas.microsoft.com/office/powerpoint/2010/main" xmlns:p15="http://schemas.microsoft.com/office/powerpoint/2012/main" xmlns:mc="http://schemas.openxmlformats.org/markup-compatibility/2006">
+<p:sldMaster xmlns:a="http://schemas.openxmlformats.org/drawingml/2006/main" xmlns:r="http://schemas.openxmlformats.org/officeDocument/2006/relationships" xmlns:p="http://schemas.openxmlformats.org/presentationml/2006/main">
   <p:cSld>
     <p:bg>
       <p:bgPr>
         <a:solidFill>
-          <a:srgbClr val="ffffff"/>
+          <a:srgbClr val="FFFFFF"/>
         </a:solidFill>
+        <a:effectLst/>
       </p:bgPr>
     </p:bg>
     <p:spTree>
@@ -4079,9 +5697,10 @@
           </a:ln>
         </p:spPr>
         <p:txBody>
-          <a:bodyPr lIns="91440" rIns="91440" tIns="45720" bIns="45720" anchor="t">
+          <a:bodyPr lIns="91440" tIns="45720" rIns="91440" bIns="45720" anchor="t">
             <a:noAutofit/>
           </a:bodyPr>
+          <a:lstStyle/>
           <a:p>
             <a:pPr indent="0" defTabSz="914400">
               <a:lnSpc>
@@ -4090,7 +5709,7 @@
               <a:buNone/>
             </a:pPr>
             <a:r>
-              <a:rPr b="1" lang="en-US" sz="4000" spc="-1" strike="noStrike" cap="all">
+              <a:rPr lang="en-US" sz="4000" b="1" strike="noStrike" cap="all" spc="-1">
                 <a:solidFill>
                   <a:schemeClr val="dk1"/>
                 </a:solidFill>
@@ -4098,7 +5717,7 @@
               </a:rPr>
               <a:t>Click to edit Master title style</a:t>
             </a:r>
-            <a:endParaRPr b="0" lang="en-US" sz="4000" spc="-1" strike="noStrike">
+            <a:endParaRPr lang="en-US" sz="4000" b="0" strike="noStrike" spc="-1">
               <a:solidFill>
                 <a:schemeClr val="dk1"/>
               </a:solidFill>
@@ -4131,9 +5750,10 @@
           </a:ln>
         </p:spPr>
         <p:txBody>
-          <a:bodyPr lIns="91440" rIns="91440" tIns="45720" bIns="45720" anchor="b">
+          <a:bodyPr lIns="91440" tIns="45720" rIns="91440" bIns="45720" anchor="b">
             <a:noAutofit/>
           </a:bodyPr>
+          <a:lstStyle/>
           <a:p>
             <a:pPr indent="0" defTabSz="914400">
               <a:lnSpc>
@@ -4144,11 +5764,11 @@
               </a:spcBef>
               <a:buNone/>
               <a:tabLst>
-                <a:tab algn="l" pos="0"/>
+                <a:tab pos="0" algn="l"/>
               </a:tabLst>
             </a:pPr>
             <a:r>
-              <a:rPr b="0" lang="en-US" sz="2000" spc="-1" strike="noStrike">
+              <a:rPr lang="en-US" sz="2000" b="0" strike="noStrike" spc="-1">
                 <a:solidFill>
                   <a:schemeClr val="dk1">
                     <a:tint val="75000"/>
@@ -4158,7 +5778,7 @@
               </a:rPr>
               <a:t>Click to edit Master text styles</a:t>
             </a:r>
-            <a:endParaRPr b="0" lang="en-US" sz="2000" spc="-1" strike="noStrike">
+            <a:endParaRPr lang="en-US" sz="2000" b="0" strike="noStrike" spc="-1">
               <a:solidFill>
                 <a:schemeClr val="dk1"/>
               </a:solidFill>
@@ -4191,7 +5811,7 @@
           </a:ln>
         </p:spPr>
         <p:txBody>
-          <a:bodyPr lIns="91440" rIns="91440" tIns="45720" bIns="45720" anchor="ctr">
+          <a:bodyPr lIns="91440" tIns="45720" rIns="91440" bIns="45720" anchor="ctr">
             <a:noAutofit/>
           </a:bodyPr>
           <a:lstStyle>
@@ -4200,7 +5820,7 @@
                 <a:spcPct val="100000"/>
               </a:lnSpc>
               <a:buNone/>
-              <a:defRPr b="0" lang="en-US" sz="1200" spc="-1" strike="noStrike">
+              <a:defRPr lang="en-US" sz="1200" b="0" strike="noStrike" spc="-1">
                 <a:solidFill>
                   <a:schemeClr val="dk1">
                     <a:tint val="75000"/>
@@ -4218,7 +5838,7 @@
               <a:buNone/>
             </a:pPr>
             <a:r>
-              <a:rPr b="0" lang="en-US" sz="1200" spc="-1" strike="noStrike">
+              <a:rPr lang="en-US" sz="1200" b="0" strike="noStrike" spc="-1">
                 <a:solidFill>
                   <a:schemeClr val="dk1">
                     <a:tint val="75000"/>
@@ -4228,7 +5848,7 @@
               </a:rPr>
               <a:t>&lt;data/hora&gt;</a:t>
             </a:r>
-            <a:endParaRPr b="0" lang="pt-BR" sz="1200" spc="-1" strike="noStrike">
+            <a:endParaRPr lang="pt-BR" sz="1200" b="0" strike="noStrike" spc="-1">
               <a:solidFill>
                 <a:srgbClr val="000000"/>
               </a:solidFill>
@@ -4261,13 +5881,13 @@
           </a:ln>
         </p:spPr>
         <p:txBody>
-          <a:bodyPr lIns="91440" rIns="91440" tIns="45720" bIns="45720" anchor="ctr">
+          <a:bodyPr lIns="91440" tIns="45720" rIns="91440" bIns="45720" anchor="ctr">
             <a:noAutofit/>
           </a:bodyPr>
           <a:lstStyle>
             <a:lvl1pPr indent="0" algn="ctr">
               <a:buNone/>
-              <a:defRPr b="0" lang="pt-BR" sz="1400" spc="-1" strike="noStrike">
+              <a:defRPr lang="pt-BR" sz="1400" b="0" strike="noStrike" spc="-1">
                 <a:solidFill>
                   <a:srgbClr val="000000"/>
                 </a:solidFill>
@@ -4280,7 +5900,7 @@
               <a:buNone/>
             </a:pPr>
             <a:r>
-              <a:rPr b="0" lang="pt-BR" sz="1400" spc="-1" strike="noStrike">
+              <a:rPr lang="pt-BR" sz="1400" b="0" strike="noStrike" spc="-1">
                 <a:solidFill>
                   <a:srgbClr val="000000"/>
                 </a:solidFill>
@@ -4288,12 +5908,6 @@
               </a:rPr>
               <a:t>&lt;rodapé&gt;</a:t>
             </a:r>
-            <a:endParaRPr b="0" lang="pt-BR" sz="1400" spc="-1" strike="noStrike">
-              <a:solidFill>
-                <a:srgbClr val="000000"/>
-              </a:solidFill>
-              <a:latin typeface="Times New Roman"/>
-            </a:endParaRPr>
           </a:p>
         </p:txBody>
       </p:sp>
@@ -4321,7 +5935,7 @@
           </a:ln>
         </p:spPr>
         <p:txBody>
-          <a:bodyPr lIns="91440" rIns="91440" tIns="45720" bIns="45720" anchor="ctr">
+          <a:bodyPr lIns="91440" tIns="45720" rIns="91440" bIns="45720" anchor="ctr">
             <a:noAutofit/>
           </a:bodyPr>
           <a:lstStyle>
@@ -4330,7 +5944,7 @@
                 <a:spcPct val="100000"/>
               </a:lnSpc>
               <a:buNone/>
-              <a:defRPr b="0" lang="en-US" sz="1200" spc="-1" strike="noStrike">
+              <a:defRPr lang="en-US" sz="1200" b="0" strike="noStrike" spc="-1">
                 <a:solidFill>
                   <a:schemeClr val="dk1">
                     <a:tint val="75000"/>
@@ -4348,7 +5962,7 @@
               <a:buNone/>
             </a:pPr>
             <a:fld id="{0A8C1A10-0889-4768-86C7-D475F78E9087}" type="slidenum">
-              <a:rPr b="0" lang="en-US" sz="1200" spc="-1" strike="noStrike">
+              <a:rPr lang="en-US" sz="1200" b="0" strike="noStrike" spc="-1">
                 <a:solidFill>
                   <a:schemeClr val="dk1">
                     <a:tint val="75000"/>
@@ -4356,9 +5970,9 @@
                 </a:solidFill>
                 <a:latin typeface="Calibri"/>
               </a:rPr>
-              <a:t>&lt;número&gt;</a:t>
+              <a:t>‹nº›</a:t>
             </a:fld>
-            <a:endParaRPr b="0" lang="pt-BR" sz="1200" spc="-1" strike="noStrike">
+            <a:endParaRPr lang="pt-BR" sz="1200" b="0" strike="noStrike" spc="-1">
               <a:solidFill>
                 <a:srgbClr val="000000"/>
               </a:solidFill>
@@ -4369,21 +5983,302 @@
       </p:sp>
     </p:spTree>
   </p:cSld>
-  <p:clrMap bg1="lt1" bg2="lt2" tx1="dk1" tx2="dk2" accent1="accent1" accent2="accent2" accent3="accent3" accent4="accent4" accent5="accent5" accent6="accent6" hlink="hlink" folHlink="folHlink"/>
+  <p:clrMap bg1="lt1" tx1="dk1" bg2="lt2" tx2="dk2" accent1="accent1" accent2="accent2" accent3="accent3" accent4="accent4" accent5="accent5" accent6="accent6" hlink="hlink" folHlink="folHlink"/>
   <p:sldLayoutIdLst>
-    <p:sldLayoutId id="2147483657" r:id="rId2"/>
+    <p:sldLayoutId id="2147483657" r:id="rId1"/>
   </p:sldLayoutIdLst>
+  <p:txStyles>
+    <p:titleStyle>
+      <a:lvl1pPr algn="l" defTabSz="914400" rtl="0" eaLnBrk="1" latinLnBrk="0" hangingPunct="1">
+        <a:lnSpc>
+          <a:spcPct val="90000"/>
+        </a:lnSpc>
+        <a:spcBef>
+          <a:spcPct val="0"/>
+        </a:spcBef>
+        <a:buNone/>
+        <a:defRPr sz="4400" kern="1200">
+          <a:solidFill>
+            <a:schemeClr val="tx1"/>
+          </a:solidFill>
+          <a:latin typeface="+mj-lt"/>
+          <a:ea typeface="+mj-ea"/>
+          <a:cs typeface="+mj-cs"/>
+        </a:defRPr>
+      </a:lvl1pPr>
+    </p:titleStyle>
+    <p:bodyStyle>
+      <a:lvl1pPr marL="228600" indent="-228600" algn="l" defTabSz="914400" rtl="0" eaLnBrk="1" latinLnBrk="0" hangingPunct="1">
+        <a:lnSpc>
+          <a:spcPct val="90000"/>
+        </a:lnSpc>
+        <a:spcBef>
+          <a:spcPts val="1000"/>
+        </a:spcBef>
+        <a:buFont typeface="Arial" panose="020B0604020202020204" pitchFamily="34" charset="0"/>
+        <a:buChar char="•"/>
+        <a:defRPr sz="2800" kern="1200">
+          <a:solidFill>
+            <a:schemeClr val="tx1"/>
+          </a:solidFill>
+          <a:latin typeface="+mn-lt"/>
+          <a:ea typeface="+mn-ea"/>
+          <a:cs typeface="+mn-cs"/>
+        </a:defRPr>
+      </a:lvl1pPr>
+      <a:lvl2pPr marL="685800" indent="-228600" algn="l" defTabSz="914400" rtl="0" eaLnBrk="1" latinLnBrk="0" hangingPunct="1">
+        <a:lnSpc>
+          <a:spcPct val="90000"/>
+        </a:lnSpc>
+        <a:spcBef>
+          <a:spcPts val="500"/>
+        </a:spcBef>
+        <a:buFont typeface="Arial" panose="020B0604020202020204" pitchFamily="34" charset="0"/>
+        <a:buChar char="•"/>
+        <a:defRPr sz="2400" kern="1200">
+          <a:solidFill>
+            <a:schemeClr val="tx1"/>
+          </a:solidFill>
+          <a:latin typeface="+mn-lt"/>
+          <a:ea typeface="+mn-ea"/>
+          <a:cs typeface="+mn-cs"/>
+        </a:defRPr>
+      </a:lvl2pPr>
+      <a:lvl3pPr marL="1143000" indent="-228600" algn="l" defTabSz="914400" rtl="0" eaLnBrk="1" latinLnBrk="0" hangingPunct="1">
+        <a:lnSpc>
+          <a:spcPct val="90000"/>
+        </a:lnSpc>
+        <a:spcBef>
+          <a:spcPts val="500"/>
+        </a:spcBef>
+        <a:buFont typeface="Arial" panose="020B0604020202020204" pitchFamily="34" charset="0"/>
+        <a:buChar char="•"/>
+        <a:defRPr sz="2000" kern="1200">
+          <a:solidFill>
+            <a:schemeClr val="tx1"/>
+          </a:solidFill>
+          <a:latin typeface="+mn-lt"/>
+          <a:ea typeface="+mn-ea"/>
+          <a:cs typeface="+mn-cs"/>
+        </a:defRPr>
+      </a:lvl3pPr>
+      <a:lvl4pPr marL="1600200" indent="-228600" algn="l" defTabSz="914400" rtl="0" eaLnBrk="1" latinLnBrk="0" hangingPunct="1">
+        <a:lnSpc>
+          <a:spcPct val="90000"/>
+        </a:lnSpc>
+        <a:spcBef>
+          <a:spcPts val="500"/>
+        </a:spcBef>
+        <a:buFont typeface="Arial" panose="020B0604020202020204" pitchFamily="34" charset="0"/>
+        <a:buChar char="•"/>
+        <a:defRPr sz="1800" kern="1200">
+          <a:solidFill>
+            <a:schemeClr val="tx1"/>
+          </a:solidFill>
+          <a:latin typeface="+mn-lt"/>
+          <a:ea typeface="+mn-ea"/>
+          <a:cs typeface="+mn-cs"/>
+        </a:defRPr>
+      </a:lvl4pPr>
+      <a:lvl5pPr marL="2057400" indent="-228600" algn="l" defTabSz="914400" rtl="0" eaLnBrk="1" latinLnBrk="0" hangingPunct="1">
+        <a:lnSpc>
+          <a:spcPct val="90000"/>
+        </a:lnSpc>
+        <a:spcBef>
+          <a:spcPts val="500"/>
+        </a:spcBef>
+        <a:buFont typeface="Arial" panose="020B0604020202020204" pitchFamily="34" charset="0"/>
+        <a:buChar char="•"/>
+        <a:defRPr sz="1800" kern="1200">
+          <a:solidFill>
+            <a:schemeClr val="tx1"/>
+          </a:solidFill>
+          <a:latin typeface="+mn-lt"/>
+          <a:ea typeface="+mn-ea"/>
+          <a:cs typeface="+mn-cs"/>
+        </a:defRPr>
+      </a:lvl5pPr>
+      <a:lvl6pPr marL="2514600" indent="-228600" algn="l" defTabSz="914400" rtl="0" eaLnBrk="1" latinLnBrk="0" hangingPunct="1">
+        <a:lnSpc>
+          <a:spcPct val="90000"/>
+        </a:lnSpc>
+        <a:spcBef>
+          <a:spcPts val="500"/>
+        </a:spcBef>
+        <a:buFont typeface="Arial" panose="020B0604020202020204" pitchFamily="34" charset="0"/>
+        <a:buChar char="•"/>
+        <a:defRPr sz="1800" kern="1200">
+          <a:solidFill>
+            <a:schemeClr val="tx1"/>
+          </a:solidFill>
+          <a:latin typeface="+mn-lt"/>
+          <a:ea typeface="+mn-ea"/>
+          <a:cs typeface="+mn-cs"/>
+        </a:defRPr>
+      </a:lvl6pPr>
+      <a:lvl7pPr marL="2971800" indent="-228600" algn="l" defTabSz="914400" rtl="0" eaLnBrk="1" latinLnBrk="0" hangingPunct="1">
+        <a:lnSpc>
+          <a:spcPct val="90000"/>
+        </a:lnSpc>
+        <a:spcBef>
+          <a:spcPts val="500"/>
+        </a:spcBef>
+        <a:buFont typeface="Arial" panose="020B0604020202020204" pitchFamily="34" charset="0"/>
+        <a:buChar char="•"/>
+        <a:defRPr sz="1800" kern="1200">
+          <a:solidFill>
+            <a:schemeClr val="tx1"/>
+          </a:solidFill>
+          <a:latin typeface="+mn-lt"/>
+          <a:ea typeface="+mn-ea"/>
+          <a:cs typeface="+mn-cs"/>
+        </a:defRPr>
+      </a:lvl7pPr>
+      <a:lvl8pPr marL="3429000" indent="-228600" algn="l" defTabSz="914400" rtl="0" eaLnBrk="1" latinLnBrk="0" hangingPunct="1">
+        <a:lnSpc>
+          <a:spcPct val="90000"/>
+        </a:lnSpc>
+        <a:spcBef>
+          <a:spcPts val="500"/>
+        </a:spcBef>
+        <a:buFont typeface="Arial" panose="020B0604020202020204" pitchFamily="34" charset="0"/>
+        <a:buChar char="•"/>
+        <a:defRPr sz="1800" kern="1200">
+          <a:solidFill>
+            <a:schemeClr val="tx1"/>
+          </a:solidFill>
+          <a:latin typeface="+mn-lt"/>
+          <a:ea typeface="+mn-ea"/>
+          <a:cs typeface="+mn-cs"/>
+        </a:defRPr>
+      </a:lvl8pPr>
+      <a:lvl9pPr marL="3886200" indent="-228600" algn="l" defTabSz="914400" rtl="0" eaLnBrk="1" latinLnBrk="0" hangingPunct="1">
+        <a:lnSpc>
+          <a:spcPct val="90000"/>
+        </a:lnSpc>
+        <a:spcBef>
+          <a:spcPts val="500"/>
+        </a:spcBef>
+        <a:buFont typeface="Arial" panose="020B0604020202020204" pitchFamily="34" charset="0"/>
+        <a:buChar char="•"/>
+        <a:defRPr sz="1800" kern="1200">
+          <a:solidFill>
+            <a:schemeClr val="tx1"/>
+          </a:solidFill>
+          <a:latin typeface="+mn-lt"/>
+          <a:ea typeface="+mn-ea"/>
+          <a:cs typeface="+mn-cs"/>
+        </a:defRPr>
+      </a:lvl9pPr>
+    </p:bodyStyle>
+    <p:otherStyle>
+      <a:defPPr>
+        <a:defRPr lang="pt-BR"/>
+      </a:defPPr>
+      <a:lvl1pPr marL="0" algn="l" defTabSz="914400" rtl="0" eaLnBrk="1" latinLnBrk="0" hangingPunct="1">
+        <a:defRPr sz="1800" kern="1200">
+          <a:solidFill>
+            <a:schemeClr val="tx1"/>
+          </a:solidFill>
+          <a:latin typeface="+mn-lt"/>
+          <a:ea typeface="+mn-ea"/>
+          <a:cs typeface="+mn-cs"/>
+        </a:defRPr>
+      </a:lvl1pPr>
+      <a:lvl2pPr marL="457200" algn="l" defTabSz="914400" rtl="0" eaLnBrk="1" latinLnBrk="0" hangingPunct="1">
+        <a:defRPr sz="1800" kern="1200">
+          <a:solidFill>
+            <a:schemeClr val="tx1"/>
+          </a:solidFill>
+          <a:latin typeface="+mn-lt"/>
+          <a:ea typeface="+mn-ea"/>
+          <a:cs typeface="+mn-cs"/>
+        </a:defRPr>
+      </a:lvl2pPr>
+      <a:lvl3pPr marL="914400" algn="l" defTabSz="914400" rtl="0" eaLnBrk="1" latinLnBrk="0" hangingPunct="1">
+        <a:defRPr sz="1800" kern="1200">
+          <a:solidFill>
+            <a:schemeClr val="tx1"/>
+          </a:solidFill>
+          <a:latin typeface="+mn-lt"/>
+          <a:ea typeface="+mn-ea"/>
+          <a:cs typeface="+mn-cs"/>
+        </a:defRPr>
+      </a:lvl3pPr>
+      <a:lvl4pPr marL="1371600" algn="l" defTabSz="914400" rtl="0" eaLnBrk="1" latinLnBrk="0" hangingPunct="1">
+        <a:defRPr sz="1800" kern="1200">
+          <a:solidFill>
+            <a:schemeClr val="tx1"/>
+          </a:solidFill>
+          <a:latin typeface="+mn-lt"/>
+          <a:ea typeface="+mn-ea"/>
+          <a:cs typeface="+mn-cs"/>
+        </a:defRPr>
+      </a:lvl4pPr>
+      <a:lvl5pPr marL="1828800" algn="l" defTabSz="914400" rtl="0" eaLnBrk="1" latinLnBrk="0" hangingPunct="1">
+        <a:defRPr sz="1800" kern="1200">
+          <a:solidFill>
+            <a:schemeClr val="tx1"/>
+          </a:solidFill>
+          <a:latin typeface="+mn-lt"/>
+          <a:ea typeface="+mn-ea"/>
+          <a:cs typeface="+mn-cs"/>
+        </a:defRPr>
+      </a:lvl5pPr>
+      <a:lvl6pPr marL="2286000" algn="l" defTabSz="914400" rtl="0" eaLnBrk="1" latinLnBrk="0" hangingPunct="1">
+        <a:defRPr sz="1800" kern="1200">
+          <a:solidFill>
+            <a:schemeClr val="tx1"/>
+          </a:solidFill>
+          <a:latin typeface="+mn-lt"/>
+          <a:ea typeface="+mn-ea"/>
+          <a:cs typeface="+mn-cs"/>
+        </a:defRPr>
+      </a:lvl6pPr>
+      <a:lvl7pPr marL="2743200" algn="l" defTabSz="914400" rtl="0" eaLnBrk="1" latinLnBrk="0" hangingPunct="1">
+        <a:defRPr sz="1800" kern="1200">
+          <a:solidFill>
+            <a:schemeClr val="tx1"/>
+          </a:solidFill>
+          <a:latin typeface="+mn-lt"/>
+          <a:ea typeface="+mn-ea"/>
+          <a:cs typeface="+mn-cs"/>
+        </a:defRPr>
+      </a:lvl7pPr>
+      <a:lvl8pPr marL="3200400" algn="l" defTabSz="914400" rtl="0" eaLnBrk="1" latinLnBrk="0" hangingPunct="1">
+        <a:defRPr sz="1800" kern="1200">
+          <a:solidFill>
+            <a:schemeClr val="tx1"/>
+          </a:solidFill>
+          <a:latin typeface="+mn-lt"/>
+          <a:ea typeface="+mn-ea"/>
+          <a:cs typeface="+mn-cs"/>
+        </a:defRPr>
+      </a:lvl8pPr>
+      <a:lvl9pPr marL="3657600" algn="l" defTabSz="914400" rtl="0" eaLnBrk="1" latinLnBrk="0" hangingPunct="1">
+        <a:defRPr sz="1800" kern="1200">
+          <a:solidFill>
+            <a:schemeClr val="tx1"/>
+          </a:solidFill>
+          <a:latin typeface="+mn-lt"/>
+          <a:ea typeface="+mn-ea"/>
+          <a:cs typeface="+mn-cs"/>
+        </a:defRPr>
+      </a:lvl9pPr>
+    </p:otherStyle>
+  </p:txStyles>
 </p:sldMaster>
 </file>
 
 <file path=ppt/slideMasters/slideMaster6.xml><?xml version="1.0" encoding="utf-8"?>
-<p:sldMaster xmlns:a="http://schemas.openxmlformats.org/drawingml/2006/main" xmlns:p="http://schemas.openxmlformats.org/presentationml/2006/main" xmlns:r="http://schemas.openxmlformats.org/officeDocument/2006/relationships" xmlns:p14="http://schemas.microsoft.com/office/powerpoint/2010/main" xmlns:p15="http://schemas.microsoft.com/office/powerpoint/2012/main" xmlns:mc="http://schemas.openxmlformats.org/markup-compatibility/2006">
+<p:sldMaster xmlns:a="http://schemas.openxmlformats.org/drawingml/2006/main" xmlns:r="http://schemas.openxmlformats.org/officeDocument/2006/relationships" xmlns:p="http://schemas.openxmlformats.org/presentationml/2006/main">
   <p:cSld>
     <p:bg>
       <p:bgPr>
         <a:solidFill>
-          <a:srgbClr val="ffffff"/>
+          <a:srgbClr val="FFFFFF"/>
         </a:solidFill>
+        <a:effectLst/>
       </p:bgPr>
     </p:bg>
     <p:spTree>
@@ -4424,9 +6319,10 @@
           </a:ln>
         </p:spPr>
         <p:txBody>
-          <a:bodyPr lIns="91440" rIns="91440" tIns="45720" bIns="45720" anchor="ctr">
+          <a:bodyPr lIns="91440" tIns="45720" rIns="91440" bIns="45720" anchor="ctr">
             <a:noAutofit/>
           </a:bodyPr>
+          <a:lstStyle/>
           <a:p>
             <a:pPr indent="0" algn="ctr" defTabSz="914400">
               <a:lnSpc>
@@ -4435,7 +6331,7 @@
               <a:buNone/>
             </a:pPr>
             <a:r>
-              <a:rPr b="0" lang="en-US" sz="4400" spc="-1" strike="noStrike">
+              <a:rPr lang="en-US" sz="4400" b="0" strike="noStrike" spc="-1">
                 <a:solidFill>
                   <a:schemeClr val="dk1"/>
                 </a:solidFill>
@@ -4443,12 +6339,6 @@
               </a:rPr>
               <a:t>Click to edit Master title style</a:t>
             </a:r>
-            <a:endParaRPr b="0" lang="en-US" sz="4400" spc="-1" strike="noStrike">
-              <a:solidFill>
-                <a:schemeClr val="dk1"/>
-              </a:solidFill>
-              <a:latin typeface="Calibri"/>
-            </a:endParaRPr>
           </a:p>
         </p:txBody>
       </p:sp>
@@ -4476,9 +6366,10 @@
           </a:ln>
         </p:spPr>
         <p:txBody>
-          <a:bodyPr lIns="91440" rIns="91440" tIns="45720" bIns="45720" anchor="t">
+          <a:bodyPr lIns="91440" tIns="45720" rIns="91440" bIns="45720" anchor="t">
             <a:noAutofit/>
           </a:bodyPr>
+          <a:lstStyle/>
           <a:p>
             <a:pPr marL="343080" indent="-343080" defTabSz="914400">
               <a:lnSpc>
@@ -4494,7 +6385,7 @@
               <a:buChar char="•"/>
             </a:pPr>
             <a:r>
-              <a:rPr b="0" lang="en-US" sz="2800" spc="-1" strike="noStrike">
+              <a:rPr lang="en-US" sz="2800" b="0" strike="noStrike" spc="-1">
                 <a:solidFill>
                   <a:schemeClr val="dk1"/>
                 </a:solidFill>
@@ -4502,15 +6393,9 @@
               </a:rPr>
               <a:t>Click to edit Master text styles</a:t>
             </a:r>
-            <a:endParaRPr b="0" lang="en-US" sz="2800" spc="-1" strike="noStrike">
-              <a:solidFill>
-                <a:schemeClr val="dk1"/>
-              </a:solidFill>
-              <a:latin typeface="Calibri"/>
-            </a:endParaRPr>
-          </a:p>
-          <a:p>
-            <a:pPr lvl="1" marL="743040" indent="-285840" defTabSz="914400">
+          </a:p>
+          <a:p>
+            <a:pPr marL="743040" lvl="1" indent="-285840" defTabSz="914400">
               <a:lnSpc>
                 <a:spcPct val="100000"/>
               </a:lnSpc>
@@ -4524,7 +6409,7 @@
               <a:buChar char="–"/>
             </a:pPr>
             <a:r>
-              <a:rPr b="0" lang="en-US" sz="2400" spc="-1" strike="noStrike">
+              <a:rPr lang="en-US" sz="2400" b="0" strike="noStrike" spc="-1">
                 <a:solidFill>
                   <a:schemeClr val="dk1"/>
                 </a:solidFill>
@@ -4532,15 +6417,9 @@
               </a:rPr>
               <a:t>Second level</a:t>
             </a:r>
-            <a:endParaRPr b="0" lang="en-US" sz="2400" spc="-1" strike="noStrike">
-              <a:solidFill>
-                <a:schemeClr val="dk1"/>
-              </a:solidFill>
-              <a:latin typeface="Calibri"/>
-            </a:endParaRPr>
-          </a:p>
-          <a:p>
-            <a:pPr lvl="2" marL="1143000" indent="-228600" defTabSz="914400">
+          </a:p>
+          <a:p>
+            <a:pPr marL="1143000" lvl="2" indent="-228600" defTabSz="914400">
               <a:lnSpc>
                 <a:spcPct val="100000"/>
               </a:lnSpc>
@@ -4554,7 +6433,7 @@
               <a:buChar char="•"/>
             </a:pPr>
             <a:r>
-              <a:rPr b="0" lang="en-US" sz="2000" spc="-1" strike="noStrike">
+              <a:rPr lang="en-US" sz="2000" b="0" strike="noStrike" spc="-1">
                 <a:solidFill>
                   <a:schemeClr val="dk1"/>
                 </a:solidFill>
@@ -4562,15 +6441,9 @@
               </a:rPr>
               <a:t>Third level</a:t>
             </a:r>
-            <a:endParaRPr b="0" lang="en-US" sz="2000" spc="-1" strike="noStrike">
-              <a:solidFill>
-                <a:schemeClr val="dk1"/>
-              </a:solidFill>
-              <a:latin typeface="Calibri"/>
-            </a:endParaRPr>
-          </a:p>
-          <a:p>
-            <a:pPr lvl="3" marL="1600200" indent="-228600" defTabSz="914400">
+          </a:p>
+          <a:p>
+            <a:pPr marL="1600200" lvl="3" indent="-228600" defTabSz="914400">
               <a:lnSpc>
                 <a:spcPct val="100000"/>
               </a:lnSpc>
@@ -4584,7 +6457,7 @@
               <a:buChar char="–"/>
             </a:pPr>
             <a:r>
-              <a:rPr b="0" lang="en-US" sz="1800" spc="-1" strike="noStrike">
+              <a:rPr lang="en-US" sz="1800" b="0" strike="noStrike" spc="-1">
                 <a:solidFill>
                   <a:schemeClr val="dk1"/>
                 </a:solidFill>
@@ -4592,15 +6465,9 @@
               </a:rPr>
               <a:t>Fourth level</a:t>
             </a:r>
-            <a:endParaRPr b="0" lang="en-US" sz="1800" spc="-1" strike="noStrike">
-              <a:solidFill>
-                <a:schemeClr val="dk1"/>
-              </a:solidFill>
-              <a:latin typeface="Calibri"/>
-            </a:endParaRPr>
-          </a:p>
-          <a:p>
-            <a:pPr lvl="4" marL="2057400" indent="-228600" defTabSz="914400">
+          </a:p>
+          <a:p>
+            <a:pPr marL="2057400" lvl="4" indent="-228600" defTabSz="914400">
               <a:lnSpc>
                 <a:spcPct val="100000"/>
               </a:lnSpc>
@@ -4614,7 +6481,7 @@
               <a:buChar char="»"/>
             </a:pPr>
             <a:r>
-              <a:rPr b="0" lang="en-US" sz="1800" spc="-1" strike="noStrike">
+              <a:rPr lang="en-US" sz="1800" b="0" strike="noStrike" spc="-1">
                 <a:solidFill>
                   <a:schemeClr val="dk1"/>
                 </a:solidFill>
@@ -4622,12 +6489,6 @@
               </a:rPr>
               <a:t>Fifth level</a:t>
             </a:r>
-            <a:endParaRPr b="0" lang="en-US" sz="1800" spc="-1" strike="noStrike">
-              <a:solidFill>
-                <a:schemeClr val="dk1"/>
-              </a:solidFill>
-              <a:latin typeface="Calibri"/>
-            </a:endParaRPr>
           </a:p>
         </p:txBody>
       </p:sp>
@@ -4655,9 +6516,10 @@
           </a:ln>
         </p:spPr>
         <p:txBody>
-          <a:bodyPr lIns="91440" rIns="91440" tIns="45720" bIns="45720" anchor="t">
+          <a:bodyPr lIns="91440" tIns="45720" rIns="91440" bIns="45720" anchor="t">
             <a:noAutofit/>
           </a:bodyPr>
+          <a:lstStyle/>
           <a:p>
             <a:pPr marL="343080" indent="-343080" defTabSz="914400">
               <a:lnSpc>
@@ -4673,7 +6535,7 @@
               <a:buChar char="•"/>
             </a:pPr>
             <a:r>
-              <a:rPr b="0" lang="en-US" sz="2800" spc="-1" strike="noStrike">
+              <a:rPr lang="en-US" sz="2800" b="0" strike="noStrike" spc="-1">
                 <a:solidFill>
                   <a:schemeClr val="dk1"/>
                 </a:solidFill>
@@ -4681,15 +6543,9 @@
               </a:rPr>
               <a:t>Click to edit Master text styles</a:t>
             </a:r>
-            <a:endParaRPr b="0" lang="en-US" sz="2800" spc="-1" strike="noStrike">
-              <a:solidFill>
-                <a:schemeClr val="dk1"/>
-              </a:solidFill>
-              <a:latin typeface="Calibri"/>
-            </a:endParaRPr>
-          </a:p>
-          <a:p>
-            <a:pPr lvl="1" marL="743040" indent="-285840" defTabSz="914400">
+          </a:p>
+          <a:p>
+            <a:pPr marL="743040" lvl="1" indent="-285840" defTabSz="914400">
               <a:lnSpc>
                 <a:spcPct val="100000"/>
               </a:lnSpc>
@@ -4703,7 +6559,7 @@
               <a:buChar char="–"/>
             </a:pPr>
             <a:r>
-              <a:rPr b="0" lang="en-US" sz="2400" spc="-1" strike="noStrike">
+              <a:rPr lang="en-US" sz="2400" b="0" strike="noStrike" spc="-1">
                 <a:solidFill>
                   <a:schemeClr val="dk1"/>
                 </a:solidFill>
@@ -4711,15 +6567,9 @@
               </a:rPr>
               <a:t>Second level</a:t>
             </a:r>
-            <a:endParaRPr b="0" lang="en-US" sz="2400" spc="-1" strike="noStrike">
-              <a:solidFill>
-                <a:schemeClr val="dk1"/>
-              </a:solidFill>
-              <a:latin typeface="Calibri"/>
-            </a:endParaRPr>
-          </a:p>
-          <a:p>
-            <a:pPr lvl="2" marL="1143000" indent="-228600" defTabSz="914400">
+          </a:p>
+          <a:p>
+            <a:pPr marL="1143000" lvl="2" indent="-228600" defTabSz="914400">
               <a:lnSpc>
                 <a:spcPct val="100000"/>
               </a:lnSpc>
@@ -4733,7 +6583,7 @@
               <a:buChar char="•"/>
             </a:pPr>
             <a:r>
-              <a:rPr b="0" lang="en-US" sz="2000" spc="-1" strike="noStrike">
+              <a:rPr lang="en-US" sz="2000" b="0" strike="noStrike" spc="-1">
                 <a:solidFill>
                   <a:schemeClr val="dk1"/>
                 </a:solidFill>
@@ -4741,15 +6591,9 @@
               </a:rPr>
               <a:t>Third level</a:t>
             </a:r>
-            <a:endParaRPr b="0" lang="en-US" sz="2000" spc="-1" strike="noStrike">
-              <a:solidFill>
-                <a:schemeClr val="dk1"/>
-              </a:solidFill>
-              <a:latin typeface="Calibri"/>
-            </a:endParaRPr>
-          </a:p>
-          <a:p>
-            <a:pPr lvl="3" marL="1600200" indent="-228600" defTabSz="914400">
+          </a:p>
+          <a:p>
+            <a:pPr marL="1600200" lvl="3" indent="-228600" defTabSz="914400">
               <a:lnSpc>
                 <a:spcPct val="100000"/>
               </a:lnSpc>
@@ -4763,7 +6607,7 @@
               <a:buChar char="–"/>
             </a:pPr>
             <a:r>
-              <a:rPr b="0" lang="en-US" sz="1800" spc="-1" strike="noStrike">
+              <a:rPr lang="en-US" sz="1800" b="0" strike="noStrike" spc="-1">
                 <a:solidFill>
                   <a:schemeClr val="dk1"/>
                 </a:solidFill>
@@ -4771,15 +6615,9 @@
               </a:rPr>
               <a:t>Fourth level</a:t>
             </a:r>
-            <a:endParaRPr b="0" lang="en-US" sz="1800" spc="-1" strike="noStrike">
-              <a:solidFill>
-                <a:schemeClr val="dk1"/>
-              </a:solidFill>
-              <a:latin typeface="Calibri"/>
-            </a:endParaRPr>
-          </a:p>
-          <a:p>
-            <a:pPr lvl="4" marL="2057400" indent="-228600" defTabSz="914400">
+          </a:p>
+          <a:p>
+            <a:pPr marL="2057400" lvl="4" indent="-228600" defTabSz="914400">
               <a:lnSpc>
                 <a:spcPct val="100000"/>
               </a:lnSpc>
@@ -4793,7 +6631,7 @@
               <a:buChar char="»"/>
             </a:pPr>
             <a:r>
-              <a:rPr b="0" lang="en-US" sz="1800" spc="-1" strike="noStrike">
+              <a:rPr lang="en-US" sz="1800" b="0" strike="noStrike" spc="-1">
                 <a:solidFill>
                   <a:schemeClr val="dk1"/>
                 </a:solidFill>
@@ -4801,12 +6639,6 @@
               </a:rPr>
               <a:t>Fifth level</a:t>
             </a:r>
-            <a:endParaRPr b="0" lang="en-US" sz="1800" spc="-1" strike="noStrike">
-              <a:solidFill>
-                <a:schemeClr val="dk1"/>
-              </a:solidFill>
-              <a:latin typeface="Calibri"/>
-            </a:endParaRPr>
           </a:p>
         </p:txBody>
       </p:sp>
@@ -4834,7 +6666,7 @@
           </a:ln>
         </p:spPr>
         <p:txBody>
-          <a:bodyPr lIns="91440" rIns="91440" tIns="45720" bIns="45720" anchor="ctr">
+          <a:bodyPr lIns="91440" tIns="45720" rIns="91440" bIns="45720" anchor="ctr">
             <a:noAutofit/>
           </a:bodyPr>
           <a:lstStyle>
@@ -4843,7 +6675,7 @@
                 <a:spcPct val="100000"/>
               </a:lnSpc>
               <a:buNone/>
-              <a:defRPr b="0" lang="en-US" sz="1200" spc="-1" strike="noStrike">
+              <a:defRPr lang="en-US" sz="1200" b="0" strike="noStrike" spc="-1">
                 <a:solidFill>
                   <a:schemeClr val="dk1">
                     <a:tint val="75000"/>
@@ -4861,7 +6693,7 @@
               <a:buNone/>
             </a:pPr>
             <a:r>
-              <a:rPr b="0" lang="en-US" sz="1200" spc="-1" strike="noStrike">
+              <a:rPr lang="en-US" sz="1200" b="0" strike="noStrike" spc="-1">
                 <a:solidFill>
                   <a:schemeClr val="dk1">
                     <a:tint val="75000"/>
@@ -4871,7 +6703,7 @@
               </a:rPr>
               <a:t>&lt;data/hora&gt;</a:t>
             </a:r>
-            <a:endParaRPr b="0" lang="pt-BR" sz="1200" spc="-1" strike="noStrike">
+            <a:endParaRPr lang="pt-BR" sz="1200" b="0" strike="noStrike" spc="-1">
               <a:solidFill>
                 <a:srgbClr val="000000"/>
               </a:solidFill>
@@ -4904,13 +6736,13 @@
           </a:ln>
         </p:spPr>
         <p:txBody>
-          <a:bodyPr lIns="91440" rIns="91440" tIns="45720" bIns="45720" anchor="ctr">
+          <a:bodyPr lIns="91440" tIns="45720" rIns="91440" bIns="45720" anchor="ctr">
             <a:noAutofit/>
           </a:bodyPr>
           <a:lstStyle>
             <a:lvl1pPr indent="0" algn="ctr">
               <a:buNone/>
-              <a:defRPr b="0" lang="pt-BR" sz="1400" spc="-1" strike="noStrike">
+              <a:defRPr lang="pt-BR" sz="1400" b="0" strike="noStrike" spc="-1">
                 <a:solidFill>
                   <a:srgbClr val="000000"/>
                 </a:solidFill>
@@ -4923,7 +6755,7 @@
               <a:buNone/>
             </a:pPr>
             <a:r>
-              <a:rPr b="0" lang="pt-BR" sz="1400" spc="-1" strike="noStrike">
+              <a:rPr lang="pt-BR" sz="1400" b="0" strike="noStrike" spc="-1">
                 <a:solidFill>
                   <a:srgbClr val="000000"/>
                 </a:solidFill>
@@ -4931,12 +6763,6 @@
               </a:rPr>
               <a:t>&lt;rodapé&gt;</a:t>
             </a:r>
-            <a:endParaRPr b="0" lang="pt-BR" sz="1400" spc="-1" strike="noStrike">
-              <a:solidFill>
-                <a:srgbClr val="000000"/>
-              </a:solidFill>
-              <a:latin typeface="Times New Roman"/>
-            </a:endParaRPr>
           </a:p>
         </p:txBody>
       </p:sp>
@@ -4964,7 +6790,7 @@
           </a:ln>
         </p:spPr>
         <p:txBody>
-          <a:bodyPr lIns="91440" rIns="91440" tIns="45720" bIns="45720" anchor="ctr">
+          <a:bodyPr lIns="91440" tIns="45720" rIns="91440" bIns="45720" anchor="ctr">
             <a:noAutofit/>
           </a:bodyPr>
           <a:lstStyle>
@@ -4973,7 +6799,7 @@
                 <a:spcPct val="100000"/>
               </a:lnSpc>
               <a:buNone/>
-              <a:defRPr b="0" lang="en-US" sz="1200" spc="-1" strike="noStrike">
+              <a:defRPr lang="en-US" sz="1200" b="0" strike="noStrike" spc="-1">
                 <a:solidFill>
                   <a:schemeClr val="dk1">
                     <a:tint val="75000"/>
@@ -4991,7 +6817,7 @@
               <a:buNone/>
             </a:pPr>
             <a:fld id="{DA6DC977-3271-439C-B5A2-B45DAF4612C2}" type="slidenum">
-              <a:rPr b="0" lang="en-US" sz="1200" spc="-1" strike="noStrike">
+              <a:rPr lang="en-US" sz="1200" b="0" strike="noStrike" spc="-1">
                 <a:solidFill>
                   <a:schemeClr val="dk1">
                     <a:tint val="75000"/>
@@ -4999,9 +6825,9 @@
                 </a:solidFill>
                 <a:latin typeface="Calibri"/>
               </a:rPr>
-              <a:t>&lt;número&gt;</a:t>
+              <a:t>‹nº›</a:t>
             </a:fld>
-            <a:endParaRPr b="0" lang="pt-BR" sz="1200" spc="-1" strike="noStrike">
+            <a:endParaRPr lang="pt-BR" sz="1200" b="0" strike="noStrike" spc="-1">
               <a:solidFill>
                 <a:srgbClr val="000000"/>
               </a:solidFill>
@@ -5012,21 +6838,302 @@
       </p:sp>
     </p:spTree>
   </p:cSld>
-  <p:clrMap bg1="lt1" bg2="lt2" tx1="dk1" tx2="dk2" accent1="accent1" accent2="accent2" accent3="accent3" accent4="accent4" accent5="accent5" accent6="accent6" hlink="hlink" folHlink="folHlink"/>
+  <p:clrMap bg1="lt1" tx1="dk1" bg2="lt2" tx2="dk2" accent1="accent1" accent2="accent2" accent3="accent3" accent4="accent4" accent5="accent5" accent6="accent6" hlink="hlink" folHlink="folHlink"/>
   <p:sldLayoutIdLst>
-    <p:sldLayoutId id="2147483659" r:id="rId2"/>
+    <p:sldLayoutId id="2147483659" r:id="rId1"/>
   </p:sldLayoutIdLst>
+  <p:txStyles>
+    <p:titleStyle>
+      <a:lvl1pPr algn="l" defTabSz="914400" rtl="0" eaLnBrk="1" latinLnBrk="0" hangingPunct="1">
+        <a:lnSpc>
+          <a:spcPct val="90000"/>
+        </a:lnSpc>
+        <a:spcBef>
+          <a:spcPct val="0"/>
+        </a:spcBef>
+        <a:buNone/>
+        <a:defRPr sz="4400" kern="1200">
+          <a:solidFill>
+            <a:schemeClr val="tx1"/>
+          </a:solidFill>
+          <a:latin typeface="+mj-lt"/>
+          <a:ea typeface="+mj-ea"/>
+          <a:cs typeface="+mj-cs"/>
+        </a:defRPr>
+      </a:lvl1pPr>
+    </p:titleStyle>
+    <p:bodyStyle>
+      <a:lvl1pPr marL="228600" indent="-228600" algn="l" defTabSz="914400" rtl="0" eaLnBrk="1" latinLnBrk="0" hangingPunct="1">
+        <a:lnSpc>
+          <a:spcPct val="90000"/>
+        </a:lnSpc>
+        <a:spcBef>
+          <a:spcPts val="1000"/>
+        </a:spcBef>
+        <a:buFont typeface="Arial" panose="020B0604020202020204" pitchFamily="34" charset="0"/>
+        <a:buChar char="•"/>
+        <a:defRPr sz="2800" kern="1200">
+          <a:solidFill>
+            <a:schemeClr val="tx1"/>
+          </a:solidFill>
+          <a:latin typeface="+mn-lt"/>
+          <a:ea typeface="+mn-ea"/>
+          <a:cs typeface="+mn-cs"/>
+        </a:defRPr>
+      </a:lvl1pPr>
+      <a:lvl2pPr marL="685800" indent="-228600" algn="l" defTabSz="914400" rtl="0" eaLnBrk="1" latinLnBrk="0" hangingPunct="1">
+        <a:lnSpc>
+          <a:spcPct val="90000"/>
+        </a:lnSpc>
+        <a:spcBef>
+          <a:spcPts val="500"/>
+        </a:spcBef>
+        <a:buFont typeface="Arial" panose="020B0604020202020204" pitchFamily="34" charset="0"/>
+        <a:buChar char="•"/>
+        <a:defRPr sz="2400" kern="1200">
+          <a:solidFill>
+            <a:schemeClr val="tx1"/>
+          </a:solidFill>
+          <a:latin typeface="+mn-lt"/>
+          <a:ea typeface="+mn-ea"/>
+          <a:cs typeface="+mn-cs"/>
+        </a:defRPr>
+      </a:lvl2pPr>
+      <a:lvl3pPr marL="1143000" indent="-228600" algn="l" defTabSz="914400" rtl="0" eaLnBrk="1" latinLnBrk="0" hangingPunct="1">
+        <a:lnSpc>
+          <a:spcPct val="90000"/>
+        </a:lnSpc>
+        <a:spcBef>
+          <a:spcPts val="500"/>
+        </a:spcBef>
+        <a:buFont typeface="Arial" panose="020B0604020202020204" pitchFamily="34" charset="0"/>
+        <a:buChar char="•"/>
+        <a:defRPr sz="2000" kern="1200">
+          <a:solidFill>
+            <a:schemeClr val="tx1"/>
+          </a:solidFill>
+          <a:latin typeface="+mn-lt"/>
+          <a:ea typeface="+mn-ea"/>
+          <a:cs typeface="+mn-cs"/>
+        </a:defRPr>
+      </a:lvl3pPr>
+      <a:lvl4pPr marL="1600200" indent="-228600" algn="l" defTabSz="914400" rtl="0" eaLnBrk="1" latinLnBrk="0" hangingPunct="1">
+        <a:lnSpc>
+          <a:spcPct val="90000"/>
+        </a:lnSpc>
+        <a:spcBef>
+          <a:spcPts val="500"/>
+        </a:spcBef>
+        <a:buFont typeface="Arial" panose="020B0604020202020204" pitchFamily="34" charset="0"/>
+        <a:buChar char="•"/>
+        <a:defRPr sz="1800" kern="1200">
+          <a:solidFill>
+            <a:schemeClr val="tx1"/>
+          </a:solidFill>
+          <a:latin typeface="+mn-lt"/>
+          <a:ea typeface="+mn-ea"/>
+          <a:cs typeface="+mn-cs"/>
+        </a:defRPr>
+      </a:lvl4pPr>
+      <a:lvl5pPr marL="2057400" indent="-228600" algn="l" defTabSz="914400" rtl="0" eaLnBrk="1" latinLnBrk="0" hangingPunct="1">
+        <a:lnSpc>
+          <a:spcPct val="90000"/>
+        </a:lnSpc>
+        <a:spcBef>
+          <a:spcPts val="500"/>
+        </a:spcBef>
+        <a:buFont typeface="Arial" panose="020B0604020202020204" pitchFamily="34" charset="0"/>
+        <a:buChar char="•"/>
+        <a:defRPr sz="1800" kern="1200">
+          <a:solidFill>
+            <a:schemeClr val="tx1"/>
+          </a:solidFill>
+          <a:latin typeface="+mn-lt"/>
+          <a:ea typeface="+mn-ea"/>
+          <a:cs typeface="+mn-cs"/>
+        </a:defRPr>
+      </a:lvl5pPr>
+      <a:lvl6pPr marL="2514600" indent="-228600" algn="l" defTabSz="914400" rtl="0" eaLnBrk="1" latinLnBrk="0" hangingPunct="1">
+        <a:lnSpc>
+          <a:spcPct val="90000"/>
+        </a:lnSpc>
+        <a:spcBef>
+          <a:spcPts val="500"/>
+        </a:spcBef>
+        <a:buFont typeface="Arial" panose="020B0604020202020204" pitchFamily="34" charset="0"/>
+        <a:buChar char="•"/>
+        <a:defRPr sz="1800" kern="1200">
+          <a:solidFill>
+            <a:schemeClr val="tx1"/>
+          </a:solidFill>
+          <a:latin typeface="+mn-lt"/>
+          <a:ea typeface="+mn-ea"/>
+          <a:cs typeface="+mn-cs"/>
+        </a:defRPr>
+      </a:lvl6pPr>
+      <a:lvl7pPr marL="2971800" indent="-228600" algn="l" defTabSz="914400" rtl="0" eaLnBrk="1" latinLnBrk="0" hangingPunct="1">
+        <a:lnSpc>
+          <a:spcPct val="90000"/>
+        </a:lnSpc>
+        <a:spcBef>
+          <a:spcPts val="500"/>
+        </a:spcBef>
+        <a:buFont typeface="Arial" panose="020B0604020202020204" pitchFamily="34" charset="0"/>
+        <a:buChar char="•"/>
+        <a:defRPr sz="1800" kern="1200">
+          <a:solidFill>
+            <a:schemeClr val="tx1"/>
+          </a:solidFill>
+          <a:latin typeface="+mn-lt"/>
+          <a:ea typeface="+mn-ea"/>
+          <a:cs typeface="+mn-cs"/>
+        </a:defRPr>
+      </a:lvl7pPr>
+      <a:lvl8pPr marL="3429000" indent="-228600" algn="l" defTabSz="914400" rtl="0" eaLnBrk="1" latinLnBrk="0" hangingPunct="1">
+        <a:lnSpc>
+          <a:spcPct val="90000"/>
+        </a:lnSpc>
+        <a:spcBef>
+          <a:spcPts val="500"/>
+        </a:spcBef>
+        <a:buFont typeface="Arial" panose="020B0604020202020204" pitchFamily="34" charset="0"/>
+        <a:buChar char="•"/>
+        <a:defRPr sz="1800" kern="1200">
+          <a:solidFill>
+            <a:schemeClr val="tx1"/>
+          </a:solidFill>
+          <a:latin typeface="+mn-lt"/>
+          <a:ea typeface="+mn-ea"/>
+          <a:cs typeface="+mn-cs"/>
+        </a:defRPr>
+      </a:lvl8pPr>
+      <a:lvl9pPr marL="3886200" indent="-228600" algn="l" defTabSz="914400" rtl="0" eaLnBrk="1" latinLnBrk="0" hangingPunct="1">
+        <a:lnSpc>
+          <a:spcPct val="90000"/>
+        </a:lnSpc>
+        <a:spcBef>
+          <a:spcPts val="500"/>
+        </a:spcBef>
+        <a:buFont typeface="Arial" panose="020B0604020202020204" pitchFamily="34" charset="0"/>
+        <a:buChar char="•"/>
+        <a:defRPr sz="1800" kern="1200">
+          <a:solidFill>
+            <a:schemeClr val="tx1"/>
+          </a:solidFill>
+          <a:latin typeface="+mn-lt"/>
+          <a:ea typeface="+mn-ea"/>
+          <a:cs typeface="+mn-cs"/>
+        </a:defRPr>
+      </a:lvl9pPr>
+    </p:bodyStyle>
+    <p:otherStyle>
+      <a:defPPr>
+        <a:defRPr lang="pt-BR"/>
+      </a:defPPr>
+      <a:lvl1pPr marL="0" algn="l" defTabSz="914400" rtl="0" eaLnBrk="1" latinLnBrk="0" hangingPunct="1">
+        <a:defRPr sz="1800" kern="1200">
+          <a:solidFill>
+            <a:schemeClr val="tx1"/>
+          </a:solidFill>
+          <a:latin typeface="+mn-lt"/>
+          <a:ea typeface="+mn-ea"/>
+          <a:cs typeface="+mn-cs"/>
+        </a:defRPr>
+      </a:lvl1pPr>
+      <a:lvl2pPr marL="457200" algn="l" defTabSz="914400" rtl="0" eaLnBrk="1" latinLnBrk="0" hangingPunct="1">
+        <a:defRPr sz="1800" kern="1200">
+          <a:solidFill>
+            <a:schemeClr val="tx1"/>
+          </a:solidFill>
+          <a:latin typeface="+mn-lt"/>
+          <a:ea typeface="+mn-ea"/>
+          <a:cs typeface="+mn-cs"/>
+        </a:defRPr>
+      </a:lvl2pPr>
+      <a:lvl3pPr marL="914400" algn="l" defTabSz="914400" rtl="0" eaLnBrk="1" latinLnBrk="0" hangingPunct="1">
+        <a:defRPr sz="1800" kern="1200">
+          <a:solidFill>
+            <a:schemeClr val="tx1"/>
+          </a:solidFill>
+          <a:latin typeface="+mn-lt"/>
+          <a:ea typeface="+mn-ea"/>
+          <a:cs typeface="+mn-cs"/>
+        </a:defRPr>
+      </a:lvl3pPr>
+      <a:lvl4pPr marL="1371600" algn="l" defTabSz="914400" rtl="0" eaLnBrk="1" latinLnBrk="0" hangingPunct="1">
+        <a:defRPr sz="1800" kern="1200">
+          <a:solidFill>
+            <a:schemeClr val="tx1"/>
+          </a:solidFill>
+          <a:latin typeface="+mn-lt"/>
+          <a:ea typeface="+mn-ea"/>
+          <a:cs typeface="+mn-cs"/>
+        </a:defRPr>
+      </a:lvl4pPr>
+      <a:lvl5pPr marL="1828800" algn="l" defTabSz="914400" rtl="0" eaLnBrk="1" latinLnBrk="0" hangingPunct="1">
+        <a:defRPr sz="1800" kern="1200">
+          <a:solidFill>
+            <a:schemeClr val="tx1"/>
+          </a:solidFill>
+          <a:latin typeface="+mn-lt"/>
+          <a:ea typeface="+mn-ea"/>
+          <a:cs typeface="+mn-cs"/>
+        </a:defRPr>
+      </a:lvl5pPr>
+      <a:lvl6pPr marL="2286000" algn="l" defTabSz="914400" rtl="0" eaLnBrk="1" latinLnBrk="0" hangingPunct="1">
+        <a:defRPr sz="1800" kern="1200">
+          <a:solidFill>
+            <a:schemeClr val="tx1"/>
+          </a:solidFill>
+          <a:latin typeface="+mn-lt"/>
+          <a:ea typeface="+mn-ea"/>
+          <a:cs typeface="+mn-cs"/>
+        </a:defRPr>
+      </a:lvl6pPr>
+      <a:lvl7pPr marL="2743200" algn="l" defTabSz="914400" rtl="0" eaLnBrk="1" latinLnBrk="0" hangingPunct="1">
+        <a:defRPr sz="1800" kern="1200">
+          <a:solidFill>
+            <a:schemeClr val="tx1"/>
+          </a:solidFill>
+          <a:latin typeface="+mn-lt"/>
+          <a:ea typeface="+mn-ea"/>
+          <a:cs typeface="+mn-cs"/>
+        </a:defRPr>
+      </a:lvl7pPr>
+      <a:lvl8pPr marL="3200400" algn="l" defTabSz="914400" rtl="0" eaLnBrk="1" latinLnBrk="0" hangingPunct="1">
+        <a:defRPr sz="1800" kern="1200">
+          <a:solidFill>
+            <a:schemeClr val="tx1"/>
+          </a:solidFill>
+          <a:latin typeface="+mn-lt"/>
+          <a:ea typeface="+mn-ea"/>
+          <a:cs typeface="+mn-cs"/>
+        </a:defRPr>
+      </a:lvl8pPr>
+      <a:lvl9pPr marL="3657600" algn="l" defTabSz="914400" rtl="0" eaLnBrk="1" latinLnBrk="0" hangingPunct="1">
+        <a:defRPr sz="1800" kern="1200">
+          <a:solidFill>
+            <a:schemeClr val="tx1"/>
+          </a:solidFill>
+          <a:latin typeface="+mn-lt"/>
+          <a:ea typeface="+mn-ea"/>
+          <a:cs typeface="+mn-cs"/>
+        </a:defRPr>
+      </a:lvl9pPr>
+    </p:otherStyle>
+  </p:txStyles>
 </p:sldMaster>
 </file>
 
 <file path=ppt/slideMasters/slideMaster7.xml><?xml version="1.0" encoding="utf-8"?>
-<p:sldMaster xmlns:a="http://schemas.openxmlformats.org/drawingml/2006/main" xmlns:p="http://schemas.openxmlformats.org/presentationml/2006/main" xmlns:r="http://schemas.openxmlformats.org/officeDocument/2006/relationships" xmlns:p14="http://schemas.microsoft.com/office/powerpoint/2010/main" xmlns:p15="http://schemas.microsoft.com/office/powerpoint/2012/main" xmlns:mc="http://schemas.openxmlformats.org/markup-compatibility/2006">
+<p:sldMaster xmlns:a="http://schemas.openxmlformats.org/drawingml/2006/main" xmlns:r="http://schemas.openxmlformats.org/officeDocument/2006/relationships" xmlns:p="http://schemas.openxmlformats.org/presentationml/2006/main">
   <p:cSld>
     <p:bg>
       <p:bgPr>
         <a:solidFill>
-          <a:srgbClr val="ffffff"/>
+          <a:srgbClr val="FFFFFF"/>
         </a:solidFill>
+        <a:effectLst/>
       </p:bgPr>
     </p:bg>
     <p:spTree>
@@ -5067,9 +7174,10 @@
           </a:ln>
         </p:spPr>
         <p:txBody>
-          <a:bodyPr lIns="91440" rIns="91440" tIns="45720" bIns="45720" anchor="ctr">
+          <a:bodyPr lIns="91440" tIns="45720" rIns="91440" bIns="45720" anchor="ctr">
             <a:noAutofit/>
           </a:bodyPr>
+          <a:lstStyle/>
           <a:p>
             <a:pPr indent="0" algn="ctr" defTabSz="914400">
               <a:lnSpc>
@@ -5078,7 +7186,7 @@
               <a:buNone/>
             </a:pPr>
             <a:r>
-              <a:rPr b="0" lang="en-US" sz="4400" spc="-1" strike="noStrike">
+              <a:rPr lang="en-US" sz="4400" b="0" strike="noStrike" spc="-1">
                 <a:solidFill>
                   <a:schemeClr val="dk1"/>
                 </a:solidFill>
@@ -5086,12 +7194,6 @@
               </a:rPr>
               <a:t>Click to edit Master title style</a:t>
             </a:r>
-            <a:endParaRPr b="0" lang="en-US" sz="4400" spc="-1" strike="noStrike">
-              <a:solidFill>
-                <a:schemeClr val="dk1"/>
-              </a:solidFill>
-              <a:latin typeface="Calibri"/>
-            </a:endParaRPr>
           </a:p>
         </p:txBody>
       </p:sp>
@@ -5119,9 +7221,10 @@
           </a:ln>
         </p:spPr>
         <p:txBody>
-          <a:bodyPr lIns="91440" rIns="91440" tIns="45720" bIns="45720" anchor="b">
+          <a:bodyPr lIns="91440" tIns="45720" rIns="91440" bIns="45720" anchor="b">
             <a:noAutofit/>
           </a:bodyPr>
+          <a:lstStyle/>
           <a:p>
             <a:pPr indent="0" defTabSz="914400">
               <a:lnSpc>
@@ -5132,11 +7235,11 @@
               </a:spcBef>
               <a:buNone/>
               <a:tabLst>
-                <a:tab algn="l" pos="0"/>
+                <a:tab pos="0" algn="l"/>
               </a:tabLst>
             </a:pPr>
             <a:r>
-              <a:rPr b="1" lang="en-US" sz="2400" spc="-1" strike="noStrike">
+              <a:rPr lang="en-US" sz="2400" b="1" strike="noStrike" spc="-1">
                 <a:solidFill>
                   <a:schemeClr val="dk1"/>
                 </a:solidFill>
@@ -5144,7 +7247,7 @@
               </a:rPr>
               <a:t>Click to edit Master text styles</a:t>
             </a:r>
-            <a:endParaRPr b="0" lang="en-US" sz="2400" spc="-1" strike="noStrike">
+            <a:endParaRPr lang="en-US" sz="2400" b="0" strike="noStrike" spc="-1">
               <a:solidFill>
                 <a:schemeClr val="dk1"/>
               </a:solidFill>
@@ -5177,9 +7280,10 @@
           </a:ln>
         </p:spPr>
         <p:txBody>
-          <a:bodyPr lIns="91440" rIns="91440" tIns="45720" bIns="45720" anchor="t">
+          <a:bodyPr lIns="91440" tIns="45720" rIns="91440" bIns="45720" anchor="t">
             <a:noAutofit/>
           </a:bodyPr>
+          <a:lstStyle/>
           <a:p>
             <a:pPr marL="343080" indent="-343080" defTabSz="914400">
               <a:lnSpc>
@@ -5195,7 +7299,7 @@
               <a:buChar char="•"/>
             </a:pPr>
             <a:r>
-              <a:rPr b="0" lang="en-US" sz="2400" spc="-1" strike="noStrike">
+              <a:rPr lang="en-US" sz="2400" b="0" strike="noStrike" spc="-1">
                 <a:solidFill>
                   <a:schemeClr val="dk1"/>
                 </a:solidFill>
@@ -5203,15 +7307,9 @@
               </a:rPr>
               <a:t>Click to edit Master text styles</a:t>
             </a:r>
-            <a:endParaRPr b="0" lang="en-US" sz="2400" spc="-1" strike="noStrike">
-              <a:solidFill>
-                <a:schemeClr val="dk1"/>
-              </a:solidFill>
-              <a:latin typeface="Calibri"/>
-            </a:endParaRPr>
-          </a:p>
-          <a:p>
-            <a:pPr lvl="1" marL="743040" indent="-285840" defTabSz="914400">
+          </a:p>
+          <a:p>
+            <a:pPr marL="743040" lvl="1" indent="-285840" defTabSz="914400">
               <a:lnSpc>
                 <a:spcPct val="100000"/>
               </a:lnSpc>
@@ -5225,7 +7323,7 @@
               <a:buChar char="–"/>
             </a:pPr>
             <a:r>
-              <a:rPr b="0" lang="en-US" sz="2000" spc="-1" strike="noStrike">
+              <a:rPr lang="en-US" sz="2000" b="0" strike="noStrike" spc="-1">
                 <a:solidFill>
                   <a:schemeClr val="dk1"/>
                 </a:solidFill>
@@ -5233,15 +7331,9 @@
               </a:rPr>
               <a:t>Second level</a:t>
             </a:r>
-            <a:endParaRPr b="0" lang="en-US" sz="2000" spc="-1" strike="noStrike">
-              <a:solidFill>
-                <a:schemeClr val="dk1"/>
-              </a:solidFill>
-              <a:latin typeface="Calibri"/>
-            </a:endParaRPr>
-          </a:p>
-          <a:p>
-            <a:pPr lvl="2" marL="1143000" indent="-228600" defTabSz="914400">
+          </a:p>
+          <a:p>
+            <a:pPr marL="1143000" lvl="2" indent="-228600" defTabSz="914400">
               <a:lnSpc>
                 <a:spcPct val="100000"/>
               </a:lnSpc>
@@ -5255,7 +7347,7 @@
               <a:buChar char="•"/>
             </a:pPr>
             <a:r>
-              <a:rPr b="0" lang="en-US" sz="1800" spc="-1" strike="noStrike">
+              <a:rPr lang="en-US" sz="1800" b="0" strike="noStrike" spc="-1">
                 <a:solidFill>
                   <a:schemeClr val="dk1"/>
                 </a:solidFill>
@@ -5263,15 +7355,9 @@
               </a:rPr>
               <a:t>Third level</a:t>
             </a:r>
-            <a:endParaRPr b="0" lang="en-US" sz="1800" spc="-1" strike="noStrike">
-              <a:solidFill>
-                <a:schemeClr val="dk1"/>
-              </a:solidFill>
-              <a:latin typeface="Calibri"/>
-            </a:endParaRPr>
-          </a:p>
-          <a:p>
-            <a:pPr lvl="3" marL="1600200" indent="-228600" defTabSz="914400">
+          </a:p>
+          <a:p>
+            <a:pPr marL="1600200" lvl="3" indent="-228600" defTabSz="914400">
               <a:lnSpc>
                 <a:spcPct val="100000"/>
               </a:lnSpc>
@@ -5285,7 +7371,7 @@
               <a:buChar char="–"/>
             </a:pPr>
             <a:r>
-              <a:rPr b="0" lang="en-US" sz="1600" spc="-1" strike="noStrike">
+              <a:rPr lang="en-US" sz="1600" b="0" strike="noStrike" spc="-1">
                 <a:solidFill>
                   <a:schemeClr val="dk1"/>
                 </a:solidFill>
@@ -5293,15 +7379,9 @@
               </a:rPr>
               <a:t>Fourth level</a:t>
             </a:r>
-            <a:endParaRPr b="0" lang="en-US" sz="1600" spc="-1" strike="noStrike">
-              <a:solidFill>
-                <a:schemeClr val="dk1"/>
-              </a:solidFill>
-              <a:latin typeface="Calibri"/>
-            </a:endParaRPr>
-          </a:p>
-          <a:p>
-            <a:pPr lvl="4" marL="2057400" indent="-228600" defTabSz="914400">
+          </a:p>
+          <a:p>
+            <a:pPr marL="2057400" lvl="4" indent="-228600" defTabSz="914400">
               <a:lnSpc>
                 <a:spcPct val="100000"/>
               </a:lnSpc>
@@ -5315,7 +7395,7 @@
               <a:buChar char="»"/>
             </a:pPr>
             <a:r>
-              <a:rPr b="0" lang="en-US" sz="1600" spc="-1" strike="noStrike">
+              <a:rPr lang="en-US" sz="1600" b="0" strike="noStrike" spc="-1">
                 <a:solidFill>
                   <a:schemeClr val="dk1"/>
                 </a:solidFill>
@@ -5323,12 +7403,6 @@
               </a:rPr>
               <a:t>Fifth level</a:t>
             </a:r>
-            <a:endParaRPr b="0" lang="en-US" sz="1600" spc="-1" strike="noStrike">
-              <a:solidFill>
-                <a:schemeClr val="dk1"/>
-              </a:solidFill>
-              <a:latin typeface="Calibri"/>
-            </a:endParaRPr>
           </a:p>
         </p:txBody>
       </p:sp>
@@ -5356,9 +7430,10 @@
           </a:ln>
         </p:spPr>
         <p:txBody>
-          <a:bodyPr lIns="91440" rIns="91440" tIns="45720" bIns="45720" anchor="b">
+          <a:bodyPr lIns="91440" tIns="45720" rIns="91440" bIns="45720" anchor="b">
             <a:noAutofit/>
           </a:bodyPr>
+          <a:lstStyle/>
           <a:p>
             <a:pPr indent="0" defTabSz="914400">
               <a:lnSpc>
@@ -5369,11 +7444,11 @@
               </a:spcBef>
               <a:buNone/>
               <a:tabLst>
-                <a:tab algn="l" pos="0"/>
+                <a:tab pos="0" algn="l"/>
               </a:tabLst>
             </a:pPr>
             <a:r>
-              <a:rPr b="1" lang="en-US" sz="2400" spc="-1" strike="noStrike">
+              <a:rPr lang="en-US" sz="2400" b="1" strike="noStrike" spc="-1">
                 <a:solidFill>
                   <a:schemeClr val="dk1"/>
                 </a:solidFill>
@@ -5381,7 +7456,7 @@
               </a:rPr>
               <a:t>Click to edit Master text styles</a:t>
             </a:r>
-            <a:endParaRPr b="0" lang="en-US" sz="2400" spc="-1" strike="noStrike">
+            <a:endParaRPr lang="en-US" sz="2400" b="0" strike="noStrike" spc="-1">
               <a:solidFill>
                 <a:schemeClr val="dk1"/>
               </a:solidFill>
@@ -5414,9 +7489,10 @@
           </a:ln>
         </p:spPr>
         <p:txBody>
-          <a:bodyPr lIns="91440" rIns="91440" tIns="45720" bIns="45720" anchor="t">
+          <a:bodyPr lIns="91440" tIns="45720" rIns="91440" bIns="45720" anchor="t">
             <a:noAutofit/>
           </a:bodyPr>
+          <a:lstStyle/>
           <a:p>
             <a:pPr marL="343080" indent="-343080" defTabSz="914400">
               <a:lnSpc>
@@ -5432,7 +7508,7 @@
               <a:buChar char="•"/>
             </a:pPr>
             <a:r>
-              <a:rPr b="0" lang="en-US" sz="2400" spc="-1" strike="noStrike">
+              <a:rPr lang="en-US" sz="2400" b="0" strike="noStrike" spc="-1">
                 <a:solidFill>
                   <a:schemeClr val="dk1"/>
                 </a:solidFill>
@@ -5440,15 +7516,9 @@
               </a:rPr>
               <a:t>Click to edit Master text styles</a:t>
             </a:r>
-            <a:endParaRPr b="0" lang="en-US" sz="2400" spc="-1" strike="noStrike">
-              <a:solidFill>
-                <a:schemeClr val="dk1"/>
-              </a:solidFill>
-              <a:latin typeface="Calibri"/>
-            </a:endParaRPr>
-          </a:p>
-          <a:p>
-            <a:pPr lvl="1" marL="743040" indent="-285840" defTabSz="914400">
+          </a:p>
+          <a:p>
+            <a:pPr marL="743040" lvl="1" indent="-285840" defTabSz="914400">
               <a:lnSpc>
                 <a:spcPct val="100000"/>
               </a:lnSpc>
@@ -5462,7 +7532,7 @@
               <a:buChar char="–"/>
             </a:pPr>
             <a:r>
-              <a:rPr b="0" lang="en-US" sz="2000" spc="-1" strike="noStrike">
+              <a:rPr lang="en-US" sz="2000" b="0" strike="noStrike" spc="-1">
                 <a:solidFill>
                   <a:schemeClr val="dk1"/>
                 </a:solidFill>
@@ -5470,15 +7540,9 @@
               </a:rPr>
               <a:t>Second level</a:t>
             </a:r>
-            <a:endParaRPr b="0" lang="en-US" sz="2000" spc="-1" strike="noStrike">
-              <a:solidFill>
-                <a:schemeClr val="dk1"/>
-              </a:solidFill>
-              <a:latin typeface="Calibri"/>
-            </a:endParaRPr>
-          </a:p>
-          <a:p>
-            <a:pPr lvl="2" marL="1143000" indent="-228600" defTabSz="914400">
+          </a:p>
+          <a:p>
+            <a:pPr marL="1143000" lvl="2" indent="-228600" defTabSz="914400">
               <a:lnSpc>
                 <a:spcPct val="100000"/>
               </a:lnSpc>
@@ -5492,7 +7556,7 @@
               <a:buChar char="•"/>
             </a:pPr>
             <a:r>
-              <a:rPr b="0" lang="en-US" sz="1800" spc="-1" strike="noStrike">
+              <a:rPr lang="en-US" sz="1800" b="0" strike="noStrike" spc="-1">
                 <a:solidFill>
                   <a:schemeClr val="dk1"/>
                 </a:solidFill>
@@ -5500,15 +7564,9 @@
               </a:rPr>
               <a:t>Third level</a:t>
             </a:r>
-            <a:endParaRPr b="0" lang="en-US" sz="1800" spc="-1" strike="noStrike">
-              <a:solidFill>
-                <a:schemeClr val="dk1"/>
-              </a:solidFill>
-              <a:latin typeface="Calibri"/>
-            </a:endParaRPr>
-          </a:p>
-          <a:p>
-            <a:pPr lvl="3" marL="1600200" indent="-228600" defTabSz="914400">
+          </a:p>
+          <a:p>
+            <a:pPr marL="1600200" lvl="3" indent="-228600" defTabSz="914400">
               <a:lnSpc>
                 <a:spcPct val="100000"/>
               </a:lnSpc>
@@ -5522,7 +7580,7 @@
               <a:buChar char="–"/>
             </a:pPr>
             <a:r>
-              <a:rPr b="0" lang="en-US" sz="1600" spc="-1" strike="noStrike">
+              <a:rPr lang="en-US" sz="1600" b="0" strike="noStrike" spc="-1">
                 <a:solidFill>
                   <a:schemeClr val="dk1"/>
                 </a:solidFill>
@@ -5530,15 +7588,9 @@
               </a:rPr>
               <a:t>Fourth level</a:t>
             </a:r>
-            <a:endParaRPr b="0" lang="en-US" sz="1600" spc="-1" strike="noStrike">
-              <a:solidFill>
-                <a:schemeClr val="dk1"/>
-              </a:solidFill>
-              <a:latin typeface="Calibri"/>
-            </a:endParaRPr>
-          </a:p>
-          <a:p>
-            <a:pPr lvl="4" marL="2057400" indent="-228600" defTabSz="914400">
+          </a:p>
+          <a:p>
+            <a:pPr marL="2057400" lvl="4" indent="-228600" defTabSz="914400">
               <a:lnSpc>
                 <a:spcPct val="100000"/>
               </a:lnSpc>
@@ -5552,7 +7604,7 @@
               <a:buChar char="»"/>
             </a:pPr>
             <a:r>
-              <a:rPr b="0" lang="en-US" sz="1600" spc="-1" strike="noStrike">
+              <a:rPr lang="en-US" sz="1600" b="0" strike="noStrike" spc="-1">
                 <a:solidFill>
                   <a:schemeClr val="dk1"/>
                 </a:solidFill>
@@ -5560,12 +7612,6 @@
               </a:rPr>
               <a:t>Fifth level</a:t>
             </a:r>
-            <a:endParaRPr b="0" lang="en-US" sz="1600" spc="-1" strike="noStrike">
-              <a:solidFill>
-                <a:schemeClr val="dk1"/>
-              </a:solidFill>
-              <a:latin typeface="Calibri"/>
-            </a:endParaRPr>
           </a:p>
         </p:txBody>
       </p:sp>
@@ -5593,7 +7639,7 @@
           </a:ln>
         </p:spPr>
         <p:txBody>
-          <a:bodyPr lIns="91440" rIns="91440" tIns="45720" bIns="45720" anchor="ctr">
+          <a:bodyPr lIns="91440" tIns="45720" rIns="91440" bIns="45720" anchor="ctr">
             <a:noAutofit/>
           </a:bodyPr>
           <a:lstStyle>
@@ -5602,7 +7648,7 @@
                 <a:spcPct val="100000"/>
               </a:lnSpc>
               <a:buNone/>
-              <a:defRPr b="0" lang="en-US" sz="1200" spc="-1" strike="noStrike">
+              <a:defRPr lang="en-US" sz="1200" b="0" strike="noStrike" spc="-1">
                 <a:solidFill>
                   <a:schemeClr val="dk1">
                     <a:tint val="75000"/>
@@ -5620,7 +7666,7 @@
               <a:buNone/>
             </a:pPr>
             <a:r>
-              <a:rPr b="0" lang="en-US" sz="1200" spc="-1" strike="noStrike">
+              <a:rPr lang="en-US" sz="1200" b="0" strike="noStrike" spc="-1">
                 <a:solidFill>
                   <a:schemeClr val="dk1">
                     <a:tint val="75000"/>
@@ -5630,7 +7676,7 @@
               </a:rPr>
               <a:t>&lt;data/hora&gt;</a:t>
             </a:r>
-            <a:endParaRPr b="0" lang="pt-BR" sz="1200" spc="-1" strike="noStrike">
+            <a:endParaRPr lang="pt-BR" sz="1200" b="0" strike="noStrike" spc="-1">
               <a:solidFill>
                 <a:srgbClr val="000000"/>
               </a:solidFill>
@@ -5663,13 +7709,13 @@
           </a:ln>
         </p:spPr>
         <p:txBody>
-          <a:bodyPr lIns="91440" rIns="91440" tIns="45720" bIns="45720" anchor="ctr">
+          <a:bodyPr lIns="91440" tIns="45720" rIns="91440" bIns="45720" anchor="ctr">
             <a:noAutofit/>
           </a:bodyPr>
           <a:lstStyle>
             <a:lvl1pPr indent="0" algn="ctr">
               <a:buNone/>
-              <a:defRPr b="0" lang="pt-BR" sz="1400" spc="-1" strike="noStrike">
+              <a:defRPr lang="pt-BR" sz="1400" b="0" strike="noStrike" spc="-1">
                 <a:solidFill>
                   <a:srgbClr val="000000"/>
                 </a:solidFill>
@@ -5682,7 +7728,7 @@
               <a:buNone/>
             </a:pPr>
             <a:r>
-              <a:rPr b="0" lang="pt-BR" sz="1400" spc="-1" strike="noStrike">
+              <a:rPr lang="pt-BR" sz="1400" b="0" strike="noStrike" spc="-1">
                 <a:solidFill>
                   <a:srgbClr val="000000"/>
                 </a:solidFill>
@@ -5690,12 +7736,6 @@
               </a:rPr>
               <a:t>&lt;rodapé&gt;</a:t>
             </a:r>
-            <a:endParaRPr b="0" lang="pt-BR" sz="1400" spc="-1" strike="noStrike">
-              <a:solidFill>
-                <a:srgbClr val="000000"/>
-              </a:solidFill>
-              <a:latin typeface="Times New Roman"/>
-            </a:endParaRPr>
           </a:p>
         </p:txBody>
       </p:sp>
@@ -5723,7 +7763,7 @@
           </a:ln>
         </p:spPr>
         <p:txBody>
-          <a:bodyPr lIns="91440" rIns="91440" tIns="45720" bIns="45720" anchor="ctr">
+          <a:bodyPr lIns="91440" tIns="45720" rIns="91440" bIns="45720" anchor="ctr">
             <a:noAutofit/>
           </a:bodyPr>
           <a:lstStyle>
@@ -5732,7 +7772,7 @@
                 <a:spcPct val="100000"/>
               </a:lnSpc>
               <a:buNone/>
-              <a:defRPr b="0" lang="en-US" sz="1200" spc="-1" strike="noStrike">
+              <a:defRPr lang="en-US" sz="1200" b="0" strike="noStrike" spc="-1">
                 <a:solidFill>
                   <a:schemeClr val="dk1">
                     <a:tint val="75000"/>
@@ -5750,7 +7790,7 @@
               <a:buNone/>
             </a:pPr>
             <a:fld id="{0DD6CF0E-D278-4294-8E7E-38FA6DB03F8E}" type="slidenum">
-              <a:rPr b="0" lang="en-US" sz="1200" spc="-1" strike="noStrike">
+              <a:rPr lang="en-US" sz="1200" b="0" strike="noStrike" spc="-1">
                 <a:solidFill>
                   <a:schemeClr val="dk1">
                     <a:tint val="75000"/>
@@ -5758,9 +7798,9 @@
                 </a:solidFill>
                 <a:latin typeface="Calibri"/>
               </a:rPr>
-              <a:t>&lt;número&gt;</a:t>
+              <a:t>‹nº›</a:t>
             </a:fld>
-            <a:endParaRPr b="0" lang="pt-BR" sz="1200" spc="-1" strike="noStrike">
+            <a:endParaRPr lang="pt-BR" sz="1200" b="0" strike="noStrike" spc="-1">
               <a:solidFill>
                 <a:srgbClr val="000000"/>
               </a:solidFill>
@@ -5771,21 +7811,302 @@
       </p:sp>
     </p:spTree>
   </p:cSld>
-  <p:clrMap bg1="lt1" bg2="lt2" tx1="dk1" tx2="dk2" accent1="accent1" accent2="accent2" accent3="accent3" accent4="accent4" accent5="accent5" accent6="accent6" hlink="hlink" folHlink="folHlink"/>
+  <p:clrMap bg1="lt1" tx1="dk1" bg2="lt2" tx2="dk2" accent1="accent1" accent2="accent2" accent3="accent3" accent4="accent4" accent5="accent5" accent6="accent6" hlink="hlink" folHlink="folHlink"/>
   <p:sldLayoutIdLst>
-    <p:sldLayoutId id="2147483661" r:id="rId2"/>
+    <p:sldLayoutId id="2147483661" r:id="rId1"/>
   </p:sldLayoutIdLst>
+  <p:txStyles>
+    <p:titleStyle>
+      <a:lvl1pPr algn="l" defTabSz="914400" rtl="0" eaLnBrk="1" latinLnBrk="0" hangingPunct="1">
+        <a:lnSpc>
+          <a:spcPct val="90000"/>
+        </a:lnSpc>
+        <a:spcBef>
+          <a:spcPct val="0"/>
+        </a:spcBef>
+        <a:buNone/>
+        <a:defRPr sz="4400" kern="1200">
+          <a:solidFill>
+            <a:schemeClr val="tx1"/>
+          </a:solidFill>
+          <a:latin typeface="+mj-lt"/>
+          <a:ea typeface="+mj-ea"/>
+          <a:cs typeface="+mj-cs"/>
+        </a:defRPr>
+      </a:lvl1pPr>
+    </p:titleStyle>
+    <p:bodyStyle>
+      <a:lvl1pPr marL="228600" indent="-228600" algn="l" defTabSz="914400" rtl="0" eaLnBrk="1" latinLnBrk="0" hangingPunct="1">
+        <a:lnSpc>
+          <a:spcPct val="90000"/>
+        </a:lnSpc>
+        <a:spcBef>
+          <a:spcPts val="1000"/>
+        </a:spcBef>
+        <a:buFont typeface="Arial" panose="020B0604020202020204" pitchFamily="34" charset="0"/>
+        <a:buChar char="•"/>
+        <a:defRPr sz="2800" kern="1200">
+          <a:solidFill>
+            <a:schemeClr val="tx1"/>
+          </a:solidFill>
+          <a:latin typeface="+mn-lt"/>
+          <a:ea typeface="+mn-ea"/>
+          <a:cs typeface="+mn-cs"/>
+        </a:defRPr>
+      </a:lvl1pPr>
+      <a:lvl2pPr marL="685800" indent="-228600" algn="l" defTabSz="914400" rtl="0" eaLnBrk="1" latinLnBrk="0" hangingPunct="1">
+        <a:lnSpc>
+          <a:spcPct val="90000"/>
+        </a:lnSpc>
+        <a:spcBef>
+          <a:spcPts val="500"/>
+        </a:spcBef>
+        <a:buFont typeface="Arial" panose="020B0604020202020204" pitchFamily="34" charset="0"/>
+        <a:buChar char="•"/>
+        <a:defRPr sz="2400" kern="1200">
+          <a:solidFill>
+            <a:schemeClr val="tx1"/>
+          </a:solidFill>
+          <a:latin typeface="+mn-lt"/>
+          <a:ea typeface="+mn-ea"/>
+          <a:cs typeface="+mn-cs"/>
+        </a:defRPr>
+      </a:lvl2pPr>
+      <a:lvl3pPr marL="1143000" indent="-228600" algn="l" defTabSz="914400" rtl="0" eaLnBrk="1" latinLnBrk="0" hangingPunct="1">
+        <a:lnSpc>
+          <a:spcPct val="90000"/>
+        </a:lnSpc>
+        <a:spcBef>
+          <a:spcPts val="500"/>
+        </a:spcBef>
+        <a:buFont typeface="Arial" panose="020B0604020202020204" pitchFamily="34" charset="0"/>
+        <a:buChar char="•"/>
+        <a:defRPr sz="2000" kern="1200">
+          <a:solidFill>
+            <a:schemeClr val="tx1"/>
+          </a:solidFill>
+          <a:latin typeface="+mn-lt"/>
+          <a:ea typeface="+mn-ea"/>
+          <a:cs typeface="+mn-cs"/>
+        </a:defRPr>
+      </a:lvl3pPr>
+      <a:lvl4pPr marL="1600200" indent="-228600" algn="l" defTabSz="914400" rtl="0" eaLnBrk="1" latinLnBrk="0" hangingPunct="1">
+        <a:lnSpc>
+          <a:spcPct val="90000"/>
+        </a:lnSpc>
+        <a:spcBef>
+          <a:spcPts val="500"/>
+        </a:spcBef>
+        <a:buFont typeface="Arial" panose="020B0604020202020204" pitchFamily="34" charset="0"/>
+        <a:buChar char="•"/>
+        <a:defRPr sz="1800" kern="1200">
+          <a:solidFill>
+            <a:schemeClr val="tx1"/>
+          </a:solidFill>
+          <a:latin typeface="+mn-lt"/>
+          <a:ea typeface="+mn-ea"/>
+          <a:cs typeface="+mn-cs"/>
+        </a:defRPr>
+      </a:lvl4pPr>
+      <a:lvl5pPr marL="2057400" indent="-228600" algn="l" defTabSz="914400" rtl="0" eaLnBrk="1" latinLnBrk="0" hangingPunct="1">
+        <a:lnSpc>
+          <a:spcPct val="90000"/>
+        </a:lnSpc>
+        <a:spcBef>
+          <a:spcPts val="500"/>
+        </a:spcBef>
+        <a:buFont typeface="Arial" panose="020B0604020202020204" pitchFamily="34" charset="0"/>
+        <a:buChar char="•"/>
+        <a:defRPr sz="1800" kern="1200">
+          <a:solidFill>
+            <a:schemeClr val="tx1"/>
+          </a:solidFill>
+          <a:latin typeface="+mn-lt"/>
+          <a:ea typeface="+mn-ea"/>
+          <a:cs typeface="+mn-cs"/>
+        </a:defRPr>
+      </a:lvl5pPr>
+      <a:lvl6pPr marL="2514600" indent="-228600" algn="l" defTabSz="914400" rtl="0" eaLnBrk="1" latinLnBrk="0" hangingPunct="1">
+        <a:lnSpc>
+          <a:spcPct val="90000"/>
+        </a:lnSpc>
+        <a:spcBef>
+          <a:spcPts val="500"/>
+        </a:spcBef>
+        <a:buFont typeface="Arial" panose="020B0604020202020204" pitchFamily="34" charset="0"/>
+        <a:buChar char="•"/>
+        <a:defRPr sz="1800" kern="1200">
+          <a:solidFill>
+            <a:schemeClr val="tx1"/>
+          </a:solidFill>
+          <a:latin typeface="+mn-lt"/>
+          <a:ea typeface="+mn-ea"/>
+          <a:cs typeface="+mn-cs"/>
+        </a:defRPr>
+      </a:lvl6pPr>
+      <a:lvl7pPr marL="2971800" indent="-228600" algn="l" defTabSz="914400" rtl="0" eaLnBrk="1" latinLnBrk="0" hangingPunct="1">
+        <a:lnSpc>
+          <a:spcPct val="90000"/>
+        </a:lnSpc>
+        <a:spcBef>
+          <a:spcPts val="500"/>
+        </a:spcBef>
+        <a:buFont typeface="Arial" panose="020B0604020202020204" pitchFamily="34" charset="0"/>
+        <a:buChar char="•"/>
+        <a:defRPr sz="1800" kern="1200">
+          <a:solidFill>
+            <a:schemeClr val="tx1"/>
+          </a:solidFill>
+          <a:latin typeface="+mn-lt"/>
+          <a:ea typeface="+mn-ea"/>
+          <a:cs typeface="+mn-cs"/>
+        </a:defRPr>
+      </a:lvl7pPr>
+      <a:lvl8pPr marL="3429000" indent="-228600" algn="l" defTabSz="914400" rtl="0" eaLnBrk="1" latinLnBrk="0" hangingPunct="1">
+        <a:lnSpc>
+          <a:spcPct val="90000"/>
+        </a:lnSpc>
+        <a:spcBef>
+          <a:spcPts val="500"/>
+        </a:spcBef>
+        <a:buFont typeface="Arial" panose="020B0604020202020204" pitchFamily="34" charset="0"/>
+        <a:buChar char="•"/>
+        <a:defRPr sz="1800" kern="1200">
+          <a:solidFill>
+            <a:schemeClr val="tx1"/>
+          </a:solidFill>
+          <a:latin typeface="+mn-lt"/>
+          <a:ea typeface="+mn-ea"/>
+          <a:cs typeface="+mn-cs"/>
+        </a:defRPr>
+      </a:lvl8pPr>
+      <a:lvl9pPr marL="3886200" indent="-228600" algn="l" defTabSz="914400" rtl="0" eaLnBrk="1" latinLnBrk="0" hangingPunct="1">
+        <a:lnSpc>
+          <a:spcPct val="90000"/>
+        </a:lnSpc>
+        <a:spcBef>
+          <a:spcPts val="500"/>
+        </a:spcBef>
+        <a:buFont typeface="Arial" panose="020B0604020202020204" pitchFamily="34" charset="0"/>
+        <a:buChar char="•"/>
+        <a:defRPr sz="1800" kern="1200">
+          <a:solidFill>
+            <a:schemeClr val="tx1"/>
+          </a:solidFill>
+          <a:latin typeface="+mn-lt"/>
+          <a:ea typeface="+mn-ea"/>
+          <a:cs typeface="+mn-cs"/>
+        </a:defRPr>
+      </a:lvl9pPr>
+    </p:bodyStyle>
+    <p:otherStyle>
+      <a:defPPr>
+        <a:defRPr lang="pt-BR"/>
+      </a:defPPr>
+      <a:lvl1pPr marL="0" algn="l" defTabSz="914400" rtl="0" eaLnBrk="1" latinLnBrk="0" hangingPunct="1">
+        <a:defRPr sz="1800" kern="1200">
+          <a:solidFill>
+            <a:schemeClr val="tx1"/>
+          </a:solidFill>
+          <a:latin typeface="+mn-lt"/>
+          <a:ea typeface="+mn-ea"/>
+          <a:cs typeface="+mn-cs"/>
+        </a:defRPr>
+      </a:lvl1pPr>
+      <a:lvl2pPr marL="457200" algn="l" defTabSz="914400" rtl="0" eaLnBrk="1" latinLnBrk="0" hangingPunct="1">
+        <a:defRPr sz="1800" kern="1200">
+          <a:solidFill>
+            <a:schemeClr val="tx1"/>
+          </a:solidFill>
+          <a:latin typeface="+mn-lt"/>
+          <a:ea typeface="+mn-ea"/>
+          <a:cs typeface="+mn-cs"/>
+        </a:defRPr>
+      </a:lvl2pPr>
+      <a:lvl3pPr marL="914400" algn="l" defTabSz="914400" rtl="0" eaLnBrk="1" latinLnBrk="0" hangingPunct="1">
+        <a:defRPr sz="1800" kern="1200">
+          <a:solidFill>
+            <a:schemeClr val="tx1"/>
+          </a:solidFill>
+          <a:latin typeface="+mn-lt"/>
+          <a:ea typeface="+mn-ea"/>
+          <a:cs typeface="+mn-cs"/>
+        </a:defRPr>
+      </a:lvl3pPr>
+      <a:lvl4pPr marL="1371600" algn="l" defTabSz="914400" rtl="0" eaLnBrk="1" latinLnBrk="0" hangingPunct="1">
+        <a:defRPr sz="1800" kern="1200">
+          <a:solidFill>
+            <a:schemeClr val="tx1"/>
+          </a:solidFill>
+          <a:latin typeface="+mn-lt"/>
+          <a:ea typeface="+mn-ea"/>
+          <a:cs typeface="+mn-cs"/>
+        </a:defRPr>
+      </a:lvl4pPr>
+      <a:lvl5pPr marL="1828800" algn="l" defTabSz="914400" rtl="0" eaLnBrk="1" latinLnBrk="0" hangingPunct="1">
+        <a:defRPr sz="1800" kern="1200">
+          <a:solidFill>
+            <a:schemeClr val="tx1"/>
+          </a:solidFill>
+          <a:latin typeface="+mn-lt"/>
+          <a:ea typeface="+mn-ea"/>
+          <a:cs typeface="+mn-cs"/>
+        </a:defRPr>
+      </a:lvl5pPr>
+      <a:lvl6pPr marL="2286000" algn="l" defTabSz="914400" rtl="0" eaLnBrk="1" latinLnBrk="0" hangingPunct="1">
+        <a:defRPr sz="1800" kern="1200">
+          <a:solidFill>
+            <a:schemeClr val="tx1"/>
+          </a:solidFill>
+          <a:latin typeface="+mn-lt"/>
+          <a:ea typeface="+mn-ea"/>
+          <a:cs typeface="+mn-cs"/>
+        </a:defRPr>
+      </a:lvl6pPr>
+      <a:lvl7pPr marL="2743200" algn="l" defTabSz="914400" rtl="0" eaLnBrk="1" latinLnBrk="0" hangingPunct="1">
+        <a:defRPr sz="1800" kern="1200">
+          <a:solidFill>
+            <a:schemeClr val="tx1"/>
+          </a:solidFill>
+          <a:latin typeface="+mn-lt"/>
+          <a:ea typeface="+mn-ea"/>
+          <a:cs typeface="+mn-cs"/>
+        </a:defRPr>
+      </a:lvl7pPr>
+      <a:lvl8pPr marL="3200400" algn="l" defTabSz="914400" rtl="0" eaLnBrk="1" latinLnBrk="0" hangingPunct="1">
+        <a:defRPr sz="1800" kern="1200">
+          <a:solidFill>
+            <a:schemeClr val="tx1"/>
+          </a:solidFill>
+          <a:latin typeface="+mn-lt"/>
+          <a:ea typeface="+mn-ea"/>
+          <a:cs typeface="+mn-cs"/>
+        </a:defRPr>
+      </a:lvl8pPr>
+      <a:lvl9pPr marL="3657600" algn="l" defTabSz="914400" rtl="0" eaLnBrk="1" latinLnBrk="0" hangingPunct="1">
+        <a:defRPr sz="1800" kern="1200">
+          <a:solidFill>
+            <a:schemeClr val="tx1"/>
+          </a:solidFill>
+          <a:latin typeface="+mn-lt"/>
+          <a:ea typeface="+mn-ea"/>
+          <a:cs typeface="+mn-cs"/>
+        </a:defRPr>
+      </a:lvl9pPr>
+    </p:otherStyle>
+  </p:txStyles>
 </p:sldMaster>
 </file>
 
 <file path=ppt/slideMasters/slideMaster8.xml><?xml version="1.0" encoding="utf-8"?>
-<p:sldMaster xmlns:a="http://schemas.openxmlformats.org/drawingml/2006/main" xmlns:p="http://schemas.openxmlformats.org/presentationml/2006/main" xmlns:r="http://schemas.openxmlformats.org/officeDocument/2006/relationships" xmlns:p14="http://schemas.microsoft.com/office/powerpoint/2010/main" xmlns:p15="http://schemas.microsoft.com/office/powerpoint/2012/main" xmlns:mc="http://schemas.openxmlformats.org/markup-compatibility/2006">
+<p:sldMaster xmlns:a="http://schemas.openxmlformats.org/drawingml/2006/main" xmlns:r="http://schemas.openxmlformats.org/officeDocument/2006/relationships" xmlns:p="http://schemas.openxmlformats.org/presentationml/2006/main">
   <p:cSld>
     <p:bg>
       <p:bgPr>
         <a:solidFill>
-          <a:srgbClr val="ffffff"/>
+          <a:srgbClr val="FFFFFF"/>
         </a:solidFill>
+        <a:effectLst/>
       </p:bgPr>
     </p:bg>
     <p:spTree>
@@ -5826,9 +8147,10 @@
           </a:ln>
         </p:spPr>
         <p:txBody>
-          <a:bodyPr lIns="91440" rIns="91440" tIns="45720" bIns="45720" anchor="ctr">
+          <a:bodyPr lIns="91440" tIns="45720" rIns="91440" bIns="45720" anchor="ctr">
             <a:noAutofit/>
           </a:bodyPr>
+          <a:lstStyle/>
           <a:p>
             <a:pPr indent="0" algn="ctr" defTabSz="914400">
               <a:lnSpc>
@@ -5837,7 +8159,7 @@
               <a:buNone/>
             </a:pPr>
             <a:r>
-              <a:rPr b="0" lang="en-US" sz="4400" spc="-1" strike="noStrike">
+              <a:rPr lang="en-US" sz="4400" b="0" strike="noStrike" spc="-1">
                 <a:solidFill>
                   <a:schemeClr val="dk1"/>
                 </a:solidFill>
@@ -5845,12 +8167,6 @@
               </a:rPr>
               <a:t>Click to edit Master title style</a:t>
             </a:r>
-            <a:endParaRPr b="0" lang="en-US" sz="4400" spc="-1" strike="noStrike">
-              <a:solidFill>
-                <a:schemeClr val="dk1"/>
-              </a:solidFill>
-              <a:latin typeface="Calibri"/>
-            </a:endParaRPr>
           </a:p>
         </p:txBody>
       </p:sp>
@@ -5878,7 +8194,7 @@
           </a:ln>
         </p:spPr>
         <p:txBody>
-          <a:bodyPr lIns="91440" rIns="91440" tIns="45720" bIns="45720" anchor="ctr">
+          <a:bodyPr lIns="91440" tIns="45720" rIns="91440" bIns="45720" anchor="ctr">
             <a:noAutofit/>
           </a:bodyPr>
           <a:lstStyle>
@@ -5887,7 +8203,7 @@
                 <a:spcPct val="100000"/>
               </a:lnSpc>
               <a:buNone/>
-              <a:defRPr b="0" lang="en-US" sz="1200" spc="-1" strike="noStrike">
+              <a:defRPr lang="en-US" sz="1200" b="0" strike="noStrike" spc="-1">
                 <a:solidFill>
                   <a:schemeClr val="dk1">
                     <a:tint val="75000"/>
@@ -5905,7 +8221,7 @@
               <a:buNone/>
             </a:pPr>
             <a:r>
-              <a:rPr b="0" lang="en-US" sz="1200" spc="-1" strike="noStrike">
+              <a:rPr lang="en-US" sz="1200" b="0" strike="noStrike" spc="-1">
                 <a:solidFill>
                   <a:schemeClr val="dk1">
                     <a:tint val="75000"/>
@@ -5915,7 +8231,7 @@
               </a:rPr>
               <a:t>&lt;data/hora&gt;</a:t>
             </a:r>
-            <a:endParaRPr b="0" lang="pt-BR" sz="1200" spc="-1" strike="noStrike">
+            <a:endParaRPr lang="pt-BR" sz="1200" b="0" strike="noStrike" spc="-1">
               <a:solidFill>
                 <a:srgbClr val="000000"/>
               </a:solidFill>
@@ -5948,13 +8264,13 @@
           </a:ln>
         </p:spPr>
         <p:txBody>
-          <a:bodyPr lIns="91440" rIns="91440" tIns="45720" bIns="45720" anchor="ctr">
+          <a:bodyPr lIns="91440" tIns="45720" rIns="91440" bIns="45720" anchor="ctr">
             <a:noAutofit/>
           </a:bodyPr>
           <a:lstStyle>
             <a:lvl1pPr indent="0" algn="ctr">
               <a:buNone/>
-              <a:defRPr b="0" lang="pt-BR" sz="1400" spc="-1" strike="noStrike">
+              <a:defRPr lang="pt-BR" sz="1400" b="0" strike="noStrike" spc="-1">
                 <a:solidFill>
                   <a:srgbClr val="000000"/>
                 </a:solidFill>
@@ -5967,7 +8283,7 @@
               <a:buNone/>
             </a:pPr>
             <a:r>
-              <a:rPr b="0" lang="pt-BR" sz="1400" spc="-1" strike="noStrike">
+              <a:rPr lang="pt-BR" sz="1400" b="0" strike="noStrike" spc="-1">
                 <a:solidFill>
                   <a:srgbClr val="000000"/>
                 </a:solidFill>
@@ -5975,12 +8291,6 @@
               </a:rPr>
               <a:t>&lt;rodapé&gt;</a:t>
             </a:r>
-            <a:endParaRPr b="0" lang="pt-BR" sz="1400" spc="-1" strike="noStrike">
-              <a:solidFill>
-                <a:srgbClr val="000000"/>
-              </a:solidFill>
-              <a:latin typeface="Times New Roman"/>
-            </a:endParaRPr>
           </a:p>
         </p:txBody>
       </p:sp>
@@ -6008,7 +8318,7 @@
           </a:ln>
         </p:spPr>
         <p:txBody>
-          <a:bodyPr lIns="91440" rIns="91440" tIns="45720" bIns="45720" anchor="ctr">
+          <a:bodyPr lIns="91440" tIns="45720" rIns="91440" bIns="45720" anchor="ctr">
             <a:noAutofit/>
           </a:bodyPr>
           <a:lstStyle>
@@ -6017,7 +8327,7 @@
                 <a:spcPct val="100000"/>
               </a:lnSpc>
               <a:buNone/>
-              <a:defRPr b="0" lang="en-US" sz="1200" spc="-1" strike="noStrike">
+              <a:defRPr lang="en-US" sz="1200" b="0" strike="noStrike" spc="-1">
                 <a:solidFill>
                   <a:schemeClr val="dk1">
                     <a:tint val="75000"/>
@@ -6035,7 +8345,7 @@
               <a:buNone/>
             </a:pPr>
             <a:fld id="{E72FB468-5DB4-4BC8-8A11-929A286D432E}" type="slidenum">
-              <a:rPr b="0" lang="en-US" sz="1200" spc="-1" strike="noStrike">
+              <a:rPr lang="en-US" sz="1200" b="0" strike="noStrike" spc="-1">
                 <a:solidFill>
                   <a:schemeClr val="dk1">
                     <a:tint val="75000"/>
@@ -6043,9 +8353,9 @@
                 </a:solidFill>
                 <a:latin typeface="Calibri"/>
               </a:rPr>
-              <a:t>&lt;número&gt;</a:t>
+              <a:t>‹nº›</a:t>
             </a:fld>
-            <a:endParaRPr b="0" lang="pt-BR" sz="1200" spc="-1" strike="noStrike">
+            <a:endParaRPr lang="pt-BR" sz="1200" b="0" strike="noStrike" spc="-1">
               <a:solidFill>
                 <a:srgbClr val="000000"/>
               </a:solidFill>
@@ -6056,21 +8366,302 @@
       </p:sp>
     </p:spTree>
   </p:cSld>
-  <p:clrMap bg1="lt1" bg2="lt2" tx1="dk1" tx2="dk2" accent1="accent1" accent2="accent2" accent3="accent3" accent4="accent4" accent5="accent5" accent6="accent6" hlink="hlink" folHlink="folHlink"/>
+  <p:clrMap bg1="lt1" tx1="dk1" bg2="lt2" tx2="dk2" accent1="accent1" accent2="accent2" accent3="accent3" accent4="accent4" accent5="accent5" accent6="accent6" hlink="hlink" folHlink="folHlink"/>
   <p:sldLayoutIdLst>
-    <p:sldLayoutId id="2147483663" r:id="rId2"/>
+    <p:sldLayoutId id="2147483663" r:id="rId1"/>
   </p:sldLayoutIdLst>
+  <p:txStyles>
+    <p:titleStyle>
+      <a:lvl1pPr algn="l" defTabSz="914400" rtl="0" eaLnBrk="1" latinLnBrk="0" hangingPunct="1">
+        <a:lnSpc>
+          <a:spcPct val="90000"/>
+        </a:lnSpc>
+        <a:spcBef>
+          <a:spcPct val="0"/>
+        </a:spcBef>
+        <a:buNone/>
+        <a:defRPr sz="4400" kern="1200">
+          <a:solidFill>
+            <a:schemeClr val="tx1"/>
+          </a:solidFill>
+          <a:latin typeface="+mj-lt"/>
+          <a:ea typeface="+mj-ea"/>
+          <a:cs typeface="+mj-cs"/>
+        </a:defRPr>
+      </a:lvl1pPr>
+    </p:titleStyle>
+    <p:bodyStyle>
+      <a:lvl1pPr marL="228600" indent="-228600" algn="l" defTabSz="914400" rtl="0" eaLnBrk="1" latinLnBrk="0" hangingPunct="1">
+        <a:lnSpc>
+          <a:spcPct val="90000"/>
+        </a:lnSpc>
+        <a:spcBef>
+          <a:spcPts val="1000"/>
+        </a:spcBef>
+        <a:buFont typeface="Arial" panose="020B0604020202020204" pitchFamily="34" charset="0"/>
+        <a:buChar char="•"/>
+        <a:defRPr sz="2800" kern="1200">
+          <a:solidFill>
+            <a:schemeClr val="tx1"/>
+          </a:solidFill>
+          <a:latin typeface="+mn-lt"/>
+          <a:ea typeface="+mn-ea"/>
+          <a:cs typeface="+mn-cs"/>
+        </a:defRPr>
+      </a:lvl1pPr>
+      <a:lvl2pPr marL="685800" indent="-228600" algn="l" defTabSz="914400" rtl="0" eaLnBrk="1" latinLnBrk="0" hangingPunct="1">
+        <a:lnSpc>
+          <a:spcPct val="90000"/>
+        </a:lnSpc>
+        <a:spcBef>
+          <a:spcPts val="500"/>
+        </a:spcBef>
+        <a:buFont typeface="Arial" panose="020B0604020202020204" pitchFamily="34" charset="0"/>
+        <a:buChar char="•"/>
+        <a:defRPr sz="2400" kern="1200">
+          <a:solidFill>
+            <a:schemeClr val="tx1"/>
+          </a:solidFill>
+          <a:latin typeface="+mn-lt"/>
+          <a:ea typeface="+mn-ea"/>
+          <a:cs typeface="+mn-cs"/>
+        </a:defRPr>
+      </a:lvl2pPr>
+      <a:lvl3pPr marL="1143000" indent="-228600" algn="l" defTabSz="914400" rtl="0" eaLnBrk="1" latinLnBrk="0" hangingPunct="1">
+        <a:lnSpc>
+          <a:spcPct val="90000"/>
+        </a:lnSpc>
+        <a:spcBef>
+          <a:spcPts val="500"/>
+        </a:spcBef>
+        <a:buFont typeface="Arial" panose="020B0604020202020204" pitchFamily="34" charset="0"/>
+        <a:buChar char="•"/>
+        <a:defRPr sz="2000" kern="1200">
+          <a:solidFill>
+            <a:schemeClr val="tx1"/>
+          </a:solidFill>
+          <a:latin typeface="+mn-lt"/>
+          <a:ea typeface="+mn-ea"/>
+          <a:cs typeface="+mn-cs"/>
+        </a:defRPr>
+      </a:lvl3pPr>
+      <a:lvl4pPr marL="1600200" indent="-228600" algn="l" defTabSz="914400" rtl="0" eaLnBrk="1" latinLnBrk="0" hangingPunct="1">
+        <a:lnSpc>
+          <a:spcPct val="90000"/>
+        </a:lnSpc>
+        <a:spcBef>
+          <a:spcPts val="500"/>
+        </a:spcBef>
+        <a:buFont typeface="Arial" panose="020B0604020202020204" pitchFamily="34" charset="0"/>
+        <a:buChar char="•"/>
+        <a:defRPr sz="1800" kern="1200">
+          <a:solidFill>
+            <a:schemeClr val="tx1"/>
+          </a:solidFill>
+          <a:latin typeface="+mn-lt"/>
+          <a:ea typeface="+mn-ea"/>
+          <a:cs typeface="+mn-cs"/>
+        </a:defRPr>
+      </a:lvl4pPr>
+      <a:lvl5pPr marL="2057400" indent="-228600" algn="l" defTabSz="914400" rtl="0" eaLnBrk="1" latinLnBrk="0" hangingPunct="1">
+        <a:lnSpc>
+          <a:spcPct val="90000"/>
+        </a:lnSpc>
+        <a:spcBef>
+          <a:spcPts val="500"/>
+        </a:spcBef>
+        <a:buFont typeface="Arial" panose="020B0604020202020204" pitchFamily="34" charset="0"/>
+        <a:buChar char="•"/>
+        <a:defRPr sz="1800" kern="1200">
+          <a:solidFill>
+            <a:schemeClr val="tx1"/>
+          </a:solidFill>
+          <a:latin typeface="+mn-lt"/>
+          <a:ea typeface="+mn-ea"/>
+          <a:cs typeface="+mn-cs"/>
+        </a:defRPr>
+      </a:lvl5pPr>
+      <a:lvl6pPr marL="2514600" indent="-228600" algn="l" defTabSz="914400" rtl="0" eaLnBrk="1" latinLnBrk="0" hangingPunct="1">
+        <a:lnSpc>
+          <a:spcPct val="90000"/>
+        </a:lnSpc>
+        <a:spcBef>
+          <a:spcPts val="500"/>
+        </a:spcBef>
+        <a:buFont typeface="Arial" panose="020B0604020202020204" pitchFamily="34" charset="0"/>
+        <a:buChar char="•"/>
+        <a:defRPr sz="1800" kern="1200">
+          <a:solidFill>
+            <a:schemeClr val="tx1"/>
+          </a:solidFill>
+          <a:latin typeface="+mn-lt"/>
+          <a:ea typeface="+mn-ea"/>
+          <a:cs typeface="+mn-cs"/>
+        </a:defRPr>
+      </a:lvl6pPr>
+      <a:lvl7pPr marL="2971800" indent="-228600" algn="l" defTabSz="914400" rtl="0" eaLnBrk="1" latinLnBrk="0" hangingPunct="1">
+        <a:lnSpc>
+          <a:spcPct val="90000"/>
+        </a:lnSpc>
+        <a:spcBef>
+          <a:spcPts val="500"/>
+        </a:spcBef>
+        <a:buFont typeface="Arial" panose="020B0604020202020204" pitchFamily="34" charset="0"/>
+        <a:buChar char="•"/>
+        <a:defRPr sz="1800" kern="1200">
+          <a:solidFill>
+            <a:schemeClr val="tx1"/>
+          </a:solidFill>
+          <a:latin typeface="+mn-lt"/>
+          <a:ea typeface="+mn-ea"/>
+          <a:cs typeface="+mn-cs"/>
+        </a:defRPr>
+      </a:lvl7pPr>
+      <a:lvl8pPr marL="3429000" indent="-228600" algn="l" defTabSz="914400" rtl="0" eaLnBrk="1" latinLnBrk="0" hangingPunct="1">
+        <a:lnSpc>
+          <a:spcPct val="90000"/>
+        </a:lnSpc>
+        <a:spcBef>
+          <a:spcPts val="500"/>
+        </a:spcBef>
+        <a:buFont typeface="Arial" panose="020B0604020202020204" pitchFamily="34" charset="0"/>
+        <a:buChar char="•"/>
+        <a:defRPr sz="1800" kern="1200">
+          <a:solidFill>
+            <a:schemeClr val="tx1"/>
+          </a:solidFill>
+          <a:latin typeface="+mn-lt"/>
+          <a:ea typeface="+mn-ea"/>
+          <a:cs typeface="+mn-cs"/>
+        </a:defRPr>
+      </a:lvl8pPr>
+      <a:lvl9pPr marL="3886200" indent="-228600" algn="l" defTabSz="914400" rtl="0" eaLnBrk="1" latinLnBrk="0" hangingPunct="1">
+        <a:lnSpc>
+          <a:spcPct val="90000"/>
+        </a:lnSpc>
+        <a:spcBef>
+          <a:spcPts val="500"/>
+        </a:spcBef>
+        <a:buFont typeface="Arial" panose="020B0604020202020204" pitchFamily="34" charset="0"/>
+        <a:buChar char="•"/>
+        <a:defRPr sz="1800" kern="1200">
+          <a:solidFill>
+            <a:schemeClr val="tx1"/>
+          </a:solidFill>
+          <a:latin typeface="+mn-lt"/>
+          <a:ea typeface="+mn-ea"/>
+          <a:cs typeface="+mn-cs"/>
+        </a:defRPr>
+      </a:lvl9pPr>
+    </p:bodyStyle>
+    <p:otherStyle>
+      <a:defPPr>
+        <a:defRPr lang="pt-BR"/>
+      </a:defPPr>
+      <a:lvl1pPr marL="0" algn="l" defTabSz="914400" rtl="0" eaLnBrk="1" latinLnBrk="0" hangingPunct="1">
+        <a:defRPr sz="1800" kern="1200">
+          <a:solidFill>
+            <a:schemeClr val="tx1"/>
+          </a:solidFill>
+          <a:latin typeface="+mn-lt"/>
+          <a:ea typeface="+mn-ea"/>
+          <a:cs typeface="+mn-cs"/>
+        </a:defRPr>
+      </a:lvl1pPr>
+      <a:lvl2pPr marL="457200" algn="l" defTabSz="914400" rtl="0" eaLnBrk="1" latinLnBrk="0" hangingPunct="1">
+        <a:defRPr sz="1800" kern="1200">
+          <a:solidFill>
+            <a:schemeClr val="tx1"/>
+          </a:solidFill>
+          <a:latin typeface="+mn-lt"/>
+          <a:ea typeface="+mn-ea"/>
+          <a:cs typeface="+mn-cs"/>
+        </a:defRPr>
+      </a:lvl2pPr>
+      <a:lvl3pPr marL="914400" algn="l" defTabSz="914400" rtl="0" eaLnBrk="1" latinLnBrk="0" hangingPunct="1">
+        <a:defRPr sz="1800" kern="1200">
+          <a:solidFill>
+            <a:schemeClr val="tx1"/>
+          </a:solidFill>
+          <a:latin typeface="+mn-lt"/>
+          <a:ea typeface="+mn-ea"/>
+          <a:cs typeface="+mn-cs"/>
+        </a:defRPr>
+      </a:lvl3pPr>
+      <a:lvl4pPr marL="1371600" algn="l" defTabSz="914400" rtl="0" eaLnBrk="1" latinLnBrk="0" hangingPunct="1">
+        <a:defRPr sz="1800" kern="1200">
+          <a:solidFill>
+            <a:schemeClr val="tx1"/>
+          </a:solidFill>
+          <a:latin typeface="+mn-lt"/>
+          <a:ea typeface="+mn-ea"/>
+          <a:cs typeface="+mn-cs"/>
+        </a:defRPr>
+      </a:lvl4pPr>
+      <a:lvl5pPr marL="1828800" algn="l" defTabSz="914400" rtl="0" eaLnBrk="1" latinLnBrk="0" hangingPunct="1">
+        <a:defRPr sz="1800" kern="1200">
+          <a:solidFill>
+            <a:schemeClr val="tx1"/>
+          </a:solidFill>
+          <a:latin typeface="+mn-lt"/>
+          <a:ea typeface="+mn-ea"/>
+          <a:cs typeface="+mn-cs"/>
+        </a:defRPr>
+      </a:lvl5pPr>
+      <a:lvl6pPr marL="2286000" algn="l" defTabSz="914400" rtl="0" eaLnBrk="1" latinLnBrk="0" hangingPunct="1">
+        <a:defRPr sz="1800" kern="1200">
+          <a:solidFill>
+            <a:schemeClr val="tx1"/>
+          </a:solidFill>
+          <a:latin typeface="+mn-lt"/>
+          <a:ea typeface="+mn-ea"/>
+          <a:cs typeface="+mn-cs"/>
+        </a:defRPr>
+      </a:lvl6pPr>
+      <a:lvl7pPr marL="2743200" algn="l" defTabSz="914400" rtl="0" eaLnBrk="1" latinLnBrk="0" hangingPunct="1">
+        <a:defRPr sz="1800" kern="1200">
+          <a:solidFill>
+            <a:schemeClr val="tx1"/>
+          </a:solidFill>
+          <a:latin typeface="+mn-lt"/>
+          <a:ea typeface="+mn-ea"/>
+          <a:cs typeface="+mn-cs"/>
+        </a:defRPr>
+      </a:lvl7pPr>
+      <a:lvl8pPr marL="3200400" algn="l" defTabSz="914400" rtl="0" eaLnBrk="1" latinLnBrk="0" hangingPunct="1">
+        <a:defRPr sz="1800" kern="1200">
+          <a:solidFill>
+            <a:schemeClr val="tx1"/>
+          </a:solidFill>
+          <a:latin typeface="+mn-lt"/>
+          <a:ea typeface="+mn-ea"/>
+          <a:cs typeface="+mn-cs"/>
+        </a:defRPr>
+      </a:lvl8pPr>
+      <a:lvl9pPr marL="3657600" algn="l" defTabSz="914400" rtl="0" eaLnBrk="1" latinLnBrk="0" hangingPunct="1">
+        <a:defRPr sz="1800" kern="1200">
+          <a:solidFill>
+            <a:schemeClr val="tx1"/>
+          </a:solidFill>
+          <a:latin typeface="+mn-lt"/>
+          <a:ea typeface="+mn-ea"/>
+          <a:cs typeface="+mn-cs"/>
+        </a:defRPr>
+      </a:lvl9pPr>
+    </p:otherStyle>
+  </p:txStyles>
 </p:sldMaster>
 </file>
 
 <file path=ppt/slideMasters/slideMaster9.xml><?xml version="1.0" encoding="utf-8"?>
-<p:sldMaster xmlns:a="http://schemas.openxmlformats.org/drawingml/2006/main" xmlns:p="http://schemas.openxmlformats.org/presentationml/2006/main" xmlns:r="http://schemas.openxmlformats.org/officeDocument/2006/relationships" xmlns:p14="http://schemas.microsoft.com/office/powerpoint/2010/main" xmlns:p15="http://schemas.microsoft.com/office/powerpoint/2012/main" xmlns:mc="http://schemas.openxmlformats.org/markup-compatibility/2006">
+<p:sldMaster xmlns:a="http://schemas.openxmlformats.org/drawingml/2006/main" xmlns:r="http://schemas.openxmlformats.org/officeDocument/2006/relationships" xmlns:p="http://schemas.openxmlformats.org/presentationml/2006/main">
   <p:cSld>
     <p:bg>
       <p:bgPr>
         <a:solidFill>
-          <a:srgbClr val="ffffff"/>
+          <a:srgbClr val="FFFFFF"/>
         </a:solidFill>
+        <a:effectLst/>
       </p:bgPr>
     </p:bg>
     <p:spTree>
@@ -6111,7 +8702,7 @@
           </a:ln>
         </p:spPr>
         <p:txBody>
-          <a:bodyPr lIns="91440" rIns="91440" tIns="45720" bIns="45720" anchor="ctr">
+          <a:bodyPr lIns="91440" tIns="45720" rIns="91440" bIns="45720" anchor="ctr">
             <a:noAutofit/>
           </a:bodyPr>
           <a:lstStyle>
@@ -6120,7 +8711,7 @@
                 <a:spcPct val="100000"/>
               </a:lnSpc>
               <a:buNone/>
-              <a:defRPr b="0" lang="en-US" sz="1200" spc="-1" strike="noStrike">
+              <a:defRPr lang="en-US" sz="1200" b="0" strike="noStrike" spc="-1">
                 <a:solidFill>
                   <a:schemeClr val="dk1">
                     <a:tint val="75000"/>
@@ -6138,7 +8729,7 @@
               <a:buNone/>
             </a:pPr>
             <a:r>
-              <a:rPr b="0" lang="en-US" sz="1200" spc="-1" strike="noStrike">
+              <a:rPr lang="en-US" sz="1200" b="0" strike="noStrike" spc="-1">
                 <a:solidFill>
                   <a:schemeClr val="dk1">
                     <a:tint val="75000"/>
@@ -6148,7 +8739,7 @@
               </a:rPr>
               <a:t>&lt;data/hora&gt;</a:t>
             </a:r>
-            <a:endParaRPr b="0" lang="pt-BR" sz="1200" spc="-1" strike="noStrike">
+            <a:endParaRPr lang="pt-BR" sz="1200" b="0" strike="noStrike" spc="-1">
               <a:solidFill>
                 <a:srgbClr val="000000"/>
               </a:solidFill>
@@ -6181,13 +8772,13 @@
           </a:ln>
         </p:spPr>
         <p:txBody>
-          <a:bodyPr lIns="91440" rIns="91440" tIns="45720" bIns="45720" anchor="ctr">
+          <a:bodyPr lIns="91440" tIns="45720" rIns="91440" bIns="45720" anchor="ctr">
             <a:noAutofit/>
           </a:bodyPr>
           <a:lstStyle>
             <a:lvl1pPr indent="0" algn="ctr">
               <a:buNone/>
-              <a:defRPr b="0" lang="pt-BR" sz="1400" spc="-1" strike="noStrike">
+              <a:defRPr lang="pt-BR" sz="1400" b="0" strike="noStrike" spc="-1">
                 <a:solidFill>
                   <a:srgbClr val="000000"/>
                 </a:solidFill>
@@ -6200,7 +8791,7 @@
               <a:buNone/>
             </a:pPr>
             <a:r>
-              <a:rPr b="0" lang="pt-BR" sz="1400" spc="-1" strike="noStrike">
+              <a:rPr lang="pt-BR" sz="1400" b="0" strike="noStrike" spc="-1">
                 <a:solidFill>
                   <a:srgbClr val="000000"/>
                 </a:solidFill>
@@ -6208,12 +8799,6 @@
               </a:rPr>
               <a:t>&lt;rodapé&gt;</a:t>
             </a:r>
-            <a:endParaRPr b="0" lang="pt-BR" sz="1400" spc="-1" strike="noStrike">
-              <a:solidFill>
-                <a:srgbClr val="000000"/>
-              </a:solidFill>
-              <a:latin typeface="Times New Roman"/>
-            </a:endParaRPr>
           </a:p>
         </p:txBody>
       </p:sp>
@@ -6241,7 +8826,7 @@
           </a:ln>
         </p:spPr>
         <p:txBody>
-          <a:bodyPr lIns="91440" rIns="91440" tIns="45720" bIns="45720" anchor="ctr">
+          <a:bodyPr lIns="91440" tIns="45720" rIns="91440" bIns="45720" anchor="ctr">
             <a:noAutofit/>
           </a:bodyPr>
           <a:lstStyle>
@@ -6250,7 +8835,7 @@
                 <a:spcPct val="100000"/>
               </a:lnSpc>
               <a:buNone/>
-              <a:defRPr b="0" lang="en-US" sz="1200" spc="-1" strike="noStrike">
+              <a:defRPr lang="en-US" sz="1200" b="0" strike="noStrike" spc="-1">
                 <a:solidFill>
                   <a:schemeClr val="dk1">
                     <a:tint val="75000"/>
@@ -6268,7 +8853,7 @@
               <a:buNone/>
             </a:pPr>
             <a:fld id="{2A087254-A1BF-48B1-94EC-0EC5013C136D}" type="slidenum">
-              <a:rPr b="0" lang="en-US" sz="1200" spc="-1" strike="noStrike">
+              <a:rPr lang="en-US" sz="1200" b="0" strike="noStrike" spc="-1">
                 <a:solidFill>
                   <a:schemeClr val="dk1">
                     <a:tint val="75000"/>
@@ -6276,9 +8861,9 @@
                 </a:solidFill>
                 <a:latin typeface="Calibri"/>
               </a:rPr>
-              <a:t>&lt;número&gt;</a:t>
+              <a:t>‹nº›</a:t>
             </a:fld>
-            <a:endParaRPr b="0" lang="pt-BR" sz="1200" spc="-1" strike="noStrike">
+            <a:endParaRPr lang="pt-BR" sz="1200" b="0" strike="noStrike" spc="-1">
               <a:solidFill>
                 <a:srgbClr val="000000"/>
               </a:solidFill>
@@ -6311,15 +8896,16 @@
           </a:ln>
         </p:spPr>
         <p:txBody>
-          <a:bodyPr lIns="0" rIns="0" tIns="0" bIns="0" anchor="ctr">
+          <a:bodyPr lIns="0" tIns="0" rIns="0" bIns="0" anchor="ctr">
             <a:noAutofit/>
           </a:bodyPr>
+          <a:lstStyle/>
           <a:p>
             <a:pPr indent="0">
               <a:buNone/>
             </a:pPr>
             <a:r>
-              <a:rPr b="0" lang="en-US" sz="1800" spc="-1" strike="noStrike">
+              <a:rPr lang="en-US" sz="1800" b="0" strike="noStrike" spc="-1">
                 <a:solidFill>
                   <a:schemeClr val="dk1"/>
                 </a:solidFill>
@@ -6327,12 +8913,6 @@
               </a:rPr>
               <a:t>Clique para editar o formato do texto do título</a:t>
             </a:r>
-            <a:endParaRPr b="0" lang="en-US" sz="1800" spc="-1" strike="noStrike">
-              <a:solidFill>
-                <a:schemeClr val="dk1"/>
-              </a:solidFill>
-              <a:latin typeface="Calibri"/>
-            </a:endParaRPr>
           </a:p>
         </p:txBody>
       </p:sp>
@@ -6360,9 +8940,10 @@
           </a:ln>
         </p:spPr>
         <p:txBody>
-          <a:bodyPr lIns="0" rIns="0" tIns="0" bIns="0" anchor="t">
+          <a:bodyPr lIns="0" tIns="0" rIns="0" bIns="0" anchor="t">
             <a:normAutofit/>
           </a:bodyPr>
+          <a:lstStyle/>
           <a:p>
             <a:pPr marL="432000" indent="-324000">
               <a:spcBef>
@@ -6376,7 +8957,7 @@
               <a:buChar char=""/>
             </a:pPr>
             <a:r>
-              <a:rPr b="0" lang="en-US" sz="3200" spc="-1" strike="noStrike">
+              <a:rPr lang="en-US" sz="3200" b="0" strike="noStrike" spc="-1">
                 <a:solidFill>
                   <a:schemeClr val="dk1"/>
                 </a:solidFill>
@@ -6384,15 +8965,9 @@
               </a:rPr>
               <a:t>Clique para editar o formato de texto dos tópicos</a:t>
             </a:r>
-            <a:endParaRPr b="0" lang="en-US" sz="3200" spc="-1" strike="noStrike">
-              <a:solidFill>
-                <a:schemeClr val="dk1"/>
-              </a:solidFill>
-              <a:latin typeface="Calibri"/>
-            </a:endParaRPr>
-          </a:p>
-          <a:p>
-            <a:pPr lvl="1" marL="864000" indent="-324000">
+          </a:p>
+          <a:p>
+            <a:pPr marL="864000" lvl="1" indent="-324000">
               <a:spcBef>
                 <a:spcPts val="1134"/>
               </a:spcBef>
@@ -6404,7 +8979,7 @@
               <a:buChar char=""/>
             </a:pPr>
             <a:r>
-              <a:rPr b="0" lang="en-US" sz="2400" spc="-1" strike="noStrike">
+              <a:rPr lang="en-US" sz="2400" b="0" strike="noStrike" spc="-1">
                 <a:solidFill>
                   <a:schemeClr val="dk1"/>
                 </a:solidFill>
@@ -6412,15 +8987,9 @@
               </a:rPr>
               <a:t>2.º nível de tópicos</a:t>
             </a:r>
-            <a:endParaRPr b="0" lang="en-US" sz="2400" spc="-1" strike="noStrike">
-              <a:solidFill>
-                <a:schemeClr val="dk1"/>
-              </a:solidFill>
-              <a:latin typeface="Calibri"/>
-            </a:endParaRPr>
-          </a:p>
-          <a:p>
-            <a:pPr lvl="2" marL="1296000" indent="-288000">
+          </a:p>
+          <a:p>
+            <a:pPr marL="1296000" lvl="2" indent="-288000">
               <a:spcBef>
                 <a:spcPts val="850"/>
               </a:spcBef>
@@ -6432,7 +9001,7 @@
               <a:buChar char=""/>
             </a:pPr>
             <a:r>
-              <a:rPr b="0" lang="en-US" sz="2000" spc="-1" strike="noStrike">
+              <a:rPr lang="en-US" sz="2000" b="0" strike="noStrike" spc="-1">
                 <a:solidFill>
                   <a:schemeClr val="dk1"/>
                 </a:solidFill>
@@ -6440,15 +9009,9 @@
               </a:rPr>
               <a:t>3.º nível de tópicos</a:t>
             </a:r>
-            <a:endParaRPr b="0" lang="en-US" sz="2000" spc="-1" strike="noStrike">
-              <a:solidFill>
-                <a:schemeClr val="dk1"/>
-              </a:solidFill>
-              <a:latin typeface="Calibri"/>
-            </a:endParaRPr>
-          </a:p>
-          <a:p>
-            <a:pPr lvl="3" marL="1728000" indent="-216000">
+          </a:p>
+          <a:p>
+            <a:pPr marL="1728000" lvl="3" indent="-216000">
               <a:spcBef>
                 <a:spcPts val="567"/>
               </a:spcBef>
@@ -6460,7 +9023,7 @@
               <a:buChar char=""/>
             </a:pPr>
             <a:r>
-              <a:rPr b="0" lang="en-US" sz="2000" spc="-1" strike="noStrike">
+              <a:rPr lang="en-US" sz="2000" b="0" strike="noStrike" spc="-1">
                 <a:solidFill>
                   <a:schemeClr val="dk1"/>
                 </a:solidFill>
@@ -6468,15 +9031,9 @@
               </a:rPr>
               <a:t>4.º nível de tópicos</a:t>
             </a:r>
-            <a:endParaRPr b="0" lang="en-US" sz="2000" spc="-1" strike="noStrike">
-              <a:solidFill>
-                <a:schemeClr val="dk1"/>
-              </a:solidFill>
-              <a:latin typeface="Calibri"/>
-            </a:endParaRPr>
-          </a:p>
-          <a:p>
-            <a:pPr lvl="4" marL="2160000" indent="-216000">
+          </a:p>
+          <a:p>
+            <a:pPr marL="2160000" lvl="4" indent="-216000">
               <a:spcBef>
                 <a:spcPts val="283"/>
               </a:spcBef>
@@ -6488,7 +9045,7 @@
               <a:buChar char=""/>
             </a:pPr>
             <a:r>
-              <a:rPr b="0" lang="en-US" sz="2000" spc="-1" strike="noStrike">
+              <a:rPr lang="en-US" sz="2000" b="0" strike="noStrike" spc="-1">
                 <a:solidFill>
                   <a:schemeClr val="dk1"/>
                 </a:solidFill>
@@ -6496,15 +9053,9 @@
               </a:rPr>
               <a:t>5.º nível de tópicos</a:t>
             </a:r>
-            <a:endParaRPr b="0" lang="en-US" sz="2000" spc="-1" strike="noStrike">
-              <a:solidFill>
-                <a:schemeClr val="dk1"/>
-              </a:solidFill>
-              <a:latin typeface="Calibri"/>
-            </a:endParaRPr>
-          </a:p>
-          <a:p>
-            <a:pPr lvl="5" marL="2592000" indent="-216000">
+          </a:p>
+          <a:p>
+            <a:pPr marL="2592000" lvl="5" indent="-216000">
               <a:spcBef>
                 <a:spcPts val="283"/>
               </a:spcBef>
@@ -6516,7 +9067,7 @@
               <a:buChar char=""/>
             </a:pPr>
             <a:r>
-              <a:rPr b="0" lang="en-US" sz="2000" spc="-1" strike="noStrike">
+              <a:rPr lang="en-US" sz="2000" b="0" strike="noStrike" spc="-1">
                 <a:solidFill>
                   <a:schemeClr val="dk1"/>
                 </a:solidFill>
@@ -6524,15 +9075,9 @@
               </a:rPr>
               <a:t>6.º nível de tópicos</a:t>
             </a:r>
-            <a:endParaRPr b="0" lang="en-US" sz="2000" spc="-1" strike="noStrike">
-              <a:solidFill>
-                <a:schemeClr val="dk1"/>
-              </a:solidFill>
-              <a:latin typeface="Calibri"/>
-            </a:endParaRPr>
-          </a:p>
-          <a:p>
-            <a:pPr lvl="6" marL="3024000" indent="-216000">
+          </a:p>
+          <a:p>
+            <a:pPr marL="3024000" lvl="6" indent="-216000">
               <a:spcBef>
                 <a:spcPts val="283"/>
               </a:spcBef>
@@ -6544,7 +9089,7 @@
               <a:buChar char=""/>
             </a:pPr>
             <a:r>
-              <a:rPr b="0" lang="en-US" sz="2000" spc="-1" strike="noStrike">
+              <a:rPr lang="en-US" sz="2000" b="0" strike="noStrike" spc="-1">
                 <a:solidFill>
                   <a:schemeClr val="dk1"/>
                 </a:solidFill>
@@ -6552,26 +9097,300 @@
               </a:rPr>
               <a:t>7.º nível de tópicos</a:t>
             </a:r>
-            <a:endParaRPr b="0" lang="en-US" sz="2000" spc="-1" strike="noStrike">
-              <a:solidFill>
-                <a:schemeClr val="dk1"/>
-              </a:solidFill>
-              <a:latin typeface="Calibri"/>
-            </a:endParaRPr>
           </a:p>
         </p:txBody>
       </p:sp>
     </p:spTree>
   </p:cSld>
-  <p:clrMap bg1="lt1" bg2="lt2" tx1="dk1" tx2="dk2" accent1="accent1" accent2="accent2" accent3="accent3" accent4="accent4" accent5="accent5" accent6="accent6" hlink="hlink" folHlink="folHlink"/>
+  <p:clrMap bg1="lt1" tx1="dk1" bg2="lt2" tx2="dk2" accent1="accent1" accent2="accent2" accent3="accent3" accent4="accent4" accent5="accent5" accent6="accent6" hlink="hlink" folHlink="folHlink"/>
   <p:sldLayoutIdLst>
-    <p:sldLayoutId id="2147483665" r:id="rId2"/>
+    <p:sldLayoutId id="2147483665" r:id="rId1"/>
   </p:sldLayoutIdLst>
+  <p:txStyles>
+    <p:titleStyle>
+      <a:lvl1pPr algn="l" defTabSz="914400" rtl="0" eaLnBrk="1" latinLnBrk="0" hangingPunct="1">
+        <a:lnSpc>
+          <a:spcPct val="90000"/>
+        </a:lnSpc>
+        <a:spcBef>
+          <a:spcPct val="0"/>
+        </a:spcBef>
+        <a:buNone/>
+        <a:defRPr sz="4400" kern="1200">
+          <a:solidFill>
+            <a:schemeClr val="tx1"/>
+          </a:solidFill>
+          <a:latin typeface="+mj-lt"/>
+          <a:ea typeface="+mj-ea"/>
+          <a:cs typeface="+mj-cs"/>
+        </a:defRPr>
+      </a:lvl1pPr>
+    </p:titleStyle>
+    <p:bodyStyle>
+      <a:lvl1pPr marL="228600" indent="-228600" algn="l" defTabSz="914400" rtl="0" eaLnBrk="1" latinLnBrk="0" hangingPunct="1">
+        <a:lnSpc>
+          <a:spcPct val="90000"/>
+        </a:lnSpc>
+        <a:spcBef>
+          <a:spcPts val="1000"/>
+        </a:spcBef>
+        <a:buFont typeface="Arial" panose="020B0604020202020204" pitchFamily="34" charset="0"/>
+        <a:buChar char="•"/>
+        <a:defRPr sz="2800" kern="1200">
+          <a:solidFill>
+            <a:schemeClr val="tx1"/>
+          </a:solidFill>
+          <a:latin typeface="+mn-lt"/>
+          <a:ea typeface="+mn-ea"/>
+          <a:cs typeface="+mn-cs"/>
+        </a:defRPr>
+      </a:lvl1pPr>
+      <a:lvl2pPr marL="685800" indent="-228600" algn="l" defTabSz="914400" rtl="0" eaLnBrk="1" latinLnBrk="0" hangingPunct="1">
+        <a:lnSpc>
+          <a:spcPct val="90000"/>
+        </a:lnSpc>
+        <a:spcBef>
+          <a:spcPts val="500"/>
+        </a:spcBef>
+        <a:buFont typeface="Arial" panose="020B0604020202020204" pitchFamily="34" charset="0"/>
+        <a:buChar char="•"/>
+        <a:defRPr sz="2400" kern="1200">
+          <a:solidFill>
+            <a:schemeClr val="tx1"/>
+          </a:solidFill>
+          <a:latin typeface="+mn-lt"/>
+          <a:ea typeface="+mn-ea"/>
+          <a:cs typeface="+mn-cs"/>
+        </a:defRPr>
+      </a:lvl2pPr>
+      <a:lvl3pPr marL="1143000" indent="-228600" algn="l" defTabSz="914400" rtl="0" eaLnBrk="1" latinLnBrk="0" hangingPunct="1">
+        <a:lnSpc>
+          <a:spcPct val="90000"/>
+        </a:lnSpc>
+        <a:spcBef>
+          <a:spcPts val="500"/>
+        </a:spcBef>
+        <a:buFont typeface="Arial" panose="020B0604020202020204" pitchFamily="34" charset="0"/>
+        <a:buChar char="•"/>
+        <a:defRPr sz="2000" kern="1200">
+          <a:solidFill>
+            <a:schemeClr val="tx1"/>
+          </a:solidFill>
+          <a:latin typeface="+mn-lt"/>
+          <a:ea typeface="+mn-ea"/>
+          <a:cs typeface="+mn-cs"/>
+        </a:defRPr>
+      </a:lvl3pPr>
+      <a:lvl4pPr marL="1600200" indent="-228600" algn="l" defTabSz="914400" rtl="0" eaLnBrk="1" latinLnBrk="0" hangingPunct="1">
+        <a:lnSpc>
+          <a:spcPct val="90000"/>
+        </a:lnSpc>
+        <a:spcBef>
+          <a:spcPts val="500"/>
+        </a:spcBef>
+        <a:buFont typeface="Arial" panose="020B0604020202020204" pitchFamily="34" charset="0"/>
+        <a:buChar char="•"/>
+        <a:defRPr sz="1800" kern="1200">
+          <a:solidFill>
+            <a:schemeClr val="tx1"/>
+          </a:solidFill>
+          <a:latin typeface="+mn-lt"/>
+          <a:ea typeface="+mn-ea"/>
+          <a:cs typeface="+mn-cs"/>
+        </a:defRPr>
+      </a:lvl4pPr>
+      <a:lvl5pPr marL="2057400" indent="-228600" algn="l" defTabSz="914400" rtl="0" eaLnBrk="1" latinLnBrk="0" hangingPunct="1">
+        <a:lnSpc>
+          <a:spcPct val="90000"/>
+        </a:lnSpc>
+        <a:spcBef>
+          <a:spcPts val="500"/>
+        </a:spcBef>
+        <a:buFont typeface="Arial" panose="020B0604020202020204" pitchFamily="34" charset="0"/>
+        <a:buChar char="•"/>
+        <a:defRPr sz="1800" kern="1200">
+          <a:solidFill>
+            <a:schemeClr val="tx1"/>
+          </a:solidFill>
+          <a:latin typeface="+mn-lt"/>
+          <a:ea typeface="+mn-ea"/>
+          <a:cs typeface="+mn-cs"/>
+        </a:defRPr>
+      </a:lvl5pPr>
+      <a:lvl6pPr marL="2514600" indent="-228600" algn="l" defTabSz="914400" rtl="0" eaLnBrk="1" latinLnBrk="0" hangingPunct="1">
+        <a:lnSpc>
+          <a:spcPct val="90000"/>
+        </a:lnSpc>
+        <a:spcBef>
+          <a:spcPts val="500"/>
+        </a:spcBef>
+        <a:buFont typeface="Arial" panose="020B0604020202020204" pitchFamily="34" charset="0"/>
+        <a:buChar char="•"/>
+        <a:defRPr sz="1800" kern="1200">
+          <a:solidFill>
+            <a:schemeClr val="tx1"/>
+          </a:solidFill>
+          <a:latin typeface="+mn-lt"/>
+          <a:ea typeface="+mn-ea"/>
+          <a:cs typeface="+mn-cs"/>
+        </a:defRPr>
+      </a:lvl6pPr>
+      <a:lvl7pPr marL="2971800" indent="-228600" algn="l" defTabSz="914400" rtl="0" eaLnBrk="1" latinLnBrk="0" hangingPunct="1">
+        <a:lnSpc>
+          <a:spcPct val="90000"/>
+        </a:lnSpc>
+        <a:spcBef>
+          <a:spcPts val="500"/>
+        </a:spcBef>
+        <a:buFont typeface="Arial" panose="020B0604020202020204" pitchFamily="34" charset="0"/>
+        <a:buChar char="•"/>
+        <a:defRPr sz="1800" kern="1200">
+          <a:solidFill>
+            <a:schemeClr val="tx1"/>
+          </a:solidFill>
+          <a:latin typeface="+mn-lt"/>
+          <a:ea typeface="+mn-ea"/>
+          <a:cs typeface="+mn-cs"/>
+        </a:defRPr>
+      </a:lvl7pPr>
+      <a:lvl8pPr marL="3429000" indent="-228600" algn="l" defTabSz="914400" rtl="0" eaLnBrk="1" latinLnBrk="0" hangingPunct="1">
+        <a:lnSpc>
+          <a:spcPct val="90000"/>
+        </a:lnSpc>
+        <a:spcBef>
+          <a:spcPts val="500"/>
+        </a:spcBef>
+        <a:buFont typeface="Arial" panose="020B0604020202020204" pitchFamily="34" charset="0"/>
+        <a:buChar char="•"/>
+        <a:defRPr sz="1800" kern="1200">
+          <a:solidFill>
+            <a:schemeClr val="tx1"/>
+          </a:solidFill>
+          <a:latin typeface="+mn-lt"/>
+          <a:ea typeface="+mn-ea"/>
+          <a:cs typeface="+mn-cs"/>
+        </a:defRPr>
+      </a:lvl8pPr>
+      <a:lvl9pPr marL="3886200" indent="-228600" algn="l" defTabSz="914400" rtl="0" eaLnBrk="1" latinLnBrk="0" hangingPunct="1">
+        <a:lnSpc>
+          <a:spcPct val="90000"/>
+        </a:lnSpc>
+        <a:spcBef>
+          <a:spcPts val="500"/>
+        </a:spcBef>
+        <a:buFont typeface="Arial" panose="020B0604020202020204" pitchFamily="34" charset="0"/>
+        <a:buChar char="•"/>
+        <a:defRPr sz="1800" kern="1200">
+          <a:solidFill>
+            <a:schemeClr val="tx1"/>
+          </a:solidFill>
+          <a:latin typeface="+mn-lt"/>
+          <a:ea typeface="+mn-ea"/>
+          <a:cs typeface="+mn-cs"/>
+        </a:defRPr>
+      </a:lvl9pPr>
+    </p:bodyStyle>
+    <p:otherStyle>
+      <a:defPPr>
+        <a:defRPr lang="pt-BR"/>
+      </a:defPPr>
+      <a:lvl1pPr marL="0" algn="l" defTabSz="914400" rtl="0" eaLnBrk="1" latinLnBrk="0" hangingPunct="1">
+        <a:defRPr sz="1800" kern="1200">
+          <a:solidFill>
+            <a:schemeClr val="tx1"/>
+          </a:solidFill>
+          <a:latin typeface="+mn-lt"/>
+          <a:ea typeface="+mn-ea"/>
+          <a:cs typeface="+mn-cs"/>
+        </a:defRPr>
+      </a:lvl1pPr>
+      <a:lvl2pPr marL="457200" algn="l" defTabSz="914400" rtl="0" eaLnBrk="1" latinLnBrk="0" hangingPunct="1">
+        <a:defRPr sz="1800" kern="1200">
+          <a:solidFill>
+            <a:schemeClr val="tx1"/>
+          </a:solidFill>
+          <a:latin typeface="+mn-lt"/>
+          <a:ea typeface="+mn-ea"/>
+          <a:cs typeface="+mn-cs"/>
+        </a:defRPr>
+      </a:lvl2pPr>
+      <a:lvl3pPr marL="914400" algn="l" defTabSz="914400" rtl="0" eaLnBrk="1" latinLnBrk="0" hangingPunct="1">
+        <a:defRPr sz="1800" kern="1200">
+          <a:solidFill>
+            <a:schemeClr val="tx1"/>
+          </a:solidFill>
+          <a:latin typeface="+mn-lt"/>
+          <a:ea typeface="+mn-ea"/>
+          <a:cs typeface="+mn-cs"/>
+        </a:defRPr>
+      </a:lvl3pPr>
+      <a:lvl4pPr marL="1371600" algn="l" defTabSz="914400" rtl="0" eaLnBrk="1" latinLnBrk="0" hangingPunct="1">
+        <a:defRPr sz="1800" kern="1200">
+          <a:solidFill>
+            <a:schemeClr val="tx1"/>
+          </a:solidFill>
+          <a:latin typeface="+mn-lt"/>
+          <a:ea typeface="+mn-ea"/>
+          <a:cs typeface="+mn-cs"/>
+        </a:defRPr>
+      </a:lvl4pPr>
+      <a:lvl5pPr marL="1828800" algn="l" defTabSz="914400" rtl="0" eaLnBrk="1" latinLnBrk="0" hangingPunct="1">
+        <a:defRPr sz="1800" kern="1200">
+          <a:solidFill>
+            <a:schemeClr val="tx1"/>
+          </a:solidFill>
+          <a:latin typeface="+mn-lt"/>
+          <a:ea typeface="+mn-ea"/>
+          <a:cs typeface="+mn-cs"/>
+        </a:defRPr>
+      </a:lvl5pPr>
+      <a:lvl6pPr marL="2286000" algn="l" defTabSz="914400" rtl="0" eaLnBrk="1" latinLnBrk="0" hangingPunct="1">
+        <a:defRPr sz="1800" kern="1200">
+          <a:solidFill>
+            <a:schemeClr val="tx1"/>
+          </a:solidFill>
+          <a:latin typeface="+mn-lt"/>
+          <a:ea typeface="+mn-ea"/>
+          <a:cs typeface="+mn-cs"/>
+        </a:defRPr>
+      </a:lvl6pPr>
+      <a:lvl7pPr marL="2743200" algn="l" defTabSz="914400" rtl="0" eaLnBrk="1" latinLnBrk="0" hangingPunct="1">
+        <a:defRPr sz="1800" kern="1200">
+          <a:solidFill>
+            <a:schemeClr val="tx1"/>
+          </a:solidFill>
+          <a:latin typeface="+mn-lt"/>
+          <a:ea typeface="+mn-ea"/>
+          <a:cs typeface="+mn-cs"/>
+        </a:defRPr>
+      </a:lvl7pPr>
+      <a:lvl8pPr marL="3200400" algn="l" defTabSz="914400" rtl="0" eaLnBrk="1" latinLnBrk="0" hangingPunct="1">
+        <a:defRPr sz="1800" kern="1200">
+          <a:solidFill>
+            <a:schemeClr val="tx1"/>
+          </a:solidFill>
+          <a:latin typeface="+mn-lt"/>
+          <a:ea typeface="+mn-ea"/>
+          <a:cs typeface="+mn-cs"/>
+        </a:defRPr>
+      </a:lvl8pPr>
+      <a:lvl9pPr marL="3657600" algn="l" defTabSz="914400" rtl="0" eaLnBrk="1" latinLnBrk="0" hangingPunct="1">
+        <a:defRPr sz="1800" kern="1200">
+          <a:solidFill>
+            <a:schemeClr val="tx1"/>
+          </a:solidFill>
+          <a:latin typeface="+mn-lt"/>
+          <a:ea typeface="+mn-ea"/>
+          <a:cs typeface="+mn-cs"/>
+        </a:defRPr>
+      </a:lvl9pPr>
+    </p:otherStyle>
+  </p:txStyles>
 </p:sldMaster>
 </file>
 
 <file path=ppt/slides/slide1.xml><?xml version="1.0" encoding="utf-8"?>
-<p:sld xmlns:a="http://schemas.openxmlformats.org/drawingml/2006/main" xmlns:p="http://schemas.openxmlformats.org/presentationml/2006/main" xmlns:r="http://schemas.openxmlformats.org/officeDocument/2006/relationships" xmlns:p14="http://schemas.microsoft.com/office/powerpoint/2010/main" xmlns:p15="http://schemas.microsoft.com/office/powerpoint/2012/main" xmlns:mc="http://schemas.openxmlformats.org/markup-compatibility/2006">
+<p:sld xmlns:a="http://schemas.openxmlformats.org/drawingml/2006/main" xmlns:r="http://schemas.openxmlformats.org/officeDocument/2006/relationships" xmlns:p="http://schemas.openxmlformats.org/presentationml/2006/main">
   <p:cSld>
     <p:spTree>
       <p:nvGrpSpPr>
@@ -6595,8 +9414,8 @@
         </p:nvSpPr>
         <p:spPr>
           <a:xfrm>
-            <a:off x="-910080" y="0"/>
-            <a:ext cx="15796080" cy="7559640"/>
+            <a:off x="0" y="0"/>
+            <a:ext cx="10693400" cy="7559640"/>
           </a:xfrm>
           <a:custGeom>
             <a:avLst/>
@@ -6607,6 +9426,7 @@
               <a:gd name="textAreaBottom" fmla="*/ 7560000 h 7559640"/>
             </a:gdLst>
             <a:ahLst/>
+            <a:cxnLst/>
             <a:rect l="textAreaLeft" t="textAreaTop" r="textAreaRight" b="textAreaBottom"/>
             <a:pathLst>
               <a:path w="15796576" h="7560000">
@@ -6630,26 +9450,35 @@
             </a:pathLst>
           </a:custGeom>
           <a:blipFill rotWithShape="0">
-            <a:blip r:embed="rId1"/>
+            <a:blip r:embed="rId2"/>
             <a:srcRect/>
-            <a:stretch/>
+            <a:stretch>
+              <a:fillRect l="-8511" r="-39207"/>
+            </a:stretch>
           </a:blipFill>
           <a:ln w="0">
             <a:noFill/>
           </a:ln>
         </p:spPr>
         <p:style>
-          <a:lnRef idx="0"/>
-          <a:fillRef idx="0"/>
-          <a:effectRef idx="0"/>
+          <a:lnRef idx="0">
+            <a:scrgbClr r="0" g="0" b="0"/>
+          </a:lnRef>
+          <a:fillRef idx="0">
+            <a:scrgbClr r="0" g="0" b="0"/>
+          </a:fillRef>
+          <a:effectRef idx="0">
+            <a:scrgbClr r="0" g="0" b="0"/>
+          </a:effectRef>
           <a:fontRef idx="minor"/>
         </p:style>
         <p:txBody>
-          <a:bodyPr lIns="90000" rIns="90000" tIns="45000" bIns="45000" anchor="t">
+          <a:bodyPr lIns="90000" tIns="45000" rIns="90000" bIns="45000" anchor="t">
             <a:noAutofit/>
           </a:bodyPr>
-          <a:p>
-            <a:endParaRPr b="0" lang="pt-BR" sz="1800" spc="-1" strike="noStrike">
+          <a:lstStyle/>
+          <a:p>
+            <a:endParaRPr lang="pt-BR" sz="1800" b="0" strike="noStrike" spc="-1" dirty="0">
               <a:solidFill>
                 <a:srgbClr val="000000"/>
               </a:solidFill>
@@ -6678,15 +9507,22 @@
           </a:ln>
         </p:spPr>
         <p:style>
-          <a:lnRef idx="0"/>
-          <a:fillRef idx="0"/>
-          <a:effectRef idx="0"/>
+          <a:lnRef idx="0">
+            <a:scrgbClr r="0" g="0" b="0"/>
+          </a:lnRef>
+          <a:fillRef idx="0">
+            <a:scrgbClr r="0" g="0" b="0"/>
+          </a:fillRef>
+          <a:effectRef idx="0">
+            <a:scrgbClr r="0" g="0" b="0"/>
+          </a:effectRef>
           <a:fontRef idx="minor"/>
         </p:style>
         <p:txBody>
-          <a:bodyPr lIns="0" rIns="0" tIns="0" bIns="0" anchor="t">
+          <a:bodyPr lIns="0" tIns="0" rIns="0" bIns="0" anchor="t">
             <a:spAutoFit/>
           </a:bodyPr>
+          <a:lstStyle/>
           <a:p>
             <a:pPr defTabSz="914400">
               <a:lnSpc>
@@ -6694,16 +9530,16 @@
               </a:lnSpc>
             </a:pPr>
             <a:r>
-              <a:rPr b="1" lang="en-US" sz="5800" spc="-1" strike="noStrike">
-                <a:solidFill>
-                  <a:srgbClr val="ffffff"/>
+              <a:rPr lang="en-US" sz="5800" b="1" strike="noStrike" spc="-1" dirty="0">
+                <a:solidFill>
+                  <a:srgbClr val="FFFFFF"/>
                 </a:solidFill>
                 <a:latin typeface="Maven Pro Bold"/>
                 <a:ea typeface="Maven Pro Bold"/>
               </a:rPr>
               <a:t>CERTIFICADO</a:t>
             </a:r>
-            <a:endParaRPr b="0" lang="pt-BR" sz="5800" spc="-1" strike="noStrike">
+            <a:endParaRPr lang="pt-BR" sz="5800" b="0" strike="noStrike" spc="-1" dirty="0">
               <a:solidFill>
                 <a:srgbClr val="000000"/>
               </a:solidFill>
@@ -6732,6 +9568,7 @@
               <a:gd name="textAreaBottom" fmla="*/ 1191960 h 1191600"/>
             </a:gdLst>
             <a:ahLst/>
+            <a:cxnLst/>
             <a:rect l="textAreaLeft" t="textAreaTop" r="textAreaRight" b="textAreaBottom"/>
             <a:pathLst>
               <a:path w="1187783" h="1192118">
@@ -6755,7 +9592,7 @@
             </a:pathLst>
           </a:custGeom>
           <a:blipFill rotWithShape="0">
-            <a:blip r:embed="rId2"/>
+            <a:blip r:embed="rId3"/>
             <a:srcRect/>
             <a:stretch/>
           </a:blipFill>
@@ -6764,17 +9601,24 @@
           </a:ln>
         </p:spPr>
         <p:style>
-          <a:lnRef idx="0"/>
-          <a:fillRef idx="0"/>
-          <a:effectRef idx="0"/>
+          <a:lnRef idx="0">
+            <a:scrgbClr r="0" g="0" b="0"/>
+          </a:lnRef>
+          <a:fillRef idx="0">
+            <a:scrgbClr r="0" g="0" b="0"/>
+          </a:fillRef>
+          <a:effectRef idx="0">
+            <a:scrgbClr r="0" g="0" b="0"/>
+          </a:effectRef>
           <a:fontRef idx="minor"/>
         </p:style>
         <p:txBody>
-          <a:bodyPr lIns="90000" rIns="90000" tIns="45000" bIns="45000" anchor="t">
+          <a:bodyPr lIns="90000" tIns="45000" rIns="90000" bIns="45000" anchor="t">
             <a:noAutofit/>
           </a:bodyPr>
-          <a:p>
-            <a:endParaRPr b="0" lang="pt-BR" sz="1800" spc="-1" strike="noStrike">
+          <a:lstStyle/>
+          <a:p>
+            <a:endParaRPr lang="pt-BR" sz="1800" b="0" strike="noStrike" spc="-1">
               <a:solidFill>
                 <a:srgbClr val="000000"/>
               </a:solidFill>
@@ -6805,17 +9649,24 @@
           </a:ln>
         </p:spPr>
         <p:style>
-          <a:lnRef idx="0"/>
-          <a:fillRef idx="0"/>
-          <a:effectRef idx="0"/>
+          <a:lnRef idx="0">
+            <a:scrgbClr r="0" g="0" b="0"/>
+          </a:lnRef>
+          <a:fillRef idx="0">
+            <a:scrgbClr r="0" g="0" b="0"/>
+          </a:fillRef>
+          <a:effectRef idx="0">
+            <a:scrgbClr r="0" g="0" b="0"/>
+          </a:effectRef>
           <a:fontRef idx="minor"/>
         </p:style>
         <p:txBody>
-          <a:bodyPr lIns="90000" rIns="90000" tIns="-44640" bIns="-44640" anchor="t" anchorCtr="1">
+          <a:bodyPr lIns="90000" tIns="-44640" rIns="90000" bIns="-44640" anchor="t" anchorCtr="1">
             <a:noAutofit/>
           </a:bodyPr>
-          <a:p>
-            <a:endParaRPr b="0" lang="pt-BR" sz="1800" spc="-1" strike="noStrike">
+          <a:lstStyle/>
+          <a:p>
+            <a:endParaRPr lang="pt-BR" sz="1800" b="0" strike="noStrike" spc="-1">
               <a:solidFill>
                 <a:srgbClr val="000000"/>
               </a:solidFill>
@@ -6844,6 +9695,7 @@
               <a:gd name="textAreaBottom" fmla="*/ 869400 h 869040"/>
             </a:gdLst>
             <a:ahLst/>
+            <a:cxnLst/>
             <a:rect l="textAreaLeft" t="textAreaTop" r="textAreaRight" b="textAreaBottom"/>
             <a:pathLst>
               <a:path w="3856780" h="869382">
@@ -6867,7 +9719,7 @@
             </a:pathLst>
           </a:custGeom>
           <a:blipFill rotWithShape="0">
-            <a:blip r:embed="rId3"/>
+            <a:blip r:embed="rId4"/>
             <a:srcRect/>
             <a:stretch/>
           </a:blipFill>
@@ -6876,17 +9728,24 @@
           </a:ln>
         </p:spPr>
         <p:style>
-          <a:lnRef idx="0"/>
-          <a:fillRef idx="0"/>
-          <a:effectRef idx="0"/>
+          <a:lnRef idx="0">
+            <a:scrgbClr r="0" g="0" b="0"/>
+          </a:lnRef>
+          <a:fillRef idx="0">
+            <a:scrgbClr r="0" g="0" b="0"/>
+          </a:fillRef>
+          <a:effectRef idx="0">
+            <a:scrgbClr r="0" g="0" b="0"/>
+          </a:effectRef>
           <a:fontRef idx="minor"/>
         </p:style>
         <p:txBody>
-          <a:bodyPr lIns="90000" rIns="90000" tIns="45000" bIns="45000" anchor="t">
+          <a:bodyPr lIns="90000" tIns="45000" rIns="90000" bIns="45000" anchor="t">
             <a:noAutofit/>
           </a:bodyPr>
-          <a:p>
-            <a:endParaRPr b="0" lang="pt-BR" sz="1800" spc="-1" strike="noStrike">
+          <a:lstStyle/>
+          <a:p>
+            <a:endParaRPr lang="pt-BR" sz="1800" b="0" strike="noStrike" spc="-1">
               <a:solidFill>
                 <a:srgbClr val="000000"/>
               </a:solidFill>
@@ -6915,15 +9774,22 @@
           </a:ln>
         </p:spPr>
         <p:style>
-          <a:lnRef idx="0"/>
-          <a:fillRef idx="0"/>
-          <a:effectRef idx="0"/>
+          <a:lnRef idx="0">
+            <a:scrgbClr r="0" g="0" b="0"/>
+          </a:lnRef>
+          <a:fillRef idx="0">
+            <a:scrgbClr r="0" g="0" b="0"/>
+          </a:fillRef>
+          <a:effectRef idx="0">
+            <a:scrgbClr r="0" g="0" b="0"/>
+          </a:effectRef>
           <a:fontRef idx="minor"/>
         </p:style>
         <p:txBody>
-          <a:bodyPr lIns="0" rIns="0" tIns="0" bIns="0" anchor="t">
+          <a:bodyPr lIns="0" tIns="0" rIns="0" bIns="0" anchor="t">
             <a:spAutoFit/>
           </a:bodyPr>
+          <a:lstStyle/>
           <a:p>
             <a:pPr defTabSz="914400">
               <a:lnSpc>
@@ -6931,36 +9797,226 @@
               </a:lnSpc>
             </a:pPr>
             <a:r>
-              <a:rPr b="0" lang="en-US" sz="2000" spc="-1" strike="noStrike">
-                <a:solidFill>
-                  <a:srgbClr val="ffffff"/>
+              <a:rPr lang="en-US" sz="2000" b="0" strike="noStrike" spc="-1" dirty="0" err="1">
+                <a:solidFill>
+                  <a:srgbClr val="FFFFFF"/>
                 </a:solidFill>
                 <a:latin typeface="Maven Pro"/>
                 <a:ea typeface="Maven Pro"/>
               </a:rPr>
-              <a:t>participou do treinamento </a:t>
-            </a:r>
-            <a:r>
-              <a:rPr b="1" lang="en-US" sz="2000" spc="-1" strike="noStrike">
-                <a:solidFill>
-                  <a:srgbClr val="ffffff"/>
+              <a:t>participou</a:t>
+            </a:r>
+            <a:r>
+              <a:rPr lang="en-US" sz="2000" b="0" strike="noStrike" spc="-1" dirty="0">
+                <a:solidFill>
+                  <a:srgbClr val="FFFFFF"/>
+                </a:solidFill>
+                <a:latin typeface="Maven Pro"/>
+                <a:ea typeface="Maven Pro"/>
+              </a:rPr>
+              <a:t> do </a:t>
+            </a:r>
+            <a:r>
+              <a:rPr lang="en-US" sz="2000" b="0" strike="noStrike" spc="-1" dirty="0" err="1">
+                <a:solidFill>
+                  <a:srgbClr val="FFFFFF"/>
+                </a:solidFill>
+                <a:latin typeface="Maven Pro"/>
+                <a:ea typeface="Maven Pro"/>
+              </a:rPr>
+              <a:t>treinamento</a:t>
+            </a:r>
+            <a:r>
+              <a:rPr lang="en-US" sz="2000" b="0" strike="noStrike" spc="-1" dirty="0">
+                <a:solidFill>
+                  <a:srgbClr val="FFFFFF"/>
+                </a:solidFill>
+                <a:latin typeface="Maven Pro"/>
+                <a:ea typeface="Maven Pro"/>
+              </a:rPr>
+              <a:t> </a:t>
+            </a:r>
+            <a:r>
+              <a:rPr lang="en-US" sz="2000" b="1" strike="noStrike" spc="-1" dirty="0" err="1">
+                <a:solidFill>
+                  <a:srgbClr val="FFFFFF"/>
                 </a:solidFill>
                 <a:latin typeface="Maven Pro Bold"/>
                 <a:ea typeface="Maven Pro Bold"/>
               </a:rPr>
-              <a:t>Atualizações em Processos Digitais</a:t>
-            </a:r>
-            <a:r>
-              <a:rPr b="0" lang="en-US" sz="2000" spc="-1" strike="noStrike">
-                <a:solidFill>
-                  <a:srgbClr val="ffffff"/>
+              <a:t>Atualizações</a:t>
+            </a:r>
+            <a:r>
+              <a:rPr lang="en-US" sz="2000" b="1" strike="noStrike" spc="-1" dirty="0">
+                <a:solidFill>
+                  <a:srgbClr val="FFFFFF"/>
+                </a:solidFill>
+                <a:latin typeface="Maven Pro Bold"/>
+                <a:ea typeface="Maven Pro Bold"/>
+              </a:rPr>
+              <a:t> </a:t>
+            </a:r>
+            <a:r>
+              <a:rPr lang="en-US" sz="2000" b="1" strike="noStrike" spc="-1" dirty="0" err="1">
+                <a:solidFill>
+                  <a:srgbClr val="FFFFFF"/>
+                </a:solidFill>
+                <a:latin typeface="Maven Pro Bold"/>
+                <a:ea typeface="Maven Pro Bold"/>
+              </a:rPr>
+              <a:t>em</a:t>
+            </a:r>
+            <a:r>
+              <a:rPr lang="en-US" sz="2000" b="1" strike="noStrike" spc="-1" dirty="0">
+                <a:solidFill>
+                  <a:srgbClr val="FFFFFF"/>
+                </a:solidFill>
+                <a:latin typeface="Maven Pro Bold"/>
+                <a:ea typeface="Maven Pro Bold"/>
+              </a:rPr>
+              <a:t> </a:t>
+            </a:r>
+            <a:r>
+              <a:rPr lang="en-US" sz="2000" b="1" strike="noStrike" spc="-1" dirty="0" err="1">
+                <a:solidFill>
+                  <a:srgbClr val="FFFFFF"/>
+                </a:solidFill>
+                <a:latin typeface="Maven Pro Bold"/>
+                <a:ea typeface="Maven Pro Bold"/>
+              </a:rPr>
+              <a:t>Processos</a:t>
+            </a:r>
+            <a:r>
+              <a:rPr lang="en-US" sz="2000" b="1" strike="noStrike" spc="-1" dirty="0">
+                <a:solidFill>
+                  <a:srgbClr val="FFFFFF"/>
+                </a:solidFill>
+                <a:latin typeface="Maven Pro Bold"/>
+                <a:ea typeface="Maven Pro Bold"/>
+              </a:rPr>
+              <a:t> </a:t>
+            </a:r>
+            <a:r>
+              <a:rPr lang="en-US" sz="2000" b="1" strike="noStrike" spc="-1" dirty="0" err="1">
+                <a:solidFill>
+                  <a:srgbClr val="FFFFFF"/>
+                </a:solidFill>
+                <a:latin typeface="Maven Pro Bold"/>
+                <a:ea typeface="Maven Pro Bold"/>
+              </a:rPr>
+              <a:t>Digitais</a:t>
+            </a:r>
+            <a:r>
+              <a:rPr lang="en-US" sz="2000" b="0" strike="noStrike" spc="-1" dirty="0">
+                <a:solidFill>
+                  <a:srgbClr val="FFFFFF"/>
                 </a:solidFill>
                 <a:latin typeface="Maven Pro"/>
                 <a:ea typeface="Maven Pro"/>
               </a:rPr>
-              <a:t>, referente ao Módulo de Governo Digital, no período de 15/04/2025 a 17/04/2024, com carga horária de 02 horas.</a:t>
-            </a:r>
-            <a:endParaRPr b="0" lang="pt-BR" sz="2000" spc="-1" strike="noStrike">
+              <a:t>, </a:t>
+            </a:r>
+            <a:r>
+              <a:rPr lang="en-US" sz="2000" b="0" strike="noStrike" spc="-1" dirty="0" err="1">
+                <a:solidFill>
+                  <a:srgbClr val="FFFFFF"/>
+                </a:solidFill>
+                <a:latin typeface="Maven Pro"/>
+                <a:ea typeface="Maven Pro"/>
+              </a:rPr>
+              <a:t>referente</a:t>
+            </a:r>
+            <a:r>
+              <a:rPr lang="en-US" sz="2000" b="0" strike="noStrike" spc="-1" dirty="0">
+                <a:solidFill>
+                  <a:srgbClr val="FFFFFF"/>
+                </a:solidFill>
+                <a:latin typeface="Maven Pro"/>
+                <a:ea typeface="Maven Pro"/>
+              </a:rPr>
+              <a:t> </a:t>
+            </a:r>
+            <a:r>
+              <a:rPr lang="en-US" sz="2000" b="0" strike="noStrike" spc="-1" dirty="0" err="1">
+                <a:solidFill>
+                  <a:srgbClr val="FFFFFF"/>
+                </a:solidFill>
+                <a:latin typeface="Maven Pro"/>
+                <a:ea typeface="Maven Pro"/>
+              </a:rPr>
+              <a:t>ao</a:t>
+            </a:r>
+            <a:r>
+              <a:rPr lang="en-US" sz="2000" b="0" strike="noStrike" spc="-1" dirty="0">
+                <a:solidFill>
+                  <a:srgbClr val="FFFFFF"/>
+                </a:solidFill>
+                <a:latin typeface="Maven Pro"/>
+                <a:ea typeface="Maven Pro"/>
+              </a:rPr>
+              <a:t> </a:t>
+            </a:r>
+            <a:r>
+              <a:rPr lang="en-US" sz="2000" b="0" strike="noStrike" spc="-1" dirty="0" err="1">
+                <a:solidFill>
+                  <a:srgbClr val="FFFFFF"/>
+                </a:solidFill>
+                <a:latin typeface="Maven Pro"/>
+                <a:ea typeface="Maven Pro"/>
+              </a:rPr>
+              <a:t>Módulo</a:t>
+            </a:r>
+            <a:r>
+              <a:rPr lang="en-US" sz="2000" b="0" strike="noStrike" spc="-1" dirty="0">
+                <a:solidFill>
+                  <a:srgbClr val="FFFFFF"/>
+                </a:solidFill>
+                <a:latin typeface="Maven Pro"/>
+                <a:ea typeface="Maven Pro"/>
+              </a:rPr>
+              <a:t> de Governo Digital, no </a:t>
+            </a:r>
+            <a:r>
+              <a:rPr lang="en-US" sz="2000" b="0" strike="noStrike" spc="-1" dirty="0" err="1">
+                <a:solidFill>
+                  <a:srgbClr val="FFFFFF"/>
+                </a:solidFill>
+                <a:latin typeface="Maven Pro"/>
+                <a:ea typeface="Maven Pro"/>
+              </a:rPr>
+              <a:t>período</a:t>
+            </a:r>
+            <a:r>
+              <a:rPr lang="en-US" sz="2000" b="0" strike="noStrike" spc="-1" dirty="0">
+                <a:solidFill>
+                  <a:srgbClr val="FFFFFF"/>
+                </a:solidFill>
+                <a:latin typeface="Maven Pro"/>
+                <a:ea typeface="Maven Pro"/>
+              </a:rPr>
+              <a:t> de 15/04/2025 a 17/04/2024, com carga </a:t>
+            </a:r>
+            <a:r>
+              <a:rPr lang="en-US" sz="2000" b="0" strike="noStrike" spc="-1" dirty="0" err="1">
+                <a:solidFill>
+                  <a:srgbClr val="FFFFFF"/>
+                </a:solidFill>
+                <a:latin typeface="Maven Pro"/>
+                <a:ea typeface="Maven Pro"/>
+              </a:rPr>
+              <a:t>horária</a:t>
+            </a:r>
+            <a:r>
+              <a:rPr lang="en-US" sz="2000" b="0" strike="noStrike" spc="-1" dirty="0">
+                <a:solidFill>
+                  <a:srgbClr val="FFFFFF"/>
+                </a:solidFill>
+                <a:latin typeface="Maven Pro"/>
+                <a:ea typeface="Maven Pro"/>
+              </a:rPr>
+              <a:t> de 02 horas.</a:t>
+            </a:r>
+            <a:endParaRPr lang="pt-BR" sz="2000" b="0" strike="noStrike" spc="-1" dirty="0">
               <a:solidFill>
                 <a:srgbClr val="000000"/>
               </a:solidFill>
@@ -6978,7 +10034,7 @@
         <p:spPr>
           <a:xfrm>
             <a:off x="1946160" y="2826360"/>
-            <a:ext cx="7989480" cy="1009440"/>
+            <a:ext cx="7989480" cy="879472"/>
           </a:xfrm>
           <a:prstGeom prst="rect">
             <a:avLst/>
@@ -6989,15 +10045,22 @@
           </a:ln>
         </p:spPr>
         <p:style>
-          <a:lnRef idx="0"/>
-          <a:fillRef idx="0"/>
-          <a:effectRef idx="0"/>
+          <a:lnRef idx="0">
+            <a:scrgbClr r="0" g="0" b="0"/>
+          </a:lnRef>
+          <a:fillRef idx="0">
+            <a:scrgbClr r="0" g="0" b="0"/>
+          </a:fillRef>
+          <a:effectRef idx="0">
+            <a:scrgbClr r="0" g="0" b="0"/>
+          </a:effectRef>
           <a:fontRef idx="minor"/>
         </p:style>
         <p:txBody>
-          <a:bodyPr lIns="0" rIns="0" tIns="0" bIns="0" anchor="t">
+          <a:bodyPr lIns="0" tIns="0" rIns="0" bIns="0" anchor="t">
             <a:spAutoFit/>
           </a:bodyPr>
+          <a:lstStyle/>
           <a:p>
             <a:pPr defTabSz="914400">
               <a:lnSpc>
@@ -7005,20 +10068,20 @@
               </a:lnSpc>
             </a:pPr>
             <a:r>
-              <a:rPr b="0" lang="en-US" sz="5300" spc="-1" strike="noStrike">
+              <a:rPr lang="en-US" sz="3200" b="1" strike="noStrike" spc="-1" dirty="0">
                 <a:solidFill>
                   <a:srgbClr val="000000"/>
                 </a:solidFill>
-                <a:latin typeface="Handsome"/>
+                <a:latin typeface="Maven Pro" pitchFamily="2" charset="77"/>
                 <a:ea typeface="Handsome"/>
               </a:rPr>
               <a:t>{NOME}</a:t>
             </a:r>
-            <a:endParaRPr b="0" lang="pt-BR" sz="5300" spc="-1" strike="noStrike">
+            <a:endParaRPr lang="pt-BR" sz="3200" b="1" strike="noStrike" spc="-1" dirty="0">
               <a:solidFill>
                 <a:srgbClr val="000000"/>
               </a:solidFill>
-              <a:latin typeface="Arial"/>
+              <a:latin typeface="Maven Pro" pitchFamily="2" charset="77"/>
             </a:endParaRPr>
           </a:p>
         </p:txBody>
@@ -7043,15 +10106,22 @@
           </a:ln>
         </p:spPr>
         <p:style>
-          <a:lnRef idx="0"/>
-          <a:fillRef idx="0"/>
-          <a:effectRef idx="0"/>
+          <a:lnRef idx="0">
+            <a:scrgbClr r="0" g="0" b="0"/>
+          </a:lnRef>
+          <a:fillRef idx="0">
+            <a:scrgbClr r="0" g="0" b="0"/>
+          </a:fillRef>
+          <a:effectRef idx="0">
+            <a:scrgbClr r="0" g="0" b="0"/>
+          </a:effectRef>
           <a:fontRef idx="minor"/>
         </p:style>
         <p:txBody>
-          <a:bodyPr lIns="0" rIns="0" tIns="0" bIns="0" anchor="t">
+          <a:bodyPr lIns="0" tIns="0" rIns="0" bIns="0" anchor="t">
             <a:spAutoFit/>
           </a:bodyPr>
+          <a:lstStyle/>
           <a:p>
             <a:pPr defTabSz="914400">
               <a:lnSpc>
@@ -7059,16 +10129,26 @@
               </a:lnSpc>
             </a:pPr>
             <a:r>
-              <a:rPr b="0" lang="en-US" sz="2500" spc="-1" strike="noStrike">
-                <a:solidFill>
-                  <a:srgbClr val="ffffff"/>
+              <a:rPr lang="en-US" sz="2500" b="0" strike="noStrike" spc="-1" dirty="0" err="1">
+                <a:solidFill>
+                  <a:srgbClr val="FFFFFF"/>
                 </a:solidFill>
                 <a:latin typeface="Maven Pro"/>
                 <a:ea typeface="Maven Pro"/>
               </a:rPr>
-              <a:t>Certificamos que</a:t>
-            </a:r>
-            <a:endParaRPr b="0" lang="pt-BR" sz="2500" spc="-1" strike="noStrike">
+              <a:t>Certificamos</a:t>
+            </a:r>
+            <a:r>
+              <a:rPr lang="en-US" sz="2500" b="0" strike="noStrike" spc="-1" dirty="0">
+                <a:solidFill>
+                  <a:srgbClr val="FFFFFF"/>
+                </a:solidFill>
+                <a:latin typeface="Maven Pro"/>
+                <a:ea typeface="Maven Pro"/>
+              </a:rPr>
+              <a:t> que</a:t>
+            </a:r>
+            <a:endParaRPr lang="pt-BR" sz="2500" b="0" strike="noStrike" spc="-1" dirty="0">
               <a:solidFill>
                 <a:srgbClr val="000000"/>
               </a:solidFill>
@@ -7097,15 +10177,22 @@
           </a:ln>
         </p:spPr>
         <p:style>
-          <a:lnRef idx="0"/>
-          <a:fillRef idx="0"/>
-          <a:effectRef idx="0"/>
+          <a:lnRef idx="0">
+            <a:scrgbClr r="0" g="0" b="0"/>
+          </a:lnRef>
+          <a:fillRef idx="0">
+            <a:scrgbClr r="0" g="0" b="0"/>
+          </a:fillRef>
+          <a:effectRef idx="0">
+            <a:scrgbClr r="0" g="0" b="0"/>
+          </a:effectRef>
           <a:fontRef idx="minor"/>
         </p:style>
         <p:txBody>
-          <a:bodyPr lIns="0" rIns="0" tIns="0" bIns="0" anchor="t">
+          <a:bodyPr lIns="0" tIns="0" rIns="0" bIns="0" anchor="t">
             <a:spAutoFit/>
           </a:bodyPr>
+          <a:lstStyle/>
           <a:p>
             <a:pPr algn="ctr" defTabSz="914400">
               <a:lnSpc>
@@ -7113,7 +10200,7 @@
               </a:lnSpc>
             </a:pPr>
             <a:r>
-              <a:rPr b="1" lang="en-US" sz="1700" spc="-1" strike="noStrike">
+              <a:rPr lang="en-US" sz="1700" b="1" strike="noStrike" spc="-1">
                 <a:solidFill>
                   <a:srgbClr val="000000"/>
                 </a:solidFill>
@@ -7122,7 +10209,7 @@
               </a:rPr>
               <a:t>Leonardo Maciel</a:t>
             </a:r>
-            <a:endParaRPr b="0" lang="pt-BR" sz="1700" spc="-1" strike="noStrike">
+            <a:endParaRPr lang="pt-BR" sz="1700" b="0" strike="noStrike" spc="-1">
               <a:solidFill>
                 <a:srgbClr val="000000"/>
               </a:solidFill>
@@ -7151,15 +10238,22 @@
           </a:ln>
         </p:spPr>
         <p:style>
-          <a:lnRef idx="0"/>
-          <a:fillRef idx="0"/>
-          <a:effectRef idx="0"/>
+          <a:lnRef idx="0">
+            <a:scrgbClr r="0" g="0" b="0"/>
+          </a:lnRef>
+          <a:fillRef idx="0">
+            <a:scrgbClr r="0" g="0" b="0"/>
+          </a:fillRef>
+          <a:effectRef idx="0">
+            <a:scrgbClr r="0" g="0" b="0"/>
+          </a:effectRef>
           <a:fontRef idx="minor"/>
         </p:style>
         <p:txBody>
-          <a:bodyPr lIns="0" rIns="0" tIns="0" bIns="0" anchor="t">
+          <a:bodyPr lIns="0" tIns="0" rIns="0" bIns="0" anchor="t">
             <a:spAutoFit/>
           </a:bodyPr>
+          <a:lstStyle/>
           <a:p>
             <a:pPr algn="ctr" defTabSz="914400">
               <a:lnSpc>
@@ -7167,7 +10261,7 @@
               </a:lnSpc>
             </a:pPr>
             <a:r>
-              <a:rPr b="0" lang="en-US" sz="1200" spc="-1" strike="noStrike">
+              <a:rPr lang="en-US" sz="1200" b="0" strike="noStrike" spc="-1">
                 <a:solidFill>
                   <a:srgbClr val="000000"/>
                 </a:solidFill>
@@ -7176,7 +10270,7 @@
               </a:rPr>
               <a:t>Instrutor e Coordenador de Desenvolvimento | IPM Sistemas</a:t>
             </a:r>
-            <a:endParaRPr b="0" lang="pt-BR" sz="1200" spc="-1" strike="noStrike">
+            <a:endParaRPr lang="pt-BR" sz="1200" b="0" strike="noStrike" spc="-1">
               <a:solidFill>
                 <a:srgbClr val="000000"/>
               </a:solidFill>
@@ -7205,15 +10299,22 @@
           </a:ln>
         </p:spPr>
         <p:style>
-          <a:lnRef idx="0"/>
-          <a:fillRef idx="0"/>
-          <a:effectRef idx="0"/>
+          <a:lnRef idx="0">
+            <a:scrgbClr r="0" g="0" b="0"/>
+          </a:lnRef>
+          <a:fillRef idx="0">
+            <a:scrgbClr r="0" g="0" b="0"/>
+          </a:fillRef>
+          <a:effectRef idx="0">
+            <a:scrgbClr r="0" g="0" b="0"/>
+          </a:effectRef>
           <a:fontRef idx="minor"/>
         </p:style>
         <p:txBody>
-          <a:bodyPr lIns="0" rIns="0" tIns="0" bIns="0" anchor="t">
+          <a:bodyPr lIns="0" tIns="0" rIns="0" bIns="0" anchor="t">
             <a:spAutoFit/>
           </a:bodyPr>
+          <a:lstStyle/>
           <a:p>
             <a:pPr defTabSz="914400">
               <a:lnSpc>
@@ -7221,16 +10322,16 @@
               </a:lnSpc>
             </a:pPr>
             <a:r>
-              <a:rPr b="0" lang="en-US" sz="1000" spc="-1" strike="noStrike">
-                <a:solidFill>
-                  <a:srgbClr val="ffffff"/>
+              <a:rPr lang="en-US" sz="1000" b="0" strike="noStrike" spc="-1">
+                <a:solidFill>
+                  <a:srgbClr val="FFFFFF"/>
                 </a:solidFill>
                 <a:latin typeface="Maven Pro"/>
                 <a:ea typeface="Maven Pro"/>
               </a:rPr>
               <a:t>Certificado {NUMERO} emitido por: Marketing e Comunicação | IPM Sistemas | 2025 </a:t>
             </a:r>
-            <a:endParaRPr b="0" lang="pt-BR" sz="1000" spc="-1" strike="noStrike">
+            <a:endParaRPr lang="pt-BR" sz="1000" b="0" strike="noStrike" spc="-1">
               <a:solidFill>
                 <a:srgbClr val="000000"/>
               </a:solidFill>
@@ -7241,53 +10342,48 @@
       </p:sp>
     </p:spTree>
   </p:cSld>
-  <mc:AlternateContent>
-    <mc:Choice Requires="p14">
-      <p:transition spd="slow" p14:dur="2000"/>
-    </mc:Choice>
-    <mc:Fallback>
-      <p:transition spd="slow"/>
-    </mc:Fallback>
-  </mc:AlternateContent>
+  <p:clrMapOvr>
+    <a:masterClrMapping/>
+  </p:clrMapOvr>
 </p:sld>
 </file>
 
 <file path=ppt/theme/theme1.xml><?xml version="1.0" encoding="utf-8"?>
-<a:theme xmlns:a="http://schemas.openxmlformats.org/drawingml/2006/main" xmlns:r="http://schemas.openxmlformats.org/officeDocument/2006/relationships" name="Office Theme">
+<a:theme xmlns:a="http://schemas.openxmlformats.org/drawingml/2006/main" name="Office Theme">
   <a:themeElements>
     <a:clrScheme name="Office">
       <a:dk1>
         <a:srgbClr val="000000"/>
       </a:dk1>
       <a:lt1>
-        <a:srgbClr val="ffffff"/>
+        <a:srgbClr val="FFFFFF"/>
       </a:lt1>
       <a:dk2>
-        <a:srgbClr val="1f497d"/>
+        <a:srgbClr val="1F497D"/>
       </a:dk2>
       <a:lt2>
-        <a:srgbClr val="eeece1"/>
+        <a:srgbClr val="EEECE1"/>
       </a:lt2>
       <a:accent1>
-        <a:srgbClr val="4f81bd"/>
+        <a:srgbClr val="4F81BD"/>
       </a:accent1>
       <a:accent2>
-        <a:srgbClr val="c0504d"/>
+        <a:srgbClr val="C0504D"/>
       </a:accent2>
       <a:accent3>
-        <a:srgbClr val="9bbb59"/>
+        <a:srgbClr val="9BBB59"/>
       </a:accent3>
       <a:accent4>
-        <a:srgbClr val="8064a2"/>
+        <a:srgbClr val="8064A2"/>
       </a:accent4>
       <a:accent5>
-        <a:srgbClr val="4bacc6"/>
+        <a:srgbClr val="4BACC6"/>
       </a:accent5>
       <a:accent6>
-        <a:srgbClr val="f79646"/>
+        <a:srgbClr val="F79646"/>
       </a:accent6>
       <a:hlink>
-        <a:srgbClr val="0000ff"/>
+        <a:srgbClr val="0000FF"/>
       </a:hlink>
       <a:folHlink>
         <a:srgbClr val="800080"/>
@@ -7295,12 +10391,12 @@
     </a:clrScheme>
     <a:fontScheme name="Office">
       <a:majorFont>
-        <a:latin typeface="Calibri" pitchFamily="0" charset="1"/>
+        <a:latin typeface="Calibri"/>
         <a:ea typeface=""/>
         <a:cs typeface=""/>
       </a:majorFont>
       <a:minorFont>
-        <a:latin typeface="Calibri" pitchFamily="0" charset="1"/>
+        <a:latin typeface="Calibri"/>
         <a:ea typeface=""/>
         <a:cs typeface=""/>
       </a:minorFont>
@@ -7329,7 +10425,7 @@
             </a:gs>
           </a:gsLst>
           <a:lin ang="16200000" scaled="1"/>
-          <a:tileRect l="0" t="0" r="0" b="0"/>
+          <a:tileRect/>
         </a:gradFill>
         <a:gradFill>
           <a:gsLst>
@@ -7350,7 +10446,7 @@
             </a:gs>
           </a:gsLst>
           <a:lin ang="16200000" scaled="0"/>
-          <a:tileRect l="0" t="0" r="0" b="0"/>
+          <a:tileRect/>
         </a:gradFill>
       </a:fillStyleLst>
       <a:lnStyleLst>
@@ -7401,7 +10497,7 @@
           <a:path path="circle">
             <a:fillToRect l="50000" t="-80000" r="50000" b="180000"/>
           </a:path>
-          <a:tileRect l="0" t="0" r="0" b="0"/>
+          <a:tileRect/>
         </a:gradFill>
         <a:gradFill>
           <a:gsLst>
@@ -7419,50 +10515,52 @@
           <a:path path="circle">
             <a:fillToRect l="50000" t="50000" r="50000" b="50000"/>
           </a:path>
-          <a:tileRect l="0" t="0" r="0" b="0"/>
+          <a:tileRect/>
         </a:gradFill>
       </a:bgFillStyleLst>
     </a:fmtScheme>
   </a:themeElements>
+  <a:objectDefaults/>
+  <a:extraClrSchemeLst/>
 </a:theme>
 </file>
 
 <file path=ppt/theme/theme10.xml><?xml version="1.0" encoding="utf-8"?>
-<a:theme xmlns:a="http://schemas.openxmlformats.org/drawingml/2006/main" xmlns:r="http://schemas.openxmlformats.org/officeDocument/2006/relationships" name="Office Theme">
+<a:theme xmlns:a="http://schemas.openxmlformats.org/drawingml/2006/main" name="Office Theme">
   <a:themeElements>
     <a:clrScheme name="Office">
       <a:dk1>
         <a:srgbClr val="000000"/>
       </a:dk1>
       <a:lt1>
-        <a:srgbClr val="ffffff"/>
+        <a:srgbClr val="FFFFFF"/>
       </a:lt1>
       <a:dk2>
-        <a:srgbClr val="1f497d"/>
+        <a:srgbClr val="1F497D"/>
       </a:dk2>
       <a:lt2>
-        <a:srgbClr val="eeece1"/>
+        <a:srgbClr val="EEECE1"/>
       </a:lt2>
       <a:accent1>
-        <a:srgbClr val="4f81bd"/>
+        <a:srgbClr val="4F81BD"/>
       </a:accent1>
       <a:accent2>
-        <a:srgbClr val="c0504d"/>
+        <a:srgbClr val="C0504D"/>
       </a:accent2>
       <a:accent3>
-        <a:srgbClr val="9bbb59"/>
+        <a:srgbClr val="9BBB59"/>
       </a:accent3>
       <a:accent4>
-        <a:srgbClr val="8064a2"/>
+        <a:srgbClr val="8064A2"/>
       </a:accent4>
       <a:accent5>
-        <a:srgbClr val="4bacc6"/>
+        <a:srgbClr val="4BACC6"/>
       </a:accent5>
       <a:accent6>
-        <a:srgbClr val="f79646"/>
+        <a:srgbClr val="F79646"/>
       </a:accent6>
       <a:hlink>
-        <a:srgbClr val="0000ff"/>
+        <a:srgbClr val="0000FF"/>
       </a:hlink>
       <a:folHlink>
         <a:srgbClr val="800080"/>
@@ -7470,12 +10568,12 @@
     </a:clrScheme>
     <a:fontScheme name="Office">
       <a:majorFont>
-        <a:latin typeface="Calibri" pitchFamily="0" charset="1"/>
+        <a:latin typeface="Calibri"/>
         <a:ea typeface=""/>
         <a:cs typeface=""/>
       </a:majorFont>
       <a:minorFont>
-        <a:latin typeface="Calibri" pitchFamily="0" charset="1"/>
+        <a:latin typeface="Calibri"/>
         <a:ea typeface=""/>
         <a:cs typeface=""/>
       </a:minorFont>
@@ -7504,7 +10602,7 @@
             </a:gs>
           </a:gsLst>
           <a:lin ang="16200000" scaled="1"/>
-          <a:tileRect l="0" t="0" r="0" b="0"/>
+          <a:tileRect/>
         </a:gradFill>
         <a:gradFill>
           <a:gsLst>
@@ -7525,7 +10623,7 @@
             </a:gs>
           </a:gsLst>
           <a:lin ang="16200000" scaled="0"/>
-          <a:tileRect l="0" t="0" r="0" b="0"/>
+          <a:tileRect/>
         </a:gradFill>
       </a:fillStyleLst>
       <a:lnStyleLst>
@@ -7576,7 +10674,7 @@
           <a:path path="circle">
             <a:fillToRect l="50000" t="-80000" r="50000" b="180000"/>
           </a:path>
-          <a:tileRect l="0" t="0" r="0" b="0"/>
+          <a:tileRect/>
         </a:gradFill>
         <a:gradFill>
           <a:gsLst>
@@ -7594,50 +10692,52 @@
           <a:path path="circle">
             <a:fillToRect l="50000" t="50000" r="50000" b="50000"/>
           </a:path>
-          <a:tileRect l="0" t="0" r="0" b="0"/>
+          <a:tileRect/>
         </a:gradFill>
       </a:bgFillStyleLst>
     </a:fmtScheme>
   </a:themeElements>
+  <a:objectDefaults/>
+  <a:extraClrSchemeLst/>
 </a:theme>
 </file>
 
 <file path=ppt/theme/theme11.xml><?xml version="1.0" encoding="utf-8"?>
-<a:theme xmlns:a="http://schemas.openxmlformats.org/drawingml/2006/main" xmlns:r="http://schemas.openxmlformats.org/officeDocument/2006/relationships" name="Office Theme">
+<a:theme xmlns:a="http://schemas.openxmlformats.org/drawingml/2006/main" name="Office Theme">
   <a:themeElements>
     <a:clrScheme name="Office">
       <a:dk1>
         <a:srgbClr val="000000"/>
       </a:dk1>
       <a:lt1>
-        <a:srgbClr val="ffffff"/>
+        <a:srgbClr val="FFFFFF"/>
       </a:lt1>
       <a:dk2>
-        <a:srgbClr val="1f497d"/>
+        <a:srgbClr val="1F497D"/>
       </a:dk2>
       <a:lt2>
-        <a:srgbClr val="eeece1"/>
+        <a:srgbClr val="EEECE1"/>
       </a:lt2>
       <a:accent1>
-        <a:srgbClr val="4f81bd"/>
+        <a:srgbClr val="4F81BD"/>
       </a:accent1>
       <a:accent2>
-        <a:srgbClr val="c0504d"/>
+        <a:srgbClr val="C0504D"/>
       </a:accent2>
       <a:accent3>
-        <a:srgbClr val="9bbb59"/>
+        <a:srgbClr val="9BBB59"/>
       </a:accent3>
       <a:accent4>
-        <a:srgbClr val="8064a2"/>
+        <a:srgbClr val="8064A2"/>
       </a:accent4>
       <a:accent5>
-        <a:srgbClr val="4bacc6"/>
+        <a:srgbClr val="4BACC6"/>
       </a:accent5>
       <a:accent6>
-        <a:srgbClr val="f79646"/>
+        <a:srgbClr val="F79646"/>
       </a:accent6>
       <a:hlink>
-        <a:srgbClr val="0000ff"/>
+        <a:srgbClr val="0000FF"/>
       </a:hlink>
       <a:folHlink>
         <a:srgbClr val="800080"/>
@@ -7645,12 +10745,12 @@
     </a:clrScheme>
     <a:fontScheme name="Office">
       <a:majorFont>
-        <a:latin typeface="Calibri" pitchFamily="0" charset="1"/>
+        <a:latin typeface="Calibri"/>
         <a:ea typeface=""/>
         <a:cs typeface=""/>
       </a:majorFont>
       <a:minorFont>
-        <a:latin typeface="Calibri" pitchFamily="0" charset="1"/>
+        <a:latin typeface="Calibri"/>
         <a:ea typeface=""/>
         <a:cs typeface=""/>
       </a:minorFont>
@@ -7679,7 +10779,7 @@
             </a:gs>
           </a:gsLst>
           <a:lin ang="16200000" scaled="1"/>
-          <a:tileRect l="0" t="0" r="0" b="0"/>
+          <a:tileRect/>
         </a:gradFill>
         <a:gradFill>
           <a:gsLst>
@@ -7700,7 +10800,7 @@
             </a:gs>
           </a:gsLst>
           <a:lin ang="16200000" scaled="0"/>
-          <a:tileRect l="0" t="0" r="0" b="0"/>
+          <a:tileRect/>
         </a:gradFill>
       </a:fillStyleLst>
       <a:lnStyleLst>
@@ -7751,7 +10851,7 @@
           <a:path path="circle">
             <a:fillToRect l="50000" t="-80000" r="50000" b="180000"/>
           </a:path>
-          <a:tileRect l="0" t="0" r="0" b="0"/>
+          <a:tileRect/>
         </a:gradFill>
         <a:gradFill>
           <a:gsLst>
@@ -7769,50 +10869,52 @@
           <a:path path="circle">
             <a:fillToRect l="50000" t="50000" r="50000" b="50000"/>
           </a:path>
-          <a:tileRect l="0" t="0" r="0" b="0"/>
+          <a:tileRect/>
         </a:gradFill>
       </a:bgFillStyleLst>
     </a:fmtScheme>
   </a:themeElements>
+  <a:objectDefaults/>
+  <a:extraClrSchemeLst/>
 </a:theme>
 </file>
 
 <file path=ppt/theme/theme2.xml><?xml version="1.0" encoding="utf-8"?>
-<a:theme xmlns:a="http://schemas.openxmlformats.org/drawingml/2006/main" xmlns:r="http://schemas.openxmlformats.org/officeDocument/2006/relationships" name="Office Theme">
+<a:theme xmlns:a="http://schemas.openxmlformats.org/drawingml/2006/main" name="Office Theme">
   <a:themeElements>
     <a:clrScheme name="Office">
       <a:dk1>
         <a:srgbClr val="000000"/>
       </a:dk1>
       <a:lt1>
-        <a:srgbClr val="ffffff"/>
+        <a:srgbClr val="FFFFFF"/>
       </a:lt1>
       <a:dk2>
-        <a:srgbClr val="1f497d"/>
+        <a:srgbClr val="1F497D"/>
       </a:dk2>
       <a:lt2>
-        <a:srgbClr val="eeece1"/>
+        <a:srgbClr val="EEECE1"/>
       </a:lt2>
       <a:accent1>
-        <a:srgbClr val="4f81bd"/>
+        <a:srgbClr val="4F81BD"/>
       </a:accent1>
       <a:accent2>
-        <a:srgbClr val="c0504d"/>
+        <a:srgbClr val="C0504D"/>
       </a:accent2>
       <a:accent3>
-        <a:srgbClr val="9bbb59"/>
+        <a:srgbClr val="9BBB59"/>
       </a:accent3>
       <a:accent4>
-        <a:srgbClr val="8064a2"/>
+        <a:srgbClr val="8064A2"/>
       </a:accent4>
       <a:accent5>
-        <a:srgbClr val="4bacc6"/>
+        <a:srgbClr val="4BACC6"/>
       </a:accent5>
       <a:accent6>
-        <a:srgbClr val="f79646"/>
+        <a:srgbClr val="F79646"/>
       </a:accent6>
       <a:hlink>
-        <a:srgbClr val="0000ff"/>
+        <a:srgbClr val="0000FF"/>
       </a:hlink>
       <a:folHlink>
         <a:srgbClr val="800080"/>
@@ -7820,12 +10922,12 @@
     </a:clrScheme>
     <a:fontScheme name="Office">
       <a:majorFont>
-        <a:latin typeface="Calibri" pitchFamily="0" charset="1"/>
+        <a:latin typeface="Calibri"/>
         <a:ea typeface=""/>
         <a:cs typeface=""/>
       </a:majorFont>
       <a:minorFont>
-        <a:latin typeface="Calibri" pitchFamily="0" charset="1"/>
+        <a:latin typeface="Calibri"/>
         <a:ea typeface=""/>
         <a:cs typeface=""/>
       </a:minorFont>
@@ -7854,7 +10956,7 @@
             </a:gs>
           </a:gsLst>
           <a:lin ang="16200000" scaled="1"/>
-          <a:tileRect l="0" t="0" r="0" b="0"/>
+          <a:tileRect/>
         </a:gradFill>
         <a:gradFill>
           <a:gsLst>
@@ -7875,7 +10977,7 @@
             </a:gs>
           </a:gsLst>
           <a:lin ang="16200000" scaled="0"/>
-          <a:tileRect l="0" t="0" r="0" b="0"/>
+          <a:tileRect/>
         </a:gradFill>
       </a:fillStyleLst>
       <a:lnStyleLst>
@@ -7926,7 +11028,7 @@
           <a:path path="circle">
             <a:fillToRect l="50000" t="-80000" r="50000" b="180000"/>
           </a:path>
-          <a:tileRect l="0" t="0" r="0" b="0"/>
+          <a:tileRect/>
         </a:gradFill>
         <a:gradFill>
           <a:gsLst>
@@ -7944,50 +11046,52 @@
           <a:path path="circle">
             <a:fillToRect l="50000" t="50000" r="50000" b="50000"/>
           </a:path>
-          <a:tileRect l="0" t="0" r="0" b="0"/>
+          <a:tileRect/>
         </a:gradFill>
       </a:bgFillStyleLst>
     </a:fmtScheme>
   </a:themeElements>
+  <a:objectDefaults/>
+  <a:extraClrSchemeLst/>
 </a:theme>
 </file>
 
 <file path=ppt/theme/theme3.xml><?xml version="1.0" encoding="utf-8"?>
-<a:theme xmlns:a="http://schemas.openxmlformats.org/drawingml/2006/main" xmlns:r="http://schemas.openxmlformats.org/officeDocument/2006/relationships" name="Office Theme">
+<a:theme xmlns:a="http://schemas.openxmlformats.org/drawingml/2006/main" name="Office Theme">
   <a:themeElements>
     <a:clrScheme name="Office">
       <a:dk1>
         <a:srgbClr val="000000"/>
       </a:dk1>
       <a:lt1>
-        <a:srgbClr val="ffffff"/>
+        <a:srgbClr val="FFFFFF"/>
       </a:lt1>
       <a:dk2>
-        <a:srgbClr val="1f497d"/>
+        <a:srgbClr val="1F497D"/>
       </a:dk2>
       <a:lt2>
-        <a:srgbClr val="eeece1"/>
+        <a:srgbClr val="EEECE1"/>
       </a:lt2>
       <a:accent1>
-        <a:srgbClr val="4f81bd"/>
+        <a:srgbClr val="4F81BD"/>
       </a:accent1>
       <a:accent2>
-        <a:srgbClr val="c0504d"/>
+        <a:srgbClr val="C0504D"/>
       </a:accent2>
       <a:accent3>
-        <a:srgbClr val="9bbb59"/>
+        <a:srgbClr val="9BBB59"/>
       </a:accent3>
       <a:accent4>
-        <a:srgbClr val="8064a2"/>
+        <a:srgbClr val="8064A2"/>
       </a:accent4>
       <a:accent5>
-        <a:srgbClr val="4bacc6"/>
+        <a:srgbClr val="4BACC6"/>
       </a:accent5>
       <a:accent6>
-        <a:srgbClr val="f79646"/>
+        <a:srgbClr val="F79646"/>
       </a:accent6>
       <a:hlink>
-        <a:srgbClr val="0000ff"/>
+        <a:srgbClr val="0000FF"/>
       </a:hlink>
       <a:folHlink>
         <a:srgbClr val="800080"/>
@@ -7995,12 +11099,12 @@
     </a:clrScheme>
     <a:fontScheme name="Office">
       <a:majorFont>
-        <a:latin typeface="Calibri" pitchFamily="0" charset="1"/>
+        <a:latin typeface="Calibri"/>
         <a:ea typeface=""/>
         <a:cs typeface=""/>
       </a:majorFont>
       <a:minorFont>
-        <a:latin typeface="Calibri" pitchFamily="0" charset="1"/>
+        <a:latin typeface="Calibri"/>
         <a:ea typeface=""/>
         <a:cs typeface=""/>
       </a:minorFont>
@@ -8029,7 +11133,7 @@
             </a:gs>
           </a:gsLst>
           <a:lin ang="16200000" scaled="1"/>
-          <a:tileRect l="0" t="0" r="0" b="0"/>
+          <a:tileRect/>
         </a:gradFill>
         <a:gradFill>
           <a:gsLst>
@@ -8050,7 +11154,7 @@
             </a:gs>
           </a:gsLst>
           <a:lin ang="16200000" scaled="0"/>
-          <a:tileRect l="0" t="0" r="0" b="0"/>
+          <a:tileRect/>
         </a:gradFill>
       </a:fillStyleLst>
       <a:lnStyleLst>
@@ -8101,7 +11205,7 @@
           <a:path path="circle">
             <a:fillToRect l="50000" t="-80000" r="50000" b="180000"/>
           </a:path>
-          <a:tileRect l="0" t="0" r="0" b="0"/>
+          <a:tileRect/>
         </a:gradFill>
         <a:gradFill>
           <a:gsLst>
@@ -8119,50 +11223,52 @@
           <a:path path="circle">
             <a:fillToRect l="50000" t="50000" r="50000" b="50000"/>
           </a:path>
-          <a:tileRect l="0" t="0" r="0" b="0"/>
+          <a:tileRect/>
         </a:gradFill>
       </a:bgFillStyleLst>
     </a:fmtScheme>
   </a:themeElements>
+  <a:objectDefaults/>
+  <a:extraClrSchemeLst/>
 </a:theme>
 </file>
 
 <file path=ppt/theme/theme4.xml><?xml version="1.0" encoding="utf-8"?>
-<a:theme xmlns:a="http://schemas.openxmlformats.org/drawingml/2006/main" xmlns:r="http://schemas.openxmlformats.org/officeDocument/2006/relationships" name="Office Theme">
+<a:theme xmlns:a="http://schemas.openxmlformats.org/drawingml/2006/main" name="Office Theme">
   <a:themeElements>
     <a:clrScheme name="Office">
       <a:dk1>
         <a:srgbClr val="000000"/>
       </a:dk1>
       <a:lt1>
-        <a:srgbClr val="ffffff"/>
+        <a:srgbClr val="FFFFFF"/>
       </a:lt1>
       <a:dk2>
-        <a:srgbClr val="1f497d"/>
+        <a:srgbClr val="1F497D"/>
       </a:dk2>
       <a:lt2>
-        <a:srgbClr val="eeece1"/>
+        <a:srgbClr val="EEECE1"/>
       </a:lt2>
       <a:accent1>
-        <a:srgbClr val="4f81bd"/>
+        <a:srgbClr val="4F81BD"/>
       </a:accent1>
       <a:accent2>
-        <a:srgbClr val="c0504d"/>
+        <a:srgbClr val="C0504D"/>
       </a:accent2>
       <a:accent3>
-        <a:srgbClr val="9bbb59"/>
+        <a:srgbClr val="9BBB59"/>
       </a:accent3>
       <a:accent4>
-        <a:srgbClr val="8064a2"/>
+        <a:srgbClr val="8064A2"/>
       </a:accent4>
       <a:accent5>
-        <a:srgbClr val="4bacc6"/>
+        <a:srgbClr val="4BACC6"/>
       </a:accent5>
       <a:accent6>
-        <a:srgbClr val="f79646"/>
+        <a:srgbClr val="F79646"/>
       </a:accent6>
       <a:hlink>
-        <a:srgbClr val="0000ff"/>
+        <a:srgbClr val="0000FF"/>
       </a:hlink>
       <a:folHlink>
         <a:srgbClr val="800080"/>
@@ -8170,12 +11276,12 @@
     </a:clrScheme>
     <a:fontScheme name="Office">
       <a:majorFont>
-        <a:latin typeface="Calibri" pitchFamily="0" charset="1"/>
+        <a:latin typeface="Calibri"/>
         <a:ea typeface=""/>
         <a:cs typeface=""/>
       </a:majorFont>
       <a:minorFont>
-        <a:latin typeface="Calibri" pitchFamily="0" charset="1"/>
+        <a:latin typeface="Calibri"/>
         <a:ea typeface=""/>
         <a:cs typeface=""/>
       </a:minorFont>
@@ -8204,7 +11310,7 @@
             </a:gs>
           </a:gsLst>
           <a:lin ang="16200000" scaled="1"/>
-          <a:tileRect l="0" t="0" r="0" b="0"/>
+          <a:tileRect/>
         </a:gradFill>
         <a:gradFill>
           <a:gsLst>
@@ -8225,7 +11331,7 @@
             </a:gs>
           </a:gsLst>
           <a:lin ang="16200000" scaled="0"/>
-          <a:tileRect l="0" t="0" r="0" b="0"/>
+          <a:tileRect/>
         </a:gradFill>
       </a:fillStyleLst>
       <a:lnStyleLst>
@@ -8276,7 +11382,7 @@
           <a:path path="circle">
             <a:fillToRect l="50000" t="-80000" r="50000" b="180000"/>
           </a:path>
-          <a:tileRect l="0" t="0" r="0" b="0"/>
+          <a:tileRect/>
         </a:gradFill>
         <a:gradFill>
           <a:gsLst>
@@ -8294,50 +11400,52 @@
           <a:path path="circle">
             <a:fillToRect l="50000" t="50000" r="50000" b="50000"/>
           </a:path>
-          <a:tileRect l="0" t="0" r="0" b="0"/>
+          <a:tileRect/>
         </a:gradFill>
       </a:bgFillStyleLst>
     </a:fmtScheme>
   </a:themeElements>
+  <a:objectDefaults/>
+  <a:extraClrSchemeLst/>
 </a:theme>
 </file>
 
 <file path=ppt/theme/theme5.xml><?xml version="1.0" encoding="utf-8"?>
-<a:theme xmlns:a="http://schemas.openxmlformats.org/drawingml/2006/main" xmlns:r="http://schemas.openxmlformats.org/officeDocument/2006/relationships" name="Office Theme">
+<a:theme xmlns:a="http://schemas.openxmlformats.org/drawingml/2006/main" name="Office Theme">
   <a:themeElements>
     <a:clrScheme name="Office">
       <a:dk1>
         <a:srgbClr val="000000"/>
       </a:dk1>
       <a:lt1>
-        <a:srgbClr val="ffffff"/>
+        <a:srgbClr val="FFFFFF"/>
       </a:lt1>
       <a:dk2>
-        <a:srgbClr val="1f497d"/>
+        <a:srgbClr val="1F497D"/>
       </a:dk2>
       <a:lt2>
-        <a:srgbClr val="eeece1"/>
+        <a:srgbClr val="EEECE1"/>
       </a:lt2>
       <a:accent1>
-        <a:srgbClr val="4f81bd"/>
+        <a:srgbClr val="4F81BD"/>
       </a:accent1>
       <a:accent2>
-        <a:srgbClr val="c0504d"/>
+        <a:srgbClr val="C0504D"/>
       </a:accent2>
       <a:accent3>
-        <a:srgbClr val="9bbb59"/>
+        <a:srgbClr val="9BBB59"/>
       </a:accent3>
       <a:accent4>
-        <a:srgbClr val="8064a2"/>
+        <a:srgbClr val="8064A2"/>
       </a:accent4>
       <a:accent5>
-        <a:srgbClr val="4bacc6"/>
+        <a:srgbClr val="4BACC6"/>
       </a:accent5>
       <a:accent6>
-        <a:srgbClr val="f79646"/>
+        <a:srgbClr val="F79646"/>
       </a:accent6>
       <a:hlink>
-        <a:srgbClr val="0000ff"/>
+        <a:srgbClr val="0000FF"/>
       </a:hlink>
       <a:folHlink>
         <a:srgbClr val="800080"/>
@@ -8345,12 +11453,12 @@
     </a:clrScheme>
     <a:fontScheme name="Office">
       <a:majorFont>
-        <a:latin typeface="Calibri" pitchFamily="0" charset="1"/>
+        <a:latin typeface="Calibri"/>
         <a:ea typeface=""/>
         <a:cs typeface=""/>
       </a:majorFont>
       <a:minorFont>
-        <a:latin typeface="Calibri" pitchFamily="0" charset="1"/>
+        <a:latin typeface="Calibri"/>
         <a:ea typeface=""/>
         <a:cs typeface=""/>
       </a:minorFont>
@@ -8379,7 +11487,7 @@
             </a:gs>
           </a:gsLst>
           <a:lin ang="16200000" scaled="1"/>
-          <a:tileRect l="0" t="0" r="0" b="0"/>
+          <a:tileRect/>
         </a:gradFill>
         <a:gradFill>
           <a:gsLst>
@@ -8400,7 +11508,7 @@
             </a:gs>
           </a:gsLst>
           <a:lin ang="16200000" scaled="0"/>
-          <a:tileRect l="0" t="0" r="0" b="0"/>
+          <a:tileRect/>
         </a:gradFill>
       </a:fillStyleLst>
       <a:lnStyleLst>
@@ -8451,7 +11559,7 @@
           <a:path path="circle">
             <a:fillToRect l="50000" t="-80000" r="50000" b="180000"/>
           </a:path>
-          <a:tileRect l="0" t="0" r="0" b="0"/>
+          <a:tileRect/>
         </a:gradFill>
         <a:gradFill>
           <a:gsLst>
@@ -8469,50 +11577,52 @@
           <a:path path="circle">
             <a:fillToRect l="50000" t="50000" r="50000" b="50000"/>
           </a:path>
-          <a:tileRect l="0" t="0" r="0" b="0"/>
+          <a:tileRect/>
         </a:gradFill>
       </a:bgFillStyleLst>
     </a:fmtScheme>
   </a:themeElements>
+  <a:objectDefaults/>
+  <a:extraClrSchemeLst/>
 </a:theme>
 </file>
 
 <file path=ppt/theme/theme6.xml><?xml version="1.0" encoding="utf-8"?>
-<a:theme xmlns:a="http://schemas.openxmlformats.org/drawingml/2006/main" xmlns:r="http://schemas.openxmlformats.org/officeDocument/2006/relationships" name="Office Theme">
+<a:theme xmlns:a="http://schemas.openxmlformats.org/drawingml/2006/main" name="Office Theme">
   <a:themeElements>
     <a:clrScheme name="Office">
       <a:dk1>
         <a:srgbClr val="000000"/>
       </a:dk1>
       <a:lt1>
-        <a:srgbClr val="ffffff"/>
+        <a:srgbClr val="FFFFFF"/>
       </a:lt1>
       <a:dk2>
-        <a:srgbClr val="1f497d"/>
+        <a:srgbClr val="1F497D"/>
       </a:dk2>
       <a:lt2>
-        <a:srgbClr val="eeece1"/>
+        <a:srgbClr val="EEECE1"/>
       </a:lt2>
       <a:accent1>
-        <a:srgbClr val="4f81bd"/>
+        <a:srgbClr val="4F81BD"/>
       </a:accent1>
       <a:accent2>
-        <a:srgbClr val="c0504d"/>
+        <a:srgbClr val="C0504D"/>
       </a:accent2>
       <a:accent3>
-        <a:srgbClr val="9bbb59"/>
+        <a:srgbClr val="9BBB59"/>
       </a:accent3>
       <a:accent4>
-        <a:srgbClr val="8064a2"/>
+        <a:srgbClr val="8064A2"/>
       </a:accent4>
       <a:accent5>
-        <a:srgbClr val="4bacc6"/>
+        <a:srgbClr val="4BACC6"/>
       </a:accent5>
       <a:accent6>
-        <a:srgbClr val="f79646"/>
+        <a:srgbClr val="F79646"/>
       </a:accent6>
       <a:hlink>
-        <a:srgbClr val="0000ff"/>
+        <a:srgbClr val="0000FF"/>
       </a:hlink>
       <a:folHlink>
         <a:srgbClr val="800080"/>
@@ -8520,12 +11630,12 @@
     </a:clrScheme>
     <a:fontScheme name="Office">
       <a:majorFont>
-        <a:latin typeface="Calibri" pitchFamily="0" charset="1"/>
+        <a:latin typeface="Calibri"/>
         <a:ea typeface=""/>
         <a:cs typeface=""/>
       </a:majorFont>
       <a:minorFont>
-        <a:latin typeface="Calibri" pitchFamily="0" charset="1"/>
+        <a:latin typeface="Calibri"/>
         <a:ea typeface=""/>
         <a:cs typeface=""/>
       </a:minorFont>
@@ -8554,7 +11664,7 @@
             </a:gs>
           </a:gsLst>
           <a:lin ang="16200000" scaled="1"/>
-          <a:tileRect l="0" t="0" r="0" b="0"/>
+          <a:tileRect/>
         </a:gradFill>
         <a:gradFill>
           <a:gsLst>
@@ -8575,7 +11685,7 @@
             </a:gs>
           </a:gsLst>
           <a:lin ang="16200000" scaled="0"/>
-          <a:tileRect l="0" t="0" r="0" b="0"/>
+          <a:tileRect/>
         </a:gradFill>
       </a:fillStyleLst>
       <a:lnStyleLst>
@@ -8626,7 +11736,7 @@
           <a:path path="circle">
             <a:fillToRect l="50000" t="-80000" r="50000" b="180000"/>
           </a:path>
-          <a:tileRect l="0" t="0" r="0" b="0"/>
+          <a:tileRect/>
         </a:gradFill>
         <a:gradFill>
           <a:gsLst>
@@ -8644,50 +11754,52 @@
           <a:path path="circle">
             <a:fillToRect l="50000" t="50000" r="50000" b="50000"/>
           </a:path>
-          <a:tileRect l="0" t="0" r="0" b="0"/>
+          <a:tileRect/>
         </a:gradFill>
       </a:bgFillStyleLst>
     </a:fmtScheme>
   </a:themeElements>
+  <a:objectDefaults/>
+  <a:extraClrSchemeLst/>
 </a:theme>
 </file>
 
 <file path=ppt/theme/theme7.xml><?xml version="1.0" encoding="utf-8"?>
-<a:theme xmlns:a="http://schemas.openxmlformats.org/drawingml/2006/main" xmlns:r="http://schemas.openxmlformats.org/officeDocument/2006/relationships" name="Office Theme">
+<a:theme xmlns:a="http://schemas.openxmlformats.org/drawingml/2006/main" name="Office Theme">
   <a:themeElements>
     <a:clrScheme name="Office">
       <a:dk1>
         <a:srgbClr val="000000"/>
       </a:dk1>
       <a:lt1>
-        <a:srgbClr val="ffffff"/>
+        <a:srgbClr val="FFFFFF"/>
       </a:lt1>
       <a:dk2>
-        <a:srgbClr val="1f497d"/>
+        <a:srgbClr val="1F497D"/>
       </a:dk2>
       <a:lt2>
-        <a:srgbClr val="eeece1"/>
+        <a:srgbClr val="EEECE1"/>
       </a:lt2>
       <a:accent1>
-        <a:srgbClr val="4f81bd"/>
+        <a:srgbClr val="4F81BD"/>
       </a:accent1>
       <a:accent2>
-        <a:srgbClr val="c0504d"/>
+        <a:srgbClr val="C0504D"/>
       </a:accent2>
       <a:accent3>
-        <a:srgbClr val="9bbb59"/>
+        <a:srgbClr val="9BBB59"/>
       </a:accent3>
       <a:accent4>
-        <a:srgbClr val="8064a2"/>
+        <a:srgbClr val="8064A2"/>
       </a:accent4>
       <a:accent5>
-        <a:srgbClr val="4bacc6"/>
+        <a:srgbClr val="4BACC6"/>
       </a:accent5>
       <a:accent6>
-        <a:srgbClr val="f79646"/>
+        <a:srgbClr val="F79646"/>
       </a:accent6>
       <a:hlink>
-        <a:srgbClr val="0000ff"/>
+        <a:srgbClr val="0000FF"/>
       </a:hlink>
       <a:folHlink>
         <a:srgbClr val="800080"/>
@@ -8695,12 +11807,12 @@
     </a:clrScheme>
     <a:fontScheme name="Office">
       <a:majorFont>
-        <a:latin typeface="Calibri" pitchFamily="0" charset="1"/>
+        <a:latin typeface="Calibri"/>
         <a:ea typeface=""/>
         <a:cs typeface=""/>
       </a:majorFont>
       <a:minorFont>
-        <a:latin typeface="Calibri" pitchFamily="0" charset="1"/>
+        <a:latin typeface="Calibri"/>
         <a:ea typeface=""/>
         <a:cs typeface=""/>
       </a:minorFont>
@@ -8729,7 +11841,7 @@
             </a:gs>
           </a:gsLst>
           <a:lin ang="16200000" scaled="1"/>
-          <a:tileRect l="0" t="0" r="0" b="0"/>
+          <a:tileRect/>
         </a:gradFill>
         <a:gradFill>
           <a:gsLst>
@@ -8750,7 +11862,7 @@
             </a:gs>
           </a:gsLst>
           <a:lin ang="16200000" scaled="0"/>
-          <a:tileRect l="0" t="0" r="0" b="0"/>
+          <a:tileRect/>
         </a:gradFill>
       </a:fillStyleLst>
       <a:lnStyleLst>
@@ -8801,7 +11913,7 @@
           <a:path path="circle">
             <a:fillToRect l="50000" t="-80000" r="50000" b="180000"/>
           </a:path>
-          <a:tileRect l="0" t="0" r="0" b="0"/>
+          <a:tileRect/>
         </a:gradFill>
         <a:gradFill>
           <a:gsLst>
@@ -8819,50 +11931,52 @@
           <a:path path="circle">
             <a:fillToRect l="50000" t="50000" r="50000" b="50000"/>
           </a:path>
-          <a:tileRect l="0" t="0" r="0" b="0"/>
+          <a:tileRect/>
         </a:gradFill>
       </a:bgFillStyleLst>
     </a:fmtScheme>
   </a:themeElements>
+  <a:objectDefaults/>
+  <a:extraClrSchemeLst/>
 </a:theme>
 </file>
 
 <file path=ppt/theme/theme8.xml><?xml version="1.0" encoding="utf-8"?>
-<a:theme xmlns:a="http://schemas.openxmlformats.org/drawingml/2006/main" xmlns:r="http://schemas.openxmlformats.org/officeDocument/2006/relationships" name="Office Theme">
+<a:theme xmlns:a="http://schemas.openxmlformats.org/drawingml/2006/main" name="Office Theme">
   <a:themeElements>
     <a:clrScheme name="Office">
       <a:dk1>
         <a:srgbClr val="000000"/>
       </a:dk1>
       <a:lt1>
-        <a:srgbClr val="ffffff"/>
+        <a:srgbClr val="FFFFFF"/>
       </a:lt1>
       <a:dk2>
-        <a:srgbClr val="1f497d"/>
+        <a:srgbClr val="1F497D"/>
       </a:dk2>
       <a:lt2>
-        <a:srgbClr val="eeece1"/>
+        <a:srgbClr val="EEECE1"/>
       </a:lt2>
       <a:accent1>
-        <a:srgbClr val="4f81bd"/>
+        <a:srgbClr val="4F81BD"/>
       </a:accent1>
       <a:accent2>
-        <a:srgbClr val="c0504d"/>
+        <a:srgbClr val="C0504D"/>
       </a:accent2>
       <a:accent3>
-        <a:srgbClr val="9bbb59"/>
+        <a:srgbClr val="9BBB59"/>
       </a:accent3>
       <a:accent4>
-        <a:srgbClr val="8064a2"/>
+        <a:srgbClr val="8064A2"/>
       </a:accent4>
       <a:accent5>
-        <a:srgbClr val="4bacc6"/>
+        <a:srgbClr val="4BACC6"/>
       </a:accent5>
       <a:accent6>
-        <a:srgbClr val="f79646"/>
+        <a:srgbClr val="F79646"/>
       </a:accent6>
       <a:hlink>
-        <a:srgbClr val="0000ff"/>
+        <a:srgbClr val="0000FF"/>
       </a:hlink>
       <a:folHlink>
         <a:srgbClr val="800080"/>
@@ -8870,12 +11984,12 @@
     </a:clrScheme>
     <a:fontScheme name="Office">
       <a:majorFont>
-        <a:latin typeface="Calibri" pitchFamily="0" charset="1"/>
+        <a:latin typeface="Calibri"/>
         <a:ea typeface=""/>
         <a:cs typeface=""/>
       </a:majorFont>
       <a:minorFont>
-        <a:latin typeface="Calibri" pitchFamily="0" charset="1"/>
+        <a:latin typeface="Calibri"/>
         <a:ea typeface=""/>
         <a:cs typeface=""/>
       </a:minorFont>
@@ -8904,7 +12018,7 @@
             </a:gs>
           </a:gsLst>
           <a:lin ang="16200000" scaled="1"/>
-          <a:tileRect l="0" t="0" r="0" b="0"/>
+          <a:tileRect/>
         </a:gradFill>
         <a:gradFill>
           <a:gsLst>
@@ -8925,7 +12039,7 @@
             </a:gs>
           </a:gsLst>
           <a:lin ang="16200000" scaled="0"/>
-          <a:tileRect l="0" t="0" r="0" b="0"/>
+          <a:tileRect/>
         </a:gradFill>
       </a:fillStyleLst>
       <a:lnStyleLst>
@@ -8976,7 +12090,7 @@
           <a:path path="circle">
             <a:fillToRect l="50000" t="-80000" r="50000" b="180000"/>
           </a:path>
-          <a:tileRect l="0" t="0" r="0" b="0"/>
+          <a:tileRect/>
         </a:gradFill>
         <a:gradFill>
           <a:gsLst>
@@ -8994,50 +12108,52 @@
           <a:path path="circle">
             <a:fillToRect l="50000" t="50000" r="50000" b="50000"/>
           </a:path>
-          <a:tileRect l="0" t="0" r="0" b="0"/>
+          <a:tileRect/>
         </a:gradFill>
       </a:bgFillStyleLst>
     </a:fmtScheme>
   </a:themeElements>
+  <a:objectDefaults/>
+  <a:extraClrSchemeLst/>
 </a:theme>
 </file>
 
 <file path=ppt/theme/theme9.xml><?xml version="1.0" encoding="utf-8"?>
-<a:theme xmlns:a="http://schemas.openxmlformats.org/drawingml/2006/main" xmlns:r="http://schemas.openxmlformats.org/officeDocument/2006/relationships" name="Office Theme">
+<a:theme xmlns:a="http://schemas.openxmlformats.org/drawingml/2006/main" name="Office Theme">
   <a:themeElements>
     <a:clrScheme name="Office">
       <a:dk1>
         <a:srgbClr val="000000"/>
       </a:dk1>
       <a:lt1>
-        <a:srgbClr val="ffffff"/>
+        <a:srgbClr val="FFFFFF"/>
       </a:lt1>
       <a:dk2>
-        <a:srgbClr val="1f497d"/>
+        <a:srgbClr val="1F497D"/>
       </a:dk2>
       <a:lt2>
-        <a:srgbClr val="eeece1"/>
+        <a:srgbClr val="EEECE1"/>
       </a:lt2>
       <a:accent1>
-        <a:srgbClr val="4f81bd"/>
+        <a:srgbClr val="4F81BD"/>
       </a:accent1>
       <a:accent2>
-        <a:srgbClr val="c0504d"/>
+        <a:srgbClr val="C0504D"/>
       </a:accent2>
       <a:accent3>
-        <a:srgbClr val="9bbb59"/>
+        <a:srgbClr val="9BBB59"/>
       </a:accent3>
       <a:accent4>
-        <a:srgbClr val="8064a2"/>
+        <a:srgbClr val="8064A2"/>
       </a:accent4>
       <a:accent5>
-        <a:srgbClr val="4bacc6"/>
+        <a:srgbClr val="4BACC6"/>
       </a:accent5>
       <a:accent6>
-        <a:srgbClr val="f79646"/>
+        <a:srgbClr val="F79646"/>
       </a:accent6>
       <a:hlink>
-        <a:srgbClr val="0000ff"/>
+        <a:srgbClr val="0000FF"/>
       </a:hlink>
       <a:folHlink>
         <a:srgbClr val="800080"/>
@@ -9045,12 +12161,12 @@
     </a:clrScheme>
     <a:fontScheme name="Office">
       <a:majorFont>
-        <a:latin typeface="Calibri" pitchFamily="0" charset="1"/>
+        <a:latin typeface="Calibri"/>
         <a:ea typeface=""/>
         <a:cs typeface=""/>
       </a:majorFont>
       <a:minorFont>
-        <a:latin typeface="Calibri" pitchFamily="0" charset="1"/>
+        <a:latin typeface="Calibri"/>
         <a:ea typeface=""/>
         <a:cs typeface=""/>
       </a:minorFont>
@@ -9079,7 +12195,7 @@
             </a:gs>
           </a:gsLst>
           <a:lin ang="16200000" scaled="1"/>
-          <a:tileRect l="0" t="0" r="0" b="0"/>
+          <a:tileRect/>
         </a:gradFill>
         <a:gradFill>
           <a:gsLst>
@@ -9100,7 +12216,7 @@
             </a:gs>
           </a:gsLst>
           <a:lin ang="16200000" scaled="0"/>
-          <a:tileRect l="0" t="0" r="0" b="0"/>
+          <a:tileRect/>
         </a:gradFill>
       </a:fillStyleLst>
       <a:lnStyleLst>
@@ -9151,7 +12267,7 @@
           <a:path path="circle">
             <a:fillToRect l="50000" t="-80000" r="50000" b="180000"/>
           </a:path>
-          <a:tileRect l="0" t="0" r="0" b="0"/>
+          <a:tileRect/>
         </a:gradFill>
         <a:gradFill>
           <a:gsLst>
@@ -9169,10 +12285,12 @@
           <a:path path="circle">
             <a:fillToRect l="50000" t="50000" r="50000" b="50000"/>
           </a:path>
-          <a:tileRect l="0" t="0" r="0" b="0"/>
+          <a:tileRect/>
         </a:gradFill>
       </a:bgFillStyleLst>
     </a:fmtScheme>
   </a:themeElements>
+  <a:objectDefaults/>
+  <a:extraClrSchemeLst/>
 </a:theme>
 </file>